--- a/создания идеальной линзы.pptx
+++ b/создания идеальной линзы.pptx
@@ -15,16 +15,22 @@
     <p:sldId id="286" r:id="rId9"/>
     <p:sldId id="275" r:id="rId10"/>
     <p:sldId id="273" r:id="rId11"/>
-    <p:sldId id="276" r:id="rId12"/>
-    <p:sldId id="277" r:id="rId13"/>
-    <p:sldId id="278" r:id="rId14"/>
-    <p:sldId id="279" r:id="rId15"/>
-    <p:sldId id="280" r:id="rId16"/>
-    <p:sldId id="281" r:id="rId17"/>
-    <p:sldId id="282" r:id="rId18"/>
-    <p:sldId id="267" r:id="rId19"/>
-    <p:sldId id="268" r:id="rId20"/>
-    <p:sldId id="270" r:id="rId21"/>
+    <p:sldId id="287" r:id="rId12"/>
+    <p:sldId id="288" r:id="rId13"/>
+    <p:sldId id="276" r:id="rId14"/>
+    <p:sldId id="289" r:id="rId15"/>
+    <p:sldId id="277" r:id="rId16"/>
+    <p:sldId id="278" r:id="rId17"/>
+    <p:sldId id="279" r:id="rId18"/>
+    <p:sldId id="280" r:id="rId19"/>
+    <p:sldId id="290" r:id="rId20"/>
+    <p:sldId id="281" r:id="rId21"/>
+    <p:sldId id="291" r:id="rId22"/>
+    <p:sldId id="282" r:id="rId23"/>
+    <p:sldId id="292" r:id="rId24"/>
+    <p:sldId id="267" r:id="rId25"/>
+    <p:sldId id="268" r:id="rId26"/>
+    <p:sldId id="270" r:id="rId27"/>
   </p:sldIdLst>
   <p:sldSz cx="12192000" cy="6858000"/>
   <p:notesSz cx="6858000" cy="9144000"/>
@@ -155,7 +161,7 @@
   </p:defaultTextStyle>
   <p:extLst>
     <p:ext uri="{EFAFB233-063F-42B5-8137-9DF3F51BA10A}">
-      <p15:sldGuideLst xmlns="" xmlns:p15="http://schemas.microsoft.com/office/powerpoint/2012/main">
+      <p15:sldGuideLst xmlns:p15="http://schemas.microsoft.com/office/powerpoint/2012/main" xmlns="">
         <p15:guide id="1" orient="horz" pos="2160">
           <p15:clr>
             <a:srgbClr val="A4A3A4"/>
@@ -6865,6 +6871,11 @@
           <a:bodyPr/>
           <a:lstStyle/>
           <a:p>
+            <a:pPr algn="ctr"/>
+            <a:r>
+              <a:rPr lang="ru-RU" dirty="0" smtClean="0"/>
+              <a:t>Толщина линзы</a:t>
+            </a:r>
             <a:endParaRPr lang="ru-RU" dirty="0"/>
           </a:p>
         </p:txBody>
@@ -6892,7 +6903,7 @@
         </p:blipFill>
         <p:spPr bwMode="auto">
           <a:xfrm>
-            <a:off x="4394823" y="1756175"/>
+            <a:off x="4394823" y="1597151"/>
             <a:ext cx="7651404" cy="5101823"/>
           </a:xfrm>
           <a:prstGeom prst="rect">
@@ -6910,6 +6921,255 @@
           </a:extLst>
         </p:spPr>
       </p:pic>
+      <mc:AlternateContent xmlns:mc="http://schemas.openxmlformats.org/markup-compatibility/2006">
+        <mc:Choice xmlns:a14="http://schemas.microsoft.com/office/drawing/2010/main" Requires="a14">
+          <p:sp>
+            <p:nvSpPr>
+              <p:cNvPr id="3" name="Прямоугольник 2"/>
+              <p:cNvSpPr/>
+              <p:nvPr/>
+            </p:nvSpPr>
+            <p:spPr>
+              <a:xfrm>
+                <a:off x="496956" y="2471538"/>
+                <a:ext cx="3120888" cy="1198854"/>
+              </a:xfrm>
+              <a:prstGeom prst="rect">
+                <a:avLst/>
+              </a:prstGeom>
+            </p:spPr>
+            <p:txBody>
+              <a:bodyPr wrap="square">
+                <a:spAutoFit/>
+              </a:bodyPr>
+              <a:lstStyle/>
+              <a:p>
+                <a14:m>
+                  <m:oMathPara xmlns:m="http://schemas.openxmlformats.org/officeDocument/2006/math">
+                    <m:oMathParaPr>
+                      <m:jc m:val="centerGroup"/>
+                    </m:oMathParaPr>
+                    <m:oMath xmlns:m="http://schemas.openxmlformats.org/officeDocument/2006/math">
+                      <m:sSub>
+                        <m:sSubPr>
+                          <m:ctrlPr>
+                            <a:rPr lang="ru-RU" sz="3200" i="1"/>
+                          </m:ctrlPr>
+                        </m:sSubPr>
+                        <m:e>
+                          <m:r>
+                            <a:rPr lang="ru-RU" sz="3200" i="1"/>
+                            <m:t>𝑙</m:t>
+                          </m:r>
+                        </m:e>
+                        <m:sub>
+                          <m:r>
+                            <a:rPr lang="ru-RU" sz="3200" i="1"/>
+                            <m:t>1</m:t>
+                          </m:r>
+                        </m:sub>
+                      </m:sSub>
+                      <m:r>
+                        <a:rPr lang="ru-RU" sz="3200" i="1"/>
+                        <m:t>=</m:t>
+                      </m:r>
+                      <m:r>
+                        <a:rPr lang="en-US" sz="3200" i="1"/>
+                        <m:t>𝑎</m:t>
+                      </m:r>
+                      <m:d>
+                        <m:dPr>
+                          <m:ctrlPr>
+                            <a:rPr lang="ru-RU" sz="3200" i="1"/>
+                          </m:ctrlPr>
+                        </m:dPr>
+                        <m:e>
+                          <m:r>
+                            <a:rPr lang="ru-RU" sz="3200" i="1"/>
+                            <m:t>1−</m:t>
+                          </m:r>
+                          <m:f>
+                            <m:fPr>
+                              <m:ctrlPr>
+                                <a:rPr lang="ru-RU" sz="3200" i="1"/>
+                              </m:ctrlPr>
+                            </m:fPr>
+                            <m:num>
+                              <m:r>
+                                <a:rPr lang="ru-RU" sz="3200" i="1"/>
+                                <m:t>1</m:t>
+                              </m:r>
+                            </m:num>
+                            <m:den>
+                              <m:rad>
+                                <m:radPr>
+                                  <m:degHide m:val="on"/>
+                                  <m:ctrlPr>
+                                    <a:rPr lang="ru-RU" sz="3200" i="1"/>
+                                  </m:ctrlPr>
+                                </m:radPr>
+                                <m:deg/>
+                                <m:e>
+                                  <m:r>
+                                    <a:rPr lang="en-US" sz="3200" i="1"/>
+                                    <m:t>𝑛</m:t>
+                                  </m:r>
+                                </m:e>
+                              </m:rad>
+                            </m:den>
+                          </m:f>
+                        </m:e>
+                      </m:d>
+                    </m:oMath>
+                  </m:oMathPara>
+                </a14:m>
+                <a:endParaRPr lang="ru-RU" sz="3200" dirty="0"/>
+              </a:p>
+            </p:txBody>
+          </p:sp>
+        </mc:Choice>
+        <mc:Fallback>
+          <p:sp>
+            <p:nvSpPr>
+              <p:cNvPr id="3" name="Прямоугольник 2"/>
+              <p:cNvSpPr>
+                <a:spLocks noRot="1" noChangeAspect="1" noMove="1" noResize="1" noEditPoints="1" noAdjustHandles="1" noChangeArrowheads="1" noChangeShapeType="1" noTextEdit="1"/>
+              </p:cNvSpPr>
+              <p:nvPr/>
+            </p:nvSpPr>
+            <p:spPr>
+              <a:xfrm>
+                <a:off x="496956" y="2471538"/>
+                <a:ext cx="3120888" cy="1198854"/>
+              </a:xfrm>
+              <a:prstGeom prst="rect">
+                <a:avLst/>
+              </a:prstGeom>
+              <a:blipFill rotWithShape="1">
+                <a:blip r:embed="rId3"/>
+                <a:stretch>
+                  <a:fillRect/>
+                </a:stretch>
+              </a:blipFill>
+            </p:spPr>
+            <p:txBody>
+              <a:bodyPr/>
+              <a:lstStyle/>
+              <a:p>
+                <a:r>
+                  <a:rPr lang="ru-RU">
+                    <a:noFill/>
+                  </a:rPr>
+                  <a:t> </a:t>
+                </a:r>
+              </a:p>
+            </p:txBody>
+          </p:sp>
+        </mc:Fallback>
+      </mc:AlternateContent>
+      <mc:AlternateContent xmlns:mc="http://schemas.openxmlformats.org/markup-compatibility/2006">
+        <mc:Choice xmlns:a14="http://schemas.microsoft.com/office/drawing/2010/main" Requires="a14">
+          <p:sp>
+            <p:nvSpPr>
+              <p:cNvPr id="4" name="Прямоугольник 3"/>
+              <p:cNvSpPr/>
+              <p:nvPr/>
+            </p:nvSpPr>
+            <p:spPr>
+              <a:xfrm>
+                <a:off x="496956" y="4014698"/>
+                <a:ext cx="1312988" cy="584775"/>
+              </a:xfrm>
+              <a:prstGeom prst="rect">
+                <a:avLst/>
+              </a:prstGeom>
+            </p:spPr>
+            <p:txBody>
+              <a:bodyPr wrap="none">
+                <a:spAutoFit/>
+              </a:bodyPr>
+              <a:lstStyle/>
+              <a:p>
+                <a14:m>
+                  <m:oMathPara xmlns:m="http://schemas.openxmlformats.org/officeDocument/2006/math">
+                    <m:oMathParaPr>
+                      <m:jc m:val="centerGroup"/>
+                    </m:oMathParaPr>
+                    <m:oMath xmlns:m="http://schemas.openxmlformats.org/officeDocument/2006/math">
+                      <m:sSub>
+                        <m:sSubPr>
+                          <m:ctrlPr>
+                            <a:rPr lang="ru-RU" sz="3200" i="1"/>
+                          </m:ctrlPr>
+                        </m:sSubPr>
+                        <m:e>
+                          <m:r>
+                            <a:rPr lang="ru-RU" sz="3200" i="1"/>
+                            <m:t>𝑙</m:t>
+                          </m:r>
+                        </m:e>
+                        <m:sub>
+                          <m:r>
+                            <a:rPr lang="ru-RU" sz="3200" i="1"/>
+                            <m:t>2</m:t>
+                          </m:r>
+                        </m:sub>
+                      </m:sSub>
+                      <m:r>
+                        <a:rPr lang="ru-RU" sz="3200" i="1"/>
+                        <m:t>=</m:t>
+                      </m:r>
+                      <m:r>
+                        <a:rPr lang="ru-RU" sz="3200" i="1"/>
+                        <m:t>𝑐</m:t>
+                      </m:r>
+                    </m:oMath>
+                  </m:oMathPara>
+                </a14:m>
+                <a:endParaRPr lang="ru-RU" sz="3200" dirty="0"/>
+              </a:p>
+            </p:txBody>
+          </p:sp>
+        </mc:Choice>
+        <mc:Fallback>
+          <p:sp>
+            <p:nvSpPr>
+              <p:cNvPr id="4" name="Прямоугольник 3"/>
+              <p:cNvSpPr>
+                <a:spLocks noRot="1" noChangeAspect="1" noMove="1" noResize="1" noEditPoints="1" noAdjustHandles="1" noChangeArrowheads="1" noChangeShapeType="1" noTextEdit="1"/>
+              </p:cNvSpPr>
+              <p:nvPr/>
+            </p:nvSpPr>
+            <p:spPr>
+              <a:xfrm>
+                <a:off x="496956" y="4014698"/>
+                <a:ext cx="1312988" cy="584775"/>
+              </a:xfrm>
+              <a:prstGeom prst="rect">
+                <a:avLst/>
+              </a:prstGeom>
+              <a:blipFill rotWithShape="1">
+                <a:blip r:embed="rId4"/>
+                <a:stretch>
+                  <a:fillRect/>
+                </a:stretch>
+              </a:blipFill>
+            </p:spPr>
+            <p:txBody>
+              <a:bodyPr/>
+              <a:lstStyle/>
+              <a:p>
+                <a:r>
+                  <a:rPr lang="ru-RU">
+                    <a:noFill/>
+                  </a:rPr>
+                  <a:t> </a:t>
+                </a:r>
+              </a:p>
+            </p:txBody>
+          </p:sp>
+        </mc:Fallback>
+      </mc:AlternateContent>
     </p:spTree>
     <p:extLst>
       <p:ext uri="{BB962C8B-B14F-4D97-AF65-F5344CB8AC3E}">
@@ -6968,8 +7228,10 @@
       </p:sp>
       <p:pic>
         <p:nvPicPr>
-          <p:cNvPr id="4" name="Рисунок 3" descr="G:\Illustrations\11.png"/>
-          <p:cNvPicPr/>
+          <p:cNvPr id="3074" name="Picture 2" descr="C:\Users\Ololo\Desktop\science\sciense\Illustrations\22.png"/>
+          <p:cNvPicPr>
+            <a:picLocks noChangeAspect="1" noChangeArrowheads="1"/>
+          </p:cNvPicPr>
           <p:nvPr/>
         </p:nvPicPr>
         <p:blipFill>
@@ -6987,1004 +7249,28 @@
         </p:blipFill>
         <p:spPr bwMode="auto">
           <a:xfrm>
-            <a:off x="4477298" y="2180653"/>
-            <a:ext cx="7638626" cy="3819313"/>
+            <a:off x="1971537" y="1561660"/>
+            <a:ext cx="8282124" cy="4199860"/>
           </a:xfrm>
           <a:prstGeom prst="rect">
             <a:avLst/>
           </a:prstGeom>
           <a:noFill/>
-          <a:ln>
-            <a:noFill/>
-          </a:ln>
+          <a:extLst>
+            <a:ext uri="{909E8E84-426E-40DD-AFC4-6F175D3DCCD1}">
+              <a14:hiddenFill xmlns:a14="http://schemas.microsoft.com/office/drawing/2010/main">
+                <a:solidFill>
+                  <a:srgbClr val="FFFFFF"/>
+                </a:solidFill>
+              </a14:hiddenFill>
+            </a:ext>
+          </a:extLst>
         </p:spPr>
       </p:pic>
-      <mc:AlternateContent xmlns:mc="http://schemas.openxmlformats.org/markup-compatibility/2006" xmlns:a14="http://schemas.microsoft.com/office/drawing/2010/main">
-        <mc:Choice Requires="a14">
-          <p:sp>
-            <p:nvSpPr>
-              <p:cNvPr id="5" name="Прямоугольник 4"/>
-              <p:cNvSpPr/>
-              <p:nvPr/>
-            </p:nvSpPr>
-            <p:spPr>
-              <a:xfrm>
-                <a:off x="0" y="2295499"/>
-                <a:ext cx="4684734" cy="3213637"/>
-              </a:xfrm>
-              <a:prstGeom prst="rect">
-                <a:avLst/>
-              </a:prstGeom>
-            </p:spPr>
-            <p:txBody>
-              <a:bodyPr wrap="square">
-                <a:spAutoFit/>
-              </a:bodyPr>
-              <a:lstStyle/>
-              <a:p>
-                <a:pPr/>
-                <a14:m>
-                  <m:oMathPara xmlns:m="http://schemas.openxmlformats.org/officeDocument/2006/math">
-                    <m:oMathParaPr>
-                      <m:jc m:val="centerGroup"/>
-                    </m:oMathParaPr>
-                    <m:oMath xmlns:m="http://schemas.openxmlformats.org/officeDocument/2006/math">
-                      <m:sSup>
-                        <m:sSupPr>
-                          <m:ctrlPr>
-                            <a:rPr lang="ru-RU" i="1">
-                              <a:latin typeface="Cambria Math"/>
-                            </a:rPr>
-                          </m:ctrlPr>
-                        </m:sSupPr>
-                        <m:e>
-                          <m:r>
-                            <a:rPr lang="en-US" i="1">
-                              <a:latin typeface="Cambria Math"/>
-                            </a:rPr>
-                            <m:t>𝑟</m:t>
-                          </m:r>
-                        </m:e>
-                        <m:sup>
-                          <m:r>
-                            <a:rPr lang="en-US" i="1">
-                              <a:latin typeface="Cambria Math"/>
-                            </a:rPr>
-                            <m:t>2</m:t>
-                          </m:r>
-                        </m:sup>
-                      </m:sSup>
-                      <m:d>
-                        <m:dPr>
-                          <m:ctrlPr>
-                            <a:rPr lang="ru-RU" i="1">
-                              <a:latin typeface="Cambria Math"/>
-                            </a:rPr>
-                          </m:ctrlPr>
-                        </m:dPr>
-                        <m:e>
-                          <m:sSup>
-                            <m:sSupPr>
-                              <m:ctrlPr>
-                                <a:rPr lang="ru-RU" i="1">
-                                  <a:latin typeface="Cambria Math"/>
-                                </a:rPr>
-                              </m:ctrlPr>
-                            </m:sSupPr>
-                            <m:e>
-                              <m:r>
-                                <a:rPr lang="en-US" i="1">
-                                  <a:latin typeface="Cambria Math"/>
-                                </a:rPr>
-                                <m:t>𝑛</m:t>
-                              </m:r>
-                            </m:e>
-                            <m:sup>
-                              <m:r>
-                                <a:rPr lang="en-US" i="1">
-                                  <a:latin typeface="Cambria Math"/>
-                                </a:rPr>
-                                <m:t>2</m:t>
-                              </m:r>
-                            </m:sup>
-                          </m:sSup>
-                          <m:r>
-                            <a:rPr lang="en-US" i="1">
-                              <a:latin typeface="Cambria Math"/>
-                            </a:rPr>
-                            <m:t>−1</m:t>
-                          </m:r>
-                        </m:e>
-                      </m:d>
-                      <m:r>
-                        <a:rPr lang="en-US" i="1">
-                          <a:latin typeface="Cambria Math"/>
-                        </a:rPr>
-                        <m:t>+</m:t>
-                      </m:r>
-                      <m:r>
-                        <a:rPr lang="en-US" i="1">
-                          <a:latin typeface="Cambria Math"/>
-                        </a:rPr>
-                        <m:t>𝑟</m:t>
-                      </m:r>
-                      <m:r>
-                        <a:rPr lang="en-US" i="1">
-                          <a:latin typeface="Cambria Math"/>
-                        </a:rPr>
-                        <m:t>∙2</m:t>
-                      </m:r>
-                      <m:d>
-                        <m:dPr>
-                          <m:ctrlPr>
-                            <a:rPr lang="ru-RU" i="1">
-                              <a:latin typeface="Cambria Math"/>
-                            </a:rPr>
-                          </m:ctrlPr>
-                        </m:dPr>
-                        <m:e>
-                          <m:d>
-                            <m:dPr>
-                              <m:ctrlPr>
-                                <a:rPr lang="ru-RU" i="1">
-                                  <a:latin typeface="Cambria Math"/>
-                                </a:rPr>
-                              </m:ctrlPr>
-                            </m:dPr>
-                            <m:e>
-                              <m:r>
-                                <a:rPr lang="en-US" i="1">
-                                  <a:latin typeface="Cambria Math"/>
-                                </a:rPr>
-                                <m:t>𝑑</m:t>
-                              </m:r>
-                              <m:r>
-                                <a:rPr lang="en-US" i="1">
-                                  <a:latin typeface="Cambria Math"/>
-                                </a:rPr>
-                                <m:t>+</m:t>
-                              </m:r>
-                              <m:r>
-                                <a:rPr lang="en-US" i="1">
-                                  <a:latin typeface="Cambria Math"/>
-                                </a:rPr>
-                                <m:t>𝑛𝑓</m:t>
-                              </m:r>
-                            </m:e>
-                          </m:d>
-                          <m:r>
-                            <a:rPr lang="en-US" i="1">
-                              <a:latin typeface="Cambria Math"/>
-                            </a:rPr>
-                            <m:t>−</m:t>
-                          </m:r>
-                          <m:sSup>
-                            <m:sSupPr>
-                              <m:ctrlPr>
-                                <a:rPr lang="ru-RU" i="1">
-                                  <a:latin typeface="Cambria Math"/>
-                                </a:rPr>
-                              </m:ctrlPr>
-                            </m:sSupPr>
-                            <m:e>
-                              <m:r>
-                                <a:rPr lang="en-US" i="1">
-                                  <a:latin typeface="Cambria Math"/>
-                                </a:rPr>
-                                <m:t>𝑛</m:t>
-                              </m:r>
-                            </m:e>
-                            <m:sup>
-                              <m:r>
-                                <a:rPr lang="en-US" i="1">
-                                  <a:latin typeface="Cambria Math"/>
-                                </a:rPr>
-                                <m:t>2</m:t>
-                              </m:r>
-                            </m:sup>
-                          </m:sSup>
-                          <m:r>
-                            <a:rPr lang="en-US" i="1">
-                              <a:latin typeface="Cambria Math"/>
-                            </a:rPr>
-                            <m:t>𝑐𝑜𝑠</m:t>
-                          </m:r>
-                          <m:r>
-                            <a:rPr lang="en-US" i="1">
-                              <a:latin typeface="Cambria Math"/>
-                            </a:rPr>
-                            <m:t>𝜑</m:t>
-                          </m:r>
-                          <m:d>
-                            <m:dPr>
-                              <m:ctrlPr>
-                                <a:rPr lang="ru-RU" i="1">
-                                  <a:latin typeface="Cambria Math"/>
-                                </a:rPr>
-                              </m:ctrlPr>
-                            </m:dPr>
-                            <m:e>
-                              <m:r>
-                                <a:rPr lang="en-US" i="1">
-                                  <a:latin typeface="Cambria Math"/>
-                                </a:rPr>
-                                <m:t>𝑑</m:t>
-                              </m:r>
-                              <m:r>
-                                <a:rPr lang="en-US" i="1">
-                                  <a:latin typeface="Cambria Math"/>
-                                </a:rPr>
-                                <m:t>+</m:t>
-                              </m:r>
-                              <m:r>
-                                <a:rPr lang="en-US" i="1">
-                                  <a:latin typeface="Cambria Math"/>
-                                </a:rPr>
-                                <m:t>𝑓</m:t>
-                              </m:r>
-                            </m:e>
-                          </m:d>
-                        </m:e>
-                      </m:d>
-                      <m:r>
-                        <a:rPr lang="en-US" i="1">
-                          <a:latin typeface="Cambria Math"/>
-                        </a:rPr>
-                        <m:t>+</m:t>
-                      </m:r>
-                      <m:sSup>
-                        <m:sSupPr>
-                          <m:ctrlPr>
-                            <a:rPr lang="ru-RU" i="1">
-                              <a:latin typeface="Cambria Math"/>
-                            </a:rPr>
-                          </m:ctrlPr>
-                        </m:sSupPr>
-                        <m:e>
-                          <m:r>
-                            <a:rPr lang="en-US" i="1">
-                              <a:latin typeface="Cambria Math"/>
-                            </a:rPr>
-                            <m:t>𝑛</m:t>
-                          </m:r>
-                        </m:e>
-                        <m:sup>
-                          <m:r>
-                            <a:rPr lang="en-US" i="1">
-                              <a:latin typeface="Cambria Math"/>
-                            </a:rPr>
-                            <m:t>2</m:t>
-                          </m:r>
-                        </m:sup>
-                      </m:sSup>
-                      <m:sSup>
-                        <m:sSupPr>
-                          <m:ctrlPr>
-                            <a:rPr lang="ru-RU" i="1">
-                              <a:latin typeface="Cambria Math"/>
-                            </a:rPr>
-                          </m:ctrlPr>
-                        </m:sSupPr>
-                        <m:e>
-                          <m:d>
-                            <m:dPr>
-                              <m:ctrlPr>
-                                <a:rPr lang="ru-RU" i="1">
-                                  <a:latin typeface="Cambria Math"/>
-                                </a:rPr>
-                              </m:ctrlPr>
-                            </m:dPr>
-                            <m:e>
-                              <m:r>
-                                <a:rPr lang="en-US" i="1">
-                                  <a:latin typeface="Cambria Math"/>
-                                </a:rPr>
-                                <m:t>𝑑</m:t>
-                              </m:r>
-                              <m:r>
-                                <a:rPr lang="en-US" i="1">
-                                  <a:latin typeface="Cambria Math"/>
-                                </a:rPr>
-                                <m:t>+</m:t>
-                              </m:r>
-                              <m:r>
-                                <a:rPr lang="en-US" i="1">
-                                  <a:latin typeface="Cambria Math"/>
-                                </a:rPr>
-                                <m:t>𝑓</m:t>
-                              </m:r>
-                            </m:e>
-                          </m:d>
-                        </m:e>
-                        <m:sup>
-                          <m:r>
-                            <a:rPr lang="en-US" i="1">
-                              <a:latin typeface="Cambria Math"/>
-                            </a:rPr>
-                            <m:t>2</m:t>
-                          </m:r>
-                        </m:sup>
-                      </m:sSup>
-                      <m:sSup>
-                        <m:sSupPr>
-                          <m:ctrlPr>
-                            <a:rPr lang="ru-RU" i="1">
-                              <a:latin typeface="Cambria Math"/>
-                            </a:rPr>
-                          </m:ctrlPr>
-                        </m:sSupPr>
-                        <m:e>
-                          <m:r>
-                            <a:rPr lang="en-US" i="1">
-                              <a:latin typeface="Cambria Math"/>
-                            </a:rPr>
-                            <m:t>−</m:t>
-                          </m:r>
-                          <m:d>
-                            <m:dPr>
-                              <m:ctrlPr>
-                                <a:rPr lang="ru-RU" i="1">
-                                  <a:latin typeface="Cambria Math"/>
-                                </a:rPr>
-                              </m:ctrlPr>
-                            </m:dPr>
-                            <m:e>
-                              <m:r>
-                                <a:rPr lang="en-US" i="1">
-                                  <a:latin typeface="Cambria Math"/>
-                                </a:rPr>
-                                <m:t>𝑑</m:t>
-                              </m:r>
-                              <m:r>
-                                <a:rPr lang="en-US" i="1">
-                                  <a:latin typeface="Cambria Math"/>
-                                </a:rPr>
-                                <m:t>+</m:t>
-                              </m:r>
-                              <m:r>
-                                <a:rPr lang="en-US" i="1">
-                                  <a:latin typeface="Cambria Math"/>
-                                </a:rPr>
-                                <m:t>𝑛𝑓</m:t>
-                              </m:r>
-                            </m:e>
-                          </m:d>
-                        </m:e>
-                        <m:sup>
-                          <m:r>
-                            <a:rPr lang="en-US" i="1">
-                              <a:latin typeface="Cambria Math"/>
-                            </a:rPr>
-                            <m:t>2</m:t>
-                          </m:r>
-                        </m:sup>
-                      </m:sSup>
-                      <m:r>
-                        <a:rPr lang="en-US" i="1">
-                          <a:latin typeface="Cambria Math"/>
-                        </a:rPr>
-                        <m:t>=0</m:t>
-                      </m:r>
-                    </m:oMath>
-                  </m:oMathPara>
-                </a14:m>
-                <a:endParaRPr lang="ru-RU" dirty="0"/>
-              </a:p>
-              <a:p>
-                <a:r>
-                  <a:rPr lang="en-US" dirty="0"/>
-                  <a:t> </a:t>
-                </a:r>
-                <a:endParaRPr lang="ru-RU" dirty="0"/>
-              </a:p>
-              <a:p>
-                <a:pPr/>
-                <a14:m>
-                  <m:oMath xmlns:m="http://schemas.openxmlformats.org/officeDocument/2006/math">
-                    <m:d>
-                      <m:dPr>
-                        <m:begChr m:val="["/>
-                        <m:endChr m:val=""/>
-                        <m:ctrlPr>
-                          <a:rPr lang="ru-RU" i="1">
-                            <a:latin typeface="Cambria Math"/>
-                          </a:rPr>
-                        </m:ctrlPr>
-                      </m:dPr>
-                      <m:e>
-                        <m:m>
-                          <m:mPr>
-                            <m:plcHide m:val="on"/>
-                            <m:mcs>
-                              <m:mc>
-                                <m:mcPr>
-                                  <m:count m:val="1"/>
-                                  <m:mcJc m:val="center"/>
-                                </m:mcPr>
-                              </m:mc>
-                            </m:mcs>
-                            <m:ctrlPr>
-                              <a:rPr lang="ru-RU" i="1">
-                                <a:latin typeface="Cambria Math"/>
-                              </a:rPr>
-                            </m:ctrlPr>
-                          </m:mPr>
-                          <m:mr>
-                            <m:e>
-                              <m:r>
-                                <a:rPr lang="en-US" i="1">
-                                  <a:latin typeface="Cambria Math"/>
-                                </a:rPr>
-                                <m:t>𝑎</m:t>
-                              </m:r>
-                              <m:r>
-                                <a:rPr lang="en-US" i="1">
-                                  <a:latin typeface="Cambria Math"/>
-                                </a:rPr>
-                                <m:t>=</m:t>
-                              </m:r>
-                              <m:d>
-                                <m:dPr>
-                                  <m:begChr m:val=""/>
-                                  <m:endChr m:val=""/>
-                                  <m:ctrlPr>
-                                    <a:rPr lang="ru-RU" i="1">
-                                      <a:latin typeface="Cambria Math"/>
-                                    </a:rPr>
-                                  </m:ctrlPr>
-                                </m:dPr>
-                                <m:e>
-                                  <m:r>
-                                    <a:rPr lang="en-US" i="1">
-                                      <a:latin typeface="Cambria Math"/>
-                                    </a:rPr>
-                                    <m:t>1−</m:t>
-                                  </m:r>
-                                  <m:sSup>
-                                    <m:sSupPr>
-                                      <m:ctrlPr>
-                                        <a:rPr lang="ru-RU" i="1">
-                                          <a:latin typeface="Cambria Math"/>
-                                        </a:rPr>
-                                      </m:ctrlPr>
-                                    </m:sSupPr>
-                                    <m:e>
-                                      <m:r>
-                                        <a:rPr lang="en-US" i="1">
-                                          <a:latin typeface="Cambria Math"/>
-                                        </a:rPr>
-                                        <m:t>𝑛</m:t>
-                                      </m:r>
-                                    </m:e>
-                                    <m:sup>
-                                      <m:r>
-                                        <a:rPr lang="en-US" i="1">
-                                          <a:latin typeface="Cambria Math"/>
-                                        </a:rPr>
-                                        <m:t>2</m:t>
-                                      </m:r>
-                                    </m:sup>
-                                  </m:sSup>
-                                </m:e>
-                              </m:d>
-                              <m:r>
-                                <a:rPr lang="en-US" i="1">
-                                  <a:latin typeface="Cambria Math"/>
-                                </a:rPr>
-                                <m:t> </m:t>
-                              </m:r>
-                            </m:e>
-                          </m:mr>
-                          <m:mr>
-                            <m:e>
-                              <m:r>
-                                <a:rPr lang="en-US" i="1">
-                                  <a:latin typeface="Cambria Math"/>
-                                </a:rPr>
-                                <m:t>𝑏</m:t>
-                              </m:r>
-                              <m:r>
-                                <a:rPr lang="en-US" i="1">
-                                  <a:latin typeface="Cambria Math"/>
-                                </a:rPr>
-                                <m:t>(</m:t>
-                              </m:r>
-                              <m:r>
-                                <a:rPr lang="en-US" i="1">
-                                  <a:latin typeface="Cambria Math"/>
-                                </a:rPr>
-                                <m:t>𝜑</m:t>
-                              </m:r>
-                              <m:r>
-                                <a:rPr lang="en-US" i="1">
-                                  <a:latin typeface="Cambria Math"/>
-                                </a:rPr>
-                                <m:t>)= 2</m:t>
-                              </m:r>
-                              <m:d>
-                                <m:dPr>
-                                  <m:ctrlPr>
-                                    <a:rPr lang="ru-RU" i="1">
-                                      <a:latin typeface="Cambria Math"/>
-                                    </a:rPr>
-                                  </m:ctrlPr>
-                                </m:dPr>
-                                <m:e>
-                                  <m:sSup>
-                                    <m:sSupPr>
-                                      <m:ctrlPr>
-                                        <a:rPr lang="ru-RU" i="1">
-                                          <a:latin typeface="Cambria Math"/>
-                                        </a:rPr>
-                                      </m:ctrlPr>
-                                    </m:sSupPr>
-                                    <m:e>
-                                      <m:r>
-                                        <a:rPr lang="en-US" i="1">
-                                          <a:latin typeface="Cambria Math"/>
-                                        </a:rPr>
-                                        <m:t>𝑛</m:t>
-                                      </m:r>
-                                    </m:e>
-                                    <m:sup>
-                                      <m:r>
-                                        <a:rPr lang="en-US" i="1">
-                                          <a:latin typeface="Cambria Math"/>
-                                        </a:rPr>
-                                        <m:t>2</m:t>
-                                      </m:r>
-                                    </m:sup>
-                                  </m:sSup>
-                                  <m:r>
-                                    <a:rPr lang="en-US" i="1">
-                                      <a:latin typeface="Cambria Math"/>
-                                    </a:rPr>
-                                    <m:t>𝑐𝑜𝑠</m:t>
-                                  </m:r>
-                                  <m:r>
-                                    <a:rPr lang="en-US" i="1">
-                                      <a:latin typeface="Cambria Math"/>
-                                    </a:rPr>
-                                    <m:t>𝜑</m:t>
-                                  </m:r>
-                                  <m:d>
-                                    <m:dPr>
-                                      <m:ctrlPr>
-                                        <a:rPr lang="ru-RU" i="1">
-                                          <a:latin typeface="Cambria Math"/>
-                                        </a:rPr>
-                                      </m:ctrlPr>
-                                    </m:dPr>
-                                    <m:e>
-                                      <m:r>
-                                        <a:rPr lang="en-US" i="1">
-                                          <a:latin typeface="Cambria Math"/>
-                                        </a:rPr>
-                                        <m:t>𝑑</m:t>
-                                      </m:r>
-                                      <m:r>
-                                        <a:rPr lang="en-US" i="1">
-                                          <a:latin typeface="Cambria Math"/>
-                                        </a:rPr>
-                                        <m:t>+</m:t>
-                                      </m:r>
-                                      <m:r>
-                                        <a:rPr lang="en-US" i="1">
-                                          <a:latin typeface="Cambria Math"/>
-                                        </a:rPr>
-                                        <m:t>𝑓</m:t>
-                                      </m:r>
-                                    </m:e>
-                                  </m:d>
-                                  <m:r>
-                                    <a:rPr lang="en-US" i="1">
-                                      <a:latin typeface="Cambria Math"/>
-                                    </a:rPr>
-                                    <m:t>−</m:t>
-                                  </m:r>
-                                  <m:d>
-                                    <m:dPr>
-                                      <m:ctrlPr>
-                                        <a:rPr lang="ru-RU" i="1">
-                                          <a:latin typeface="Cambria Math"/>
-                                        </a:rPr>
-                                      </m:ctrlPr>
-                                    </m:dPr>
-                                    <m:e>
-                                      <m:r>
-                                        <a:rPr lang="en-US" i="1">
-                                          <a:latin typeface="Cambria Math"/>
-                                        </a:rPr>
-                                        <m:t>𝑑</m:t>
-                                      </m:r>
-                                      <m:r>
-                                        <a:rPr lang="en-US" i="1">
-                                          <a:latin typeface="Cambria Math"/>
-                                        </a:rPr>
-                                        <m:t>+</m:t>
-                                      </m:r>
-                                      <m:r>
-                                        <a:rPr lang="en-US" i="1">
-                                          <a:latin typeface="Cambria Math"/>
-                                        </a:rPr>
-                                        <m:t>𝑛𝑓</m:t>
-                                      </m:r>
-                                    </m:e>
-                                  </m:d>
-                                </m:e>
-                              </m:d>
-                            </m:e>
-                          </m:mr>
-                          <m:mr>
-                            <m:e>
-                              <m:r>
-                                <a:rPr lang="en-US" i="1">
-                                  <a:latin typeface="Cambria Math"/>
-                                </a:rPr>
-                                <m:t>𝑐</m:t>
-                              </m:r>
-                              <m:r>
-                                <a:rPr lang="en-US" i="1">
-                                  <a:latin typeface="Cambria Math"/>
-                                </a:rPr>
-                                <m:t>= </m:t>
-                              </m:r>
-                              <m:sSup>
-                                <m:sSupPr>
-                                  <m:ctrlPr>
-                                    <a:rPr lang="ru-RU" i="1">
-                                      <a:latin typeface="Cambria Math"/>
-                                    </a:rPr>
-                                  </m:ctrlPr>
-                                </m:sSupPr>
-                                <m:e>
-                                  <m:d>
-                                    <m:dPr>
-                                      <m:ctrlPr>
-                                        <a:rPr lang="ru-RU" i="1">
-                                          <a:latin typeface="Cambria Math"/>
-                                        </a:rPr>
-                                      </m:ctrlPr>
-                                    </m:dPr>
-                                    <m:e>
-                                      <m:r>
-                                        <a:rPr lang="en-US" i="1">
-                                          <a:latin typeface="Cambria Math"/>
-                                        </a:rPr>
-                                        <m:t>𝑑</m:t>
-                                      </m:r>
-                                      <m:r>
-                                        <a:rPr lang="en-US" i="1">
-                                          <a:latin typeface="Cambria Math"/>
-                                        </a:rPr>
-                                        <m:t>+</m:t>
-                                      </m:r>
-                                      <m:r>
-                                        <a:rPr lang="en-US" i="1">
-                                          <a:latin typeface="Cambria Math"/>
-                                        </a:rPr>
-                                        <m:t>𝑛𝑓</m:t>
-                                      </m:r>
-                                    </m:e>
-                                  </m:d>
-                                </m:e>
-                                <m:sup>
-                                  <m:r>
-                                    <a:rPr lang="en-US" i="1">
-                                      <a:latin typeface="Cambria Math"/>
-                                    </a:rPr>
-                                    <m:t>2</m:t>
-                                  </m:r>
-                                </m:sup>
-                              </m:sSup>
-                              <m:r>
-                                <a:rPr lang="en-US" i="1">
-                                  <a:latin typeface="Cambria Math"/>
-                                </a:rPr>
-                                <m:t>−</m:t>
-                              </m:r>
-                              <m:sSup>
-                                <m:sSupPr>
-                                  <m:ctrlPr>
-                                    <a:rPr lang="ru-RU" i="1">
-                                      <a:latin typeface="Cambria Math"/>
-                                    </a:rPr>
-                                  </m:ctrlPr>
-                                </m:sSupPr>
-                                <m:e>
-                                  <m:r>
-                                    <a:rPr lang="en-US" i="1">
-                                      <a:latin typeface="Cambria Math"/>
-                                    </a:rPr>
-                                    <m:t>𝑛</m:t>
-                                  </m:r>
-                                </m:e>
-                                <m:sup>
-                                  <m:r>
-                                    <a:rPr lang="en-US" i="1">
-                                      <a:latin typeface="Cambria Math"/>
-                                    </a:rPr>
-                                    <m:t>2</m:t>
-                                  </m:r>
-                                </m:sup>
-                              </m:sSup>
-                              <m:sSup>
-                                <m:sSupPr>
-                                  <m:ctrlPr>
-                                    <a:rPr lang="ru-RU" i="1">
-                                      <a:latin typeface="Cambria Math"/>
-                                    </a:rPr>
-                                  </m:ctrlPr>
-                                </m:sSupPr>
-                                <m:e>
-                                  <m:d>
-                                    <m:dPr>
-                                      <m:ctrlPr>
-                                        <a:rPr lang="ru-RU" i="1">
-                                          <a:latin typeface="Cambria Math"/>
-                                        </a:rPr>
-                                      </m:ctrlPr>
-                                    </m:dPr>
-                                    <m:e>
-                                      <m:r>
-                                        <a:rPr lang="en-US" i="1">
-                                          <a:latin typeface="Cambria Math"/>
-                                        </a:rPr>
-                                        <m:t>𝑑</m:t>
-                                      </m:r>
-                                      <m:r>
-                                        <a:rPr lang="en-US" i="1">
-                                          <a:latin typeface="Cambria Math"/>
-                                        </a:rPr>
-                                        <m:t>+</m:t>
-                                      </m:r>
-                                      <m:r>
-                                        <a:rPr lang="en-US" i="1">
-                                          <a:latin typeface="Cambria Math"/>
-                                        </a:rPr>
-                                        <m:t>𝑓</m:t>
-                                      </m:r>
-                                    </m:e>
-                                  </m:d>
-                                </m:e>
-                                <m:sup>
-                                  <m:r>
-                                    <a:rPr lang="en-US" i="1">
-                                      <a:latin typeface="Cambria Math"/>
-                                    </a:rPr>
-                                    <m:t>2</m:t>
-                                  </m:r>
-                                </m:sup>
-                              </m:sSup>
-                            </m:e>
-                          </m:mr>
-                        </m:m>
-                      </m:e>
-                    </m:d>
-                  </m:oMath>
-                </a14:m>
-                <a:r>
-                  <a:rPr lang="en-US" dirty="0"/>
-                  <a:t> </a:t>
-                </a:r>
-                <a:br>
-                  <a:rPr lang="en-US" dirty="0"/>
-                </a:br>
-                <a14:m>
-                  <m:oMathPara xmlns:m="http://schemas.openxmlformats.org/officeDocument/2006/math">
-                    <m:oMathParaPr>
-                      <m:jc m:val="centerGroup"/>
-                    </m:oMathParaPr>
-                    <m:oMath xmlns:m="http://schemas.openxmlformats.org/officeDocument/2006/math">
-                      <m:r>
-                        <a:rPr lang="en-US" i="1">
-                          <a:latin typeface="Cambria Math"/>
-                        </a:rPr>
-                        <m:t>𝑟</m:t>
-                      </m:r>
-                      <m:r>
-                        <a:rPr lang="en-US" i="1">
-                          <a:latin typeface="Cambria Math"/>
-                        </a:rPr>
-                        <m:t>=</m:t>
-                      </m:r>
-                      <m:f>
-                        <m:fPr>
-                          <m:ctrlPr>
-                            <a:rPr lang="ru-RU" i="1">
-                              <a:latin typeface="Cambria Math"/>
-                            </a:rPr>
-                          </m:ctrlPr>
-                        </m:fPr>
-                        <m:num>
-                          <m:r>
-                            <a:rPr lang="en-US" i="1">
-                              <a:latin typeface="Cambria Math"/>
-                            </a:rPr>
-                            <m:t>−</m:t>
-                          </m:r>
-                          <m:r>
-                            <a:rPr lang="en-US" i="1">
-                              <a:latin typeface="Cambria Math"/>
-                            </a:rPr>
-                            <m:t>𝑏</m:t>
-                          </m:r>
-                          <m:r>
-                            <a:rPr lang="en-US" i="1">
-                              <a:latin typeface="Cambria Math"/>
-                            </a:rPr>
-                            <m:t>±</m:t>
-                          </m:r>
-                          <m:rad>
-                            <m:radPr>
-                              <m:degHide m:val="on"/>
-                              <m:ctrlPr>
-                                <a:rPr lang="ru-RU" i="1">
-                                  <a:latin typeface="Cambria Math"/>
-                                </a:rPr>
-                              </m:ctrlPr>
-                            </m:radPr>
-                            <m:deg/>
-                            <m:e>
-                              <m:sSup>
-                                <m:sSupPr>
-                                  <m:ctrlPr>
-                                    <a:rPr lang="ru-RU" i="1">
-                                      <a:latin typeface="Cambria Math"/>
-                                    </a:rPr>
-                                  </m:ctrlPr>
-                                </m:sSupPr>
-                                <m:e>
-                                  <m:r>
-                                    <a:rPr lang="en-US" i="1">
-                                      <a:latin typeface="Cambria Math"/>
-                                    </a:rPr>
-                                    <m:t>𝑏</m:t>
-                                  </m:r>
-                                </m:e>
-                                <m:sup>
-                                  <m:r>
-                                    <a:rPr lang="en-US" i="1">
-                                      <a:latin typeface="Cambria Math"/>
-                                    </a:rPr>
-                                    <m:t>2</m:t>
-                                  </m:r>
-                                </m:sup>
-                              </m:sSup>
-                              <m:r>
-                                <a:rPr lang="en-US" i="1">
-                                  <a:latin typeface="Cambria Math"/>
-                                </a:rPr>
-                                <m:t>−4</m:t>
-                              </m:r>
-                              <m:r>
-                                <a:rPr lang="en-US" i="1">
-                                  <a:latin typeface="Cambria Math"/>
-                                </a:rPr>
-                                <m:t>𝑎𝑐</m:t>
-                              </m:r>
-                            </m:e>
-                          </m:rad>
-                        </m:num>
-                        <m:den>
-                          <m:r>
-                            <a:rPr lang="en-US" i="1">
-                              <a:latin typeface="Cambria Math"/>
-                            </a:rPr>
-                            <m:t>2</m:t>
-                          </m:r>
-                          <m:r>
-                            <a:rPr lang="en-US" i="1">
-                              <a:latin typeface="Cambria Math"/>
-                            </a:rPr>
-                            <m:t>𝑎</m:t>
-                          </m:r>
-                        </m:den>
-                      </m:f>
-                      <m:r>
-                        <a:rPr lang="en-US" i="1">
-                          <a:latin typeface="Cambria Math"/>
-                        </a:rPr>
-                        <m:t> </m:t>
-                      </m:r>
-                    </m:oMath>
-                  </m:oMathPara>
-                </a14:m>
-                <a:endParaRPr lang="ru-RU" dirty="0"/>
-              </a:p>
-              <a:p>
-                <a:r>
-                  <a:rPr lang="ru-RU" dirty="0" smtClean="0"/>
-                  <a:t> </a:t>
-                </a:r>
-                <a14:m>
-                  <m:oMath xmlns:m="http://schemas.openxmlformats.org/officeDocument/2006/math">
-                    <m:r>
-                      <a:rPr lang="ru-RU" i="1">
-                        <a:latin typeface="Cambria Math"/>
-                      </a:rPr>
-                      <m:t>0≤</m:t>
-                    </m:r>
-                    <m:r>
-                      <a:rPr lang="en-US" i="1">
-                        <a:latin typeface="Cambria Math"/>
-                      </a:rPr>
-                      <m:t>𝑟</m:t>
-                    </m:r>
-                    <m:r>
-                      <a:rPr lang="ru-RU" i="1">
-                        <a:latin typeface="Cambria Math"/>
-                      </a:rPr>
-                      <m:t>≤</m:t>
-                    </m:r>
-                    <m:r>
-                      <a:rPr lang="en-US" i="1">
-                        <a:latin typeface="Cambria Math"/>
-                      </a:rPr>
-                      <m:t>𝑑</m:t>
-                    </m:r>
-                    <m:r>
-                      <a:rPr lang="ru-RU" i="1">
-                        <a:latin typeface="Cambria Math"/>
-                      </a:rPr>
-                      <m:t>+</m:t>
-                    </m:r>
-                    <m:r>
-                      <a:rPr lang="en-US" i="1">
-                        <a:latin typeface="Cambria Math"/>
-                      </a:rPr>
-                      <m:t>𝑛𝑓</m:t>
-                    </m:r>
-                  </m:oMath>
-                </a14:m>
-                <a:endParaRPr lang="ru-RU" dirty="0"/>
-              </a:p>
-            </p:txBody>
-          </p:sp>
-        </mc:Choice>
-        <mc:Fallback xmlns="">
-          <p:sp>
-            <p:nvSpPr>
-              <p:cNvPr id="5" name="Прямоугольник 4"/>
-              <p:cNvSpPr>
-                <a:spLocks noRot="1" noChangeAspect="1" noMove="1" noResize="1" noEditPoints="1" noAdjustHandles="1" noChangeArrowheads="1" noChangeShapeType="1" noTextEdit="1"/>
-              </p:cNvSpPr>
-              <p:nvPr/>
-            </p:nvSpPr>
-            <p:spPr>
-              <a:xfrm>
-                <a:off x="0" y="2295499"/>
-                <a:ext cx="4684734" cy="3213637"/>
-              </a:xfrm>
-              <a:prstGeom prst="rect">
-                <a:avLst/>
-              </a:prstGeom>
-              <a:blipFill rotWithShape="1">
-                <a:blip r:embed="rId3"/>
-                <a:stretch>
-                  <a:fillRect/>
-                </a:stretch>
-              </a:blipFill>
-            </p:spPr>
-            <p:txBody>
-              <a:bodyPr/>
-              <a:lstStyle/>
-              <a:p>
-                <a:r>
-                  <a:rPr lang="ru-RU">
-                    <a:noFill/>
-                  </a:rPr>
-                  <a:t> </a:t>
-                </a:r>
-              </a:p>
-            </p:txBody>
-          </p:sp>
-        </mc:Fallback>
-      </mc:AlternateContent>
     </p:spTree>
     <p:extLst>
       <p:ext uri="{BB962C8B-B14F-4D97-AF65-F5344CB8AC3E}">
-        <p14:creationId xmlns:p14="http://schemas.microsoft.com/office/powerpoint/2010/main" val="644283698"/>
+        <p14:creationId xmlns:p14="http://schemas.microsoft.com/office/powerpoint/2010/main" val="3210336902"/>
       </p:ext>
     </p:extLst>
   </p:cSld>
@@ -8028,25 +7314,243 @@
             <p:ph type="title"/>
           </p:nvPr>
         </p:nvSpPr>
-        <p:spPr/>
+        <p:spPr>
+          <a:xfrm>
+            <a:off x="685800" y="609600"/>
+            <a:ext cx="10314709" cy="1455738"/>
+          </a:xfrm>
+        </p:spPr>
         <p:txBody>
           <a:bodyPr/>
           <a:lstStyle/>
           <a:p>
-            <a:endParaRPr lang="ru-RU"/>
+            <a:pPr algn="ctr"/>
+            <a:r>
+              <a:rPr lang="ru-RU" dirty="0" smtClean="0"/>
+              <a:t>Линза для точечного источника света</a:t>
+            </a:r>
+            <a:endParaRPr lang="ru-RU" dirty="0"/>
           </a:p>
         </p:txBody>
       </p:sp>
+      <mc:AlternateContent xmlns:mc="http://schemas.openxmlformats.org/markup-compatibility/2006">
+        <mc:Choice xmlns:a14="http://schemas.microsoft.com/office/drawing/2010/main" Requires="a14">
+          <p:sp>
+            <p:nvSpPr>
+              <p:cNvPr id="4" name="Прямоугольник 3"/>
+              <p:cNvSpPr/>
+              <p:nvPr/>
+            </p:nvSpPr>
+            <p:spPr>
+              <a:xfrm>
+                <a:off x="124691" y="2738349"/>
+                <a:ext cx="7162801" cy="1000530"/>
+              </a:xfrm>
+              <a:prstGeom prst="rect">
+                <a:avLst/>
+              </a:prstGeom>
+            </p:spPr>
+            <p:txBody>
+              <a:bodyPr wrap="square">
+                <a:spAutoFit/>
+              </a:bodyPr>
+              <a:lstStyle/>
+              <a:p>
+                <a14:m>
+                  <m:oMathPara xmlns:m="http://schemas.openxmlformats.org/officeDocument/2006/math">
+                    <m:oMathParaPr>
+                      <m:jc m:val="centerGroup"/>
+                    </m:oMathParaPr>
+                    <m:oMath xmlns:m="http://schemas.openxmlformats.org/officeDocument/2006/math">
+                      <m:r>
+                        <a:rPr lang="en-US" sz="2900" i="1"/>
+                        <m:t>𝑑</m:t>
+                      </m:r>
+                      <m:r>
+                        <a:rPr lang="en-US" sz="2900" i="1"/>
+                        <m:t>+</m:t>
+                      </m:r>
+                      <m:r>
+                        <a:rPr lang="en-US" sz="2900" i="1"/>
+                        <m:t>𝑛𝑓</m:t>
+                      </m:r>
+                      <m:r>
+                        <a:rPr lang="en-US" sz="2900" i="1"/>
+                        <m:t>=</m:t>
+                      </m:r>
+                      <m:r>
+                        <a:rPr lang="en-US" sz="2900" i="1"/>
+                        <m:t>𝑟</m:t>
+                      </m:r>
+                      <m:r>
+                        <a:rPr lang="en-US" sz="2900" i="1"/>
+                        <m:t>+</m:t>
+                      </m:r>
+                      <m:r>
+                        <a:rPr lang="en-US" sz="2900" i="1"/>
+                        <m:t>𝑛</m:t>
+                      </m:r>
+                      <m:rad>
+                        <m:radPr>
+                          <m:degHide m:val="on"/>
+                          <m:ctrlPr>
+                            <a:rPr lang="ru-RU" sz="2900" i="1"/>
+                          </m:ctrlPr>
+                        </m:radPr>
+                        <m:deg/>
+                        <m:e>
+                          <m:sSup>
+                            <m:sSupPr>
+                              <m:ctrlPr>
+                                <a:rPr lang="ru-RU" sz="2900" i="1"/>
+                              </m:ctrlPr>
+                            </m:sSupPr>
+                            <m:e>
+                              <m:r>
+                                <a:rPr lang="en-US" sz="2900" i="1"/>
+                                <m:t>(</m:t>
+                              </m:r>
+                              <m:r>
+                                <a:rPr lang="en-US" sz="2900" i="1"/>
+                                <m:t>𝑑</m:t>
+                              </m:r>
+                              <m:r>
+                                <a:rPr lang="en-US" sz="2900" i="1"/>
+                                <m:t>+</m:t>
+                              </m:r>
+                              <m:r>
+                                <a:rPr lang="en-US" sz="2900" i="1"/>
+                                <m:t>𝑓</m:t>
+                              </m:r>
+                              <m:r>
+                                <a:rPr lang="en-US" sz="2900" i="1"/>
+                                <m:t>−</m:t>
+                              </m:r>
+                              <m:r>
+                                <a:rPr lang="en-US" sz="2900" i="1"/>
+                                <m:t>𝑟𝑐𝑜𝑠</m:t>
+                              </m:r>
+                              <m:r>
+                                <a:rPr lang="en-US" sz="2900" i="1"/>
+                                <m:t>𝜑</m:t>
+                              </m:r>
+                              <m:r>
+                                <a:rPr lang="en-US" sz="2900" i="1"/>
+                                <m:t>)</m:t>
+                              </m:r>
+                            </m:e>
+                            <m:sup>
+                              <m:r>
+                                <a:rPr lang="en-US" sz="2900" i="1"/>
+                                <m:t>2</m:t>
+                              </m:r>
+                            </m:sup>
+                          </m:sSup>
+                          <m:r>
+                            <a:rPr lang="en-US" sz="2900" i="1"/>
+                            <m:t>+ </m:t>
+                          </m:r>
+                          <m:sSup>
+                            <m:sSupPr>
+                              <m:ctrlPr>
+                                <a:rPr lang="ru-RU" sz="2900" i="1"/>
+                              </m:ctrlPr>
+                            </m:sSupPr>
+                            <m:e>
+                              <m:r>
+                                <a:rPr lang="en-US" sz="2900" i="1"/>
+                                <m:t>𝑟</m:t>
+                              </m:r>
+                            </m:e>
+                            <m:sup>
+                              <m:r>
+                                <a:rPr lang="en-US" sz="2900" i="1"/>
+                                <m:t>2</m:t>
+                              </m:r>
+                            </m:sup>
+                          </m:sSup>
+                          <m:sSup>
+                            <m:sSupPr>
+                              <m:ctrlPr>
+                                <a:rPr lang="ru-RU" sz="2900" i="1"/>
+                              </m:ctrlPr>
+                            </m:sSupPr>
+                            <m:e>
+                              <m:r>
+                                <a:rPr lang="en-US" sz="2900" i="1"/>
+                                <m:t>𝑠𝑖𝑛</m:t>
+                              </m:r>
+                            </m:e>
+                            <m:sup>
+                              <m:r>
+                                <a:rPr lang="en-US" sz="2900" i="1"/>
+                                <m:t>2</m:t>
+                              </m:r>
+                            </m:sup>
+                          </m:sSup>
+                          <m:r>
+                            <a:rPr lang="en-US" sz="2900" i="1"/>
+                            <m:t>𝜑</m:t>
+                          </m:r>
+                        </m:e>
+                      </m:rad>
+                    </m:oMath>
+                  </m:oMathPara>
+                </a14:m>
+                <a:endParaRPr lang="ru-RU" sz="2900" dirty="0"/>
+              </a:p>
+            </p:txBody>
+          </p:sp>
+        </mc:Choice>
+        <mc:Fallback>
+          <p:sp>
+            <p:nvSpPr>
+              <p:cNvPr id="4" name="Прямоугольник 3"/>
+              <p:cNvSpPr>
+                <a:spLocks noRot="1" noChangeAspect="1" noMove="1" noResize="1" noEditPoints="1" noAdjustHandles="1" noChangeArrowheads="1" noChangeShapeType="1" noTextEdit="1"/>
+              </p:cNvSpPr>
+              <p:nvPr/>
+            </p:nvSpPr>
+            <p:spPr>
+              <a:xfrm>
+                <a:off x="124691" y="2738349"/>
+                <a:ext cx="7162801" cy="1000530"/>
+              </a:xfrm>
+              <a:prstGeom prst="rect">
+                <a:avLst/>
+              </a:prstGeom>
+              <a:blipFill rotWithShape="1">
+                <a:blip r:embed="rId2"/>
+                <a:stretch>
+                  <a:fillRect/>
+                </a:stretch>
+              </a:blipFill>
+            </p:spPr>
+            <p:txBody>
+              <a:bodyPr/>
+              <a:lstStyle/>
+              <a:p>
+                <a:r>
+                  <a:rPr lang="ru-RU">
+                    <a:noFill/>
+                  </a:rPr>
+                  <a:t> </a:t>
+                </a:r>
+              </a:p>
+            </p:txBody>
+          </p:sp>
+        </mc:Fallback>
+      </mc:AlternateContent>
       <p:pic>
         <p:nvPicPr>
-          <p:cNvPr id="30722" name="Picture 2" descr="I:\исслед\картинки\Новая папка\gif2.gif"/>
+          <p:cNvPr id="4098" name="Picture 2" descr="C:\Users\Ololo\Desktop\science\sciense\Illustrations\10.png"/>
           <p:cNvPicPr>
-            <a:picLocks noChangeAspect="1" noChangeArrowheads="1" noCrop="1"/>
+            <a:picLocks noChangeAspect="1" noChangeArrowheads="1"/>
           </p:cNvPicPr>
           <p:nvPr/>
         </p:nvPicPr>
         <p:blipFill>
-          <a:blip r:embed="rId2">
+          <a:blip r:embed="rId3">
             <a:extLst>
               <a:ext uri="{28A0092B-C50C-407E-A947-70E740481C1C}">
                 <a14:useLocalDpi xmlns:a14="http://schemas.microsoft.com/office/drawing/2010/main" val="0"/>
@@ -8060,8 +7564,8 @@
         </p:blipFill>
         <p:spPr bwMode="auto">
           <a:xfrm>
-            <a:off x="307801" y="911352"/>
-            <a:ext cx="11430000" cy="5715000"/>
+            <a:off x="7453745" y="2057545"/>
+            <a:ext cx="4510232" cy="4510232"/>
           </a:xfrm>
           <a:prstGeom prst="rect">
             <a:avLst/>
@@ -8081,7 +7585,7 @@
     </p:spTree>
     <p:extLst>
       <p:ext uri="{BB962C8B-B14F-4D97-AF65-F5344CB8AC3E}">
-        <p14:creationId xmlns:p14="http://schemas.microsoft.com/office/powerpoint/2010/main" val="1061901652"/>
+        <p14:creationId xmlns:p14="http://schemas.microsoft.com/office/powerpoint/2010/main" val="3557985108"/>
       </p:ext>
     </p:extLst>
   </p:cSld>
@@ -8136,10 +7640,8 @@
       </p:sp>
       <p:pic>
         <p:nvPicPr>
-          <p:cNvPr id="31748" name="Picture 4" descr="I:\исслед\картинки\Новая папка\gif3_fast.gif"/>
-          <p:cNvPicPr>
-            <a:picLocks noChangeAspect="1" noChangeArrowheads="1" noCrop="1"/>
-          </p:cNvPicPr>
+          <p:cNvPr id="4" name="Рисунок 3" descr="G:\Illustrations\11.png"/>
+          <p:cNvPicPr/>
           <p:nvPr/>
         </p:nvPicPr>
         <p:blipFill>
@@ -8157,28 +7659,22 @@
         </p:blipFill>
         <p:spPr bwMode="auto">
           <a:xfrm>
-            <a:off x="365760" y="946633"/>
-            <a:ext cx="11430001" cy="5715000"/>
+            <a:off x="497818" y="629909"/>
+            <a:ext cx="11196364" cy="5598182"/>
           </a:xfrm>
           <a:prstGeom prst="rect">
             <a:avLst/>
           </a:prstGeom>
           <a:noFill/>
-          <a:extLst>
-            <a:ext uri="{909E8E84-426E-40DD-AFC4-6F175D3DCCD1}">
-              <a14:hiddenFill xmlns:a14="http://schemas.microsoft.com/office/drawing/2010/main">
-                <a:solidFill>
-                  <a:srgbClr val="FFFFFF"/>
-                </a:solidFill>
-              </a14:hiddenFill>
-            </a:ext>
-          </a:extLst>
+          <a:ln>
+            <a:noFill/>
+          </a:ln>
         </p:spPr>
       </p:pic>
     </p:spTree>
     <p:extLst>
       <p:ext uri="{BB962C8B-B14F-4D97-AF65-F5344CB8AC3E}">
-        <p14:creationId xmlns:p14="http://schemas.microsoft.com/office/powerpoint/2010/main" val="3593505900"/>
+        <p14:creationId xmlns:p14="http://schemas.microsoft.com/office/powerpoint/2010/main" val="644283698"/>
       </p:ext>
     </p:extLst>
   </p:cSld>
@@ -8231,6 +7727,321 @@
           </a:p>
         </p:txBody>
       </p:sp>
+      <p:sp>
+        <p:nvSpPr>
+          <p:cNvPr id="3" name="Объект 2"/>
+          <p:cNvSpPr>
+            <a:spLocks noGrp="1"/>
+          </p:cNvSpPr>
+          <p:nvPr>
+            <p:ph idx="1"/>
+          </p:nvPr>
+        </p:nvSpPr>
+        <p:spPr/>
+        <p:txBody>
+          <a:bodyPr/>
+          <a:lstStyle/>
+          <a:p>
+            <a:endParaRPr lang="ru-RU"/>
+          </a:p>
+        </p:txBody>
+      </p:sp>
+      <p:pic>
+        <p:nvPicPr>
+          <p:cNvPr id="5122" name="Picture 2" descr="C:\Users\Ololo\Desktop\science\sciense\Illustrations\12.png"/>
+          <p:cNvPicPr>
+            <a:picLocks noChangeAspect="1" noChangeArrowheads="1"/>
+          </p:cNvPicPr>
+          <p:nvPr/>
+        </p:nvPicPr>
+        <p:blipFill>
+          <a:blip r:embed="rId2">
+            <a:extLst>
+              <a:ext uri="{28A0092B-C50C-407E-A947-70E740481C1C}">
+                <a14:useLocalDpi xmlns:a14="http://schemas.microsoft.com/office/drawing/2010/main" val="0"/>
+              </a:ext>
+            </a:extLst>
+          </a:blip>
+          <a:srcRect/>
+          <a:stretch>
+            <a:fillRect/>
+          </a:stretch>
+        </p:blipFill>
+        <p:spPr bwMode="auto">
+          <a:xfrm>
+            <a:off x="381000" y="571500"/>
+            <a:ext cx="11430000" cy="5715000"/>
+          </a:xfrm>
+          <a:prstGeom prst="rect">
+            <a:avLst/>
+          </a:prstGeom>
+          <a:noFill/>
+          <a:extLst>
+            <a:ext uri="{909E8E84-426E-40DD-AFC4-6F175D3DCCD1}">
+              <a14:hiddenFill xmlns:a14="http://schemas.microsoft.com/office/drawing/2010/main">
+                <a:solidFill>
+                  <a:srgbClr val="FFFFFF"/>
+                </a:solidFill>
+              </a14:hiddenFill>
+            </a:ext>
+          </a:extLst>
+        </p:spPr>
+      </p:pic>
+    </p:spTree>
+    <p:extLst>
+      <p:ext uri="{BB962C8B-B14F-4D97-AF65-F5344CB8AC3E}">
+        <p14:creationId xmlns:p14="http://schemas.microsoft.com/office/powerpoint/2010/main" val="3608909727"/>
+      </p:ext>
+    </p:extLst>
+  </p:cSld>
+  <p:clrMapOvr>
+    <a:masterClrMapping/>
+  </p:clrMapOvr>
+  <p:timing>
+    <p:tnLst>
+      <p:par>
+        <p:cTn id="1" dur="indefinite" restart="never" nodeType="tmRoot"/>
+      </p:par>
+    </p:tnLst>
+  </p:timing>
+</p:sld>
+</file>
+
+<file path=ppt/slides/slide15.xml><?xml version="1.0" encoding="utf-8"?>
+<p:sld xmlns:a="http://schemas.openxmlformats.org/drawingml/2006/main" xmlns:r="http://schemas.openxmlformats.org/officeDocument/2006/relationships" xmlns:p="http://schemas.openxmlformats.org/presentationml/2006/main">
+  <p:cSld>
+    <p:spTree>
+      <p:nvGrpSpPr>
+        <p:cNvPr id="1" name=""/>
+        <p:cNvGrpSpPr/>
+        <p:nvPr/>
+      </p:nvGrpSpPr>
+      <p:grpSpPr>
+        <a:xfrm>
+          <a:off x="0" y="0"/>
+          <a:ext cx="0" cy="0"/>
+          <a:chOff x="0" y="0"/>
+          <a:chExt cx="0" cy="0"/>
+        </a:xfrm>
+      </p:grpSpPr>
+      <p:sp>
+        <p:nvSpPr>
+          <p:cNvPr id="2" name="Заголовок 1"/>
+          <p:cNvSpPr>
+            <a:spLocks noGrp="1"/>
+          </p:cNvSpPr>
+          <p:nvPr>
+            <p:ph type="title"/>
+          </p:nvPr>
+        </p:nvSpPr>
+        <p:spPr/>
+        <p:txBody>
+          <a:bodyPr/>
+          <a:lstStyle/>
+          <a:p>
+            <a:endParaRPr lang="ru-RU"/>
+          </a:p>
+        </p:txBody>
+      </p:sp>
+      <p:pic>
+        <p:nvPicPr>
+          <p:cNvPr id="30722" name="Picture 2" descr="I:\исслед\картинки\Новая папка\gif2.gif"/>
+          <p:cNvPicPr>
+            <a:picLocks noChangeAspect="1" noChangeArrowheads="1" noCrop="1"/>
+          </p:cNvPicPr>
+          <p:nvPr/>
+        </p:nvPicPr>
+        <p:blipFill>
+          <a:blip r:embed="rId2">
+            <a:extLst>
+              <a:ext uri="{28A0092B-C50C-407E-A947-70E740481C1C}">
+                <a14:useLocalDpi xmlns:a14="http://schemas.microsoft.com/office/drawing/2010/main" val="0"/>
+              </a:ext>
+            </a:extLst>
+          </a:blip>
+          <a:srcRect/>
+          <a:stretch>
+            <a:fillRect/>
+          </a:stretch>
+        </p:blipFill>
+        <p:spPr bwMode="auto">
+          <a:xfrm>
+            <a:off x="381000" y="571500"/>
+            <a:ext cx="11430000" cy="5715000"/>
+          </a:xfrm>
+          <a:prstGeom prst="rect">
+            <a:avLst/>
+          </a:prstGeom>
+          <a:noFill/>
+          <a:extLst>
+            <a:ext uri="{909E8E84-426E-40DD-AFC4-6F175D3DCCD1}">
+              <a14:hiddenFill xmlns:a14="http://schemas.microsoft.com/office/drawing/2010/main">
+                <a:solidFill>
+                  <a:srgbClr val="FFFFFF"/>
+                </a:solidFill>
+              </a14:hiddenFill>
+            </a:ext>
+          </a:extLst>
+        </p:spPr>
+      </p:pic>
+    </p:spTree>
+    <p:extLst>
+      <p:ext uri="{BB962C8B-B14F-4D97-AF65-F5344CB8AC3E}">
+        <p14:creationId xmlns:p14="http://schemas.microsoft.com/office/powerpoint/2010/main" val="1061901652"/>
+      </p:ext>
+    </p:extLst>
+  </p:cSld>
+  <p:clrMapOvr>
+    <a:masterClrMapping/>
+  </p:clrMapOvr>
+  <p:timing>
+    <p:tnLst>
+      <p:par>
+        <p:cTn id="1" dur="indefinite" restart="never" nodeType="tmRoot"/>
+      </p:par>
+    </p:tnLst>
+  </p:timing>
+</p:sld>
+</file>
+
+<file path=ppt/slides/slide16.xml><?xml version="1.0" encoding="utf-8"?>
+<p:sld xmlns:a="http://schemas.openxmlformats.org/drawingml/2006/main" xmlns:r="http://schemas.openxmlformats.org/officeDocument/2006/relationships" xmlns:p="http://schemas.openxmlformats.org/presentationml/2006/main">
+  <p:cSld>
+    <p:spTree>
+      <p:nvGrpSpPr>
+        <p:cNvPr id="1" name=""/>
+        <p:cNvGrpSpPr/>
+        <p:nvPr/>
+      </p:nvGrpSpPr>
+      <p:grpSpPr>
+        <a:xfrm>
+          <a:off x="0" y="0"/>
+          <a:ext cx="0" cy="0"/>
+          <a:chOff x="0" y="0"/>
+          <a:chExt cx="0" cy="0"/>
+        </a:xfrm>
+      </p:grpSpPr>
+      <p:sp>
+        <p:nvSpPr>
+          <p:cNvPr id="2" name="Заголовок 1"/>
+          <p:cNvSpPr>
+            <a:spLocks noGrp="1"/>
+          </p:cNvSpPr>
+          <p:nvPr>
+            <p:ph type="title"/>
+          </p:nvPr>
+        </p:nvSpPr>
+        <p:spPr/>
+        <p:txBody>
+          <a:bodyPr/>
+          <a:lstStyle/>
+          <a:p>
+            <a:endParaRPr lang="ru-RU"/>
+          </a:p>
+        </p:txBody>
+      </p:sp>
+      <p:pic>
+        <p:nvPicPr>
+          <p:cNvPr id="31748" name="Picture 4" descr="I:\исслед\картинки\Новая папка\gif3_fast.gif"/>
+          <p:cNvPicPr>
+            <a:picLocks noChangeAspect="1" noChangeArrowheads="1" noCrop="1"/>
+          </p:cNvPicPr>
+          <p:nvPr/>
+        </p:nvPicPr>
+        <p:blipFill>
+          <a:blip r:embed="rId2">
+            <a:extLst>
+              <a:ext uri="{28A0092B-C50C-407E-A947-70E740481C1C}">
+                <a14:useLocalDpi xmlns:a14="http://schemas.microsoft.com/office/drawing/2010/main" val="0"/>
+              </a:ext>
+            </a:extLst>
+          </a:blip>
+          <a:srcRect/>
+          <a:stretch>
+            <a:fillRect/>
+          </a:stretch>
+        </p:blipFill>
+        <p:spPr bwMode="auto">
+          <a:xfrm>
+            <a:off x="381000" y="571500"/>
+            <a:ext cx="11430001" cy="5715000"/>
+          </a:xfrm>
+          <a:prstGeom prst="rect">
+            <a:avLst/>
+          </a:prstGeom>
+          <a:noFill/>
+          <a:extLst>
+            <a:ext uri="{909E8E84-426E-40DD-AFC4-6F175D3DCCD1}">
+              <a14:hiddenFill xmlns:a14="http://schemas.microsoft.com/office/drawing/2010/main">
+                <a:solidFill>
+                  <a:srgbClr val="FFFFFF"/>
+                </a:solidFill>
+              </a14:hiddenFill>
+            </a:ext>
+          </a:extLst>
+        </p:spPr>
+      </p:pic>
+    </p:spTree>
+    <p:extLst>
+      <p:ext uri="{BB962C8B-B14F-4D97-AF65-F5344CB8AC3E}">
+        <p14:creationId xmlns:p14="http://schemas.microsoft.com/office/powerpoint/2010/main" val="3593505900"/>
+      </p:ext>
+    </p:extLst>
+  </p:cSld>
+  <p:clrMapOvr>
+    <a:masterClrMapping/>
+  </p:clrMapOvr>
+  <p:timing>
+    <p:tnLst>
+      <p:par>
+        <p:cTn id="1" dur="indefinite" restart="never" nodeType="tmRoot"/>
+      </p:par>
+    </p:tnLst>
+  </p:timing>
+</p:sld>
+</file>
+
+<file path=ppt/slides/slide17.xml><?xml version="1.0" encoding="utf-8"?>
+<p:sld xmlns:a="http://schemas.openxmlformats.org/drawingml/2006/main" xmlns:r="http://schemas.openxmlformats.org/officeDocument/2006/relationships" xmlns:p="http://schemas.openxmlformats.org/presentationml/2006/main">
+  <p:cSld>
+    <p:spTree>
+      <p:nvGrpSpPr>
+        <p:cNvPr id="1" name=""/>
+        <p:cNvGrpSpPr/>
+        <p:nvPr/>
+      </p:nvGrpSpPr>
+      <p:grpSpPr>
+        <a:xfrm>
+          <a:off x="0" y="0"/>
+          <a:ext cx="0" cy="0"/>
+          <a:chOff x="0" y="0"/>
+          <a:chExt cx="0" cy="0"/>
+        </a:xfrm>
+      </p:grpSpPr>
+      <p:sp>
+        <p:nvSpPr>
+          <p:cNvPr id="2" name="Заголовок 1"/>
+          <p:cNvSpPr>
+            <a:spLocks noGrp="1"/>
+          </p:cNvSpPr>
+          <p:nvPr>
+            <p:ph type="title"/>
+          </p:nvPr>
+        </p:nvSpPr>
+        <p:spPr/>
+        <p:txBody>
+          <a:bodyPr/>
+          <a:lstStyle/>
+          <a:p>
+            <a:pPr algn="ctr"/>
+            <a:r>
+              <a:rPr lang="ru-RU" dirty="0" smtClean="0"/>
+              <a:t>Моделирование преломления лучей</a:t>
+            </a:r>
+            <a:endParaRPr lang="ru-RU" dirty="0"/>
+          </a:p>
+        </p:txBody>
+      </p:sp>
       <p:pic>
         <p:nvPicPr>
           <p:cNvPr id="4" name="Рисунок 3" descr="G:\Illustrations\13.png"/>
@@ -8252,7 +8063,7 @@
         </p:blipFill>
         <p:spPr bwMode="auto">
           <a:xfrm>
-            <a:off x="3891914" y="2582989"/>
+            <a:off x="4047452" y="2387176"/>
             <a:ext cx="8105013" cy="4052507"/>
           </a:xfrm>
           <a:prstGeom prst="rect">
@@ -8264,8 +8075,8 @@
           </a:ln>
         </p:spPr>
       </p:pic>
-      <mc:AlternateContent xmlns:mc="http://schemas.openxmlformats.org/markup-compatibility/2006" xmlns:a14="http://schemas.microsoft.com/office/drawing/2010/main">
-        <mc:Choice Requires="a14">
+      <mc:AlternateContent xmlns:mc="http://schemas.openxmlformats.org/markup-compatibility/2006">
+        <mc:Choice xmlns:a14="http://schemas.microsoft.com/office/drawing/2010/main" Requires="a14">
           <p:sp>
             <p:nvSpPr>
               <p:cNvPr id="5" name="Прямоугольник 4"/>
@@ -8274,8 +8085,8 @@
             </p:nvSpPr>
             <p:spPr>
               <a:xfrm>
-                <a:off x="332956" y="2387176"/>
-                <a:ext cx="3454984" cy="1041824"/>
+                <a:off x="194410" y="2387176"/>
+                <a:ext cx="3853042" cy="1147302"/>
               </a:xfrm>
               <a:prstGeom prst="rect">
                 <a:avLst/>
@@ -8295,7 +8106,7 @@
                     </m:oMathParaPr>
                     <m:oMath xmlns:m="http://schemas.openxmlformats.org/officeDocument/2006/math">
                       <m:r>
-                        <a:rPr lang="ru-RU" i="1">
+                        <a:rPr lang="ru-RU" sz="2000" i="1">
                           <a:latin typeface="Cambria Math"/>
                         </a:rPr>
                         <m:t>𝑡𝑔</m:t>
@@ -8303,14 +8114,14 @@
                       <m:sSub>
                         <m:sSubPr>
                           <m:ctrlPr>
-                            <a:rPr lang="ru-RU" i="1">
+                            <a:rPr lang="ru-RU" sz="2000" i="1">
                               <a:latin typeface="Cambria Math"/>
                             </a:rPr>
                           </m:ctrlPr>
                         </m:sSubPr>
                         <m:e>
                           <m:r>
-                            <a:rPr lang="ru-RU" i="1">
+                            <a:rPr lang="ru-RU" sz="2000" i="1">
                               <a:latin typeface="Cambria Math"/>
                             </a:rPr>
                             <m:t>𝛼</m:t>
@@ -8318,7 +8129,7 @@
                         </m:e>
                         <m:sub>
                           <m:r>
-                            <a:rPr lang="ru-RU" i="1">
+                            <a:rPr lang="ru-RU" sz="2000" i="1">
                               <a:latin typeface="Cambria Math"/>
                             </a:rPr>
                             <m:t>𝑁</m:t>
@@ -8326,7 +8137,7 @@
                         </m:sub>
                       </m:sSub>
                       <m:r>
-                        <a:rPr lang="ru-RU" i="1">
+                        <a:rPr lang="ru-RU" sz="2000" i="1">
                           <a:latin typeface="Cambria Math"/>
                         </a:rPr>
                         <m:t>=</m:t>
@@ -8334,7 +8145,7 @@
                       <m:f>
                         <m:fPr>
                           <m:ctrlPr>
-                            <a:rPr lang="ru-RU" i="1">
+                            <a:rPr lang="ru-RU" sz="2000" i="1">
                               <a:latin typeface="Cambria Math"/>
                             </a:rPr>
                           </m:ctrlPr>
@@ -8343,14 +8154,14 @@
                           <m:sSub>
                             <m:sSubPr>
                               <m:ctrlPr>
-                                <a:rPr lang="ru-RU" i="1">
+                                <a:rPr lang="ru-RU" sz="2000" i="1">
                                   <a:latin typeface="Cambria Math"/>
                                 </a:rPr>
                               </m:ctrlPr>
                             </m:sSubPr>
                             <m:e>
                               <m:r>
-                                <a:rPr lang="ru-RU" i="1">
+                                <a:rPr lang="ru-RU" sz="2000" i="1">
                                   <a:latin typeface="Cambria Math"/>
                                 </a:rPr>
                                 <m:t>𝑦</m:t>
@@ -8358,7 +8169,7 @@
                             </m:e>
                             <m:sub>
                               <m:r>
-                                <a:rPr lang="ru-RU" i="1">
+                                <a:rPr lang="ru-RU" sz="2000" i="1">
                                   <a:latin typeface="Cambria Math"/>
                                 </a:rPr>
                                 <m:t>0</m:t>
@@ -8368,7 +8179,7 @@
                           <m:d>
                             <m:dPr>
                               <m:ctrlPr>
-                                <a:rPr lang="ru-RU" i="1">
+                                <a:rPr lang="ru-RU" sz="2000" i="1">
                                   <a:latin typeface="Cambria Math"/>
                                 </a:rPr>
                               </m:ctrlPr>
@@ -8377,14 +8188,14 @@
                               <m:f>
                                 <m:fPr>
                                   <m:ctrlPr>
-                                    <a:rPr lang="ru-RU" i="1">
+                                    <a:rPr lang="ru-RU" sz="2000" i="1">
                                       <a:latin typeface="Cambria Math"/>
                                     </a:rPr>
                                   </m:ctrlPr>
                                 </m:fPr>
                                 <m:num>
                                   <m:r>
-                                    <a:rPr lang="ru-RU" i="1">
+                                    <a:rPr lang="ru-RU" sz="2000" i="1">
                                       <a:latin typeface="Cambria Math"/>
                                     </a:rPr>
                                     <m:t>1</m:t>
@@ -8392,13 +8203,13 @@
                                 </m:num>
                                 <m:den>
                                   <m:r>
-                                    <a:rPr lang="ru-RU" i="1">
+                                    <a:rPr lang="ru-RU" sz="2000" i="1">
                                       <a:latin typeface="Cambria Math"/>
                                     </a:rPr>
                                     <m:t>𝑘</m:t>
                                   </m:r>
                                   <m:r>
-                                    <a:rPr lang="ru-RU" i="1">
+                                    <a:rPr lang="ru-RU" sz="2000" i="1">
                                       <a:latin typeface="Cambria Math"/>
                                     </a:rPr>
                                     <m:t>1</m:t>
@@ -8406,7 +8217,7 @@
                                 </m:den>
                               </m:f>
                               <m:r>
-                                <a:rPr lang="ru-RU" i="1">
+                                <a:rPr lang="ru-RU" sz="2000" i="1">
                                   <a:latin typeface="Cambria Math"/>
                                 </a:rPr>
                                 <m:t>+</m:t>
@@ -8414,14 +8225,14 @@
                               <m:f>
                                 <m:fPr>
                                   <m:ctrlPr>
-                                    <a:rPr lang="ru-RU" i="1">
+                                    <a:rPr lang="ru-RU" sz="2000" i="1">
                                       <a:latin typeface="Cambria Math"/>
                                     </a:rPr>
                                   </m:ctrlPr>
                                 </m:fPr>
                                 <m:num>
                                   <m:r>
-                                    <a:rPr lang="ru-RU" i="1">
+                                    <a:rPr lang="ru-RU" sz="2000" i="1">
                                       <a:latin typeface="Cambria Math"/>
                                     </a:rPr>
                                     <m:t>𝑛</m:t>
@@ -8429,13 +8240,13 @@
                                 </m:num>
                                 <m:den>
                                   <m:r>
-                                    <a:rPr lang="ru-RU" i="1">
+                                    <a:rPr lang="ru-RU" sz="2000" i="1">
                                       <a:latin typeface="Cambria Math"/>
                                     </a:rPr>
                                     <m:t>𝑘</m:t>
                                   </m:r>
                                   <m:r>
-                                    <a:rPr lang="ru-RU" i="1">
+                                    <a:rPr lang="ru-RU" sz="2000" i="1">
                                       <a:latin typeface="Cambria Math"/>
                                     </a:rPr>
                                     <m:t>2</m:t>
@@ -8449,14 +8260,14 @@
                           <m:sSub>
                             <m:sSubPr>
                               <m:ctrlPr>
-                                <a:rPr lang="ru-RU" i="1">
+                                <a:rPr lang="ru-RU" sz="2000" i="1">
                                   <a:latin typeface="Cambria Math"/>
                                 </a:rPr>
                               </m:ctrlPr>
                             </m:sSubPr>
                             <m:e>
                               <m:r>
-                                <a:rPr lang="ru-RU" i="1">
+                                <a:rPr lang="ru-RU" sz="2000" i="1">
                                   <a:latin typeface="Cambria Math"/>
                                 </a:rPr>
                                 <m:t>𝑥</m:t>
@@ -8464,7 +8275,7 @@
                             </m:e>
                             <m:sub>
                               <m:r>
-                                <a:rPr lang="ru-RU" i="1">
+                                <a:rPr lang="ru-RU" sz="2000" i="1">
                                   <a:latin typeface="Cambria Math"/>
                                 </a:rPr>
                                 <m:t>0</m:t>
@@ -8474,7 +8285,7 @@
                           <m:d>
                             <m:dPr>
                               <m:ctrlPr>
-                                <a:rPr lang="ru-RU" i="1">
+                                <a:rPr lang="ru-RU" sz="2000" i="1">
                                   <a:latin typeface="Cambria Math"/>
                                 </a:rPr>
                               </m:ctrlPr>
@@ -8483,14 +8294,14 @@
                               <m:f>
                                 <m:fPr>
                                   <m:ctrlPr>
-                                    <a:rPr lang="ru-RU" i="1">
+                                    <a:rPr lang="ru-RU" sz="2000" i="1">
                                       <a:latin typeface="Cambria Math"/>
                                     </a:rPr>
                                   </m:ctrlPr>
                                 </m:fPr>
                                 <m:num>
                                   <m:r>
-                                    <a:rPr lang="ru-RU" i="1">
+                                    <a:rPr lang="ru-RU" sz="2000" i="1">
                                       <a:latin typeface="Cambria Math"/>
                                     </a:rPr>
                                     <m:t>1</m:t>
@@ -8498,13 +8309,13 @@
                                 </m:num>
                                 <m:den>
                                   <m:r>
-                                    <a:rPr lang="ru-RU" i="1">
+                                    <a:rPr lang="ru-RU" sz="2000" i="1">
                                       <a:latin typeface="Cambria Math"/>
                                     </a:rPr>
                                     <m:t>𝑘</m:t>
                                   </m:r>
                                   <m:r>
-                                    <a:rPr lang="ru-RU" i="1">
+                                    <a:rPr lang="ru-RU" sz="2000" i="1">
                                       <a:latin typeface="Cambria Math"/>
                                     </a:rPr>
                                     <m:t>1</m:t>
@@ -8512,7 +8323,7 @@
                                 </m:den>
                               </m:f>
                               <m:r>
-                                <a:rPr lang="ru-RU" i="1">
+                                <a:rPr lang="ru-RU" sz="2000" i="1">
                                   <a:latin typeface="Cambria Math"/>
                                 </a:rPr>
                                 <m:t>+</m:t>
@@ -8520,14 +8331,14 @@
                               <m:f>
                                 <m:fPr>
                                   <m:ctrlPr>
-                                    <a:rPr lang="ru-RU" i="1">
+                                    <a:rPr lang="ru-RU" sz="2000" i="1">
                                       <a:latin typeface="Cambria Math"/>
                                     </a:rPr>
                                   </m:ctrlPr>
                                 </m:fPr>
                                 <m:num>
                                   <m:r>
-                                    <a:rPr lang="ru-RU" i="1">
+                                    <a:rPr lang="ru-RU" sz="2000" i="1">
                                       <a:latin typeface="Cambria Math"/>
                                     </a:rPr>
                                     <m:t>𝑛</m:t>
@@ -8535,13 +8346,13 @@
                                 </m:num>
                                 <m:den>
                                   <m:r>
-                                    <a:rPr lang="ru-RU" i="1">
+                                    <a:rPr lang="ru-RU" sz="2000" i="1">
                                       <a:latin typeface="Cambria Math"/>
                                     </a:rPr>
                                     <m:t>𝑘</m:t>
                                   </m:r>
                                   <m:r>
-                                    <a:rPr lang="ru-RU" i="1">
+                                    <a:rPr lang="ru-RU" sz="2000" i="1">
                                       <a:latin typeface="Cambria Math"/>
                                     </a:rPr>
                                     <m:t>2</m:t>
@@ -8551,7 +8362,7 @@
                             </m:e>
                           </m:d>
                           <m:r>
-                            <a:rPr lang="ru-RU" i="1">
+                            <a:rPr lang="ru-RU" sz="2000" i="1">
                               <a:latin typeface="Cambria Math"/>
                             </a:rPr>
                             <m:t>−</m:t>
@@ -8559,44 +8370,44 @@
                           <m:f>
                             <m:fPr>
                               <m:ctrlPr>
-                                <a:rPr lang="ru-RU" i="1">
+                                <a:rPr lang="ru-RU" sz="2000" i="1">
                                   <a:latin typeface="Cambria Math"/>
                                 </a:rPr>
                               </m:ctrlPr>
                             </m:fPr>
                             <m:num>
                               <m:r>
-                                <a:rPr lang="ru-RU" i="1">
+                                <a:rPr lang="ru-RU" sz="2000" i="1">
                                   <a:latin typeface="Cambria Math"/>
                                 </a:rPr>
                                 <m:t>𝑛</m:t>
                               </m:r>
                               <m:r>
-                                <a:rPr lang="ru-RU" i="1">
+                                <a:rPr lang="ru-RU" sz="2000" i="1">
                                   <a:latin typeface="Cambria Math"/>
                                 </a:rPr>
                                 <m:t>(</m:t>
                               </m:r>
                               <m:r>
-                                <a:rPr lang="ru-RU" i="1">
+                                <a:rPr lang="ru-RU" sz="2000" i="1">
                                   <a:latin typeface="Cambria Math"/>
                                 </a:rPr>
                                 <m:t>𝑑</m:t>
                               </m:r>
                               <m:r>
-                                <a:rPr lang="ru-RU" i="1">
+                                <a:rPr lang="ru-RU" sz="2000" i="1">
                                   <a:latin typeface="Cambria Math"/>
                                 </a:rPr>
                                 <m:t>+</m:t>
                               </m:r>
                               <m:r>
-                                <a:rPr lang="ru-RU" i="1">
+                                <a:rPr lang="ru-RU" sz="2000" i="1">
                                   <a:latin typeface="Cambria Math"/>
                                 </a:rPr>
                                 <m:t>𝑓</m:t>
                               </m:r>
                               <m:r>
-                                <a:rPr lang="ru-RU" i="1">
+                                <a:rPr lang="ru-RU" sz="2000" i="1">
                                   <a:latin typeface="Cambria Math"/>
                                 </a:rPr>
                                 <m:t>)</m:t>
@@ -8604,13 +8415,13 @@
                             </m:num>
                             <m:den>
                               <m:r>
-                                <a:rPr lang="ru-RU" i="1">
+                                <a:rPr lang="ru-RU" sz="2000" i="1">
                                   <a:latin typeface="Cambria Math"/>
                                 </a:rPr>
                                 <m:t>𝑘</m:t>
                               </m:r>
                               <m:r>
-                                <a:rPr lang="ru-RU" i="1">
+                                <a:rPr lang="ru-RU" sz="2000" i="1">
                                   <a:latin typeface="Cambria Math"/>
                                 </a:rPr>
                                 <m:t>2</m:t>
@@ -8622,12 +8433,12 @@
                     </m:oMath>
                   </m:oMathPara>
                 </a14:m>
-                <a:endParaRPr lang="ru-RU" dirty="0"/>
+                <a:endParaRPr lang="ru-RU" sz="2000" dirty="0"/>
               </a:p>
             </p:txBody>
           </p:sp>
         </mc:Choice>
-        <mc:Fallback xmlns="">
+        <mc:Fallback>
           <p:sp>
             <p:nvSpPr>
               <p:cNvPr id="5" name="Прямоугольник 4"/>
@@ -8638,8 +8449,8 @@
             </p:nvSpPr>
             <p:spPr>
               <a:xfrm>
-                <a:off x="332956" y="2387176"/>
-                <a:ext cx="3454984" cy="1041824"/>
+                <a:off x="194410" y="2387176"/>
+                <a:ext cx="3853042" cy="1147302"/>
               </a:xfrm>
               <a:prstGeom prst="rect">
                 <a:avLst/>
@@ -8666,8 +8477,8 @@
           </p:sp>
         </mc:Fallback>
       </mc:AlternateContent>
-      <mc:AlternateContent xmlns:mc="http://schemas.openxmlformats.org/markup-compatibility/2006" xmlns:a14="http://schemas.microsoft.com/office/drawing/2010/main">
-        <mc:Choice Requires="a14">
+      <mc:AlternateContent xmlns:mc="http://schemas.openxmlformats.org/markup-compatibility/2006">
+        <mc:Choice xmlns:a14="http://schemas.microsoft.com/office/drawing/2010/main" Requires="a14">
           <p:sp>
             <p:nvSpPr>
               <p:cNvPr id="6" name="Прямоугольник 5"/>
@@ -8676,7 +8487,7 @@
             </p:nvSpPr>
             <p:spPr>
               <a:xfrm>
-                <a:off x="332956" y="3599808"/>
+                <a:off x="332956" y="3863053"/>
                 <a:ext cx="2862514" cy="1340880"/>
               </a:xfrm>
               <a:prstGeom prst="rect">
@@ -8971,7 +8782,7 @@
             </p:txBody>
           </p:sp>
         </mc:Choice>
-        <mc:Fallback xmlns="">
+        <mc:Fallback>
           <p:sp>
             <p:nvSpPr>
               <p:cNvPr id="6" name="Прямоугольник 5"/>
@@ -8982,7 +8793,7 @@
             </p:nvSpPr>
             <p:spPr>
               <a:xfrm>
-                <a:off x="332956" y="3599808"/>
+                <a:off x="332956" y="3863053"/>
                 <a:ext cx="2862514" cy="1340880"/>
               </a:xfrm>
               <a:prstGeom prst="rect">
@@ -9030,7 +8841,7 @@
 </p:sld>
 </file>
 
-<file path=ppt/slides/slide15.xml><?xml version="1.0" encoding="utf-8"?>
+<file path=ppt/slides/slide18.xml><?xml version="1.0" encoding="utf-8"?>
 <p:sld xmlns:a="http://schemas.openxmlformats.org/drawingml/2006/main" xmlns:r="http://schemas.openxmlformats.org/officeDocument/2006/relationships" xmlns:p="http://schemas.openxmlformats.org/presentationml/2006/main">
   <p:cSld>
     <p:spTree>
@@ -9057,12 +8868,26 @@
             <p:ph type="title"/>
           </p:nvPr>
         </p:nvSpPr>
-        <p:spPr/>
+        <p:spPr>
+          <a:xfrm>
+            <a:off x="685800" y="360219"/>
+            <a:ext cx="10131425" cy="1455738"/>
+          </a:xfrm>
+        </p:spPr>
         <p:txBody>
           <a:bodyPr/>
           <a:lstStyle/>
           <a:p>
-            <a:endParaRPr lang="ru-RU"/>
+            <a:pPr algn="ctr"/>
+            <a:r>
+              <a:rPr lang="ru-RU" dirty="0" smtClean="0"/>
+              <a:t>Длинна </a:t>
+            </a:r>
+            <a:r>
+              <a:rPr lang="ru-RU" dirty="0" err="1" smtClean="0"/>
+              <a:t>овоида</a:t>
+            </a:r>
+            <a:endParaRPr lang="ru-RU" dirty="0"/>
           </a:p>
         </p:txBody>
       </p:sp>
@@ -9087,7 +8912,7 @@
         </p:blipFill>
         <p:spPr bwMode="auto">
           <a:xfrm>
-            <a:off x="3331082" y="2314766"/>
+            <a:off x="3137119" y="1926135"/>
             <a:ext cx="8653653" cy="4326827"/>
           </a:xfrm>
           <a:prstGeom prst="rect">
@@ -9099,8 +8924,8 @@
           </a:ln>
         </p:spPr>
       </p:pic>
-      <mc:AlternateContent xmlns:mc="http://schemas.openxmlformats.org/markup-compatibility/2006" xmlns:a14="http://schemas.microsoft.com/office/drawing/2010/main">
-        <mc:Choice Requires="a14">
+      <mc:AlternateContent xmlns:mc="http://schemas.openxmlformats.org/markup-compatibility/2006">
+        <mc:Choice xmlns:a14="http://schemas.microsoft.com/office/drawing/2010/main" Requires="a14">
           <p:sp>
             <p:nvSpPr>
               <p:cNvPr id="5" name="Прямоугольник 4"/>
@@ -9110,7 +8935,7 @@
             <p:spPr>
               <a:xfrm>
                 <a:off x="280651" y="2314766"/>
-                <a:ext cx="1901482" cy="571310"/>
+                <a:ext cx="2498056" cy="731034"/>
               </a:xfrm>
               <a:prstGeom prst="rect">
                 <a:avLst/>
@@ -9130,31 +8955,31 @@
                     </m:oMathParaPr>
                     <m:oMath xmlns:m="http://schemas.openxmlformats.org/officeDocument/2006/math">
                       <m:r>
-                        <a:rPr lang="en-US" i="1" smtClean="0">
+                        <a:rPr lang="en-US" sz="2400" i="1" smtClean="0">
                           <a:latin typeface="Cambria Math"/>
                         </a:rPr>
                         <m:t>𝑥</m:t>
                       </m:r>
                       <m:r>
-                        <a:rPr lang="en-US" i="1" smtClean="0">
+                        <a:rPr lang="en-US" sz="2400" i="1" smtClean="0">
                           <a:latin typeface="Cambria Math"/>
                         </a:rPr>
                         <m:t>=</m:t>
                       </m:r>
                       <m:r>
-                        <a:rPr lang="en-US" i="1" smtClean="0">
+                        <a:rPr lang="en-US" sz="2400" i="1" smtClean="0">
                           <a:latin typeface="Cambria Math"/>
                         </a:rPr>
                         <m:t>𝑑</m:t>
                       </m:r>
                       <m:r>
-                        <a:rPr lang="en-US" i="1" smtClean="0">
+                        <a:rPr lang="en-US" sz="2400" i="1" smtClean="0">
                           <a:latin typeface="Cambria Math"/>
                         </a:rPr>
                         <m:t>+2</m:t>
                       </m:r>
                       <m:r>
-                        <a:rPr lang="en-US" i="1" smtClean="0">
+                        <a:rPr lang="en-US" sz="2400" i="1" smtClean="0">
                           <a:latin typeface="Cambria Math"/>
                         </a:rPr>
                         <m:t>𝑓</m:t>
@@ -9162,14 +8987,14 @@
                       <m:f>
                         <m:fPr>
                           <m:ctrlPr>
-                            <a:rPr lang="ru-RU" i="1">
+                            <a:rPr lang="ru-RU" sz="2400" i="1">
                               <a:latin typeface="Cambria Math"/>
                             </a:rPr>
                           </m:ctrlPr>
                         </m:fPr>
                         <m:num>
                           <m:r>
-                            <a:rPr lang="en-US" i="1">
+                            <a:rPr lang="en-US" sz="2400" i="1">
                               <a:latin typeface="Cambria Math"/>
                             </a:rPr>
                             <m:t>𝑛</m:t>
@@ -9177,13 +9002,13 @@
                         </m:num>
                         <m:den>
                           <m:r>
-                            <a:rPr lang="en-US" i="1">
+                            <a:rPr lang="en-US" sz="2400" i="1">
                               <a:latin typeface="Cambria Math"/>
                             </a:rPr>
                             <m:t>1+</m:t>
                           </m:r>
                           <m:r>
-                            <a:rPr lang="en-US" i="1">
+                            <a:rPr lang="en-US" sz="2400" i="1">
                               <a:latin typeface="Cambria Math"/>
                             </a:rPr>
                             <m:t>𝑛</m:t>
@@ -9193,12 +9018,12 @@
                     </m:oMath>
                   </m:oMathPara>
                 </a14:m>
-                <a:endParaRPr lang="ru-RU" dirty="0"/>
+                <a:endParaRPr lang="ru-RU" sz="2400" dirty="0"/>
               </a:p>
             </p:txBody>
           </p:sp>
         </mc:Choice>
-        <mc:Fallback xmlns="">
+        <mc:Fallback>
           <p:sp>
             <p:nvSpPr>
               <p:cNvPr id="5" name="Прямоугольник 4"/>
@@ -9210,7 +9035,7 @@
             <p:spPr>
               <a:xfrm>
                 <a:off x="280651" y="2314766"/>
-                <a:ext cx="1901482" cy="571310"/>
+                <a:ext cx="2498056" cy="731034"/>
               </a:xfrm>
               <a:prstGeom prst="rect">
                 <a:avLst/>
@@ -9237,8 +9062,8 @@
           </p:sp>
         </mc:Fallback>
       </mc:AlternateContent>
-      <mc:AlternateContent xmlns:mc="http://schemas.openxmlformats.org/markup-compatibility/2006" xmlns:a14="http://schemas.microsoft.com/office/drawing/2010/main">
-        <mc:Choice Requires="a14">
+      <mc:AlternateContent xmlns:mc="http://schemas.openxmlformats.org/markup-compatibility/2006">
+        <mc:Choice xmlns:a14="http://schemas.microsoft.com/office/drawing/2010/main" Requires="a14">
           <p:sp>
             <p:nvSpPr>
               <p:cNvPr id="6" name="Прямоугольник 5"/>
@@ -9248,7 +9073,7 @@
             <p:spPr>
               <a:xfrm>
                 <a:off x="280651" y="3202592"/>
-                <a:ext cx="1199367" cy="623504"/>
+                <a:ext cx="1783244" cy="800668"/>
               </a:xfrm>
               <a:prstGeom prst="rect">
                 <a:avLst/>
@@ -9267,14 +9092,33 @@
                       <m:jc m:val="centerGroup"/>
                     </m:oMathParaPr>
                     <m:oMath xmlns:m="http://schemas.openxmlformats.org/officeDocument/2006/math">
+                      <m:sSub>
+                        <m:sSubPr>
+                          <m:ctrlPr>
+                            <a:rPr lang="ru-RU" sz="2400" i="1" smtClean="0">
+                              <a:latin typeface="Cambria Math"/>
+                            </a:rPr>
+                          </m:ctrlPr>
+                        </m:sSubPr>
+                        <m:e>
+                          <m:r>
+                            <a:rPr lang="en-US" sz="2400" b="0" i="1" smtClean="0">
+                              <a:latin typeface="Cambria Math"/>
+                            </a:rPr>
+                            <m:t>𝐿</m:t>
+                          </m:r>
+                        </m:e>
+                        <m:sub>
+                          <m:r>
+                            <a:rPr lang="ru-RU" sz="2400" b="0" i="1" smtClean="0">
+                              <a:latin typeface="Cambria Math"/>
+                            </a:rPr>
+                            <m:t>ов</m:t>
+                          </m:r>
+                        </m:sub>
+                      </m:sSub>
                       <m:r>
-                        <a:rPr lang="ru-RU" i="1">
-                          <a:latin typeface="Cambria Math"/>
-                        </a:rPr>
-                        <m:t>𝐿</m:t>
-                      </m:r>
-                      <m:r>
-                        <a:rPr lang="ru-RU" i="1">
+                        <a:rPr lang="ru-RU" sz="2400" i="1">
                           <a:latin typeface="Cambria Math"/>
                         </a:rPr>
                         <m:t>=</m:t>
@@ -9282,20 +9126,20 @@
                       <m:f>
                         <m:fPr>
                           <m:ctrlPr>
-                            <a:rPr lang="ru-RU" i="1">
+                            <a:rPr lang="ru-RU" sz="2400" i="1">
                               <a:latin typeface="Cambria Math"/>
                             </a:rPr>
                           </m:ctrlPr>
                         </m:fPr>
                         <m:num>
                           <m:r>
-                            <a:rPr lang="ru-RU" i="1">
+                            <a:rPr lang="ru-RU" sz="2400" i="1">
                               <a:latin typeface="Cambria Math"/>
                             </a:rPr>
                             <m:t>2</m:t>
                           </m:r>
                           <m:r>
-                            <a:rPr lang="ru-RU" i="1">
+                            <a:rPr lang="ru-RU" sz="2400" i="1">
                               <a:latin typeface="Cambria Math"/>
                             </a:rPr>
                             <m:t>𝑓𝑛</m:t>
@@ -9303,13 +9147,13 @@
                         </m:num>
                         <m:den>
                           <m:r>
-                            <a:rPr lang="ru-RU" i="1">
+                            <a:rPr lang="ru-RU" sz="2400" i="1">
                               <a:latin typeface="Cambria Math"/>
                             </a:rPr>
                             <m:t>1+</m:t>
                           </m:r>
                           <m:r>
-                            <a:rPr lang="ru-RU" i="1">
+                            <a:rPr lang="ru-RU" sz="2400" i="1">
                               <a:latin typeface="Cambria Math"/>
                             </a:rPr>
                             <m:t>𝑛</m:t>
@@ -9319,12 +9163,12 @@
                     </m:oMath>
                   </m:oMathPara>
                 </a14:m>
-                <a:endParaRPr lang="ru-RU" dirty="0"/>
+                <a:endParaRPr lang="ru-RU" sz="2400" dirty="0"/>
               </a:p>
             </p:txBody>
           </p:sp>
         </mc:Choice>
-        <mc:Fallback xmlns="">
+        <mc:Fallback>
           <p:sp>
             <p:nvSpPr>
               <p:cNvPr id="6" name="Прямоугольник 5"/>
@@ -9336,13 +9180,158 @@
             <p:spPr>
               <a:xfrm>
                 <a:off x="280651" y="3202592"/>
-                <a:ext cx="1199367" cy="623504"/>
+                <a:ext cx="1783244" cy="800668"/>
               </a:xfrm>
               <a:prstGeom prst="rect">
                 <a:avLst/>
               </a:prstGeom>
               <a:blipFill rotWithShape="1">
                 <a:blip r:embed="rId4"/>
+                <a:stretch>
+                  <a:fillRect/>
+                </a:stretch>
+              </a:blipFill>
+            </p:spPr>
+            <p:txBody>
+              <a:bodyPr/>
+              <a:lstStyle/>
+              <a:p>
+                <a:r>
+                  <a:rPr lang="ru-RU">
+                    <a:noFill/>
+                  </a:rPr>
+                  <a:t> </a:t>
+                </a:r>
+              </a:p>
+            </p:txBody>
+          </p:sp>
+        </mc:Fallback>
+      </mc:AlternateContent>
+      <mc:AlternateContent xmlns:mc="http://schemas.openxmlformats.org/markup-compatibility/2006">
+        <mc:Choice xmlns:a14="http://schemas.microsoft.com/office/drawing/2010/main" Requires="a14">
+          <p:sp>
+            <p:nvSpPr>
+              <p:cNvPr id="3" name="TextBox 2"/>
+              <p:cNvSpPr txBox="1"/>
+              <p:nvPr/>
+            </p:nvSpPr>
+            <p:spPr>
+              <a:xfrm>
+                <a:off x="280651" y="4336448"/>
+                <a:ext cx="1778436" cy="800668"/>
+              </a:xfrm>
+              <a:prstGeom prst="rect">
+                <a:avLst/>
+              </a:prstGeom>
+              <a:noFill/>
+            </p:spPr>
+            <p:txBody>
+              <a:bodyPr wrap="none" rtlCol="0">
+                <a:spAutoFit/>
+              </a:bodyPr>
+              <a:lstStyle/>
+              <a:p>
+                <a14:m>
+                  <m:oMathPara xmlns:m="http://schemas.openxmlformats.org/officeDocument/2006/math">
+                    <m:oMathParaPr>
+                      <m:jc m:val="centerGroup"/>
+                    </m:oMathParaPr>
+                    <m:oMath xmlns:m="http://schemas.openxmlformats.org/officeDocument/2006/math">
+                      <m:sSub>
+                        <m:sSubPr>
+                          <m:ctrlPr>
+                            <a:rPr lang="ru-RU" sz="2400" i="1" smtClean="0">
+                              <a:latin typeface="Cambria Math"/>
+                            </a:rPr>
+                          </m:ctrlPr>
+                        </m:sSubPr>
+                        <m:e>
+                          <m:r>
+                            <a:rPr lang="en-US" sz="2400" b="0" i="1" smtClean="0">
+                              <a:latin typeface="Cambria Math"/>
+                            </a:rPr>
+                            <m:t>𝐿</m:t>
+                          </m:r>
+                        </m:e>
+                        <m:sub>
+                          <m:r>
+                            <a:rPr lang="ru-RU" sz="2400" b="0" i="1" smtClean="0">
+                              <a:latin typeface="Cambria Math"/>
+                            </a:rPr>
+                            <m:t>эл</m:t>
+                          </m:r>
+                        </m:sub>
+                      </m:sSub>
+                      <m:r>
+                        <a:rPr lang="ru-RU" sz="2400" b="0" i="1" smtClean="0">
+                          <a:latin typeface="Cambria Math"/>
+                        </a:rPr>
+                        <m:t>=</m:t>
+                      </m:r>
+                      <m:f>
+                        <m:fPr>
+                          <m:ctrlPr>
+                            <a:rPr lang="ru-RU" sz="2400" b="0" i="1" smtClean="0">
+                              <a:latin typeface="Cambria Math"/>
+                            </a:rPr>
+                          </m:ctrlPr>
+                        </m:fPr>
+                        <m:num>
+                          <m:r>
+                            <a:rPr lang="en-US" sz="2400" b="0" i="1" smtClean="0">
+                              <a:latin typeface="Cambria Math"/>
+                            </a:rPr>
+                            <m:t>2</m:t>
+                          </m:r>
+                          <m:r>
+                            <a:rPr lang="en-US" sz="2400" b="0" i="1" smtClean="0">
+                              <a:latin typeface="Cambria Math"/>
+                            </a:rPr>
+                            <m:t>𝑓𝑛</m:t>
+                          </m:r>
+                        </m:num>
+                        <m:den>
+                          <m:r>
+                            <a:rPr lang="en-US" sz="2400" b="0" i="1" smtClean="0">
+                              <a:latin typeface="Cambria Math"/>
+                            </a:rPr>
+                            <m:t>1+</m:t>
+                          </m:r>
+                          <m:r>
+                            <a:rPr lang="en-US" sz="2400" b="0" i="1" smtClean="0">
+                              <a:latin typeface="Cambria Math"/>
+                            </a:rPr>
+                            <m:t>𝑛</m:t>
+                          </m:r>
+                        </m:den>
+                      </m:f>
+                    </m:oMath>
+                  </m:oMathPara>
+                </a14:m>
+                <a:endParaRPr lang="ru-RU" sz="2400" dirty="0"/>
+              </a:p>
+            </p:txBody>
+          </p:sp>
+        </mc:Choice>
+        <mc:Fallback>
+          <p:sp>
+            <p:nvSpPr>
+              <p:cNvPr id="3" name="TextBox 2"/>
+              <p:cNvSpPr txBox="1">
+                <a:spLocks noRot="1" noChangeAspect="1" noMove="1" noResize="1" noEditPoints="1" noAdjustHandles="1" noChangeArrowheads="1" noChangeShapeType="1" noTextEdit="1"/>
+              </p:cNvSpPr>
+              <p:nvPr/>
+            </p:nvSpPr>
+            <p:spPr>
+              <a:xfrm>
+                <a:off x="280651" y="4336448"/>
+                <a:ext cx="1778436" cy="800668"/>
+              </a:xfrm>
+              <a:prstGeom prst="rect">
+                <a:avLst/>
+              </a:prstGeom>
+              <a:blipFill rotWithShape="1">
+                <a:blip r:embed="rId5"/>
                 <a:stretch>
                   <a:fillRect/>
                 </a:stretch>
@@ -9383,7 +9372,847 @@
 </p:sld>
 </file>
 
-<file path=ppt/slides/slide16.xml><?xml version="1.0" encoding="utf-8"?>
+<file path=ppt/slides/slide19.xml><?xml version="1.0" encoding="utf-8"?>
+<p:sld xmlns:a="http://schemas.openxmlformats.org/drawingml/2006/main" xmlns:r="http://schemas.openxmlformats.org/officeDocument/2006/relationships" xmlns:p="http://schemas.openxmlformats.org/presentationml/2006/main">
+  <p:cSld>
+    <p:spTree>
+      <p:nvGrpSpPr>
+        <p:cNvPr id="1" name=""/>
+        <p:cNvGrpSpPr/>
+        <p:nvPr/>
+      </p:nvGrpSpPr>
+      <p:grpSpPr>
+        <a:xfrm>
+          <a:off x="0" y="0"/>
+          <a:ext cx="0" cy="0"/>
+          <a:chOff x="0" y="0"/>
+          <a:chExt cx="0" cy="0"/>
+        </a:xfrm>
+      </p:grpSpPr>
+      <p:pic>
+        <p:nvPicPr>
+          <p:cNvPr id="6147" name="Picture 3" descr="C:\Users\Ololo\Desktop\science\sciense\Illustrations\23.png"/>
+          <p:cNvPicPr>
+            <a:picLocks noChangeAspect="1" noChangeArrowheads="1"/>
+          </p:cNvPicPr>
+          <p:nvPr/>
+        </p:nvPicPr>
+        <p:blipFill>
+          <a:blip r:embed="rId2">
+            <a:extLst>
+              <a:ext uri="{28A0092B-C50C-407E-A947-70E740481C1C}">
+                <a14:useLocalDpi xmlns:a14="http://schemas.microsoft.com/office/drawing/2010/main" val="0"/>
+              </a:ext>
+            </a:extLst>
+          </a:blip>
+          <a:srcRect/>
+          <a:stretch>
+            <a:fillRect/>
+          </a:stretch>
+        </p:blipFill>
+        <p:spPr bwMode="auto">
+          <a:xfrm>
+            <a:off x="3498420" y="2263773"/>
+            <a:ext cx="8567882" cy="4283941"/>
+          </a:xfrm>
+          <a:prstGeom prst="rect">
+            <a:avLst/>
+          </a:prstGeom>
+          <a:noFill/>
+          <a:extLst>
+            <a:ext uri="{909E8E84-426E-40DD-AFC4-6F175D3DCCD1}">
+              <a14:hiddenFill xmlns:a14="http://schemas.microsoft.com/office/drawing/2010/main">
+                <a:solidFill>
+                  <a:srgbClr val="FFFFFF"/>
+                </a:solidFill>
+              </a14:hiddenFill>
+            </a:ext>
+          </a:extLst>
+        </p:spPr>
+      </p:pic>
+      <mc:AlternateContent xmlns:mc="http://schemas.openxmlformats.org/markup-compatibility/2006">
+        <mc:Choice xmlns:a14="http://schemas.microsoft.com/office/drawing/2010/main" Requires="a14">
+          <p:sp>
+            <p:nvSpPr>
+              <p:cNvPr id="4" name="Прямоугольник 3"/>
+              <p:cNvSpPr/>
+              <p:nvPr/>
+            </p:nvSpPr>
+            <p:spPr>
+              <a:xfrm>
+                <a:off x="0" y="830781"/>
+                <a:ext cx="8811490" cy="1281376"/>
+              </a:xfrm>
+              <a:prstGeom prst="rect">
+                <a:avLst/>
+              </a:prstGeom>
+            </p:spPr>
+            <p:txBody>
+              <a:bodyPr wrap="square">
+                <a:spAutoFit/>
+              </a:bodyPr>
+              <a:lstStyle/>
+              <a:p>
+                <a14:m>
+                  <m:oMathPara xmlns:m="http://schemas.openxmlformats.org/officeDocument/2006/math">
+                    <m:oMathParaPr>
+                      <m:jc m:val="centerGroup"/>
+                    </m:oMathParaPr>
+                    <m:oMath xmlns:m="http://schemas.openxmlformats.org/officeDocument/2006/math">
+                      <m:sSub>
+                        <m:sSubPr>
+                          <m:ctrlPr>
+                            <a:rPr lang="ru-RU" sz="2400" i="1"/>
+                          </m:ctrlPr>
+                        </m:sSubPr>
+                        <m:e>
+                          <m:r>
+                            <a:rPr lang="en-US" sz="2400" i="1"/>
+                            <m:t>𝜑</m:t>
+                          </m:r>
+                        </m:e>
+                        <m:sub>
+                          <m:r>
+                            <a:rPr lang="en-US" sz="2400" i="1"/>
+                            <m:t>𝑚𝑎𝑥</m:t>
+                          </m:r>
+                        </m:sub>
+                      </m:sSub>
+                      <m:r>
+                        <a:rPr lang="en-US" sz="2400" i="1"/>
+                        <m:t>=</m:t>
+                      </m:r>
+                      <m:r>
+                        <m:rPr>
+                          <m:sty m:val="p"/>
+                        </m:rPr>
+                        <a:rPr lang="en-US" sz="2400"/>
+                        <m:t>acos</m:t>
+                      </m:r>
+                      <m:d>
+                        <m:dPr>
+                          <m:ctrlPr>
+                            <a:rPr lang="ru-RU" sz="2400" i="1"/>
+                          </m:ctrlPr>
+                        </m:dPr>
+                        <m:e>
+                          <m:f>
+                            <m:fPr>
+                              <m:ctrlPr>
+                                <a:rPr lang="ru-RU" sz="2400" i="1"/>
+                              </m:ctrlPr>
+                            </m:fPr>
+                            <m:num>
+                              <m:r>
+                                <a:rPr lang="en-US" sz="2400" i="1"/>
+                                <m:t>𝑑</m:t>
+                              </m:r>
+                              <m:r>
+                                <a:rPr lang="en-US" sz="2400" i="1"/>
+                                <m:t>+</m:t>
+                              </m:r>
+                              <m:r>
+                                <a:rPr lang="en-US" sz="2400" i="1"/>
+                                <m:t>𝑛𝑓</m:t>
+                              </m:r>
+                              <m:r>
+                                <a:rPr lang="en-US" sz="2400" i="1"/>
+                                <m:t>+</m:t>
+                              </m:r>
+                              <m:rad>
+                                <m:radPr>
+                                  <m:degHide m:val="on"/>
+                                  <m:ctrlPr>
+                                    <a:rPr lang="ru-RU" sz="2400" i="1"/>
+                                  </m:ctrlPr>
+                                </m:radPr>
+                                <m:deg/>
+                                <m:e>
+                                  <m:r>
+                                    <a:rPr lang="en-US" sz="2400" i="1"/>
+                                    <m:t>(</m:t>
+                                  </m:r>
+                                  <m:sSup>
+                                    <m:sSupPr>
+                                      <m:ctrlPr>
+                                        <a:rPr lang="ru-RU" sz="2400" i="1"/>
+                                      </m:ctrlPr>
+                                    </m:sSupPr>
+                                    <m:e>
+                                      <m:r>
+                                        <a:rPr lang="en-US" sz="2400" i="1"/>
+                                        <m:t>𝑛</m:t>
+                                      </m:r>
+                                    </m:e>
+                                    <m:sup>
+                                      <m:r>
+                                        <a:rPr lang="en-US" sz="2400" i="1"/>
+                                        <m:t>2</m:t>
+                                      </m:r>
+                                    </m:sup>
+                                  </m:sSup>
+                                  <m:r>
+                                    <a:rPr lang="en-US" sz="2400" i="1"/>
+                                    <m:t>−1)(</m:t>
+                                  </m:r>
+                                  <m:sSup>
+                                    <m:sSupPr>
+                                      <m:ctrlPr>
+                                        <a:rPr lang="ru-RU" sz="2400" i="1"/>
+                                      </m:ctrlPr>
+                                    </m:sSupPr>
+                                    <m:e>
+                                      <m:r>
+                                        <a:rPr lang="en-US" sz="2400" i="1"/>
+                                        <m:t>𝑛</m:t>
+                                      </m:r>
+                                    </m:e>
+                                    <m:sup>
+                                      <m:r>
+                                        <a:rPr lang="en-US" sz="2400" i="1"/>
+                                        <m:t>2</m:t>
+                                      </m:r>
+                                    </m:sup>
+                                  </m:sSup>
+                                  <m:sSup>
+                                    <m:sSupPr>
+                                      <m:ctrlPr>
+                                        <a:rPr lang="ru-RU" sz="2400" i="1"/>
+                                      </m:ctrlPr>
+                                    </m:sSupPr>
+                                    <m:e>
+                                      <m:d>
+                                        <m:dPr>
+                                          <m:ctrlPr>
+                                            <a:rPr lang="ru-RU" sz="2400" i="1"/>
+                                          </m:ctrlPr>
+                                        </m:dPr>
+                                        <m:e>
+                                          <m:r>
+                                            <a:rPr lang="en-US" sz="2400" i="1"/>
+                                            <m:t>𝑑</m:t>
+                                          </m:r>
+                                          <m:r>
+                                            <a:rPr lang="en-US" sz="2400" i="1"/>
+                                            <m:t>+</m:t>
+                                          </m:r>
+                                          <m:r>
+                                            <a:rPr lang="en-US" sz="2400" i="1"/>
+                                            <m:t>𝑓</m:t>
+                                          </m:r>
+                                        </m:e>
+                                      </m:d>
+                                    </m:e>
+                                    <m:sup>
+                                      <m:r>
+                                        <a:rPr lang="en-US" sz="2400" i="1"/>
+                                        <m:t>2</m:t>
+                                      </m:r>
+                                    </m:sup>
+                                  </m:sSup>
+                                  <m:r>
+                                    <a:rPr lang="en-US" sz="2400" i="1"/>
+                                    <m:t>−</m:t>
+                                  </m:r>
+                                  <m:sSup>
+                                    <m:sSupPr>
+                                      <m:ctrlPr>
+                                        <a:rPr lang="ru-RU" sz="2400" i="1"/>
+                                      </m:ctrlPr>
+                                    </m:sSupPr>
+                                    <m:e>
+                                      <m:r>
+                                        <a:rPr lang="en-US" sz="2400" i="1"/>
+                                        <m:t>(</m:t>
+                                      </m:r>
+                                      <m:r>
+                                        <a:rPr lang="en-US" sz="2400" i="1"/>
+                                        <m:t>𝑑</m:t>
+                                      </m:r>
+                                      <m:r>
+                                        <a:rPr lang="en-US" sz="2400" i="1"/>
+                                        <m:t>+</m:t>
+                                      </m:r>
+                                      <m:r>
+                                        <a:rPr lang="en-US" sz="2400" i="1"/>
+                                        <m:t>𝑛𝑓</m:t>
+                                      </m:r>
+                                      <m:r>
+                                        <a:rPr lang="en-US" sz="2400" i="1"/>
+                                        <m:t>)</m:t>
+                                      </m:r>
+                                    </m:e>
+                                    <m:sup>
+                                      <m:r>
+                                        <a:rPr lang="en-US" sz="2400" i="1"/>
+                                        <m:t>2</m:t>
+                                      </m:r>
+                                    </m:sup>
+                                  </m:sSup>
+                                  <m:r>
+                                    <a:rPr lang="en-US" sz="2400" i="1"/>
+                                    <m:t>)</m:t>
+                                  </m:r>
+                                </m:e>
+                              </m:rad>
+                            </m:num>
+                            <m:den>
+                              <m:sSup>
+                                <m:sSupPr>
+                                  <m:ctrlPr>
+                                    <a:rPr lang="ru-RU" sz="2400" i="1"/>
+                                  </m:ctrlPr>
+                                </m:sSupPr>
+                                <m:e>
+                                  <m:r>
+                                    <a:rPr lang="en-US" sz="2400" i="1"/>
+                                    <m:t>𝑛</m:t>
+                                  </m:r>
+                                </m:e>
+                                <m:sup>
+                                  <m:r>
+                                    <a:rPr lang="en-US" sz="2400" i="1"/>
+                                    <m:t>2</m:t>
+                                  </m:r>
+                                </m:sup>
+                              </m:sSup>
+                              <m:r>
+                                <a:rPr lang="en-US" sz="2400" i="1"/>
+                                <m:t>(</m:t>
+                              </m:r>
+                              <m:r>
+                                <a:rPr lang="en-US" sz="2400" i="1"/>
+                                <m:t>𝑑</m:t>
+                              </m:r>
+                              <m:r>
+                                <a:rPr lang="en-US" sz="2400" i="1"/>
+                                <m:t>+</m:t>
+                              </m:r>
+                              <m:r>
+                                <a:rPr lang="en-US" sz="2400" i="1"/>
+                                <m:t>𝑓</m:t>
+                              </m:r>
+                              <m:r>
+                                <a:rPr lang="en-US" sz="2400" i="1"/>
+                                <m:t>)</m:t>
+                              </m:r>
+                            </m:den>
+                          </m:f>
+                        </m:e>
+                      </m:d>
+                    </m:oMath>
+                  </m:oMathPara>
+                </a14:m>
+                <a:endParaRPr lang="ru-RU" dirty="0"/>
+              </a:p>
+            </p:txBody>
+          </p:sp>
+        </mc:Choice>
+        <mc:Fallback>
+          <p:sp>
+            <p:nvSpPr>
+              <p:cNvPr id="4" name="Прямоугольник 3"/>
+              <p:cNvSpPr>
+                <a:spLocks noRot="1" noChangeAspect="1" noMove="1" noResize="1" noEditPoints="1" noAdjustHandles="1" noChangeArrowheads="1" noChangeShapeType="1" noTextEdit="1"/>
+              </p:cNvSpPr>
+              <p:nvPr/>
+            </p:nvSpPr>
+            <p:spPr>
+              <a:xfrm>
+                <a:off x="0" y="830781"/>
+                <a:ext cx="8811490" cy="1281376"/>
+              </a:xfrm>
+              <a:prstGeom prst="rect">
+                <a:avLst/>
+              </a:prstGeom>
+              <a:blipFill rotWithShape="1">
+                <a:blip r:embed="rId3"/>
+                <a:stretch>
+                  <a:fillRect/>
+                </a:stretch>
+              </a:blipFill>
+            </p:spPr>
+            <p:txBody>
+              <a:bodyPr/>
+              <a:lstStyle/>
+              <a:p>
+                <a:r>
+                  <a:rPr lang="ru-RU">
+                    <a:noFill/>
+                  </a:rPr>
+                  <a:t> </a:t>
+                </a:r>
+              </a:p>
+            </p:txBody>
+          </p:sp>
+        </mc:Fallback>
+      </mc:AlternateContent>
+      <mc:AlternateContent xmlns:mc="http://schemas.openxmlformats.org/markup-compatibility/2006">
+        <mc:Choice xmlns:a14="http://schemas.microsoft.com/office/drawing/2010/main" Requires="a14">
+          <p:sp>
+            <p:nvSpPr>
+              <p:cNvPr id="5" name="Прямоугольник 4"/>
+              <p:cNvSpPr/>
+              <p:nvPr/>
+            </p:nvSpPr>
+            <p:spPr>
+              <a:xfrm>
+                <a:off x="124695" y="2394670"/>
+                <a:ext cx="3164071" cy="431657"/>
+              </a:xfrm>
+              <a:prstGeom prst="rect">
+                <a:avLst/>
+              </a:prstGeom>
+            </p:spPr>
+            <p:txBody>
+              <a:bodyPr wrap="none">
+                <a:spAutoFit/>
+              </a:bodyPr>
+              <a:lstStyle/>
+              <a:p>
+                <a:r>
+                  <a:rPr lang="ru-RU" sz="2000" dirty="0" smtClean="0"/>
+                  <a:t>Угловая </a:t>
+                </a:r>
+                <a:r>
+                  <a:rPr lang="ru-RU" sz="2000" dirty="0"/>
+                  <a:t>ширина </a:t>
+                </a:r>
+                <a14:m>
+                  <m:oMath xmlns:m="http://schemas.openxmlformats.org/officeDocument/2006/math">
+                    <m:r>
+                      <a:rPr lang="ru-RU" sz="2000" i="1"/>
+                      <m:t>𝜃</m:t>
+                    </m:r>
+                    <m:r>
+                      <a:rPr lang="ru-RU" sz="2000" i="1"/>
+                      <m:t>=2</m:t>
+                    </m:r>
+                    <m:sSub>
+                      <m:sSubPr>
+                        <m:ctrlPr>
+                          <a:rPr lang="ru-RU" sz="2000" i="1"/>
+                        </m:ctrlPr>
+                      </m:sSubPr>
+                      <m:e>
+                        <m:r>
+                          <a:rPr lang="en-US" sz="2000" i="1"/>
+                          <m:t>𝜑</m:t>
+                        </m:r>
+                      </m:e>
+                      <m:sub>
+                        <m:r>
+                          <a:rPr lang="en-US" sz="2000" i="1"/>
+                          <m:t>𝑚𝑎𝑥</m:t>
+                        </m:r>
+                      </m:sub>
+                    </m:sSub>
+                  </m:oMath>
+                </a14:m>
+                <a:endParaRPr lang="ru-RU" sz="2000" dirty="0"/>
+              </a:p>
+            </p:txBody>
+          </p:sp>
+        </mc:Choice>
+        <mc:Fallback>
+          <p:sp>
+            <p:nvSpPr>
+              <p:cNvPr id="5" name="Прямоугольник 4"/>
+              <p:cNvSpPr>
+                <a:spLocks noRot="1" noChangeAspect="1" noMove="1" noResize="1" noEditPoints="1" noAdjustHandles="1" noChangeArrowheads="1" noChangeShapeType="1" noTextEdit="1"/>
+              </p:cNvSpPr>
+              <p:nvPr/>
+            </p:nvSpPr>
+            <p:spPr>
+              <a:xfrm>
+                <a:off x="124695" y="2394670"/>
+                <a:ext cx="3164071" cy="431657"/>
+              </a:xfrm>
+              <a:prstGeom prst="rect">
+                <a:avLst/>
+              </a:prstGeom>
+              <a:blipFill rotWithShape="1">
+                <a:blip r:embed="rId4"/>
+                <a:stretch>
+                  <a:fillRect l="-1927" t="-5634" b="-18310"/>
+                </a:stretch>
+              </a:blipFill>
+            </p:spPr>
+            <p:txBody>
+              <a:bodyPr/>
+              <a:lstStyle/>
+              <a:p>
+                <a:r>
+                  <a:rPr lang="ru-RU">
+                    <a:noFill/>
+                  </a:rPr>
+                  <a:t> </a:t>
+                </a:r>
+              </a:p>
+            </p:txBody>
+          </p:sp>
+        </mc:Fallback>
+      </mc:AlternateContent>
+    </p:spTree>
+    <p:extLst>
+      <p:ext uri="{BB962C8B-B14F-4D97-AF65-F5344CB8AC3E}">
+        <p14:creationId xmlns:p14="http://schemas.microsoft.com/office/powerpoint/2010/main" val="2477775653"/>
+      </p:ext>
+    </p:extLst>
+  </p:cSld>
+  <p:clrMapOvr>
+    <a:masterClrMapping/>
+  </p:clrMapOvr>
+  <p:timing>
+    <p:tnLst>
+      <p:par>
+        <p:cTn id="1" dur="indefinite" restart="never" nodeType="tmRoot"/>
+      </p:par>
+    </p:tnLst>
+  </p:timing>
+</p:sld>
+</file>
+
+<file path=ppt/slides/slide2.xml><?xml version="1.0" encoding="utf-8"?>
+<p:sld xmlns:a="http://schemas.openxmlformats.org/drawingml/2006/main" xmlns:r="http://schemas.openxmlformats.org/officeDocument/2006/relationships" xmlns:p="http://schemas.openxmlformats.org/presentationml/2006/main">
+  <p:cSld>
+    <p:spTree>
+      <p:nvGrpSpPr>
+        <p:cNvPr id="1" name=""/>
+        <p:cNvGrpSpPr/>
+        <p:nvPr/>
+      </p:nvGrpSpPr>
+      <p:grpSpPr>
+        <a:xfrm>
+          <a:off x="0" y="0"/>
+          <a:ext cx="0" cy="0"/>
+          <a:chOff x="0" y="0"/>
+          <a:chExt cx="0" cy="0"/>
+        </a:xfrm>
+      </p:grpSpPr>
+      <p:sp>
+        <p:nvSpPr>
+          <p:cNvPr id="20483" name="Объект 2"/>
+          <p:cNvSpPr>
+            <a:spLocks noGrp="1"/>
+          </p:cNvSpPr>
+          <p:nvPr>
+            <p:ph idx="1"/>
+          </p:nvPr>
+        </p:nvSpPr>
+        <p:spPr>
+          <a:xfrm>
+            <a:off x="685800" y="1446213"/>
+            <a:ext cx="9545638" cy="2886075"/>
+          </a:xfrm>
+        </p:spPr>
+        <p:txBody>
+          <a:bodyPr/>
+          <a:lstStyle/>
+          <a:p>
+            <a:pPr marL="0" indent="0">
+              <a:buNone/>
+            </a:pPr>
+            <a:r>
+              <a:rPr lang="ru-RU" sz="2800" dirty="0"/>
+              <a:t>На сегодняшний день влияние оптических приборов стремительно возрастает. Вследствие этого, актуален вопрос устранения дефектов линз. В погоне за увеличением точности, оптические системы «наращивают» линзы, становятся все больше и массивней. Потому остро стоит вопрос замены нескольких линз, устраняющих дефект, на одну, лишенной его. Эта замена способна начать новый этап использования асферических линз для создания более компактных, легких, точных оптических приборов.</a:t>
+            </a:r>
+          </a:p>
+          <a:p>
+            <a:pPr marL="0" indent="0">
+              <a:buFont typeface="Arial" charset="0"/>
+              <a:buNone/>
+            </a:pPr>
+            <a:endParaRPr lang="ru-RU" sz="2800" dirty="0" smtClean="0"/>
+          </a:p>
+        </p:txBody>
+      </p:sp>
+      <p:pic>
+        <p:nvPicPr>
+          <p:cNvPr id="20484" name="Рисунок 3"/>
+          <p:cNvPicPr>
+            <a:picLocks noChangeAspect="1"/>
+          </p:cNvPicPr>
+          <p:nvPr/>
+        </p:nvPicPr>
+        <p:blipFill>
+          <a:blip r:embed="rId2">
+            <a:extLst>
+              <a:ext uri="{28A0092B-C50C-407E-A947-70E740481C1C}">
+                <a14:useLocalDpi xmlns:a14="http://schemas.microsoft.com/office/drawing/2010/main" val="0"/>
+              </a:ext>
+            </a:extLst>
+          </a:blip>
+          <a:srcRect/>
+          <a:stretch>
+            <a:fillRect/>
+          </a:stretch>
+        </p:blipFill>
+        <p:spPr bwMode="auto">
+          <a:xfrm>
+            <a:off x="2815453" y="5480215"/>
+            <a:ext cx="2266950" cy="1422400"/>
+          </a:xfrm>
+          <a:prstGeom prst="rect">
+            <a:avLst/>
+          </a:prstGeom>
+          <a:noFill/>
+          <a:ln>
+            <a:noFill/>
+          </a:ln>
+          <a:extLst>
+            <a:ext uri="{909E8E84-426E-40DD-AFC4-6F175D3DCCD1}">
+              <a14:hiddenFill xmlns:a14="http://schemas.microsoft.com/office/drawing/2010/main">
+                <a:solidFill>
+                  <a:srgbClr val="FFFFFF"/>
+                </a:solidFill>
+              </a14:hiddenFill>
+            </a:ext>
+            <a:ext uri="{91240B29-F687-4F45-9708-019B960494DF}">
+              <a14:hiddenLine xmlns:a14="http://schemas.microsoft.com/office/drawing/2010/main" w="9525">
+                <a:solidFill>
+                  <a:srgbClr val="000000"/>
+                </a:solidFill>
+                <a:miter lim="800000"/>
+                <a:headEnd/>
+                <a:tailEnd/>
+              </a14:hiddenLine>
+            </a:ext>
+          </a:extLst>
+        </p:spPr>
+      </p:pic>
+      <p:pic>
+        <p:nvPicPr>
+          <p:cNvPr id="20485" name="Рисунок 4"/>
+          <p:cNvPicPr>
+            <a:picLocks noChangeAspect="1"/>
+          </p:cNvPicPr>
+          <p:nvPr/>
+        </p:nvPicPr>
+        <p:blipFill>
+          <a:blip r:embed="rId3">
+            <a:extLst>
+              <a:ext uri="{28A0092B-C50C-407E-A947-70E740481C1C}">
+                <a14:useLocalDpi xmlns:a14="http://schemas.microsoft.com/office/drawing/2010/main" val="0"/>
+              </a:ext>
+            </a:extLst>
+          </a:blip>
+          <a:srcRect/>
+          <a:stretch>
+            <a:fillRect/>
+          </a:stretch>
+        </p:blipFill>
+        <p:spPr bwMode="auto">
+          <a:xfrm>
+            <a:off x="5296131" y="4805362"/>
+            <a:ext cx="1831975" cy="1576388"/>
+          </a:xfrm>
+          <a:prstGeom prst="rect">
+            <a:avLst/>
+          </a:prstGeom>
+          <a:noFill/>
+          <a:ln>
+            <a:noFill/>
+          </a:ln>
+          <a:extLst>
+            <a:ext uri="{909E8E84-426E-40DD-AFC4-6F175D3DCCD1}">
+              <a14:hiddenFill xmlns:a14="http://schemas.microsoft.com/office/drawing/2010/main">
+                <a:solidFill>
+                  <a:srgbClr val="FFFFFF"/>
+                </a:solidFill>
+              </a14:hiddenFill>
+            </a:ext>
+            <a:ext uri="{91240B29-F687-4F45-9708-019B960494DF}">
+              <a14:hiddenLine xmlns:a14="http://schemas.microsoft.com/office/drawing/2010/main" w="9525">
+                <a:solidFill>
+                  <a:srgbClr val="000000"/>
+                </a:solidFill>
+                <a:miter lim="800000"/>
+                <a:headEnd/>
+                <a:tailEnd/>
+              </a14:hiddenLine>
+            </a:ext>
+          </a:extLst>
+        </p:spPr>
+      </p:pic>
+      <p:pic>
+        <p:nvPicPr>
+          <p:cNvPr id="20486" name="Рисунок 5"/>
+          <p:cNvPicPr>
+            <a:picLocks noChangeAspect="1"/>
+          </p:cNvPicPr>
+          <p:nvPr/>
+        </p:nvPicPr>
+        <p:blipFill>
+          <a:blip r:embed="rId4">
+            <a:extLst>
+              <a:ext uri="{28A0092B-C50C-407E-A947-70E740481C1C}">
+                <a14:useLocalDpi xmlns:a14="http://schemas.microsoft.com/office/drawing/2010/main" val="0"/>
+              </a:ext>
+            </a:extLst>
+          </a:blip>
+          <a:srcRect/>
+          <a:stretch>
+            <a:fillRect/>
+          </a:stretch>
+        </p:blipFill>
+        <p:spPr bwMode="auto">
+          <a:xfrm>
+            <a:off x="9768748" y="4500561"/>
+            <a:ext cx="1908175" cy="1927225"/>
+          </a:xfrm>
+          <a:prstGeom prst="rect">
+            <a:avLst/>
+          </a:prstGeom>
+          <a:noFill/>
+          <a:ln>
+            <a:noFill/>
+          </a:ln>
+          <a:extLst>
+            <a:ext uri="{909E8E84-426E-40DD-AFC4-6F175D3DCCD1}">
+              <a14:hiddenFill xmlns:a14="http://schemas.microsoft.com/office/drawing/2010/main">
+                <a:solidFill>
+                  <a:srgbClr val="FFFFFF"/>
+                </a:solidFill>
+              </a14:hiddenFill>
+            </a:ext>
+            <a:ext uri="{91240B29-F687-4F45-9708-019B960494DF}">
+              <a14:hiddenLine xmlns:a14="http://schemas.microsoft.com/office/drawing/2010/main" w="9525">
+                <a:solidFill>
+                  <a:srgbClr val="000000"/>
+                </a:solidFill>
+                <a:miter lim="800000"/>
+                <a:headEnd/>
+                <a:tailEnd/>
+              </a14:hiddenLine>
+            </a:ext>
+          </a:extLst>
+        </p:spPr>
+      </p:pic>
+      <p:pic>
+        <p:nvPicPr>
+          <p:cNvPr id="20487" name="Рисунок 6"/>
+          <p:cNvPicPr>
+            <a:picLocks noChangeAspect="1"/>
+          </p:cNvPicPr>
+          <p:nvPr/>
+        </p:nvPicPr>
+        <p:blipFill>
+          <a:blip r:embed="rId5">
+            <a:extLst>
+              <a:ext uri="{28A0092B-C50C-407E-A947-70E740481C1C}">
+                <a14:useLocalDpi xmlns:a14="http://schemas.microsoft.com/office/drawing/2010/main" val="0"/>
+              </a:ext>
+            </a:extLst>
+          </a:blip>
+          <a:srcRect/>
+          <a:stretch>
+            <a:fillRect/>
+          </a:stretch>
+        </p:blipFill>
+        <p:spPr bwMode="auto">
+          <a:xfrm>
+            <a:off x="7405379" y="5356225"/>
+            <a:ext cx="2255838" cy="1501775"/>
+          </a:xfrm>
+          <a:prstGeom prst="rect">
+            <a:avLst/>
+          </a:prstGeom>
+          <a:noFill/>
+          <a:ln>
+            <a:noFill/>
+          </a:ln>
+          <a:extLst>
+            <a:ext uri="{909E8E84-426E-40DD-AFC4-6F175D3DCCD1}">
+              <a14:hiddenFill xmlns:a14="http://schemas.microsoft.com/office/drawing/2010/main">
+                <a:solidFill>
+                  <a:srgbClr val="FFFFFF"/>
+                </a:solidFill>
+              </a14:hiddenFill>
+            </a:ext>
+            <a:ext uri="{91240B29-F687-4F45-9708-019B960494DF}">
+              <a14:hiddenLine xmlns:a14="http://schemas.microsoft.com/office/drawing/2010/main" w="9525">
+                <a:solidFill>
+                  <a:srgbClr val="000000"/>
+                </a:solidFill>
+                <a:miter lim="800000"/>
+                <a:headEnd/>
+                <a:tailEnd/>
+              </a14:hiddenLine>
+            </a:ext>
+          </a:extLst>
+        </p:spPr>
+      </p:pic>
+      <p:pic>
+        <p:nvPicPr>
+          <p:cNvPr id="20488" name="Рисунок 7"/>
+          <p:cNvPicPr>
+            <a:picLocks noChangeAspect="1"/>
+          </p:cNvPicPr>
+          <p:nvPr/>
+        </p:nvPicPr>
+        <p:blipFill>
+          <a:blip r:embed="rId6">
+            <a:extLst>
+              <a:ext uri="{28A0092B-C50C-407E-A947-70E740481C1C}">
+                <a14:useLocalDpi xmlns:a14="http://schemas.microsoft.com/office/drawing/2010/main" val="0"/>
+              </a:ext>
+            </a:extLst>
+          </a:blip>
+          <a:srcRect/>
+          <a:stretch>
+            <a:fillRect/>
+          </a:stretch>
+        </p:blipFill>
+        <p:spPr bwMode="auto">
+          <a:xfrm>
+            <a:off x="131365" y="4805362"/>
+            <a:ext cx="2524125" cy="1317625"/>
+          </a:xfrm>
+          <a:prstGeom prst="rect">
+            <a:avLst/>
+          </a:prstGeom>
+          <a:noFill/>
+          <a:ln>
+            <a:noFill/>
+          </a:ln>
+          <a:extLst>
+            <a:ext uri="{909E8E84-426E-40DD-AFC4-6F175D3DCCD1}">
+              <a14:hiddenFill xmlns:a14="http://schemas.microsoft.com/office/drawing/2010/main">
+                <a:solidFill>
+                  <a:srgbClr val="FFFFFF"/>
+                </a:solidFill>
+              </a14:hiddenFill>
+            </a:ext>
+            <a:ext uri="{91240B29-F687-4F45-9708-019B960494DF}">
+              <a14:hiddenLine xmlns:a14="http://schemas.microsoft.com/office/drawing/2010/main" w="9525">
+                <a:solidFill>
+                  <a:srgbClr val="000000"/>
+                </a:solidFill>
+                <a:miter lim="800000"/>
+                <a:headEnd/>
+                <a:tailEnd/>
+              </a14:hiddenLine>
+            </a:ext>
+          </a:extLst>
+        </p:spPr>
+      </p:pic>
+    </p:spTree>
+  </p:cSld>
+  <p:clrMapOvr>
+    <a:masterClrMapping/>
+  </p:clrMapOvr>
+  <p:timing>
+    <p:tnLst>
+      <p:par>
+        <p:cTn id="1" dur="indefinite" restart="never" nodeType="tmRoot"/>
+      </p:par>
+    </p:tnLst>
+  </p:timing>
+</p:sld>
+</file>
+
+<file path=ppt/slides/slide20.xml><?xml version="1.0" encoding="utf-8"?>
 <p:sld xmlns:a="http://schemas.openxmlformats.org/drawingml/2006/main" xmlns:r="http://schemas.openxmlformats.org/officeDocument/2006/relationships" xmlns:p="http://schemas.openxmlformats.org/presentationml/2006/main">
   <p:cSld>
     <p:spTree>
@@ -9421,8 +10250,8 @@
         </p:blipFill>
         <p:spPr bwMode="auto">
           <a:xfrm>
-            <a:off x="1978739" y="206307"/>
-            <a:ext cx="7791934" cy="3895967"/>
+            <a:off x="540327" y="651165"/>
+            <a:ext cx="11111346" cy="5555672"/>
           </a:xfrm>
           <a:prstGeom prst="rect">
             <a:avLst/>
@@ -9433,473 +10262,252 @@
           </a:ln>
         </p:spPr>
       </p:pic>
-      <mc:AlternateContent xmlns:mc="http://schemas.openxmlformats.org/markup-compatibility/2006" xmlns:a14="http://schemas.microsoft.com/office/drawing/2010/main">
-        <mc:Choice Requires="a14">
+    </p:spTree>
+    <p:extLst>
+      <p:ext uri="{BB962C8B-B14F-4D97-AF65-F5344CB8AC3E}">
+        <p14:creationId xmlns:p14="http://schemas.microsoft.com/office/powerpoint/2010/main" val="2852456548"/>
+      </p:ext>
+    </p:extLst>
+  </p:cSld>
+  <p:clrMapOvr>
+    <a:masterClrMapping/>
+  </p:clrMapOvr>
+  <p:timing>
+    <p:tnLst>
+      <p:par>
+        <p:cTn id="1" dur="indefinite" restart="never" nodeType="tmRoot"/>
+      </p:par>
+    </p:tnLst>
+  </p:timing>
+</p:sld>
+</file>
+
+<file path=ppt/slides/slide21.xml><?xml version="1.0" encoding="utf-8"?>
+<p:sld xmlns:a="http://schemas.openxmlformats.org/drawingml/2006/main" xmlns:r="http://schemas.openxmlformats.org/officeDocument/2006/relationships" xmlns:p="http://schemas.openxmlformats.org/presentationml/2006/main">
+  <p:cSld>
+    <p:spTree>
+      <p:nvGrpSpPr>
+        <p:cNvPr id="1" name=""/>
+        <p:cNvGrpSpPr/>
+        <p:nvPr/>
+      </p:nvGrpSpPr>
+      <p:grpSpPr>
+        <a:xfrm>
+          <a:off x="0" y="0"/>
+          <a:ext cx="0" cy="0"/>
+          <a:chOff x="0" y="0"/>
+          <a:chExt cx="0" cy="0"/>
+        </a:xfrm>
+      </p:grpSpPr>
+      <p:pic>
+        <p:nvPicPr>
+          <p:cNvPr id="7170" name="Picture 2" descr="C:\Users\Ololo\Desktop\science\sciense\Illustrations\19(3).png"/>
+          <p:cNvPicPr>
+            <a:picLocks noChangeAspect="1" noChangeArrowheads="1"/>
+          </p:cNvPicPr>
+          <p:nvPr/>
+        </p:nvPicPr>
+        <p:blipFill>
+          <a:blip r:embed="rId2">
+            <a:extLst>
+              <a:ext uri="{28A0092B-C50C-407E-A947-70E740481C1C}">
+                <a14:useLocalDpi xmlns:a14="http://schemas.microsoft.com/office/drawing/2010/main" val="0"/>
+              </a:ext>
+            </a:extLst>
+          </a:blip>
+          <a:srcRect/>
+          <a:stretch>
+            <a:fillRect/>
+          </a:stretch>
+        </p:blipFill>
+        <p:spPr bwMode="auto">
+          <a:xfrm>
+            <a:off x="1046018" y="155838"/>
+            <a:ext cx="10099965" cy="5049984"/>
+          </a:xfrm>
+          <a:prstGeom prst="rect">
+            <a:avLst/>
+          </a:prstGeom>
+          <a:noFill/>
+          <a:extLst>
+            <a:ext uri="{909E8E84-426E-40DD-AFC4-6F175D3DCCD1}">
+              <a14:hiddenFill xmlns:a14="http://schemas.microsoft.com/office/drawing/2010/main">
+                <a:solidFill>
+                  <a:srgbClr val="FFFFFF"/>
+                </a:solidFill>
+              </a14:hiddenFill>
+            </a:ext>
+          </a:extLst>
+        </p:spPr>
+      </p:pic>
+      <mc:AlternateContent xmlns:mc="http://schemas.openxmlformats.org/markup-compatibility/2006">
+        <mc:Choice xmlns:a14="http://schemas.microsoft.com/office/drawing/2010/main" Requires="a14">
           <p:sp>
             <p:nvSpPr>
-              <p:cNvPr id="5" name="Прямоугольник 4"/>
+              <p:cNvPr id="4" name="Прямоугольник 3"/>
               <p:cNvSpPr/>
               <p:nvPr/>
             </p:nvSpPr>
             <p:spPr>
               <a:xfrm>
-                <a:off x="0" y="4775273"/>
-                <a:ext cx="4337685" cy="2084610"/>
+                <a:off x="899887" y="5602138"/>
+                <a:ext cx="4455835" cy="793743"/>
               </a:xfrm>
               <a:prstGeom prst="rect">
                 <a:avLst/>
               </a:prstGeom>
             </p:spPr>
             <p:txBody>
-              <a:bodyPr wrap="square">
+              <a:bodyPr wrap="none">
                 <a:spAutoFit/>
               </a:bodyPr>
               <a:lstStyle/>
               <a:p>
-                <a14:m>
-                  <m:oMath xmlns:m="http://schemas.openxmlformats.org/officeDocument/2006/math">
-                    <m:r>
-                      <a:rPr lang="ru-RU" i="1">
-                        <a:latin typeface="Cambria Math"/>
-                      </a:rPr>
-                      <m:t>𝑂𝐴</m:t>
-                    </m:r>
-                    <m:r>
-                      <a:rPr lang="ru-RU" i="1">
-                        <a:latin typeface="Cambria Math"/>
-                      </a:rPr>
-                      <m:t>=</m:t>
-                    </m:r>
-                    <m:r>
-                      <a:rPr lang="ru-RU" i="1">
-                        <a:latin typeface="Cambria Math"/>
-                      </a:rPr>
-                      <m:t>𝑟</m:t>
-                    </m:r>
-                    <m:r>
-                      <a:rPr lang="ru-RU" i="1">
-                        <a:latin typeface="Cambria Math"/>
-                      </a:rPr>
-                      <m:t>, </m:t>
-                    </m:r>
-                    <m:r>
-                      <a:rPr lang="ru-RU" i="1">
-                        <a:latin typeface="Cambria Math"/>
-                      </a:rPr>
-                      <m:t>𝐵𝐴</m:t>
-                    </m:r>
-                    <m:r>
-                      <a:rPr lang="ru-RU" i="1">
-                        <a:latin typeface="Cambria Math"/>
-                      </a:rPr>
-                      <m:t>=</m:t>
-                    </m:r>
-                    <m:r>
-                      <a:rPr lang="ru-RU" i="1">
-                        <a:latin typeface="Cambria Math"/>
-                      </a:rPr>
-                      <m:t>𝑦</m:t>
-                    </m:r>
-                    <m:r>
-                      <a:rPr lang="ru-RU" i="1">
-                        <a:latin typeface="Cambria Math"/>
-                      </a:rPr>
-                      <m:t>,</m:t>
-                    </m:r>
-                    <m:r>
-                      <a:rPr lang="ru-RU" i="1">
-                        <a:latin typeface="Cambria Math"/>
-                      </a:rPr>
-                      <m:t>𝑂𝐶</m:t>
-                    </m:r>
-                    <m:r>
-                      <a:rPr lang="ru-RU" i="1">
-                        <a:latin typeface="Cambria Math"/>
-                      </a:rPr>
-                      <m:t>=</m:t>
-                    </m:r>
-                    <m:r>
-                      <a:rPr lang="ru-RU" i="1">
-                        <a:latin typeface="Cambria Math"/>
-                      </a:rPr>
-                      <m:t>𝑥</m:t>
-                    </m:r>
-                    <m:r>
-                      <a:rPr lang="ru-RU" i="1">
-                        <a:latin typeface="Cambria Math"/>
-                      </a:rPr>
-                      <m:t>, </m:t>
-                    </m:r>
-                    <m:r>
-                      <a:rPr lang="ru-RU" i="1">
-                        <a:latin typeface="Cambria Math"/>
-                      </a:rPr>
-                      <m:t>𝐶𝐵</m:t>
-                    </m:r>
-                    <m:r>
-                      <a:rPr lang="ru-RU" i="1">
-                        <a:latin typeface="Cambria Math"/>
-                      </a:rPr>
-                      <m:t>=</m:t>
-                    </m:r>
-                    <m:r>
-                      <a:rPr lang="ru-RU" i="1">
-                        <a:latin typeface="Cambria Math"/>
-                      </a:rPr>
-                      <m:t>𝑧</m:t>
-                    </m:r>
-                  </m:oMath>
-                </a14:m>
-                <a:r>
-                  <a:rPr lang="ru-RU" dirty="0"/>
-                  <a:t>, </a:t>
-                </a:r>
-                <a14:m>
-                  <m:oMath xmlns:m="http://schemas.openxmlformats.org/officeDocument/2006/math">
-                    <m:r>
-                      <a:rPr lang="ru-RU" i="1">
-                        <a:latin typeface="Cambria Math"/>
-                      </a:rPr>
-                      <m:t>𝑂𝐵</m:t>
-                    </m:r>
-                    <m:r>
-                      <a:rPr lang="ru-RU" i="1">
-                        <a:latin typeface="Cambria Math"/>
-                      </a:rPr>
-                      <m:t>=</m:t>
-                    </m:r>
-                    <m:sSub>
-                      <m:sSubPr>
-                        <m:ctrlPr>
-                          <a:rPr lang="ru-RU" i="1">
-                            <a:latin typeface="Cambria Math"/>
-                          </a:rPr>
-                        </m:ctrlPr>
-                      </m:sSubPr>
-                      <m:e>
-                        <m:r>
-                          <a:rPr lang="ru-RU" i="1">
-                            <a:latin typeface="Cambria Math"/>
-                          </a:rPr>
-                          <m:t>𝑟</m:t>
-                        </m:r>
-                      </m:e>
-                      <m:sub>
-                        <m:r>
-                          <a:rPr lang="ru-RU" i="1">
-                            <a:latin typeface="Cambria Math"/>
-                          </a:rPr>
-                          <m:t>1</m:t>
-                        </m:r>
-                      </m:sub>
-                    </m:sSub>
-                    <m:r>
-                      <a:rPr lang="ru-RU" i="1">
-                        <a:latin typeface="Cambria Math"/>
-                      </a:rPr>
-                      <m:t>(проекция </m:t>
-                    </m:r>
-                    <m:r>
-                      <a:rPr lang="ru-RU" i="1">
-                        <a:latin typeface="Cambria Math"/>
-                      </a:rPr>
-                      <m:t>𝑟</m:t>
-                    </m:r>
-                    <m:r>
-                      <a:rPr lang="ru-RU" i="1">
-                        <a:latin typeface="Cambria Math"/>
-                      </a:rPr>
-                      <m:t> на (</m:t>
-                    </m:r>
-                    <m:r>
-                      <a:rPr lang="ru-RU" i="1">
-                        <a:latin typeface="Cambria Math"/>
-                      </a:rPr>
-                      <m:t>𝑥𝑧</m:t>
-                    </m:r>
-                    <m:r>
-                      <a:rPr lang="ru-RU" i="1">
-                        <a:latin typeface="Cambria Math"/>
-                      </a:rPr>
-                      <m:t>))</m:t>
-                    </m:r>
-                  </m:oMath>
-                </a14:m>
-                <a:endParaRPr lang="ru-RU" dirty="0"/>
-              </a:p>
-              <a:p>
-                <a:pPr/>
                 <a14:m>
                   <m:oMathPara xmlns:m="http://schemas.openxmlformats.org/officeDocument/2006/math">
                     <m:oMathParaPr>
                       <m:jc m:val="centerGroup"/>
                     </m:oMathParaPr>
                     <m:oMath xmlns:m="http://schemas.openxmlformats.org/officeDocument/2006/math">
-                      <m:d>
-                        <m:dPr>
-                          <m:begChr m:val="{"/>
-                          <m:endChr m:val=""/>
+                      <m:r>
+                        <a:rPr lang="ru-RU" sz="2400" i="1"/>
+                        <m:t>𝑝</m:t>
+                      </m:r>
+                      <m:r>
+                        <a:rPr lang="ru-RU" sz="2400" i="1"/>
+                        <m:t>=</m:t>
+                      </m:r>
+                      <m:f>
+                        <m:fPr>
                           <m:ctrlPr>
-                            <a:rPr lang="ru-RU" i="1">
-                              <a:latin typeface="Cambria Math"/>
-                            </a:rPr>
+                            <a:rPr lang="ru-RU" sz="2400" i="1"/>
                           </m:ctrlPr>
-                        </m:dPr>
-                        <m:e>
-                          <m:eqArr>
-                            <m:eqArrPr>
+                        </m:fPr>
+                        <m:num>
+                          <m:r>
+                            <a:rPr lang="ru-RU" sz="2400" i="1"/>
+                            <m:t>𝐹</m:t>
+                          </m:r>
+                        </m:num>
+                        <m:den>
+                          <m:r>
+                            <a:rPr lang="ru-RU" sz="2400" i="1"/>
+                            <m:t>𝑆</m:t>
+                          </m:r>
+                        </m:den>
+                      </m:f>
+                      <m:r>
+                        <a:rPr lang="ru-RU" sz="2400" i="1"/>
+                        <m:t>=</m:t>
+                      </m:r>
+                      <m:f>
+                        <m:fPr>
+                          <m:ctrlPr>
+                            <a:rPr lang="ru-RU" sz="2400" i="1"/>
+                          </m:ctrlPr>
+                        </m:fPr>
+                        <m:num>
+                          <m:r>
+                            <a:rPr lang="ru-RU" sz="2400" i="1"/>
+                            <m:t>𝑛h</m:t>
+                          </m:r>
+                          <m:r>
+                            <a:rPr lang="ru-RU" sz="2400" i="1"/>
+                            <m:t>𝜈</m:t>
+                          </m:r>
+                          <m:sSub>
+                            <m:sSubPr>
                               <m:ctrlPr>
-                                <a:rPr lang="ru-RU" i="1">
-                                  <a:latin typeface="Cambria Math"/>
-                                </a:rPr>
+                                <a:rPr lang="ru-RU" sz="2400" i="1"/>
                               </m:ctrlPr>
-                            </m:eqArrPr>
+                            </m:sSubPr>
                             <m:e>
                               <m:r>
-                                <a:rPr lang="en-US" i="1">
-                                  <a:latin typeface="Cambria Math"/>
-                                </a:rPr>
-                                <m:t>𝑥</m:t>
-                              </m:r>
-                              <m:r>
-                                <a:rPr lang="ru-RU" i="1">
-                                  <a:latin typeface="Cambria Math"/>
-                                </a:rPr>
-                                <m:t>=</m:t>
-                              </m:r>
-                              <m:r>
-                                <a:rPr lang="en-US" i="1">
-                                  <a:latin typeface="Cambria Math"/>
-                                </a:rPr>
-                                <m:t>𝑟𝑐𝑜𝑠</m:t>
-                              </m:r>
-                              <m:r>
-                                <a:rPr lang="en-US" i="1">
-                                  <a:latin typeface="Cambria Math"/>
-                                </a:rPr>
-                                <m:t>𝛼</m:t>
-                              </m:r>
-                              <m:r>
-                                <a:rPr lang="en-US" i="1">
-                                  <a:latin typeface="Cambria Math"/>
-                                </a:rPr>
-                                <m:t> </m:t>
-                              </m:r>
-                              <m:r>
-                                <a:rPr lang="en-US" i="1">
-                                  <a:latin typeface="Cambria Math"/>
-                                </a:rPr>
-                                <m:t>𝑐𝑜𝑠</m:t>
-                              </m:r>
-                              <m:r>
-                                <a:rPr lang="en-US" i="1">
-                                  <a:latin typeface="Cambria Math"/>
-                                </a:rPr>
-                                <m:t>𝛽</m:t>
+                                <a:rPr lang="ru-RU" sz="2400" i="1"/>
+                                <m:t>𝑆</m:t>
                               </m:r>
                             </m:e>
+                            <m:sub>
+                              <m:r>
+                                <a:rPr lang="ru-RU" sz="2400" i="1"/>
+                                <m:t>сег</m:t>
+                              </m:r>
+                            </m:sub>
+                          </m:sSub>
+                        </m:num>
+                        <m:den>
+                          <m:r>
+                            <a:rPr lang="ru-RU" sz="2400" i="1"/>
+                            <m:t>𝑐𝑆</m:t>
+                          </m:r>
+                        </m:den>
+                      </m:f>
+                      <m:r>
+                        <a:rPr lang="ru-RU" sz="2400" i="1"/>
+                        <m:t>=</m:t>
+                      </m:r>
+                      <m:f>
+                        <m:fPr>
+                          <m:ctrlPr>
+                            <a:rPr lang="ru-RU" sz="2400" i="1"/>
+                          </m:ctrlPr>
+                        </m:fPr>
+                        <m:num>
+                          <m:r>
+                            <a:rPr lang="ru-RU" sz="2400" i="1"/>
+                            <m:t>𝑛h</m:t>
+                          </m:r>
+                          <m:r>
+                            <a:rPr lang="ru-RU" sz="2400" i="1"/>
+                            <m:t>𝜈</m:t>
+                          </m:r>
+                          <m:sSub>
+                            <m:sSubPr>
+                              <m:ctrlPr>
+                                <a:rPr lang="ru-RU" sz="2400" i="1"/>
+                              </m:ctrlPr>
+                            </m:sSubPr>
                             <m:e>
                               <m:r>
-                                <a:rPr lang="en-US" i="1">
-                                  <a:latin typeface="Cambria Math"/>
-                                </a:rPr>
-                                <m:t>𝑦</m:t>
-                              </m:r>
-                              <m:r>
-                                <a:rPr lang="ru-RU" i="1">
-                                  <a:latin typeface="Cambria Math"/>
-                                </a:rPr>
-                                <m:t>=</m:t>
-                              </m:r>
-                              <m:r>
-                                <a:rPr lang="en-US" i="1">
-                                  <a:latin typeface="Cambria Math"/>
-                                </a:rPr>
-                                <m:t>𝑟𝑠𝑖𝑛</m:t>
-                              </m:r>
-                              <m:r>
-                                <a:rPr lang="en-US" i="1">
-                                  <a:latin typeface="Cambria Math"/>
-                                </a:rPr>
-                                <m:t>𝛼</m:t>
+                                <a:rPr lang="ru-RU" sz="2400" i="1"/>
+                                <m:t>𝑆</m:t>
                               </m:r>
                             </m:e>
-                            <m:e>
+                            <m:sub>
                               <m:r>
-                                <a:rPr lang="en-US" i="1">
-                                  <a:latin typeface="Cambria Math"/>
-                                </a:rPr>
-                                <m:t>𝑧</m:t>
+                                <a:rPr lang="ru-RU" sz="2400" i="1"/>
+                                <m:t>сег</m:t>
                               </m:r>
-                              <m:r>
-                                <a:rPr lang="ru-RU" i="1">
-                                  <a:latin typeface="Cambria Math"/>
-                                </a:rPr>
-                                <m:t>=</m:t>
-                              </m:r>
-                              <m:r>
-                                <a:rPr lang="ru-RU" i="1">
-                                  <a:latin typeface="Cambria Math"/>
-                                </a:rPr>
-                                <m:t>𝑟𝑐𝑜𝑠</m:t>
-                              </m:r>
-                              <m:r>
-                                <a:rPr lang="en-US" i="1">
-                                  <a:latin typeface="Cambria Math"/>
-                                </a:rPr>
-                                <m:t>𝛼</m:t>
-                              </m:r>
-                              <m:r>
-                                <a:rPr lang="en-US" i="1">
-                                  <a:latin typeface="Cambria Math"/>
-                                </a:rPr>
-                                <m:t> </m:t>
-                              </m:r>
-                              <m:r>
-                                <a:rPr lang="en-US" i="1">
-                                  <a:latin typeface="Cambria Math"/>
-                                </a:rPr>
-                                <m:t>𝑠𝑖𝑛</m:t>
-                              </m:r>
-                              <m:r>
-                                <a:rPr lang="en-US" i="1">
-                                  <a:latin typeface="Cambria Math"/>
-                                </a:rPr>
-                                <m:t>𝛽</m:t>
-                              </m:r>
-                            </m:e>
-                          </m:eqArr>
-                        </m:e>
-                      </m:d>
+                            </m:sub>
+                          </m:sSub>
+                        </m:num>
+                        <m:den>
+                          <m:r>
+                            <a:rPr lang="ru-RU" sz="2400" i="1"/>
+                            <m:t>𝑐</m:t>
+                          </m:r>
+                          <m:r>
+                            <a:rPr lang="ru-RU" sz="2400" i="1"/>
+                            <m:t>∙0</m:t>
+                          </m:r>
+                        </m:den>
+                      </m:f>
+                      <m:r>
+                        <a:rPr lang="ru-RU" sz="2400" i="1"/>
+                        <m:t>=∞</m:t>
+                      </m:r>
                     </m:oMath>
                   </m:oMathPara>
                 </a14:m>
-                <a:endParaRPr lang="ru-RU" dirty="0"/>
-              </a:p>
-              <a:p>
-                <a:r>
-                  <a:rPr lang="ru-RU" i="1" dirty="0"/>
-                  <a:t> </a:t>
-                </a:r>
-                <a:r>
-                  <a:rPr lang="ru-RU" dirty="0"/>
-                  <a:t>Где </a:t>
-                </a:r>
-                <a14:m>
-                  <m:oMath xmlns:m="http://schemas.openxmlformats.org/officeDocument/2006/math">
-                    <m:r>
-                      <a:rPr lang="ru-RU" i="1">
-                        <a:latin typeface="Cambria Math"/>
-                      </a:rPr>
-                      <m:t>𝛼</m:t>
-                    </m:r>
-                    <m:r>
-                      <a:rPr lang="ru-RU" i="1">
-                        <a:latin typeface="Cambria Math"/>
-                      </a:rPr>
-                      <m:t> −угол между </m:t>
-                    </m:r>
-                    <m:r>
-                      <a:rPr lang="ru-RU" i="1">
-                        <a:latin typeface="Cambria Math"/>
-                      </a:rPr>
-                      <m:t>𝑟</m:t>
-                    </m:r>
-                    <m:r>
-                      <a:rPr lang="ru-RU" i="1">
-                        <a:latin typeface="Cambria Math"/>
-                      </a:rPr>
-                      <m:t> и </m:t>
-                    </m:r>
-                    <m:d>
-                      <m:dPr>
-                        <m:ctrlPr>
-                          <a:rPr lang="ru-RU" i="1">
-                            <a:latin typeface="Cambria Math"/>
-                          </a:rPr>
-                        </m:ctrlPr>
-                      </m:dPr>
-                      <m:e>
-                        <m:r>
-                          <a:rPr lang="ru-RU" i="1">
-                            <a:latin typeface="Cambria Math"/>
-                          </a:rPr>
-                          <m:t>𝑥𝑧</m:t>
-                        </m:r>
-                      </m:e>
-                    </m:d>
-                    <m:r>
-                      <a:rPr lang="ru-RU" i="1">
-                        <a:latin typeface="Cambria Math"/>
-                      </a:rPr>
-                      <m:t>,а  </m:t>
-                    </m:r>
-                    <m:r>
-                      <a:rPr lang="ru-RU" i="1">
-                        <a:latin typeface="Cambria Math"/>
-                      </a:rPr>
-                      <m:t>𝛽</m:t>
-                    </m:r>
-                    <m:r>
-                      <a:rPr lang="ru-RU" i="1">
-                        <a:latin typeface="Cambria Math"/>
-                      </a:rPr>
-                      <m:t> −угол между </m:t>
-                    </m:r>
-                    <m:sSub>
-                      <m:sSubPr>
-                        <m:ctrlPr>
-                          <a:rPr lang="ru-RU" i="1">
-                            <a:latin typeface="Cambria Math"/>
-                          </a:rPr>
-                        </m:ctrlPr>
-                      </m:sSubPr>
-                      <m:e>
-                        <m:r>
-                          <a:rPr lang="ru-RU" i="1">
-                            <a:latin typeface="Cambria Math"/>
-                          </a:rPr>
-                          <m:t>𝑟</m:t>
-                        </m:r>
-                      </m:e>
-                      <m:sub>
-                        <m:r>
-                          <a:rPr lang="ru-RU" i="1">
-                            <a:latin typeface="Cambria Math"/>
-                          </a:rPr>
-                          <m:t>1</m:t>
-                        </m:r>
-                      </m:sub>
-                    </m:sSub>
-                    <m:r>
-                      <a:rPr lang="ru-RU" i="1">
-                        <a:latin typeface="Cambria Math"/>
-                      </a:rPr>
-                      <m:t> и (</m:t>
-                    </m:r>
-                    <m:r>
-                      <a:rPr lang="ru-RU" i="1">
-                        <a:latin typeface="Cambria Math"/>
-                      </a:rPr>
-                      <m:t>𝑥𝑦</m:t>
-                    </m:r>
-                    <m:r>
-                      <a:rPr lang="ru-RU" i="1">
-                        <a:latin typeface="Cambria Math"/>
-                      </a:rPr>
-                      <m:t>)</m:t>
-                    </m:r>
-                  </m:oMath>
-                </a14:m>
-                <a:endParaRPr lang="ru-RU" dirty="0"/>
+                <a:endParaRPr lang="ru-RU" sz="2400" dirty="0"/>
               </a:p>
             </p:txBody>
           </p:sp>
         </mc:Choice>
-        <mc:Fallback xmlns="">
+        <mc:Fallback>
           <p:sp>
             <p:nvSpPr>
-              <p:cNvPr id="5" name="Прямоугольник 4"/>
+              <p:cNvPr id="4" name="Прямоугольник 3"/>
               <p:cNvSpPr>
                 <a:spLocks noRot="1" noChangeAspect="1" noMove="1" noResize="1" noEditPoints="1" noAdjustHandles="1" noChangeArrowheads="1" noChangeShapeType="1" noTextEdit="1"/>
               </p:cNvSpPr>
@@ -9907,8 +10515,8 @@
             </p:nvSpPr>
             <p:spPr>
               <a:xfrm>
-                <a:off x="0" y="4775273"/>
-                <a:ext cx="4337685" cy="2084610"/>
+                <a:off x="899887" y="5602138"/>
+                <a:ext cx="4455835" cy="793743"/>
               </a:xfrm>
               <a:prstGeom prst="rect">
                 <a:avLst/>
@@ -9916,7 +10524,7 @@
               <a:blipFill rotWithShape="1">
                 <a:blip r:embed="rId3"/>
                 <a:stretch>
-                  <a:fillRect t="-1462" b="-1462"/>
+                  <a:fillRect/>
                 </a:stretch>
               </a:blipFill>
             </p:spPr>
@@ -9935,1404 +10543,124 @@
           </p:sp>
         </mc:Fallback>
       </mc:AlternateContent>
-      <mc:AlternateContent xmlns:mc="http://schemas.openxmlformats.org/markup-compatibility/2006" xmlns:a14="http://schemas.microsoft.com/office/drawing/2010/main">
-        <mc:Choice Requires="a14">
+      <mc:AlternateContent xmlns:mc="http://schemas.openxmlformats.org/markup-compatibility/2006">
+        <mc:Choice xmlns:a14="http://schemas.microsoft.com/office/drawing/2010/main" Requires="a14">
           <p:sp>
             <p:nvSpPr>
-              <p:cNvPr id="7" name="Прямоугольник 6"/>
+              <p:cNvPr id="5" name="Прямоугольник 4"/>
               <p:cNvSpPr/>
               <p:nvPr/>
             </p:nvSpPr>
             <p:spPr>
               <a:xfrm>
-                <a:off x="6096000" y="4236054"/>
-                <a:ext cx="6096000" cy="2981778"/>
+                <a:off x="6892402" y="5729160"/>
+                <a:ext cx="3720699" cy="539700"/>
               </a:xfrm>
               <a:prstGeom prst="rect">
                 <a:avLst/>
               </a:prstGeom>
             </p:spPr>
             <p:txBody>
-              <a:bodyPr>
+              <a:bodyPr wrap="none">
                 <a:spAutoFit/>
               </a:bodyPr>
               <a:lstStyle/>
               <a:p>
-                <a:pPr/>
                 <a14:m>
                   <m:oMathPara xmlns:m="http://schemas.openxmlformats.org/officeDocument/2006/math">
                     <m:oMathParaPr>
                       <m:jc m:val="centerGroup"/>
                     </m:oMathParaPr>
                     <m:oMath xmlns:m="http://schemas.openxmlformats.org/officeDocument/2006/math">
+                      <m:sSub>
+                        <m:sSubPr>
+                          <m:ctrlPr>
+                            <a:rPr lang="ru-RU" sz="2400" i="1"/>
+                          </m:ctrlPr>
+                        </m:sSubPr>
+                        <m:e>
+                          <m:r>
+                            <a:rPr lang="ru-RU" sz="2400" i="1"/>
+                            <m:t>𝑆</m:t>
+                          </m:r>
+                        </m:e>
+                        <m:sub>
+                          <m:r>
+                            <a:rPr lang="ru-RU" sz="2400" i="1"/>
+                            <m:t>сег</m:t>
+                          </m:r>
+                        </m:sub>
+                      </m:sSub>
+                      <m:r>
+                        <a:rPr lang="ru-RU" sz="2400" i="1"/>
+                        <m:t>=2</m:t>
+                      </m:r>
+                      <m:r>
+                        <a:rPr lang="ru-RU" sz="2400" i="1"/>
+                        <m:t>𝜋</m:t>
+                      </m:r>
                       <m:sSup>
                         <m:sSupPr>
                           <m:ctrlPr>
-                            <a:rPr lang="ru-RU" i="1">
-                              <a:latin typeface="Cambria Math"/>
-                            </a:rPr>
+                            <a:rPr lang="ru-RU" sz="2400" i="1"/>
                           </m:ctrlPr>
                         </m:sSupPr>
                         <m:e>
                           <m:r>
-                            <a:rPr lang="en-US" i="1">
-                              <a:latin typeface="Cambria Math"/>
-                            </a:rPr>
-                            <m:t>𝑟</m:t>
+                            <a:rPr lang="ru-RU" sz="2400" i="1"/>
+                            <m:t>𝑅</m:t>
                           </m:r>
                         </m:e>
                         <m:sup>
                           <m:r>
-                            <a:rPr lang="en-US" i="1">
-                              <a:latin typeface="Cambria Math"/>
-                            </a:rPr>
-                            <m:t>2</m:t>
-                          </m:r>
-                        </m:sup>
-                      </m:sSup>
-                      <m:d>
-                        <m:dPr>
-                          <m:ctrlPr>
-                            <a:rPr lang="ru-RU" i="1">
-                              <a:latin typeface="Cambria Math"/>
-                            </a:rPr>
-                          </m:ctrlPr>
-                        </m:dPr>
-                        <m:e>
-                          <m:sSup>
-                            <m:sSupPr>
-                              <m:ctrlPr>
-                                <a:rPr lang="ru-RU" i="1">
-                                  <a:latin typeface="Cambria Math"/>
-                                </a:rPr>
-                              </m:ctrlPr>
-                            </m:sSupPr>
-                            <m:e>
-                              <m:r>
-                                <a:rPr lang="en-US" i="1">
-                                  <a:latin typeface="Cambria Math"/>
-                                </a:rPr>
-                                <m:t>𝑛</m:t>
-                              </m:r>
-                            </m:e>
-                            <m:sup>
-                              <m:r>
-                                <a:rPr lang="en-US" i="1">
-                                  <a:latin typeface="Cambria Math"/>
-                                </a:rPr>
-                                <m:t>2</m:t>
-                              </m:r>
-                            </m:sup>
-                          </m:sSup>
-                          <m:d>
-                            <m:dPr>
-                              <m:ctrlPr>
-                                <a:rPr lang="ru-RU" i="1">
-                                  <a:latin typeface="Cambria Math"/>
-                                </a:rPr>
-                              </m:ctrlPr>
-                            </m:dPr>
-                            <m:e>
-                              <m:sSup>
-                                <m:sSupPr>
-                                  <m:ctrlPr>
-                                    <a:rPr lang="ru-RU" i="1">
-                                      <a:latin typeface="Cambria Math"/>
-                                    </a:rPr>
-                                  </m:ctrlPr>
-                                </m:sSupPr>
-                                <m:e>
-                                  <m:r>
-                                    <a:rPr lang="en-US" i="1">
-                                      <a:latin typeface="Cambria Math"/>
-                                    </a:rPr>
-                                    <m:t>𝑐𝑜𝑠</m:t>
-                                  </m:r>
-                                </m:e>
-                                <m:sup>
-                                  <m:r>
-                                    <a:rPr lang="en-US" i="1">
-                                      <a:latin typeface="Cambria Math"/>
-                                    </a:rPr>
-                                    <m:t>2</m:t>
-                                  </m:r>
-                                </m:sup>
-                              </m:sSup>
-                              <m:r>
-                                <a:rPr lang="en-US" i="1">
-                                  <a:latin typeface="Cambria Math"/>
-                                </a:rPr>
-                                <m:t>𝛽</m:t>
-                              </m:r>
-                              <m:r>
-                                <a:rPr lang="en-US" i="1">
-                                  <a:latin typeface="Cambria Math"/>
-                                </a:rPr>
-                                <m:t> </m:t>
-                              </m:r>
-                              <m:sSup>
-                                <m:sSupPr>
-                                  <m:ctrlPr>
-                                    <a:rPr lang="ru-RU" i="1">
-                                      <a:latin typeface="Cambria Math"/>
-                                    </a:rPr>
-                                  </m:ctrlPr>
-                                </m:sSupPr>
-                                <m:e>
-                                  <m:r>
-                                    <a:rPr lang="en-US" i="1">
-                                      <a:latin typeface="Cambria Math"/>
-                                    </a:rPr>
-                                    <m:t>𝑐𝑜𝑠</m:t>
-                                  </m:r>
-                                </m:e>
-                                <m:sup>
-                                  <m:r>
-                                    <a:rPr lang="en-US" i="1">
-                                      <a:latin typeface="Cambria Math"/>
-                                    </a:rPr>
-                                    <m:t>2</m:t>
-                                  </m:r>
-                                </m:sup>
-                              </m:sSup>
-                              <m:r>
-                                <a:rPr lang="en-US" i="1">
-                                  <a:latin typeface="Cambria Math"/>
-                                </a:rPr>
-                                <m:t>𝛼</m:t>
-                              </m:r>
-                              <m:r>
-                                <a:rPr lang="en-US" i="1">
-                                  <a:latin typeface="Cambria Math"/>
-                                </a:rPr>
-                                <m:t>+</m:t>
-                              </m:r>
-                              <m:sSup>
-                                <m:sSupPr>
-                                  <m:ctrlPr>
-                                    <a:rPr lang="ru-RU" i="1">
-                                      <a:latin typeface="Cambria Math"/>
-                                    </a:rPr>
-                                  </m:ctrlPr>
-                                </m:sSupPr>
-                                <m:e>
-                                  <m:r>
-                                    <a:rPr lang="en-US" i="1">
-                                      <a:latin typeface="Cambria Math"/>
-                                    </a:rPr>
-                                    <m:t>𝑠𝑖𝑛</m:t>
-                                  </m:r>
-                                </m:e>
-                                <m:sup>
-                                  <m:r>
-                                    <a:rPr lang="en-US" i="1">
-                                      <a:latin typeface="Cambria Math"/>
-                                    </a:rPr>
-                                    <m:t>2</m:t>
-                                  </m:r>
-                                </m:sup>
-                              </m:sSup>
-                              <m:r>
-                                <a:rPr lang="en-US" i="1">
-                                  <a:latin typeface="Cambria Math"/>
-                                </a:rPr>
-                                <m:t>𝛼</m:t>
-                              </m:r>
-                              <m:r>
-                                <a:rPr lang="en-US" i="1">
-                                  <a:latin typeface="Cambria Math"/>
-                                </a:rPr>
-                                <m:t>+</m:t>
-                              </m:r>
-                              <m:sSup>
-                                <m:sSupPr>
-                                  <m:ctrlPr>
-                                    <a:rPr lang="ru-RU" i="1">
-                                      <a:latin typeface="Cambria Math"/>
-                                    </a:rPr>
-                                  </m:ctrlPr>
-                                </m:sSupPr>
-                                <m:e>
-                                  <m:r>
-                                    <a:rPr lang="en-US" i="1">
-                                      <a:latin typeface="Cambria Math"/>
-                                    </a:rPr>
-                                    <m:t>𝑐𝑜𝑠</m:t>
-                                  </m:r>
-                                </m:e>
-                                <m:sup>
-                                  <m:r>
-                                    <a:rPr lang="en-US" i="1">
-                                      <a:latin typeface="Cambria Math"/>
-                                    </a:rPr>
-                                    <m:t>2</m:t>
-                                  </m:r>
-                                </m:sup>
-                              </m:sSup>
-                              <m:r>
-                                <a:rPr lang="en-US" i="1">
-                                  <a:latin typeface="Cambria Math"/>
-                                </a:rPr>
-                                <m:t>𝛼</m:t>
-                              </m:r>
-                              <m:r>
-                                <a:rPr lang="en-US" i="1">
-                                  <a:latin typeface="Cambria Math"/>
-                                </a:rPr>
-                                <m:t> </m:t>
-                              </m:r>
-                              <m:sSup>
-                                <m:sSupPr>
-                                  <m:ctrlPr>
-                                    <a:rPr lang="ru-RU" i="1">
-                                      <a:latin typeface="Cambria Math"/>
-                                    </a:rPr>
-                                  </m:ctrlPr>
-                                </m:sSupPr>
-                                <m:e>
-                                  <m:r>
-                                    <a:rPr lang="en-US" i="1">
-                                      <a:latin typeface="Cambria Math"/>
-                                    </a:rPr>
-                                    <m:t>𝑠𝑖𝑛</m:t>
-                                  </m:r>
-                                </m:e>
-                                <m:sup>
-                                  <m:r>
-                                    <a:rPr lang="en-US" i="1">
-                                      <a:latin typeface="Cambria Math"/>
-                                    </a:rPr>
-                                    <m:t>2</m:t>
-                                  </m:r>
-                                </m:sup>
-                              </m:sSup>
-                              <m:r>
-                                <a:rPr lang="en-US" i="1">
-                                  <a:latin typeface="Cambria Math"/>
-                                </a:rPr>
-                                <m:t>𝛽</m:t>
-                              </m:r>
-                            </m:e>
-                          </m:d>
-                          <m:r>
-                            <a:rPr lang="en-US" i="1">
-                              <a:latin typeface="Cambria Math"/>
-                            </a:rPr>
-                            <m:t>−1</m:t>
-                          </m:r>
-                        </m:e>
-                      </m:d>
-                      <m:r>
-                        <a:rPr lang="en-US" i="1">
-                          <a:latin typeface="Cambria Math"/>
-                        </a:rPr>
-                        <m:t>+</m:t>
-                      </m:r>
-                      <m:r>
-                        <a:rPr lang="en-US" i="1">
-                          <a:latin typeface="Cambria Math"/>
-                        </a:rPr>
-                        <m:t>𝑟</m:t>
-                      </m:r>
-                      <m:d>
-                        <m:dPr>
-                          <m:ctrlPr>
-                            <a:rPr lang="ru-RU" i="1">
-                              <a:latin typeface="Cambria Math"/>
-                            </a:rPr>
-                          </m:ctrlPr>
-                        </m:dPr>
-                        <m:e>
-                          <m:r>
-                            <a:rPr lang="en-US" i="1">
-                              <a:latin typeface="Cambria Math"/>
-                            </a:rPr>
-                            <m:t>2</m:t>
-                          </m:r>
-                          <m:d>
-                            <m:dPr>
-                              <m:ctrlPr>
-                                <a:rPr lang="ru-RU" i="1">
-                                  <a:latin typeface="Cambria Math"/>
-                                </a:rPr>
-                              </m:ctrlPr>
-                            </m:dPr>
-                            <m:e>
-                              <m:r>
-                                <a:rPr lang="en-US" i="1">
-                                  <a:latin typeface="Cambria Math"/>
-                                </a:rPr>
-                                <m:t>𝑑</m:t>
-                              </m:r>
-                              <m:r>
-                                <a:rPr lang="en-US" i="1">
-                                  <a:latin typeface="Cambria Math"/>
-                                </a:rPr>
-                                <m:t>+</m:t>
-                              </m:r>
-                              <m:r>
-                                <a:rPr lang="en-US" i="1">
-                                  <a:latin typeface="Cambria Math"/>
-                                </a:rPr>
-                                <m:t>𝑛𝑓</m:t>
-                              </m:r>
-                            </m:e>
-                          </m:d>
-                          <m:r>
-                            <a:rPr lang="en-US" i="1">
-                              <a:latin typeface="Cambria Math"/>
-                            </a:rPr>
-                            <m:t>−2</m:t>
-                          </m:r>
-                          <m:sSup>
-                            <m:sSupPr>
-                              <m:ctrlPr>
-                                <a:rPr lang="ru-RU" i="1">
-                                  <a:latin typeface="Cambria Math"/>
-                                </a:rPr>
-                              </m:ctrlPr>
-                            </m:sSupPr>
-                            <m:e>
-                              <m:r>
-                                <a:rPr lang="en-US" i="1">
-                                  <a:latin typeface="Cambria Math"/>
-                                </a:rPr>
-                                <m:t>𝑛</m:t>
-                              </m:r>
-                            </m:e>
-                            <m:sup>
-                              <m:r>
-                                <a:rPr lang="en-US" i="1">
-                                  <a:latin typeface="Cambria Math"/>
-                                </a:rPr>
-                                <m:t>2</m:t>
-                              </m:r>
-                            </m:sup>
-                          </m:sSup>
-                          <m:d>
-                            <m:dPr>
-                              <m:ctrlPr>
-                                <a:rPr lang="ru-RU" i="1">
-                                  <a:latin typeface="Cambria Math"/>
-                                </a:rPr>
-                              </m:ctrlPr>
-                            </m:dPr>
-                            <m:e>
-                              <m:r>
-                                <a:rPr lang="en-US" i="1">
-                                  <a:latin typeface="Cambria Math"/>
-                                </a:rPr>
-                                <m:t>𝑑</m:t>
-                              </m:r>
-                              <m:r>
-                                <a:rPr lang="en-US" i="1">
-                                  <a:latin typeface="Cambria Math"/>
-                                </a:rPr>
-                                <m:t>+</m:t>
-                              </m:r>
-                              <m:r>
-                                <a:rPr lang="en-US" i="1">
-                                  <a:latin typeface="Cambria Math"/>
-                                </a:rPr>
-                                <m:t>𝑓</m:t>
-                              </m:r>
-                            </m:e>
-                          </m:d>
-                          <m:r>
-                            <a:rPr lang="en-US" i="1">
-                              <a:latin typeface="Cambria Math"/>
-                            </a:rPr>
-                            <m:t>𝑐𝑜𝑠</m:t>
-                          </m:r>
-                          <m:r>
-                            <a:rPr lang="en-US" i="1">
-                              <a:latin typeface="Cambria Math"/>
-                            </a:rPr>
-                            <m:t>𝛼</m:t>
-                          </m:r>
-                          <m:r>
-                            <a:rPr lang="en-US" i="1">
-                              <a:latin typeface="Cambria Math"/>
-                            </a:rPr>
-                            <m:t> </m:t>
-                          </m:r>
-                          <m:r>
-                            <a:rPr lang="en-US" i="1">
-                              <a:latin typeface="Cambria Math"/>
-                            </a:rPr>
-                            <m:t>𝑐𝑜𝑠</m:t>
-                          </m:r>
-                          <m:r>
-                            <a:rPr lang="en-US" i="1">
-                              <a:latin typeface="Cambria Math"/>
-                            </a:rPr>
-                            <m:t>𝛽</m:t>
-                          </m:r>
-                        </m:e>
-                      </m:d>
-                      <m:r>
-                        <a:rPr lang="en-US" i="1">
-                          <a:latin typeface="Cambria Math"/>
-                        </a:rPr>
-                        <m:t>+</m:t>
-                      </m:r>
-                      <m:sSup>
-                        <m:sSupPr>
-                          <m:ctrlPr>
-                            <a:rPr lang="ru-RU" i="1">
-                              <a:latin typeface="Cambria Math"/>
-                            </a:rPr>
-                          </m:ctrlPr>
-                        </m:sSupPr>
-                        <m:e>
-                          <m:r>
-                            <a:rPr lang="en-US" i="1">
-                              <a:latin typeface="Cambria Math"/>
-                            </a:rPr>
-                            <m:t>𝑛</m:t>
-                          </m:r>
-                        </m:e>
-                        <m:sup>
-                          <m:r>
-                            <a:rPr lang="en-US" i="1">
-                              <a:latin typeface="Cambria Math"/>
-                            </a:rPr>
-                            <m:t>2</m:t>
-                          </m:r>
-                        </m:sup>
-                      </m:sSup>
-                      <m:sSup>
-                        <m:sSupPr>
-                          <m:ctrlPr>
-                            <a:rPr lang="ru-RU" i="1">
-                              <a:latin typeface="Cambria Math"/>
-                            </a:rPr>
-                          </m:ctrlPr>
-                        </m:sSupPr>
-                        <m:e>
-                          <m:d>
-                            <m:dPr>
-                              <m:ctrlPr>
-                                <a:rPr lang="ru-RU" i="1">
-                                  <a:latin typeface="Cambria Math"/>
-                                </a:rPr>
-                              </m:ctrlPr>
-                            </m:dPr>
-                            <m:e>
-                              <m:r>
-                                <a:rPr lang="en-US" i="1">
-                                  <a:latin typeface="Cambria Math"/>
-                                </a:rPr>
-                                <m:t>𝑑</m:t>
-                              </m:r>
-                              <m:r>
-                                <a:rPr lang="en-US" i="1">
-                                  <a:latin typeface="Cambria Math"/>
-                                </a:rPr>
-                                <m:t>+</m:t>
-                              </m:r>
-                              <m:r>
-                                <a:rPr lang="en-US" i="1">
-                                  <a:latin typeface="Cambria Math"/>
-                                </a:rPr>
-                                <m:t>𝑓</m:t>
-                              </m:r>
-                            </m:e>
-                          </m:d>
-                        </m:e>
-                        <m:sup>
-                          <m:r>
-                            <a:rPr lang="en-US" i="1">
-                              <a:latin typeface="Cambria Math"/>
-                            </a:rPr>
+                            <a:rPr lang="ru-RU" sz="2400" i="1"/>
                             <m:t>2</m:t>
                           </m:r>
                         </m:sup>
                       </m:sSup>
                       <m:r>
-                        <a:rPr lang="en-US" i="1">
-                          <a:latin typeface="Cambria Math"/>
-                        </a:rPr>
-                        <m:t>−</m:t>
+                        <a:rPr lang="ru-RU" sz="2400" i="1"/>
+                        <m:t>(1−</m:t>
                       </m:r>
-                      <m:sSup>
-                        <m:sSupPr>
+                      <m:r>
+                        <a:rPr lang="ru-RU" sz="2400" i="1"/>
+                        <m:t>𝑐𝑜𝑠</m:t>
+                      </m:r>
+                      <m:sSub>
+                        <m:sSubPr>
                           <m:ctrlPr>
-                            <a:rPr lang="ru-RU" i="1">
-                              <a:latin typeface="Cambria Math"/>
-                            </a:rPr>
+                            <a:rPr lang="ru-RU" sz="2400" i="1"/>
                           </m:ctrlPr>
-                        </m:sSupPr>
+                        </m:sSubPr>
                         <m:e>
                           <m:r>
-                            <a:rPr lang="en-US" i="1">
-                              <a:latin typeface="Cambria Math"/>
-                            </a:rPr>
-                            <m:t>(</m:t>
-                          </m:r>
-                          <m:r>
-                            <a:rPr lang="en-US" i="1">
-                              <a:latin typeface="Cambria Math"/>
-                            </a:rPr>
-                            <m:t>𝑑</m:t>
-                          </m:r>
-                          <m:r>
-                            <a:rPr lang="en-US" i="1">
-                              <a:latin typeface="Cambria Math"/>
-                            </a:rPr>
-                            <m:t>+</m:t>
-                          </m:r>
-                          <m:r>
-                            <a:rPr lang="en-US" i="1">
-                              <a:latin typeface="Cambria Math"/>
-                            </a:rPr>
-                            <m:t>𝑛𝑓</m:t>
-                          </m:r>
-                          <m:r>
-                            <a:rPr lang="en-US" i="1">
-                              <a:latin typeface="Cambria Math"/>
-                            </a:rPr>
-                            <m:t>)</m:t>
+                            <a:rPr lang="en-US" sz="2400" i="1"/>
+                            <m:t>𝜑</m:t>
                           </m:r>
                         </m:e>
-                        <m:sup>
+                        <m:sub>
                           <m:r>
-                            <a:rPr lang="en-US" i="1">
-                              <a:latin typeface="Cambria Math"/>
-                            </a:rPr>
-                            <m:t>2</m:t>
+                            <a:rPr lang="en-US" sz="2400" i="1"/>
+                            <m:t>𝑚𝑎𝑥</m:t>
                           </m:r>
-                        </m:sup>
-                      </m:sSup>
+                        </m:sub>
+                      </m:sSub>
                       <m:r>
-                        <a:rPr lang="en-US" i="1">
-                          <a:latin typeface="Cambria Math"/>
-                        </a:rPr>
-                        <m:t>=0</m:t>
+                        <a:rPr lang="ru-RU" sz="2400" i="1"/>
+                        <m:t>)</m:t>
                       </m:r>
                     </m:oMath>
                   </m:oMathPara>
                 </a14:m>
-                <a:endParaRPr lang="ru-RU" dirty="0"/>
-              </a:p>
-              <a:p>
-                <a:pPr/>
-                <a14:m>
-                  <m:oMathPara xmlns:m="http://schemas.openxmlformats.org/officeDocument/2006/math">
-                    <m:oMathParaPr>
-                      <m:jc m:val="centerGroup"/>
-                    </m:oMathParaPr>
-                    <m:oMath xmlns:m="http://schemas.openxmlformats.org/officeDocument/2006/math">
-                      <m:d>
-                        <m:dPr>
-                          <m:begChr m:val="["/>
-                          <m:endChr m:val=""/>
-                          <m:ctrlPr>
-                            <a:rPr lang="ru-RU" i="1">
-                              <a:latin typeface="Cambria Math"/>
-                            </a:rPr>
-                          </m:ctrlPr>
-                        </m:dPr>
-                        <m:e>
-                          <m:m>
-                            <m:mPr>
-                              <m:plcHide m:val="on"/>
-                              <m:mcs>
-                                <m:mc>
-                                  <m:mcPr>
-                                    <m:count m:val="1"/>
-                                    <m:mcJc m:val="center"/>
-                                  </m:mcPr>
-                                </m:mc>
-                              </m:mcs>
-                              <m:ctrlPr>
-                                <a:rPr lang="ru-RU" i="1">
-                                  <a:latin typeface="Cambria Math"/>
-                                </a:rPr>
-                              </m:ctrlPr>
-                            </m:mPr>
-                            <m:mr>
-                              <m:e>
-                                <m:r>
-                                  <a:rPr lang="en-US" i="1">
-                                    <a:latin typeface="Cambria Math"/>
-                                  </a:rPr>
-                                  <m:t>𝑎</m:t>
-                                </m:r>
-                                <m:r>
-                                  <a:rPr lang="en-US" i="1">
-                                    <a:latin typeface="Cambria Math"/>
-                                  </a:rPr>
-                                  <m:t>(</m:t>
-                                </m:r>
-                                <m:r>
-                                  <a:rPr lang="en-US" i="1">
-                                    <a:latin typeface="Cambria Math"/>
-                                  </a:rPr>
-                                  <m:t>𝛼</m:t>
-                                </m:r>
-                                <m:r>
-                                  <a:rPr lang="en-US" i="1">
-                                    <a:latin typeface="Cambria Math"/>
-                                  </a:rPr>
-                                  <m:t>,</m:t>
-                                </m:r>
-                                <m:r>
-                                  <a:rPr lang="en-US" i="1">
-                                    <a:latin typeface="Cambria Math"/>
-                                  </a:rPr>
-                                  <m:t>𝛽</m:t>
-                                </m:r>
-                                <m:r>
-                                  <a:rPr lang="en-US" i="1">
-                                    <a:latin typeface="Cambria Math"/>
-                                  </a:rPr>
-                                  <m:t>)=</m:t>
-                                </m:r>
-                                <m:d>
-                                  <m:dPr>
-                                    <m:begChr m:val=""/>
-                                    <m:endChr m:val=""/>
-                                    <m:ctrlPr>
-                                      <a:rPr lang="ru-RU" i="1">
-                                        <a:latin typeface="Cambria Math"/>
-                                      </a:rPr>
-                                    </m:ctrlPr>
-                                  </m:dPr>
-                                  <m:e>
-                                    <m:sSup>
-                                      <m:sSupPr>
-                                        <m:ctrlPr>
-                                          <a:rPr lang="ru-RU" i="1">
-                                            <a:latin typeface="Cambria Math"/>
-                                          </a:rPr>
-                                        </m:ctrlPr>
-                                      </m:sSupPr>
-                                      <m:e>
-                                        <m:r>
-                                          <a:rPr lang="en-US" i="1">
-                                            <a:latin typeface="Cambria Math"/>
-                                          </a:rPr>
-                                          <m:t>𝑛</m:t>
-                                        </m:r>
-                                      </m:e>
-                                      <m:sup>
-                                        <m:r>
-                                          <a:rPr lang="en-US" i="1">
-                                            <a:latin typeface="Cambria Math"/>
-                                          </a:rPr>
-                                          <m:t>2</m:t>
-                                        </m:r>
-                                      </m:sup>
-                                    </m:sSup>
-                                    <m:d>
-                                      <m:dPr>
-                                        <m:ctrlPr>
-                                          <a:rPr lang="ru-RU" i="1">
-                                            <a:latin typeface="Cambria Math"/>
-                                          </a:rPr>
-                                        </m:ctrlPr>
-                                      </m:dPr>
-                                      <m:e>
-                                        <m:sSup>
-                                          <m:sSupPr>
-                                            <m:ctrlPr>
-                                              <a:rPr lang="ru-RU" i="1">
-                                                <a:latin typeface="Cambria Math"/>
-                                              </a:rPr>
-                                            </m:ctrlPr>
-                                          </m:sSupPr>
-                                          <m:e>
-                                            <m:r>
-                                              <a:rPr lang="en-US" i="1">
-                                                <a:latin typeface="Cambria Math"/>
-                                              </a:rPr>
-                                              <m:t>𝑐𝑜𝑠</m:t>
-                                            </m:r>
-                                          </m:e>
-                                          <m:sup>
-                                            <m:r>
-                                              <a:rPr lang="en-US" i="1">
-                                                <a:latin typeface="Cambria Math"/>
-                                              </a:rPr>
-                                              <m:t>2</m:t>
-                                            </m:r>
-                                          </m:sup>
-                                        </m:sSup>
-                                        <m:r>
-                                          <a:rPr lang="en-US" i="1">
-                                            <a:latin typeface="Cambria Math"/>
-                                          </a:rPr>
-                                          <m:t>𝛽</m:t>
-                                        </m:r>
-                                        <m:r>
-                                          <a:rPr lang="en-US" i="1">
-                                            <a:latin typeface="Cambria Math"/>
-                                          </a:rPr>
-                                          <m:t> </m:t>
-                                        </m:r>
-                                        <m:sSup>
-                                          <m:sSupPr>
-                                            <m:ctrlPr>
-                                              <a:rPr lang="ru-RU" i="1">
-                                                <a:latin typeface="Cambria Math"/>
-                                              </a:rPr>
-                                            </m:ctrlPr>
-                                          </m:sSupPr>
-                                          <m:e>
-                                            <m:r>
-                                              <a:rPr lang="en-US" i="1">
-                                                <a:latin typeface="Cambria Math"/>
-                                              </a:rPr>
-                                              <m:t>𝑐𝑜𝑠</m:t>
-                                            </m:r>
-                                          </m:e>
-                                          <m:sup>
-                                            <m:r>
-                                              <a:rPr lang="en-US" i="1">
-                                                <a:latin typeface="Cambria Math"/>
-                                              </a:rPr>
-                                              <m:t>2</m:t>
-                                            </m:r>
-                                          </m:sup>
-                                        </m:sSup>
-                                        <m:r>
-                                          <a:rPr lang="en-US" i="1">
-                                            <a:latin typeface="Cambria Math"/>
-                                          </a:rPr>
-                                          <m:t>𝛼</m:t>
-                                        </m:r>
-                                        <m:r>
-                                          <a:rPr lang="en-US" i="1">
-                                            <a:latin typeface="Cambria Math"/>
-                                          </a:rPr>
-                                          <m:t>+</m:t>
-                                        </m:r>
-                                        <m:sSup>
-                                          <m:sSupPr>
-                                            <m:ctrlPr>
-                                              <a:rPr lang="ru-RU" i="1">
-                                                <a:latin typeface="Cambria Math"/>
-                                              </a:rPr>
-                                            </m:ctrlPr>
-                                          </m:sSupPr>
-                                          <m:e>
-                                            <m:r>
-                                              <a:rPr lang="en-US" i="1">
-                                                <a:latin typeface="Cambria Math"/>
-                                              </a:rPr>
-                                              <m:t>𝑠𝑖𝑛</m:t>
-                                            </m:r>
-                                          </m:e>
-                                          <m:sup>
-                                            <m:r>
-                                              <a:rPr lang="en-US" i="1">
-                                                <a:latin typeface="Cambria Math"/>
-                                              </a:rPr>
-                                              <m:t>2</m:t>
-                                            </m:r>
-                                          </m:sup>
-                                        </m:sSup>
-                                        <m:r>
-                                          <a:rPr lang="en-US" i="1">
-                                            <a:latin typeface="Cambria Math"/>
-                                          </a:rPr>
-                                          <m:t>𝛼</m:t>
-                                        </m:r>
-                                        <m:r>
-                                          <a:rPr lang="en-US" i="1">
-                                            <a:latin typeface="Cambria Math"/>
-                                          </a:rPr>
-                                          <m:t>+</m:t>
-                                        </m:r>
-                                        <m:sSup>
-                                          <m:sSupPr>
-                                            <m:ctrlPr>
-                                              <a:rPr lang="ru-RU" i="1">
-                                                <a:latin typeface="Cambria Math"/>
-                                              </a:rPr>
-                                            </m:ctrlPr>
-                                          </m:sSupPr>
-                                          <m:e>
-                                            <m:r>
-                                              <a:rPr lang="en-US" i="1">
-                                                <a:latin typeface="Cambria Math"/>
-                                              </a:rPr>
-                                              <m:t>𝑐𝑜𝑠</m:t>
-                                            </m:r>
-                                          </m:e>
-                                          <m:sup>
-                                            <m:r>
-                                              <a:rPr lang="en-US" i="1">
-                                                <a:latin typeface="Cambria Math"/>
-                                              </a:rPr>
-                                              <m:t>2</m:t>
-                                            </m:r>
-                                          </m:sup>
-                                        </m:sSup>
-                                        <m:r>
-                                          <a:rPr lang="en-US" i="1">
-                                            <a:latin typeface="Cambria Math"/>
-                                          </a:rPr>
-                                          <m:t>𝛼</m:t>
-                                        </m:r>
-                                        <m:r>
-                                          <a:rPr lang="en-US" i="1">
-                                            <a:latin typeface="Cambria Math"/>
-                                          </a:rPr>
-                                          <m:t> </m:t>
-                                        </m:r>
-                                        <m:sSup>
-                                          <m:sSupPr>
-                                            <m:ctrlPr>
-                                              <a:rPr lang="ru-RU" i="1">
-                                                <a:latin typeface="Cambria Math"/>
-                                              </a:rPr>
-                                            </m:ctrlPr>
-                                          </m:sSupPr>
-                                          <m:e>
-                                            <m:r>
-                                              <a:rPr lang="en-US" i="1">
-                                                <a:latin typeface="Cambria Math"/>
-                                              </a:rPr>
-                                              <m:t>𝑠𝑖𝑛</m:t>
-                                            </m:r>
-                                          </m:e>
-                                          <m:sup>
-                                            <m:r>
-                                              <a:rPr lang="en-US" i="1">
-                                                <a:latin typeface="Cambria Math"/>
-                                              </a:rPr>
-                                              <m:t>2</m:t>
-                                            </m:r>
-                                          </m:sup>
-                                        </m:sSup>
-                                        <m:r>
-                                          <a:rPr lang="en-US" i="1">
-                                            <a:latin typeface="Cambria Math"/>
-                                          </a:rPr>
-                                          <m:t>𝛽</m:t>
-                                        </m:r>
-                                      </m:e>
-                                    </m:d>
-                                    <m:r>
-                                      <a:rPr lang="en-US" i="1">
-                                        <a:latin typeface="Cambria Math"/>
-                                      </a:rPr>
-                                      <m:t>−1</m:t>
-                                    </m:r>
-                                  </m:e>
-                                </m:d>
-                                <m:r>
-                                  <a:rPr lang="en-US" i="1">
-                                    <a:latin typeface="Cambria Math"/>
-                                  </a:rPr>
-                                  <m:t> </m:t>
-                                </m:r>
-                              </m:e>
-                            </m:mr>
-                            <m:mr>
-                              <m:e>
-                                <m:r>
-                                  <a:rPr lang="en-US" i="1">
-                                    <a:latin typeface="Cambria Math"/>
-                                  </a:rPr>
-                                  <m:t>𝑏</m:t>
-                                </m:r>
-                                <m:r>
-                                  <a:rPr lang="en-US" i="1">
-                                    <a:latin typeface="Cambria Math"/>
-                                  </a:rPr>
-                                  <m:t>(</m:t>
-                                </m:r>
-                                <m:r>
-                                  <a:rPr lang="en-US" i="1">
-                                    <a:latin typeface="Cambria Math"/>
-                                  </a:rPr>
-                                  <m:t>𝛼</m:t>
-                                </m:r>
-                                <m:r>
-                                  <a:rPr lang="en-US" i="1">
-                                    <a:latin typeface="Cambria Math"/>
-                                  </a:rPr>
-                                  <m:t>,</m:t>
-                                </m:r>
-                                <m:r>
-                                  <a:rPr lang="en-US" i="1">
-                                    <a:latin typeface="Cambria Math"/>
-                                  </a:rPr>
-                                  <m:t>𝛽</m:t>
-                                </m:r>
-                                <m:r>
-                                  <a:rPr lang="en-US" i="1">
-                                    <a:latin typeface="Cambria Math"/>
-                                  </a:rPr>
-                                  <m:t>)= </m:t>
-                                </m:r>
-                                <m:d>
-                                  <m:dPr>
-                                    <m:begChr m:val=""/>
-                                    <m:endChr m:val=""/>
-                                    <m:ctrlPr>
-                                      <a:rPr lang="ru-RU" i="1">
-                                        <a:latin typeface="Cambria Math"/>
-                                      </a:rPr>
-                                    </m:ctrlPr>
-                                  </m:dPr>
-                                  <m:e>
-                                    <m:r>
-                                      <a:rPr lang="en-US" i="1">
-                                        <a:latin typeface="Cambria Math"/>
-                                      </a:rPr>
-                                      <m:t>2</m:t>
-                                    </m:r>
-                                    <m:d>
-                                      <m:dPr>
-                                        <m:ctrlPr>
-                                          <a:rPr lang="ru-RU" i="1">
-                                            <a:latin typeface="Cambria Math"/>
-                                          </a:rPr>
-                                        </m:ctrlPr>
-                                      </m:dPr>
-                                      <m:e>
-                                        <m:r>
-                                          <a:rPr lang="en-US" i="1">
-                                            <a:latin typeface="Cambria Math"/>
-                                          </a:rPr>
-                                          <m:t>𝑑</m:t>
-                                        </m:r>
-                                        <m:r>
-                                          <a:rPr lang="en-US" i="1">
-                                            <a:latin typeface="Cambria Math"/>
-                                          </a:rPr>
-                                          <m:t>+</m:t>
-                                        </m:r>
-                                        <m:r>
-                                          <a:rPr lang="en-US" i="1">
-                                            <a:latin typeface="Cambria Math"/>
-                                          </a:rPr>
-                                          <m:t>𝑛𝑓</m:t>
-                                        </m:r>
-                                      </m:e>
-                                    </m:d>
-                                    <m:r>
-                                      <a:rPr lang="en-US" i="1">
-                                        <a:latin typeface="Cambria Math"/>
-                                      </a:rPr>
-                                      <m:t>−2</m:t>
-                                    </m:r>
-                                    <m:sSup>
-                                      <m:sSupPr>
-                                        <m:ctrlPr>
-                                          <a:rPr lang="ru-RU" i="1">
-                                            <a:latin typeface="Cambria Math"/>
-                                          </a:rPr>
-                                        </m:ctrlPr>
-                                      </m:sSupPr>
-                                      <m:e>
-                                        <m:r>
-                                          <a:rPr lang="en-US" i="1">
-                                            <a:latin typeface="Cambria Math"/>
-                                          </a:rPr>
-                                          <m:t>𝑛</m:t>
-                                        </m:r>
-                                      </m:e>
-                                      <m:sup>
-                                        <m:r>
-                                          <a:rPr lang="en-US" i="1">
-                                            <a:latin typeface="Cambria Math"/>
-                                          </a:rPr>
-                                          <m:t>2</m:t>
-                                        </m:r>
-                                      </m:sup>
-                                    </m:sSup>
-                                    <m:d>
-                                      <m:dPr>
-                                        <m:ctrlPr>
-                                          <a:rPr lang="ru-RU" i="1">
-                                            <a:latin typeface="Cambria Math"/>
-                                          </a:rPr>
-                                        </m:ctrlPr>
-                                      </m:dPr>
-                                      <m:e>
-                                        <m:r>
-                                          <a:rPr lang="en-US" i="1">
-                                            <a:latin typeface="Cambria Math"/>
-                                          </a:rPr>
-                                          <m:t>𝑑</m:t>
-                                        </m:r>
-                                        <m:r>
-                                          <a:rPr lang="en-US" i="1">
-                                            <a:latin typeface="Cambria Math"/>
-                                          </a:rPr>
-                                          <m:t>+</m:t>
-                                        </m:r>
-                                        <m:r>
-                                          <a:rPr lang="en-US" i="1">
-                                            <a:latin typeface="Cambria Math"/>
-                                          </a:rPr>
-                                          <m:t>𝑓</m:t>
-                                        </m:r>
-                                      </m:e>
-                                    </m:d>
-                                    <m:r>
-                                      <a:rPr lang="en-US" i="1">
-                                        <a:latin typeface="Cambria Math"/>
-                                      </a:rPr>
-                                      <m:t>𝑐𝑜𝑠</m:t>
-                                    </m:r>
-                                    <m:r>
-                                      <a:rPr lang="en-US" i="1">
-                                        <a:latin typeface="Cambria Math"/>
-                                      </a:rPr>
-                                      <m:t>𝛼</m:t>
-                                    </m:r>
-                                    <m:r>
-                                      <a:rPr lang="en-US" i="1">
-                                        <a:latin typeface="Cambria Math"/>
-                                      </a:rPr>
-                                      <m:t> </m:t>
-                                    </m:r>
-                                    <m:r>
-                                      <a:rPr lang="en-US" i="1">
-                                        <a:latin typeface="Cambria Math"/>
-                                      </a:rPr>
-                                      <m:t>𝑐𝑜𝑠</m:t>
-                                    </m:r>
-                                    <m:r>
-                                      <a:rPr lang="en-US" i="1">
-                                        <a:latin typeface="Cambria Math"/>
-                                      </a:rPr>
-                                      <m:t>𝛽</m:t>
-                                    </m:r>
-                                  </m:e>
-                                </m:d>
-                              </m:e>
-                            </m:mr>
-                            <m:mr>
-                              <m:e>
-                                <m:r>
-                                  <a:rPr lang="en-US" i="1">
-                                    <a:latin typeface="Cambria Math"/>
-                                  </a:rPr>
-                                  <m:t>𝑐</m:t>
-                                </m:r>
-                                <m:r>
-                                  <a:rPr lang="en-US" i="1">
-                                    <a:latin typeface="Cambria Math"/>
-                                  </a:rPr>
-                                  <m:t>= </m:t>
-                                </m:r>
-                                <m:sSup>
-                                  <m:sSupPr>
-                                    <m:ctrlPr>
-                                      <a:rPr lang="ru-RU" i="1">
-                                        <a:latin typeface="Cambria Math"/>
-                                      </a:rPr>
-                                    </m:ctrlPr>
-                                  </m:sSupPr>
-                                  <m:e>
-                                    <m:r>
-                                      <a:rPr lang="en-US" i="1">
-                                        <a:latin typeface="Cambria Math"/>
-                                      </a:rPr>
-                                      <m:t>𝑛</m:t>
-                                    </m:r>
-                                  </m:e>
-                                  <m:sup>
-                                    <m:r>
-                                      <a:rPr lang="en-US" i="1">
-                                        <a:latin typeface="Cambria Math"/>
-                                      </a:rPr>
-                                      <m:t>2</m:t>
-                                    </m:r>
-                                  </m:sup>
-                                </m:sSup>
-                                <m:sSup>
-                                  <m:sSupPr>
-                                    <m:ctrlPr>
-                                      <a:rPr lang="ru-RU" i="1">
-                                        <a:latin typeface="Cambria Math"/>
-                                      </a:rPr>
-                                    </m:ctrlPr>
-                                  </m:sSupPr>
-                                  <m:e>
-                                    <m:d>
-                                      <m:dPr>
-                                        <m:ctrlPr>
-                                          <a:rPr lang="ru-RU" i="1">
-                                            <a:latin typeface="Cambria Math"/>
-                                          </a:rPr>
-                                        </m:ctrlPr>
-                                      </m:dPr>
-                                      <m:e>
-                                        <m:r>
-                                          <a:rPr lang="en-US" i="1">
-                                            <a:latin typeface="Cambria Math"/>
-                                          </a:rPr>
-                                          <m:t>𝑑</m:t>
-                                        </m:r>
-                                        <m:r>
-                                          <a:rPr lang="en-US" i="1">
-                                            <a:latin typeface="Cambria Math"/>
-                                          </a:rPr>
-                                          <m:t>+</m:t>
-                                        </m:r>
-                                        <m:r>
-                                          <a:rPr lang="en-US" i="1">
-                                            <a:latin typeface="Cambria Math"/>
-                                          </a:rPr>
-                                          <m:t>𝑓</m:t>
-                                        </m:r>
-                                      </m:e>
-                                    </m:d>
-                                  </m:e>
-                                  <m:sup>
-                                    <m:r>
-                                      <a:rPr lang="en-US" i="1">
-                                        <a:latin typeface="Cambria Math"/>
-                                      </a:rPr>
-                                      <m:t>2</m:t>
-                                    </m:r>
-                                  </m:sup>
-                                </m:sSup>
-                                <m:r>
-                                  <a:rPr lang="en-US" i="1">
-                                    <a:latin typeface="Cambria Math"/>
-                                  </a:rPr>
-                                  <m:t>−</m:t>
-                                </m:r>
-                                <m:sSup>
-                                  <m:sSupPr>
-                                    <m:ctrlPr>
-                                      <a:rPr lang="ru-RU" i="1">
-                                        <a:latin typeface="Cambria Math"/>
-                                      </a:rPr>
-                                    </m:ctrlPr>
-                                  </m:sSupPr>
-                                  <m:e>
-                                    <m:r>
-                                      <a:rPr lang="en-US" i="1">
-                                        <a:latin typeface="Cambria Math"/>
-                                      </a:rPr>
-                                      <m:t>(</m:t>
-                                    </m:r>
-                                    <m:r>
-                                      <a:rPr lang="en-US" i="1">
-                                        <a:latin typeface="Cambria Math"/>
-                                      </a:rPr>
-                                      <m:t>𝑑</m:t>
-                                    </m:r>
-                                    <m:r>
-                                      <a:rPr lang="en-US" i="1">
-                                        <a:latin typeface="Cambria Math"/>
-                                      </a:rPr>
-                                      <m:t>+</m:t>
-                                    </m:r>
-                                    <m:r>
-                                      <a:rPr lang="en-US" i="1">
-                                        <a:latin typeface="Cambria Math"/>
-                                      </a:rPr>
-                                      <m:t>𝑛𝑓</m:t>
-                                    </m:r>
-                                    <m:r>
-                                      <a:rPr lang="en-US" i="1">
-                                        <a:latin typeface="Cambria Math"/>
-                                      </a:rPr>
-                                      <m:t>)</m:t>
-                                    </m:r>
-                                  </m:e>
-                                  <m:sup>
-                                    <m:r>
-                                      <a:rPr lang="en-US" i="1">
-                                        <a:latin typeface="Cambria Math"/>
-                                      </a:rPr>
-                                      <m:t>2</m:t>
-                                    </m:r>
-                                  </m:sup>
-                                </m:sSup>
-                              </m:e>
-                            </m:mr>
-                          </m:m>
-                        </m:e>
-                      </m:d>
-                    </m:oMath>
-                  </m:oMathPara>
-                </a14:m>
-                <a:endParaRPr lang="ru-RU" dirty="0"/>
-              </a:p>
-              <a:p>
-                <a:pPr/>
-                <a14:m>
-                  <m:oMathPara xmlns:m="http://schemas.openxmlformats.org/officeDocument/2006/math">
-                    <m:oMathParaPr>
-                      <m:jc m:val="centerGroup"/>
-                    </m:oMathParaPr>
-                    <m:oMath xmlns:m="http://schemas.openxmlformats.org/officeDocument/2006/math">
-                      <m:r>
-                        <a:rPr lang="en-US" i="1">
-                          <a:latin typeface="Cambria Math"/>
-                        </a:rPr>
-                        <m:t>𝑟</m:t>
-                      </m:r>
-                      <m:r>
-                        <a:rPr lang="en-US" i="1">
-                          <a:latin typeface="Cambria Math"/>
-                        </a:rPr>
-                        <m:t>=</m:t>
-                      </m:r>
-                      <m:f>
-                        <m:fPr>
-                          <m:ctrlPr>
-                            <a:rPr lang="ru-RU" i="1">
-                              <a:latin typeface="Cambria Math"/>
-                            </a:rPr>
-                          </m:ctrlPr>
-                        </m:fPr>
-                        <m:num>
-                          <m:r>
-                            <a:rPr lang="en-US" i="1">
-                              <a:latin typeface="Cambria Math"/>
-                            </a:rPr>
-                            <m:t>−</m:t>
-                          </m:r>
-                          <m:r>
-                            <a:rPr lang="en-US" i="1">
-                              <a:latin typeface="Cambria Math"/>
-                            </a:rPr>
-                            <m:t>𝑏</m:t>
-                          </m:r>
-                          <m:r>
-                            <a:rPr lang="en-US" i="1">
-                              <a:latin typeface="Cambria Math"/>
-                            </a:rPr>
-                            <m:t>±</m:t>
-                          </m:r>
-                          <m:rad>
-                            <m:radPr>
-                              <m:degHide m:val="on"/>
-                              <m:ctrlPr>
-                                <a:rPr lang="ru-RU" i="1">
-                                  <a:latin typeface="Cambria Math"/>
-                                </a:rPr>
-                              </m:ctrlPr>
-                            </m:radPr>
-                            <m:deg/>
-                            <m:e>
-                              <m:sSup>
-                                <m:sSupPr>
-                                  <m:ctrlPr>
-                                    <a:rPr lang="ru-RU" i="1">
-                                      <a:latin typeface="Cambria Math"/>
-                                    </a:rPr>
-                                  </m:ctrlPr>
-                                </m:sSupPr>
-                                <m:e>
-                                  <m:r>
-                                    <a:rPr lang="en-US" i="1">
-                                      <a:latin typeface="Cambria Math"/>
-                                    </a:rPr>
-                                    <m:t>𝑏</m:t>
-                                  </m:r>
-                                </m:e>
-                                <m:sup>
-                                  <m:r>
-                                    <a:rPr lang="en-US" i="1">
-                                      <a:latin typeface="Cambria Math"/>
-                                    </a:rPr>
-                                    <m:t>2</m:t>
-                                  </m:r>
-                                </m:sup>
-                              </m:sSup>
-                              <m:r>
-                                <a:rPr lang="en-US" i="1">
-                                  <a:latin typeface="Cambria Math"/>
-                                </a:rPr>
-                                <m:t>−4</m:t>
-                              </m:r>
-                              <m:r>
-                                <a:rPr lang="en-US" i="1">
-                                  <a:latin typeface="Cambria Math"/>
-                                </a:rPr>
-                                <m:t>𝑎𝑐</m:t>
-                              </m:r>
-                            </m:e>
-                          </m:rad>
-                        </m:num>
-                        <m:den>
-                          <m:r>
-                            <a:rPr lang="en-US" i="1">
-                              <a:latin typeface="Cambria Math"/>
-                            </a:rPr>
-                            <m:t>2</m:t>
-                          </m:r>
-                          <m:r>
-                            <a:rPr lang="en-US" i="1">
-                              <a:latin typeface="Cambria Math"/>
-                            </a:rPr>
-                            <m:t>𝑎</m:t>
-                          </m:r>
-                        </m:den>
-                      </m:f>
-                    </m:oMath>
-                  </m:oMathPara>
-                </a14:m>
-                <a:endParaRPr lang="ru-RU" dirty="0"/>
-              </a:p>
-              <a:p>
-                <a:r>
-                  <a:rPr lang="ru-RU" dirty="0"/>
-                  <a:t>ОДЗ </a:t>
-                </a:r>
-                <a14:m>
-                  <m:oMath xmlns:m="http://schemas.openxmlformats.org/officeDocument/2006/math">
-                    <m:r>
-                      <a:rPr lang="ru-RU" i="1">
-                        <a:latin typeface="Cambria Math"/>
-                      </a:rPr>
-                      <m:t>0≤</m:t>
-                    </m:r>
-                    <m:r>
-                      <a:rPr lang="en-US" i="1">
-                        <a:latin typeface="Cambria Math"/>
-                      </a:rPr>
-                      <m:t>𝑟</m:t>
-                    </m:r>
-                    <m:r>
-                      <a:rPr lang="ru-RU" i="1">
-                        <a:latin typeface="Cambria Math"/>
-                      </a:rPr>
-                      <m:t>≤</m:t>
-                    </m:r>
-                    <m:r>
-                      <a:rPr lang="en-US" i="1">
-                        <a:latin typeface="Cambria Math"/>
-                      </a:rPr>
-                      <m:t>𝑑</m:t>
-                    </m:r>
-                    <m:r>
-                      <a:rPr lang="ru-RU" i="1">
-                        <a:latin typeface="Cambria Math"/>
-                      </a:rPr>
-                      <m:t>+</m:t>
-                    </m:r>
-                    <m:r>
-                      <a:rPr lang="en-US" i="1">
-                        <a:latin typeface="Cambria Math"/>
-                      </a:rPr>
-                      <m:t>𝑛𝑓</m:t>
-                    </m:r>
-                  </m:oMath>
-                </a14:m>
-                <a:endParaRPr lang="ru-RU" dirty="0"/>
+                <a:endParaRPr lang="ru-RU" sz="2400" dirty="0"/>
               </a:p>
             </p:txBody>
           </p:sp>
         </mc:Choice>
-        <mc:Fallback xmlns="">
+        <mc:Fallback>
           <p:sp>
             <p:nvSpPr>
-              <p:cNvPr id="7" name="Прямоугольник 6"/>
+              <p:cNvPr id="5" name="Прямоугольник 4"/>
               <p:cNvSpPr>
                 <a:spLocks noRot="1" noChangeAspect="1" noMove="1" noResize="1" noEditPoints="1" noAdjustHandles="1" noChangeArrowheads="1" noChangeShapeType="1" noTextEdit="1"/>
               </p:cNvSpPr>
@@ -11340,8 +10668,8 @@
             </p:nvSpPr>
             <p:spPr>
               <a:xfrm>
-                <a:off x="6096000" y="4236054"/>
-                <a:ext cx="6096000" cy="2981778"/>
+                <a:off x="6892402" y="5729160"/>
+                <a:ext cx="3720699" cy="539700"/>
               </a:xfrm>
               <a:prstGeom prst="rect">
                 <a:avLst/>
@@ -11349,7 +10677,7 @@
               <a:blipFill rotWithShape="1">
                 <a:blip r:embed="rId4"/>
                 <a:stretch>
-                  <a:fillRect l="-800"/>
+                  <a:fillRect/>
                 </a:stretch>
               </a:blipFill>
             </p:spPr>
@@ -11371,7 +10699,7 @@
     </p:spTree>
     <p:extLst>
       <p:ext uri="{BB962C8B-B14F-4D97-AF65-F5344CB8AC3E}">
-        <p14:creationId xmlns:p14="http://schemas.microsoft.com/office/powerpoint/2010/main" val="2852456548"/>
+        <p14:creationId xmlns:p14="http://schemas.microsoft.com/office/powerpoint/2010/main" val="1621452256"/>
       </p:ext>
     </p:extLst>
   </p:cSld>
@@ -11388,7 +10716,7 @@
 </p:sld>
 </file>
 
-<file path=ppt/slides/slide17.xml><?xml version="1.0" encoding="utf-8"?>
+<file path=ppt/slides/slide22.xml><?xml version="1.0" encoding="utf-8"?>
 <p:sld xmlns:a="http://schemas.openxmlformats.org/drawingml/2006/main" xmlns:r="http://schemas.openxmlformats.org/officeDocument/2006/relationships" xmlns:p="http://schemas.openxmlformats.org/presentationml/2006/main">
   <p:cSld>
     <p:spTree>
@@ -11445,8 +10773,8 @@
         </p:blipFill>
         <p:spPr bwMode="auto">
           <a:xfrm>
-            <a:off x="8400288" y="2292584"/>
-            <a:ext cx="1687322" cy="3907727"/>
+            <a:off x="8562109" y="1080656"/>
+            <a:ext cx="2162810" cy="5119656"/>
           </a:xfrm>
           <a:prstGeom prst="rect">
             <a:avLst/>
@@ -11465,53 +10793,53 @@
         </p:nvSpPr>
         <p:spPr>
           <a:xfrm>
-            <a:off x="1597152" y="3432048"/>
-            <a:ext cx="6096000" cy="2031325"/>
+            <a:off x="665018" y="2292583"/>
+            <a:ext cx="7259782" cy="3046988"/>
           </a:xfrm>
           <a:prstGeom prst="rect">
             <a:avLst/>
           </a:prstGeom>
         </p:spPr>
         <p:txBody>
-          <a:bodyPr>
+          <a:bodyPr wrap="square">
             <a:spAutoFit/>
           </a:bodyPr>
           <a:lstStyle/>
           <a:p>
             <a:r>
-              <a:rPr lang="ru-RU" dirty="0"/>
+              <a:rPr lang="ru-RU" sz="2400" dirty="0"/>
               <a:t>«Если соединить две подобные по форме линзы </a:t>
             </a:r>
             <a:r>
-              <a:rPr lang="en-US" dirty="0"/>
+              <a:rPr lang="en-US" sz="2400" dirty="0"/>
               <a:t>DBQ</a:t>
             </a:r>
             <a:r>
-              <a:rPr lang="ru-RU" dirty="0"/>
+              <a:rPr lang="ru-RU" sz="2400" dirty="0"/>
               <a:t> и </a:t>
             </a:r>
             <a:r>
-              <a:rPr lang="en-US" dirty="0" err="1"/>
+              <a:rPr lang="en-US" sz="2400" dirty="0" err="1"/>
               <a:t>dbq</a:t>
             </a:r>
             <a:r>
-              <a:rPr lang="ru-RU" dirty="0"/>
+              <a:rPr lang="ru-RU" sz="2400" dirty="0"/>
               <a:t>, не равные по величине, или поставить их на произвольном расстоянии друг от друга, лишь бы только их оси были расположены на одной прямой, а эллиптические поверхности обращены друг к другу, то они соберут все лучи, идущие из фокуса одной из низ, помеченного буквой </a:t>
             </a:r>
             <a:r>
-              <a:rPr lang="en-US" dirty="0"/>
+              <a:rPr lang="en-US" sz="2400" dirty="0"/>
               <a:t>I</a:t>
             </a:r>
             <a:r>
-              <a:rPr lang="ru-RU" dirty="0"/>
+              <a:rPr lang="ru-RU" sz="2400" dirty="0"/>
               <a:t>, в другой фокус, также помеченный буквой </a:t>
             </a:r>
             <a:r>
-              <a:rPr lang="en-US" dirty="0"/>
+              <a:rPr lang="en-US" sz="2400" dirty="0"/>
               <a:t>I</a:t>
             </a:r>
             <a:r>
-              <a:rPr lang="ru-RU" dirty="0"/>
+              <a:rPr lang="ru-RU" sz="2400" dirty="0"/>
               <a:t>»</a:t>
             </a:r>
           </a:p>
@@ -11537,7 +10865,7 @@
 </p:sld>
 </file>
 
-<file path=ppt/slides/slide18.xml><?xml version="1.0" encoding="utf-8"?>
+<file path=ppt/slides/slide23.xml><?xml version="1.0" encoding="utf-8"?>
 <p:sld xmlns:a="http://schemas.openxmlformats.org/drawingml/2006/main" xmlns:r="http://schemas.openxmlformats.org/officeDocument/2006/relationships" xmlns:p="http://schemas.openxmlformats.org/presentationml/2006/main">
   <p:cSld>
     <p:spTree>
@@ -11564,21 +10892,147 @@
             <p:ph type="title"/>
           </p:nvPr>
         </p:nvSpPr>
-        <p:spPr>
-          <a:xfrm>
-            <a:off x="635696" y="0"/>
-            <a:ext cx="10131425" cy="1455738"/>
-          </a:xfrm>
-        </p:spPr>
+        <p:spPr/>
         <p:txBody>
           <a:bodyPr/>
           <a:lstStyle/>
           <a:p>
             <a:pPr algn="ctr"/>
+            <a:r>
+              <a:rPr lang="ru-RU" dirty="0" smtClean="0"/>
+              <a:t>Результаты</a:t>
+            </a:r>
             <a:endParaRPr lang="ru-RU" dirty="0"/>
           </a:p>
         </p:txBody>
       </p:sp>
+      <p:sp>
+        <p:nvSpPr>
+          <p:cNvPr id="3" name="Объект 2"/>
+          <p:cNvSpPr>
+            <a:spLocks noGrp="1"/>
+          </p:cNvSpPr>
+          <p:nvPr>
+            <p:ph idx="1"/>
+          </p:nvPr>
+        </p:nvSpPr>
+        <p:spPr/>
+        <p:txBody>
+          <a:bodyPr/>
+          <a:lstStyle/>
+          <a:p>
+            <a:pPr marL="0" indent="0">
+              <a:buNone/>
+            </a:pPr>
+            <a:r>
+              <a:rPr lang="ru-RU" dirty="0"/>
+              <a:t>В ходе работы были достигнуты следующие результаты:</a:t>
+            </a:r>
+          </a:p>
+          <a:p>
+            <a:pPr marL="342900" indent="-342900">
+              <a:buFont typeface="+mj-lt"/>
+              <a:buAutoNum type="arabicPeriod"/>
+            </a:pPr>
+            <a:r>
+              <a:rPr lang="ru-RU" dirty="0" smtClean="0"/>
+              <a:t>Подтверждение </a:t>
+            </a:r>
+            <a:r>
+              <a:rPr lang="ru-RU" dirty="0"/>
+              <a:t>факта идеальной фокусировки эллипсом монохроматических лучей, параллельных его большой оси;</a:t>
+            </a:r>
+          </a:p>
+          <a:p>
+            <a:pPr marL="342900" indent="-342900">
+              <a:buFont typeface="+mj-lt"/>
+              <a:buAutoNum type="arabicPeriod"/>
+            </a:pPr>
+            <a:r>
+              <a:rPr lang="ru-RU" dirty="0" smtClean="0"/>
+              <a:t>Определение </a:t>
+            </a:r>
+            <a:r>
+              <a:rPr lang="ru-RU" dirty="0"/>
+              <a:t>формы эллиптической линзы;</a:t>
+            </a:r>
+          </a:p>
+          <a:p>
+            <a:pPr marL="342900" indent="-342900">
+              <a:buFont typeface="+mj-lt"/>
+              <a:buAutoNum type="arabicPeriod"/>
+            </a:pPr>
+            <a:r>
+              <a:rPr lang="ru-RU" dirty="0" smtClean="0"/>
+              <a:t>Выявление </a:t>
+            </a:r>
+            <a:r>
+              <a:rPr lang="ru-RU" dirty="0"/>
+              <a:t>поверхности,  идеально фокусирующей монохроматические лучи точечного источника света;</a:t>
+            </a:r>
+          </a:p>
+          <a:p>
+            <a:pPr marL="342900" indent="-342900">
+              <a:buFont typeface="+mj-lt"/>
+              <a:buAutoNum type="arabicPeriod"/>
+            </a:pPr>
+            <a:r>
+              <a:rPr lang="ru-RU" dirty="0" smtClean="0"/>
+              <a:t>Определение </a:t>
+            </a:r>
+            <a:r>
+              <a:rPr lang="ru-RU" dirty="0"/>
+              <a:t>формы и некоторых геометрических свойств </a:t>
+            </a:r>
+            <a:r>
+              <a:rPr lang="ru-RU" dirty="0" err="1"/>
+              <a:t>овоидной</a:t>
+            </a:r>
+            <a:r>
+              <a:rPr lang="ru-RU" dirty="0"/>
+              <a:t> линзы.</a:t>
+            </a:r>
+            <a:endParaRPr lang="ru-RU" dirty="0"/>
+          </a:p>
+        </p:txBody>
+      </p:sp>
+    </p:spTree>
+    <p:extLst>
+      <p:ext uri="{BB962C8B-B14F-4D97-AF65-F5344CB8AC3E}">
+        <p14:creationId xmlns:p14="http://schemas.microsoft.com/office/powerpoint/2010/main" val="4051038554"/>
+      </p:ext>
+    </p:extLst>
+  </p:cSld>
+  <p:clrMapOvr>
+    <a:masterClrMapping/>
+  </p:clrMapOvr>
+  <p:timing>
+    <p:tnLst>
+      <p:par>
+        <p:cTn id="1" dur="indefinite" restart="never" nodeType="tmRoot"/>
+      </p:par>
+    </p:tnLst>
+  </p:timing>
+</p:sld>
+</file>
+
+<file path=ppt/slides/slide24.xml><?xml version="1.0" encoding="utf-8"?>
+<p:sld xmlns:a="http://schemas.openxmlformats.org/drawingml/2006/main" xmlns:r="http://schemas.openxmlformats.org/officeDocument/2006/relationships" xmlns:p="http://schemas.openxmlformats.org/presentationml/2006/main">
+  <p:cSld>
+    <p:spTree>
+      <p:nvGrpSpPr>
+        <p:cNvPr id="1" name=""/>
+        <p:cNvGrpSpPr/>
+        <p:nvPr/>
+      </p:nvGrpSpPr>
+      <p:grpSpPr>
+        <a:xfrm>
+          <a:off x="0" y="0"/>
+          <a:ext cx="0" cy="0"/>
+          <a:chOff x="0" y="0"/>
+          <a:chExt cx="0" cy="0"/>
+        </a:xfrm>
+      </p:grpSpPr>
       <p:sp>
         <p:nvSpPr>
           <p:cNvPr id="3" name="Объект 2"/>
@@ -11699,7 +11153,7 @@
 </p:sld>
 </file>
 
-<file path=ppt/slides/slide19.xml><?xml version="1.0" encoding="utf-8"?>
+<file path=ppt/slides/slide25.xml><?xml version="1.0" encoding="utf-8"?>
 <p:sld xmlns:a="http://schemas.openxmlformats.org/drawingml/2006/main" xmlns:r="http://schemas.openxmlformats.org/officeDocument/2006/relationships" xmlns:p="http://schemas.openxmlformats.org/presentationml/2006/main">
   <p:cSld>
     <p:spTree>
@@ -11718,26 +11172,6 @@
       </p:grpSpPr>
       <p:sp>
         <p:nvSpPr>
-          <p:cNvPr id="2" name="Заголовок 1"/>
-          <p:cNvSpPr>
-            <a:spLocks noGrp="1"/>
-          </p:cNvSpPr>
-          <p:nvPr>
-            <p:ph type="title"/>
-          </p:nvPr>
-        </p:nvSpPr>
-        <p:spPr/>
-        <p:txBody>
-          <a:bodyPr/>
-          <a:lstStyle/>
-          <a:p>
-            <a:pPr algn="ctr"/>
-            <a:endParaRPr lang="ru-RU" dirty="0"/>
-          </a:p>
-        </p:txBody>
-      </p:sp>
-      <p:sp>
-        <p:nvSpPr>
           <p:cNvPr id="3" name="Объект 2"/>
           <p:cNvSpPr>
             <a:spLocks noGrp="1"/>
@@ -11748,8 +11182,8 @@
         </p:nvSpPr>
         <p:spPr>
           <a:xfrm>
-            <a:off x="151409" y="769411"/>
-            <a:ext cx="6896605" cy="3062383"/>
+            <a:off x="301023" y="568704"/>
+            <a:ext cx="6896605" cy="2175393"/>
           </a:xfrm>
         </p:spPr>
         <p:txBody>
@@ -11953,346 +11387,7 @@
 </p:sld>
 </file>
 
-<file path=ppt/slides/slide2.xml><?xml version="1.0" encoding="utf-8"?>
-<p:sld xmlns:a="http://schemas.openxmlformats.org/drawingml/2006/main" xmlns:r="http://schemas.openxmlformats.org/officeDocument/2006/relationships" xmlns:p="http://schemas.openxmlformats.org/presentationml/2006/main">
-  <p:cSld>
-    <p:spTree>
-      <p:nvGrpSpPr>
-        <p:cNvPr id="1" name=""/>
-        <p:cNvGrpSpPr/>
-        <p:nvPr/>
-      </p:nvGrpSpPr>
-      <p:grpSpPr>
-        <a:xfrm>
-          <a:off x="0" y="0"/>
-          <a:ext cx="0" cy="0"/>
-          <a:chOff x="0" y="0"/>
-          <a:chExt cx="0" cy="0"/>
-        </a:xfrm>
-      </p:grpSpPr>
-      <p:sp>
-        <p:nvSpPr>
-          <p:cNvPr id="20483" name="Объект 2"/>
-          <p:cNvSpPr>
-            <a:spLocks noGrp="1"/>
-          </p:cNvSpPr>
-          <p:nvPr>
-            <p:ph idx="1"/>
-          </p:nvPr>
-        </p:nvSpPr>
-        <p:spPr>
-          <a:xfrm>
-            <a:off x="685800" y="1446213"/>
-            <a:ext cx="9545638" cy="2886075"/>
-          </a:xfrm>
-        </p:spPr>
-        <p:txBody>
-          <a:bodyPr/>
-          <a:lstStyle/>
-          <a:p>
-            <a:pPr marL="0" indent="0">
-              <a:buNone/>
-            </a:pPr>
-            <a:r>
-              <a:rPr lang="ru-RU" sz="2800" dirty="0"/>
-              <a:t>На сегодняшний день влияние оптических приборов стремительно возрастает. Вследствие этого, актуален вопрос устранения дефектов линз. В погоне за увеличением точности, оптические системы «наращивают» линзы, становятся все больше и массивней. Потому остро стоит вопрос замены нескольких линз, устраняющих дефект, на одну, лишенной его. Эта замена способна начать новый этап использования асферических линз для создания более компактных, легких, точных оптических приборов.</a:t>
-            </a:r>
-          </a:p>
-          <a:p>
-            <a:pPr marL="0" indent="0">
-              <a:buFont typeface="Arial" charset="0"/>
-              <a:buNone/>
-            </a:pPr>
-            <a:endParaRPr lang="ru-RU" sz="2800" dirty="0" smtClean="0"/>
-          </a:p>
-        </p:txBody>
-      </p:sp>
-      <p:pic>
-        <p:nvPicPr>
-          <p:cNvPr id="20484" name="Рисунок 3"/>
-          <p:cNvPicPr>
-            <a:picLocks noChangeAspect="1"/>
-          </p:cNvPicPr>
-          <p:nvPr/>
-        </p:nvPicPr>
-        <p:blipFill>
-          <a:blip r:embed="rId2">
-            <a:extLst>
-              <a:ext uri="{28A0092B-C50C-407E-A947-70E740481C1C}">
-                <a14:useLocalDpi xmlns:a14="http://schemas.microsoft.com/office/drawing/2010/main" val="0"/>
-              </a:ext>
-            </a:extLst>
-          </a:blip>
-          <a:srcRect/>
-          <a:stretch>
-            <a:fillRect/>
-          </a:stretch>
-        </p:blipFill>
-        <p:spPr bwMode="auto">
-          <a:xfrm>
-            <a:off x="2815453" y="5480215"/>
-            <a:ext cx="2266950" cy="1422400"/>
-          </a:xfrm>
-          <a:prstGeom prst="rect">
-            <a:avLst/>
-          </a:prstGeom>
-          <a:noFill/>
-          <a:ln>
-            <a:noFill/>
-          </a:ln>
-          <a:extLst>
-            <a:ext uri="{909E8E84-426E-40DD-AFC4-6F175D3DCCD1}">
-              <a14:hiddenFill xmlns:a14="http://schemas.microsoft.com/office/drawing/2010/main">
-                <a:solidFill>
-                  <a:srgbClr val="FFFFFF"/>
-                </a:solidFill>
-              </a14:hiddenFill>
-            </a:ext>
-            <a:ext uri="{91240B29-F687-4F45-9708-019B960494DF}">
-              <a14:hiddenLine xmlns:a14="http://schemas.microsoft.com/office/drawing/2010/main" w="9525">
-                <a:solidFill>
-                  <a:srgbClr val="000000"/>
-                </a:solidFill>
-                <a:miter lim="800000"/>
-                <a:headEnd/>
-                <a:tailEnd/>
-              </a14:hiddenLine>
-            </a:ext>
-          </a:extLst>
-        </p:spPr>
-      </p:pic>
-      <p:pic>
-        <p:nvPicPr>
-          <p:cNvPr id="20485" name="Рисунок 4"/>
-          <p:cNvPicPr>
-            <a:picLocks noChangeAspect="1"/>
-          </p:cNvPicPr>
-          <p:nvPr/>
-        </p:nvPicPr>
-        <p:blipFill>
-          <a:blip r:embed="rId3">
-            <a:extLst>
-              <a:ext uri="{28A0092B-C50C-407E-A947-70E740481C1C}">
-                <a14:useLocalDpi xmlns:a14="http://schemas.microsoft.com/office/drawing/2010/main" val="0"/>
-              </a:ext>
-            </a:extLst>
-          </a:blip>
-          <a:srcRect/>
-          <a:stretch>
-            <a:fillRect/>
-          </a:stretch>
-        </p:blipFill>
-        <p:spPr bwMode="auto">
-          <a:xfrm>
-            <a:off x="5296131" y="4805362"/>
-            <a:ext cx="1831975" cy="1576388"/>
-          </a:xfrm>
-          <a:prstGeom prst="rect">
-            <a:avLst/>
-          </a:prstGeom>
-          <a:noFill/>
-          <a:ln>
-            <a:noFill/>
-          </a:ln>
-          <a:extLst>
-            <a:ext uri="{909E8E84-426E-40DD-AFC4-6F175D3DCCD1}">
-              <a14:hiddenFill xmlns:a14="http://schemas.microsoft.com/office/drawing/2010/main">
-                <a:solidFill>
-                  <a:srgbClr val="FFFFFF"/>
-                </a:solidFill>
-              </a14:hiddenFill>
-            </a:ext>
-            <a:ext uri="{91240B29-F687-4F45-9708-019B960494DF}">
-              <a14:hiddenLine xmlns:a14="http://schemas.microsoft.com/office/drawing/2010/main" w="9525">
-                <a:solidFill>
-                  <a:srgbClr val="000000"/>
-                </a:solidFill>
-                <a:miter lim="800000"/>
-                <a:headEnd/>
-                <a:tailEnd/>
-              </a14:hiddenLine>
-            </a:ext>
-          </a:extLst>
-        </p:spPr>
-      </p:pic>
-      <p:pic>
-        <p:nvPicPr>
-          <p:cNvPr id="20486" name="Рисунок 5"/>
-          <p:cNvPicPr>
-            <a:picLocks noChangeAspect="1"/>
-          </p:cNvPicPr>
-          <p:nvPr/>
-        </p:nvPicPr>
-        <p:blipFill>
-          <a:blip r:embed="rId4">
-            <a:extLst>
-              <a:ext uri="{28A0092B-C50C-407E-A947-70E740481C1C}">
-                <a14:useLocalDpi xmlns:a14="http://schemas.microsoft.com/office/drawing/2010/main" val="0"/>
-              </a:ext>
-            </a:extLst>
-          </a:blip>
-          <a:srcRect/>
-          <a:stretch>
-            <a:fillRect/>
-          </a:stretch>
-        </p:blipFill>
-        <p:spPr bwMode="auto">
-          <a:xfrm>
-            <a:off x="9768748" y="4500561"/>
-            <a:ext cx="1908175" cy="1927225"/>
-          </a:xfrm>
-          <a:prstGeom prst="rect">
-            <a:avLst/>
-          </a:prstGeom>
-          <a:noFill/>
-          <a:ln>
-            <a:noFill/>
-          </a:ln>
-          <a:extLst>
-            <a:ext uri="{909E8E84-426E-40DD-AFC4-6F175D3DCCD1}">
-              <a14:hiddenFill xmlns:a14="http://schemas.microsoft.com/office/drawing/2010/main">
-                <a:solidFill>
-                  <a:srgbClr val="FFFFFF"/>
-                </a:solidFill>
-              </a14:hiddenFill>
-            </a:ext>
-            <a:ext uri="{91240B29-F687-4F45-9708-019B960494DF}">
-              <a14:hiddenLine xmlns:a14="http://schemas.microsoft.com/office/drawing/2010/main" w="9525">
-                <a:solidFill>
-                  <a:srgbClr val="000000"/>
-                </a:solidFill>
-                <a:miter lim="800000"/>
-                <a:headEnd/>
-                <a:tailEnd/>
-              </a14:hiddenLine>
-            </a:ext>
-          </a:extLst>
-        </p:spPr>
-      </p:pic>
-      <p:pic>
-        <p:nvPicPr>
-          <p:cNvPr id="20487" name="Рисунок 6"/>
-          <p:cNvPicPr>
-            <a:picLocks noChangeAspect="1"/>
-          </p:cNvPicPr>
-          <p:nvPr/>
-        </p:nvPicPr>
-        <p:blipFill>
-          <a:blip r:embed="rId5">
-            <a:extLst>
-              <a:ext uri="{28A0092B-C50C-407E-A947-70E740481C1C}">
-                <a14:useLocalDpi xmlns:a14="http://schemas.microsoft.com/office/drawing/2010/main" val="0"/>
-              </a:ext>
-            </a:extLst>
-          </a:blip>
-          <a:srcRect/>
-          <a:stretch>
-            <a:fillRect/>
-          </a:stretch>
-        </p:blipFill>
-        <p:spPr bwMode="auto">
-          <a:xfrm>
-            <a:off x="7405379" y="5356225"/>
-            <a:ext cx="2255838" cy="1501775"/>
-          </a:xfrm>
-          <a:prstGeom prst="rect">
-            <a:avLst/>
-          </a:prstGeom>
-          <a:noFill/>
-          <a:ln>
-            <a:noFill/>
-          </a:ln>
-          <a:extLst>
-            <a:ext uri="{909E8E84-426E-40DD-AFC4-6F175D3DCCD1}">
-              <a14:hiddenFill xmlns:a14="http://schemas.microsoft.com/office/drawing/2010/main">
-                <a:solidFill>
-                  <a:srgbClr val="FFFFFF"/>
-                </a:solidFill>
-              </a14:hiddenFill>
-            </a:ext>
-            <a:ext uri="{91240B29-F687-4F45-9708-019B960494DF}">
-              <a14:hiddenLine xmlns:a14="http://schemas.microsoft.com/office/drawing/2010/main" w="9525">
-                <a:solidFill>
-                  <a:srgbClr val="000000"/>
-                </a:solidFill>
-                <a:miter lim="800000"/>
-                <a:headEnd/>
-                <a:tailEnd/>
-              </a14:hiddenLine>
-            </a:ext>
-          </a:extLst>
-        </p:spPr>
-      </p:pic>
-      <p:pic>
-        <p:nvPicPr>
-          <p:cNvPr id="20488" name="Рисунок 7"/>
-          <p:cNvPicPr>
-            <a:picLocks noChangeAspect="1"/>
-          </p:cNvPicPr>
-          <p:nvPr/>
-        </p:nvPicPr>
-        <p:blipFill>
-          <a:blip r:embed="rId6">
-            <a:extLst>
-              <a:ext uri="{28A0092B-C50C-407E-A947-70E740481C1C}">
-                <a14:useLocalDpi xmlns:a14="http://schemas.microsoft.com/office/drawing/2010/main" val="0"/>
-              </a:ext>
-            </a:extLst>
-          </a:blip>
-          <a:srcRect/>
-          <a:stretch>
-            <a:fillRect/>
-          </a:stretch>
-        </p:blipFill>
-        <p:spPr bwMode="auto">
-          <a:xfrm>
-            <a:off x="131365" y="4805362"/>
-            <a:ext cx="2524125" cy="1317625"/>
-          </a:xfrm>
-          <a:prstGeom prst="rect">
-            <a:avLst/>
-          </a:prstGeom>
-          <a:noFill/>
-          <a:ln>
-            <a:noFill/>
-          </a:ln>
-          <a:extLst>
-            <a:ext uri="{909E8E84-426E-40DD-AFC4-6F175D3DCCD1}">
-              <a14:hiddenFill xmlns:a14="http://schemas.microsoft.com/office/drawing/2010/main">
-                <a:solidFill>
-                  <a:srgbClr val="FFFFFF"/>
-                </a:solidFill>
-              </a14:hiddenFill>
-            </a:ext>
-            <a:ext uri="{91240B29-F687-4F45-9708-019B960494DF}">
-              <a14:hiddenLine xmlns:a14="http://schemas.microsoft.com/office/drawing/2010/main" w="9525">
-                <a:solidFill>
-                  <a:srgbClr val="000000"/>
-                </a:solidFill>
-                <a:miter lim="800000"/>
-                <a:headEnd/>
-                <a:tailEnd/>
-              </a14:hiddenLine>
-            </a:ext>
-          </a:extLst>
-        </p:spPr>
-      </p:pic>
-    </p:spTree>
-  </p:cSld>
-  <p:clrMapOvr>
-    <a:masterClrMapping/>
-  </p:clrMapOvr>
-  <p:timing>
-    <p:tnLst>
-      <p:par>
-        <p:cTn id="1" dur="indefinite" restart="never" nodeType="tmRoot"/>
-      </p:par>
-    </p:tnLst>
-  </p:timing>
-</p:sld>
-</file>
-
-<file path=ppt/slides/slide20.xml><?xml version="1.0" encoding="utf-8"?>
+<file path=ppt/slides/slide26.xml><?xml version="1.0" encoding="utf-8"?>
 <p:sld xmlns:a="http://schemas.openxmlformats.org/drawingml/2006/main" xmlns:r="http://schemas.openxmlformats.org/officeDocument/2006/relationships" xmlns:p="http://schemas.openxmlformats.org/presentationml/2006/main">
   <p:cSld>
     <p:spTree>
@@ -12320,43 +11415,20 @@
           </p:nvPr>
         </p:nvSpPr>
         <p:spPr>
-          <a:xfrm rot="20706849">
-            <a:off x="2697481" y="2072640"/>
-            <a:ext cx="10131425" cy="1455738"/>
+          <a:xfrm>
+            <a:off x="2865814" y="2701131"/>
+            <a:ext cx="6460373" cy="1455738"/>
           </a:xfrm>
         </p:spPr>
         <p:txBody>
           <a:bodyPr/>
           <a:lstStyle/>
           <a:p>
+            <a:pPr algn="ctr"/>
             <a:r>
               <a:rPr lang="ru-RU" dirty="0" smtClean="0"/>
               <a:t>Спасибо за внимание!</a:t>
             </a:r>
-            <a:endParaRPr lang="ru-RU" dirty="0"/>
-          </a:p>
-        </p:txBody>
-      </p:sp>
-      <p:sp>
-        <p:nvSpPr>
-          <p:cNvPr id="3" name="Объект 2"/>
-          <p:cNvSpPr>
-            <a:spLocks noGrp="1"/>
-          </p:cNvSpPr>
-          <p:nvPr>
-            <p:ph idx="1"/>
-          </p:nvPr>
-        </p:nvSpPr>
-        <p:spPr>
-          <a:xfrm>
-            <a:off x="1417320" y="1556322"/>
-            <a:ext cx="10131425" cy="3649662"/>
-          </a:xfrm>
-        </p:spPr>
-        <p:txBody>
-          <a:bodyPr/>
-          <a:lstStyle/>
-          <a:p>
             <a:endParaRPr lang="ru-RU" dirty="0"/>
           </a:p>
         </p:txBody>
@@ -12465,11 +11537,7 @@
             </a:r>
             <a:r>
               <a:rPr lang="ru-RU" sz="3200" dirty="0"/>
-              <a:t>исследования: </a:t>
-            </a:r>
-            <a:r>
-              <a:rPr lang="ru-RU" sz="3200" dirty="0"/>
-              <a:t>фокусирующие поверхности</a:t>
+              <a:t>исследования: фокусирующие поверхности</a:t>
             </a:r>
             <a:r>
               <a:rPr lang="ru-RU" sz="3200" dirty="0" smtClean="0"/>
@@ -12483,11 +11551,7 @@
             </a:pPr>
             <a:r>
               <a:rPr lang="ru-RU" sz="3200" dirty="0"/>
-              <a:t>Предмет исследования: </a:t>
-            </a:r>
-            <a:r>
-              <a:rPr lang="ru-RU" sz="3200" dirty="0"/>
-              <a:t>оптические аберрации</a:t>
+              <a:t>Предмет исследования: оптические аберрации</a:t>
             </a:r>
             <a:r>
               <a:rPr lang="ru-RU" sz="3200" dirty="0" smtClean="0"/>
@@ -12540,8 +11604,8 @@
           <a:chExt cx="0" cy="0"/>
         </a:xfrm>
       </p:grpSpPr>
-      <mc:AlternateContent xmlns:mc="http://schemas.openxmlformats.org/markup-compatibility/2006">
-        <mc:Choice xmlns:a14="http://schemas.microsoft.com/office/drawing/2010/main" Requires="a14">
+      <mc:AlternateContent xmlns:mc="http://schemas.openxmlformats.org/markup-compatibility/2006" xmlns:a14="http://schemas.microsoft.com/office/drawing/2010/main">
+        <mc:Choice Requires="a14">
           <p:sp>
             <p:nvSpPr>
               <p:cNvPr id="4" name="Прямоугольник 3"/>
@@ -12563,6 +11627,7 @@
               </a:bodyPr>
               <a:lstStyle/>
               <a:p>
+                <a:pPr/>
                 <a14:m>
                   <m:oMathPara xmlns:m="http://schemas.openxmlformats.org/officeDocument/2006/math">
                     <m:oMathParaPr>
@@ -12570,45 +11635,61 @@
                     </m:oMathParaPr>
                     <m:oMath xmlns:m="http://schemas.openxmlformats.org/officeDocument/2006/math">
                       <m:r>
-                        <a:rPr lang="en-US" sz="3200" b="1" i="1"/>
+                        <a:rPr lang="en-US" sz="3200" b="1" i="1">
+                          <a:latin typeface="Cambria Math"/>
+                        </a:rPr>
                         <m:t>𝒕</m:t>
                       </m:r>
                       <m:r>
-                        <a:rPr lang="en-US" sz="3200" i="1"/>
+                        <a:rPr lang="en-US" sz="3200" i="1">
+                          <a:latin typeface="Cambria Math"/>
+                        </a:rPr>
                         <m:t>=</m:t>
                       </m:r>
                       <m:f>
                         <m:fPr>
                           <m:ctrlPr>
-                            <a:rPr lang="ru-RU" sz="3200" i="1"/>
+                            <a:rPr lang="ru-RU" sz="3200" i="1">
+                              <a:latin typeface="Cambria Math"/>
+                            </a:rPr>
                           </m:ctrlPr>
                         </m:fPr>
                         <m:num>
                           <m:r>
-                            <a:rPr lang="en-US" sz="3200" i="1"/>
+                            <a:rPr lang="en-US" sz="3200" i="1">
+                              <a:latin typeface="Cambria Math"/>
+                            </a:rPr>
                             <m:t>𝑙</m:t>
                           </m:r>
                         </m:num>
                         <m:den>
                           <m:r>
-                            <a:rPr lang="en-US" sz="3200" i="1"/>
+                            <a:rPr lang="en-US" sz="3200" i="1">
+                              <a:latin typeface="Cambria Math"/>
+                            </a:rPr>
                             <m:t>𝑣</m:t>
                           </m:r>
                         </m:den>
                       </m:f>
                       <m:r>
-                        <a:rPr lang="en-US" sz="3200" i="1"/>
+                        <a:rPr lang="en-US" sz="3200" i="1">
+                          <a:latin typeface="Cambria Math"/>
+                        </a:rPr>
                         <m:t>= </m:t>
                       </m:r>
                       <m:f>
                         <m:fPr>
                           <m:ctrlPr>
-                            <a:rPr lang="ru-RU" sz="3200" i="1"/>
+                            <a:rPr lang="ru-RU" sz="3200" i="1">
+                              <a:latin typeface="Cambria Math"/>
+                            </a:rPr>
                           </m:ctrlPr>
                         </m:fPr>
                         <m:num>
                           <m:r>
-                            <a:rPr lang="en-US" sz="3200" i="1"/>
+                            <a:rPr lang="en-US" sz="3200" i="1">
+                              <a:latin typeface="Cambria Math"/>
+                            </a:rPr>
                             <m:t>𝑙</m:t>
                           </m:r>
                         </m:num>
@@ -12616,18 +11697,24 @@
                           <m:f>
                             <m:fPr>
                               <m:ctrlPr>
-                                <a:rPr lang="ru-RU" sz="3200" i="1"/>
+                                <a:rPr lang="ru-RU" sz="3200" i="1">
+                                  <a:latin typeface="Cambria Math"/>
+                                </a:rPr>
                               </m:ctrlPr>
                             </m:fPr>
                             <m:num>
                               <m:r>
-                                <a:rPr lang="en-US" sz="3200" i="1"/>
+                                <a:rPr lang="en-US" sz="3200" i="1">
+                                  <a:latin typeface="Cambria Math"/>
+                                </a:rPr>
                                 <m:t>𝑐</m:t>
                               </m:r>
                             </m:num>
                             <m:den>
                               <m:r>
-                                <a:rPr lang="en-US" sz="3200" i="1"/>
+                                <a:rPr lang="en-US" sz="3200" i="1">
+                                  <a:latin typeface="Cambria Math"/>
+                                </a:rPr>
                                 <m:t>𝑛</m:t>
                               </m:r>
                             </m:den>
@@ -12635,30 +11722,40 @@
                         </m:den>
                       </m:f>
                       <m:r>
-                        <a:rPr lang="en-US" sz="3200" i="1"/>
+                        <a:rPr lang="en-US" sz="3200" i="1">
+                          <a:latin typeface="Cambria Math"/>
+                        </a:rPr>
                         <m:t>=</m:t>
                       </m:r>
                       <m:f>
                         <m:fPr>
                           <m:ctrlPr>
-                            <a:rPr lang="ru-RU" sz="3200" b="1" i="1"/>
+                            <a:rPr lang="ru-RU" sz="3200" b="1" i="1">
+                              <a:latin typeface="Cambria Math"/>
+                            </a:rPr>
                           </m:ctrlPr>
                         </m:fPr>
                         <m:num>
                           <m:r>
-                            <a:rPr lang="en-US" sz="3200" b="1" i="1"/>
+                            <a:rPr lang="en-US" sz="3200" b="1" i="1">
+                              <a:latin typeface="Cambria Math"/>
+                            </a:rPr>
                             <m:t>𝒍𝒏</m:t>
                           </m:r>
                         </m:num>
                         <m:den>
                           <m:r>
-                            <a:rPr lang="en-US" sz="3200" b="1" i="1"/>
+                            <a:rPr lang="en-US" sz="3200" b="1" i="1">
+                              <a:latin typeface="Cambria Math"/>
+                            </a:rPr>
                             <m:t>𝒄</m:t>
                           </m:r>
                         </m:den>
                       </m:f>
                       <m:r>
-                        <a:rPr lang="en-US" sz="3200" i="1"/>
+                        <a:rPr lang="en-US" sz="3200" i="1">
+                          <a:latin typeface="Cambria Math"/>
+                        </a:rPr>
                         <m:t> </m:t>
                       </m:r>
                     </m:oMath>
@@ -12669,7 +11766,7 @@
             </p:txBody>
           </p:sp>
         </mc:Choice>
-        <mc:Fallback>
+        <mc:Fallback xmlns="">
           <p:sp>
             <p:nvSpPr>
               <p:cNvPr id="4" name="Прямоугольник 3"/>
@@ -12708,8 +11805,8 @@
           </p:sp>
         </mc:Fallback>
       </mc:AlternateContent>
-      <mc:AlternateContent xmlns:mc="http://schemas.openxmlformats.org/markup-compatibility/2006">
-        <mc:Choice xmlns:a14="http://schemas.microsoft.com/office/drawing/2010/main" Requires="a14">
+      <mc:AlternateContent xmlns:mc="http://schemas.openxmlformats.org/markup-compatibility/2006" xmlns:a14="http://schemas.microsoft.com/office/drawing/2010/main">
+        <mc:Choice Requires="a14">
           <p:sp>
             <p:nvSpPr>
               <p:cNvPr id="5" name="TextBox 4"/>
@@ -12781,7 +11878,7 @@
             </p:txBody>
           </p:sp>
         </mc:Choice>
-        <mc:Fallback>
+        <mc:Fallback xmlns="">
           <p:sp>
             <p:nvSpPr>
               <p:cNvPr id="5" name="TextBox 4"/>
@@ -12854,8 +11951,8 @@
           </a:p>
         </p:txBody>
       </p:sp>
-      <mc:AlternateContent xmlns:mc="http://schemas.openxmlformats.org/markup-compatibility/2006">
-        <mc:Choice xmlns:a14="http://schemas.microsoft.com/office/drawing/2010/main" Requires="a14">
+      <mc:AlternateContent xmlns:mc="http://schemas.openxmlformats.org/markup-compatibility/2006" xmlns:a14="http://schemas.microsoft.com/office/drawing/2010/main">
+        <mc:Choice Requires="a14">
           <p:sp>
             <p:nvSpPr>
               <p:cNvPr id="7" name="Прямоугольник 6"/>
@@ -12877,6 +11974,7 @@
               </a:bodyPr>
               <a:lstStyle/>
               <a:p>
+                <a:pPr/>
                 <a14:m>
                   <m:oMathPara xmlns:m="http://schemas.openxmlformats.org/officeDocument/2006/math">
                     <m:oMathParaPr>
@@ -12886,18 +11984,24 @@
                       <m:sSub>
                         <m:sSubPr>
                           <m:ctrlPr>
-                            <a:rPr lang="ru-RU" sz="3200" i="1"/>
+                            <a:rPr lang="ru-RU" sz="3200" i="1">
+                              <a:latin typeface="Cambria Math"/>
+                            </a:rPr>
                           </m:ctrlPr>
                         </m:sSubPr>
                         <m:e>
                           <m:r>
-                            <a:rPr lang="en-US" sz="3200" i="1"/>
+                            <a:rPr lang="en-US" sz="3200" i="1">
+                              <a:latin typeface="Cambria Math"/>
+                            </a:rPr>
                             <m:t>𝑙</m:t>
                           </m:r>
                         </m:e>
                         <m:sub>
                           <m:r>
-                            <a:rPr lang="en-US" sz="3200"/>
+                            <a:rPr lang="en-US" sz="3200">
+                              <a:latin typeface="Cambria Math"/>
+                            </a:rPr>
                             <m:t>1</m:t>
                           </m:r>
                         </m:sub>
@@ -12905,41 +12009,55 @@
                       <m:sSub>
                         <m:sSubPr>
                           <m:ctrlPr>
-                            <a:rPr lang="ru-RU" sz="3200" i="1"/>
+                            <a:rPr lang="ru-RU" sz="3200" i="1">
+                              <a:latin typeface="Cambria Math"/>
+                            </a:rPr>
                           </m:ctrlPr>
                         </m:sSubPr>
                         <m:e>
                           <m:r>
-                            <a:rPr lang="en-US" sz="3200" i="1"/>
+                            <a:rPr lang="en-US" sz="3200" i="1">
+                              <a:latin typeface="Cambria Math"/>
+                            </a:rPr>
                             <m:t>𝑛</m:t>
                           </m:r>
                         </m:e>
                         <m:sub>
                           <m:r>
-                            <a:rPr lang="en-US" sz="3200"/>
+                            <a:rPr lang="en-US" sz="3200">
+                              <a:latin typeface="Cambria Math"/>
+                            </a:rPr>
                             <m:t>1</m:t>
                           </m:r>
                         </m:sub>
                       </m:sSub>
                       <m:r>
-                        <a:rPr lang="en-US" sz="3200"/>
+                        <a:rPr lang="en-US" sz="3200">
+                          <a:latin typeface="Cambria Math"/>
+                        </a:rPr>
                         <m:t>= </m:t>
                       </m:r>
                       <m:sSub>
                         <m:sSubPr>
                           <m:ctrlPr>
-                            <a:rPr lang="ru-RU" sz="3200" i="1"/>
+                            <a:rPr lang="ru-RU" sz="3200" i="1">
+                              <a:latin typeface="Cambria Math"/>
+                            </a:rPr>
                           </m:ctrlPr>
                         </m:sSubPr>
                         <m:e>
                           <m:r>
-                            <a:rPr lang="en-US" sz="3200" i="1"/>
+                            <a:rPr lang="en-US" sz="3200" i="1">
+                              <a:latin typeface="Cambria Math"/>
+                            </a:rPr>
                             <m:t>𝑙</m:t>
                           </m:r>
                         </m:e>
                         <m:sub>
                           <m:r>
-                            <a:rPr lang="en-US" sz="3200" i="1"/>
+                            <a:rPr lang="en-US" sz="3200" i="1">
+                              <a:latin typeface="Cambria Math"/>
+                            </a:rPr>
                             <m:t>2</m:t>
                           </m:r>
                         </m:sub>
@@ -12947,18 +12065,24 @@
                       <m:sSub>
                         <m:sSubPr>
                           <m:ctrlPr>
-                            <a:rPr lang="ru-RU" sz="3200" i="1"/>
+                            <a:rPr lang="ru-RU" sz="3200" i="1">
+                              <a:latin typeface="Cambria Math"/>
+                            </a:rPr>
                           </m:ctrlPr>
                         </m:sSubPr>
                         <m:e>
                           <m:r>
-                            <a:rPr lang="en-US" sz="3200" i="1"/>
+                            <a:rPr lang="en-US" sz="3200" i="1">
+                              <a:latin typeface="Cambria Math"/>
+                            </a:rPr>
                             <m:t>𝑛</m:t>
                           </m:r>
                         </m:e>
                         <m:sub>
                           <m:r>
-                            <a:rPr lang="en-US" sz="3200" i="1"/>
+                            <a:rPr lang="en-US" sz="3200" i="1">
+                              <a:latin typeface="Cambria Math"/>
+                            </a:rPr>
                             <m:t>2</m:t>
                           </m:r>
                         </m:sub>
@@ -12971,7 +12095,7 @@
             </p:txBody>
           </p:sp>
         </mc:Choice>
-        <mc:Fallback>
+        <mc:Fallback xmlns="">
           <p:sp>
             <p:nvSpPr>
               <p:cNvPr id="7" name="Прямоугольник 6"/>
@@ -13089,7 +12213,7 @@
           <a:graphicData uri="http://schemas.openxmlformats.org/presentationml/2006/ole">
             <mc:AlternateContent xmlns:mc="http://schemas.openxmlformats.org/markup-compatibility/2006">
               <mc:Choice xmlns:v="urn:schemas-microsoft-com:vml" Requires="v">
-                <p:oleObj spid="_x0000_s2058" name="Image" r:id="rId3" imgW="0" imgH="0" progId="Photoshop.Image.13">
+                <p:oleObj spid="_x0000_s2061" name="Image" r:id="rId3" imgW="0" imgH="0" progId="Photoshop.Image.13">
                   <p:embed/>
                 </p:oleObj>
               </mc:Choice>
@@ -13143,8 +12267,8 @@
           </a:graphicData>
         </a:graphic>
       </p:graphicFrame>
-      <mc:AlternateContent xmlns:mc="http://schemas.openxmlformats.org/markup-compatibility/2006">
-        <mc:Choice xmlns:a14="http://schemas.microsoft.com/office/drawing/2010/main" Requires="a14">
+      <mc:AlternateContent xmlns:mc="http://schemas.openxmlformats.org/markup-compatibility/2006" xmlns:a14="http://schemas.microsoft.com/office/drawing/2010/main">
+        <mc:Choice Requires="a14">
           <p:sp>
             <p:nvSpPr>
               <p:cNvPr id="7" name="Прямоугольник 6"/>
@@ -13166,6 +12290,7 @@
               </a:bodyPr>
               <a:lstStyle/>
               <a:p>
+                <a:pPr/>
                 <a14:m>
                   <m:oMathPara xmlns:m="http://schemas.openxmlformats.org/officeDocument/2006/math">
                     <m:oMathParaPr>
@@ -13175,105 +12300,143 @@
                       <m:sSub>
                         <m:sSubPr>
                           <m:ctrlPr>
-                            <a:rPr lang="ru-RU" sz="3200" i="1"/>
+                            <a:rPr lang="ru-RU" sz="3200" i="1">
+                              <a:latin typeface="Cambria Math"/>
+                            </a:rPr>
                           </m:ctrlPr>
                         </m:sSubPr>
                         <m:e>
                           <m:r>
-                            <a:rPr lang="en-US" sz="3200" i="1"/>
+                            <a:rPr lang="en-US" sz="3200" i="1">
+                              <a:latin typeface="Cambria Math"/>
+                            </a:rPr>
                             <m:t>𝑙</m:t>
                           </m:r>
                         </m:e>
                         <m:sub>
                           <m:r>
-                            <a:rPr lang="en-US" sz="3200" i="1"/>
+                            <a:rPr lang="en-US" sz="3200" i="1">
+                              <a:latin typeface="Cambria Math"/>
+                            </a:rPr>
                             <m:t>11</m:t>
                           </m:r>
                         </m:sub>
                       </m:sSub>
                       <m:r>
-                        <a:rPr lang="en-US" sz="3200" i="1"/>
+                        <a:rPr lang="en-US" sz="3200" i="1">
+                          <a:latin typeface="Cambria Math"/>
+                        </a:rPr>
                         <m:t>+ </m:t>
                       </m:r>
                       <m:sSub>
                         <m:sSubPr>
                           <m:ctrlPr>
-                            <a:rPr lang="ru-RU" sz="3200" i="1"/>
+                            <a:rPr lang="ru-RU" sz="3200" i="1">
+                              <a:latin typeface="Cambria Math"/>
+                            </a:rPr>
                           </m:ctrlPr>
                         </m:sSubPr>
                         <m:e>
                           <m:r>
-                            <a:rPr lang="en-US" sz="3200" i="1"/>
+                            <a:rPr lang="en-US" sz="3200" i="1">
+                              <a:latin typeface="Cambria Math"/>
+                            </a:rPr>
                             <m:t>𝑙</m:t>
                           </m:r>
                         </m:e>
                         <m:sub>
                           <m:r>
-                            <a:rPr lang="en-US" sz="3200" i="1"/>
+                            <a:rPr lang="en-US" sz="3200" i="1">
+                              <a:latin typeface="Cambria Math"/>
+                            </a:rPr>
                             <m:t>12 </m:t>
                           </m:r>
                         </m:sub>
                       </m:sSub>
                       <m:r>
-                        <a:rPr lang="en-US" sz="3200" i="1"/>
+                        <a:rPr lang="en-US" sz="3200" i="1">
+                          <a:latin typeface="Cambria Math"/>
+                        </a:rPr>
                         <m:t>∙</m:t>
                       </m:r>
                       <m:r>
-                        <a:rPr lang="en-US" sz="3200" i="1"/>
+                        <a:rPr lang="en-US" sz="3200" i="1">
+                          <a:latin typeface="Cambria Math"/>
+                        </a:rPr>
                         <m:t>𝑛</m:t>
                       </m:r>
                       <m:r>
-                        <a:rPr lang="en-US" sz="3200" i="1"/>
+                        <a:rPr lang="en-US" sz="3200" i="1">
+                          <a:latin typeface="Cambria Math"/>
+                        </a:rPr>
                         <m:t>= </m:t>
                       </m:r>
                       <m:sSub>
                         <m:sSubPr>
                           <m:ctrlPr>
-                            <a:rPr lang="ru-RU" sz="3200" i="1"/>
+                            <a:rPr lang="ru-RU" sz="3200" i="1">
+                              <a:latin typeface="Cambria Math"/>
+                            </a:rPr>
                           </m:ctrlPr>
                         </m:sSubPr>
                         <m:e>
                           <m:r>
-                            <a:rPr lang="en-US" sz="3200" i="1"/>
+                            <a:rPr lang="en-US" sz="3200" i="1">
+                              <a:latin typeface="Cambria Math"/>
+                            </a:rPr>
                             <m:t>𝑙</m:t>
                           </m:r>
                         </m:e>
                         <m:sub>
                           <m:r>
-                            <a:rPr lang="en-US" sz="3200" i="1"/>
+                            <a:rPr lang="en-US" sz="3200" i="1">
+                              <a:latin typeface="Cambria Math"/>
+                            </a:rPr>
                             <m:t>21</m:t>
                           </m:r>
                         </m:sub>
                       </m:sSub>
                       <m:r>
-                        <a:rPr lang="en-US" sz="3200" i="1"/>
+                        <a:rPr lang="en-US" sz="3200" i="1">
+                          <a:latin typeface="Cambria Math"/>
+                        </a:rPr>
                         <m:t>+ </m:t>
                       </m:r>
                       <m:sSub>
                         <m:sSubPr>
                           <m:ctrlPr>
-                            <a:rPr lang="ru-RU" sz="3200" i="1"/>
+                            <a:rPr lang="ru-RU" sz="3200" i="1">
+                              <a:latin typeface="Cambria Math"/>
+                            </a:rPr>
                           </m:ctrlPr>
                         </m:sSubPr>
                         <m:e>
                           <m:r>
-                            <a:rPr lang="en-US" sz="3200" i="1"/>
+                            <a:rPr lang="en-US" sz="3200" i="1">
+                              <a:latin typeface="Cambria Math"/>
+                            </a:rPr>
                             <m:t>𝑙</m:t>
                           </m:r>
                         </m:e>
                         <m:sub>
                           <m:r>
-                            <a:rPr lang="en-US" sz="3200" i="1"/>
+                            <a:rPr lang="en-US" sz="3200" i="1">
+                              <a:latin typeface="Cambria Math"/>
+                            </a:rPr>
                             <m:t>22</m:t>
                           </m:r>
                         </m:sub>
                       </m:sSub>
                       <m:r>
-                        <a:rPr lang="en-US" sz="3200" i="1"/>
+                        <a:rPr lang="en-US" sz="3200" i="1">
+                          <a:latin typeface="Cambria Math"/>
+                        </a:rPr>
                         <m:t> ∙</m:t>
                       </m:r>
                       <m:r>
-                        <a:rPr lang="en-US" sz="3200" i="1"/>
+                        <a:rPr lang="en-US" sz="3200" i="1">
+                          <a:latin typeface="Cambria Math"/>
+                        </a:rPr>
                         <m:t>𝑛</m:t>
                       </m:r>
                     </m:oMath>
@@ -13284,7 +12447,7 @@
             </p:txBody>
           </p:sp>
         </mc:Choice>
-        <mc:Fallback>
+        <mc:Fallback xmlns="">
           <p:sp>
             <p:nvSpPr>
               <p:cNvPr id="7" name="Прямоугольник 6"/>
@@ -13405,8 +12568,8 @@
           </a:extLst>
         </p:spPr>
       </p:pic>
-      <mc:AlternateContent xmlns:mc="http://schemas.openxmlformats.org/markup-compatibility/2006">
-        <mc:Choice xmlns:a14="http://schemas.microsoft.com/office/drawing/2010/main" Requires="a14">
+      <mc:AlternateContent xmlns:mc="http://schemas.openxmlformats.org/markup-compatibility/2006" xmlns:a14="http://schemas.microsoft.com/office/drawing/2010/main">
+        <mc:Choice Requires="a14">
           <p:sp>
             <p:nvSpPr>
               <p:cNvPr id="9" name="Прямоугольник 8"/>
@@ -13428,6 +12591,7 @@
               </a:bodyPr>
               <a:lstStyle/>
               <a:p>
+                <a:pPr/>
                 <a14:m>
                   <m:oMathPara xmlns:m="http://schemas.openxmlformats.org/officeDocument/2006/math">
                     <m:oMathParaPr>
@@ -13435,34 +12599,48 @@
                     </m:oMathParaPr>
                     <m:oMath xmlns:m="http://schemas.openxmlformats.org/officeDocument/2006/math">
                       <m:r>
-                        <a:rPr lang="ru-RU" sz="3200" i="1"/>
+                        <a:rPr lang="ru-RU" sz="3200" i="1">
+                          <a:latin typeface="Cambria Math"/>
+                        </a:rPr>
                         <m:t>𝐹</m:t>
                       </m:r>
                       <m:r>
-                        <a:rPr lang="ru-RU" sz="3200" i="1"/>
+                        <a:rPr lang="ru-RU" sz="3200" i="1">
+                          <a:latin typeface="Cambria Math"/>
+                        </a:rPr>
                         <m:t> ∙</m:t>
                       </m:r>
                       <m:r>
-                        <a:rPr lang="ru-RU" sz="3200" i="1"/>
+                        <a:rPr lang="ru-RU" sz="3200" i="1">
+                          <a:latin typeface="Cambria Math"/>
+                        </a:rPr>
                         <m:t>𝑛</m:t>
                       </m:r>
                       <m:r>
-                        <a:rPr lang="ru-RU" sz="3200" i="1"/>
+                        <a:rPr lang="ru-RU" sz="3200" i="1">
+                          <a:latin typeface="Cambria Math"/>
+                        </a:rPr>
                         <m:t>=</m:t>
                       </m:r>
                       <m:r>
-                        <a:rPr lang="ru-RU" sz="3200" i="1"/>
+                        <a:rPr lang="ru-RU" sz="3200" i="1">
+                          <a:latin typeface="Cambria Math"/>
+                        </a:rPr>
                         <m:t>𝑦</m:t>
                       </m:r>
                       <m:r>
-                        <a:rPr lang="ru-RU" sz="3200" i="1"/>
+                        <a:rPr lang="ru-RU" sz="3200" i="1">
+                          <a:latin typeface="Cambria Math"/>
+                        </a:rPr>
                         <m:t>+ </m:t>
                       </m:r>
                       <m:rad>
                         <m:radPr>
                           <m:degHide m:val="on"/>
                           <m:ctrlPr>
-                            <a:rPr lang="ru-RU" sz="3200" i="1"/>
+                            <a:rPr lang="ru-RU" sz="3200" i="1">
+                              <a:latin typeface="Cambria Math"/>
+                            </a:rPr>
                           </m:ctrlPr>
                         </m:radPr>
                         <m:deg/>
@@ -13470,27 +12648,37 @@
                           <m:sSup>
                             <m:sSupPr>
                               <m:ctrlPr>
-                                <a:rPr lang="ru-RU" sz="3200" i="1"/>
+                                <a:rPr lang="ru-RU" sz="3200" i="1">
+                                  <a:latin typeface="Cambria Math"/>
+                                </a:rPr>
                               </m:ctrlPr>
                             </m:sSupPr>
                             <m:e>
                               <m:d>
                                 <m:dPr>
                                   <m:ctrlPr>
-                                    <a:rPr lang="ru-RU" sz="3200" i="1"/>
+                                    <a:rPr lang="ru-RU" sz="3200" i="1">
+                                      <a:latin typeface="Cambria Math"/>
+                                    </a:rPr>
                                   </m:ctrlPr>
                                 </m:dPr>
                                 <m:e>
                                   <m:r>
-                                    <a:rPr lang="ru-RU" sz="3200" i="1"/>
+                                    <a:rPr lang="ru-RU" sz="3200" i="1">
+                                      <a:latin typeface="Cambria Math"/>
+                                    </a:rPr>
                                     <m:t>𝐹</m:t>
                                   </m:r>
                                   <m:r>
-                                    <a:rPr lang="ru-RU" sz="3200" i="1"/>
+                                    <a:rPr lang="ru-RU" sz="3200" i="1">
+                                      <a:latin typeface="Cambria Math"/>
+                                    </a:rPr>
                                     <m:t>−</m:t>
                                   </m:r>
                                   <m:r>
-                                    <a:rPr lang="ru-RU" sz="3200" i="1"/>
+                                    <a:rPr lang="ru-RU" sz="3200" i="1">
+                                      <a:latin typeface="Cambria Math"/>
+                                    </a:rPr>
                                     <m:t>𝑦</m:t>
                                   </m:r>
                                 </m:e>
@@ -13498,30 +12686,40 @@
                             </m:e>
                             <m:sup>
                               <m:r>
-                                <a:rPr lang="ru-RU" sz="3200" i="1"/>
+                                <a:rPr lang="ru-RU" sz="3200" i="1">
+                                  <a:latin typeface="Cambria Math"/>
+                                </a:rPr>
                                 <m:t>2</m:t>
                               </m:r>
                             </m:sup>
                           </m:sSup>
                           <m:r>
-                            <a:rPr lang="ru-RU" sz="3200" i="1"/>
+                            <a:rPr lang="ru-RU" sz="3200" i="1">
+                              <a:latin typeface="Cambria Math"/>
+                            </a:rPr>
                             <m:t>+ </m:t>
                           </m:r>
                           <m:sSup>
                             <m:sSupPr>
                               <m:ctrlPr>
-                                <a:rPr lang="ru-RU" sz="3200" i="1"/>
+                                <a:rPr lang="ru-RU" sz="3200" i="1">
+                                  <a:latin typeface="Cambria Math"/>
+                                </a:rPr>
                               </m:ctrlPr>
                             </m:sSupPr>
                             <m:e>
                               <m:r>
-                                <a:rPr lang="ru-RU" sz="3200" i="1"/>
+                                <a:rPr lang="ru-RU" sz="3200" i="1">
+                                  <a:latin typeface="Cambria Math"/>
+                                </a:rPr>
                                 <m:t>𝑥</m:t>
                               </m:r>
                             </m:e>
                             <m:sup>
                               <m:r>
-                                <a:rPr lang="ru-RU" sz="3200" i="1"/>
+                                <a:rPr lang="ru-RU" sz="3200" i="1">
+                                  <a:latin typeface="Cambria Math"/>
+                                </a:rPr>
                                 <m:t>2</m:t>
                               </m:r>
                             </m:sup>
@@ -13529,11 +12727,15 @@
                         </m:e>
                       </m:rad>
                       <m:r>
-                        <a:rPr lang="ru-RU" sz="3200" i="1"/>
+                        <a:rPr lang="ru-RU" sz="3200" i="1">
+                          <a:latin typeface="Cambria Math"/>
+                        </a:rPr>
                         <m:t> ∙</m:t>
                       </m:r>
                       <m:r>
-                        <a:rPr lang="ru-RU" sz="3200" i="1"/>
+                        <a:rPr lang="ru-RU" sz="3200" i="1">
+                          <a:latin typeface="Cambria Math"/>
+                        </a:rPr>
                         <m:t>𝑛</m:t>
                       </m:r>
                     </m:oMath>
@@ -13544,7 +12746,7 @@
             </p:txBody>
           </p:sp>
         </mc:Choice>
-        <mc:Fallback>
+        <mc:Fallback xmlns="">
           <p:sp>
             <p:nvSpPr>
               <p:cNvPr id="9" name="Прямоугольник 8"/>
@@ -13675,8 +12877,8 @@
           </a:ln>
         </p:spPr>
       </p:pic>
-      <mc:AlternateContent xmlns:mc="http://schemas.openxmlformats.org/markup-compatibility/2006">
-        <mc:Choice xmlns:a14="http://schemas.microsoft.com/office/drawing/2010/main" Requires="a14">
+      <mc:AlternateContent xmlns:mc="http://schemas.openxmlformats.org/markup-compatibility/2006" xmlns:a14="http://schemas.microsoft.com/office/drawing/2010/main">
+        <mc:Choice Requires="a14">
           <p:sp>
             <p:nvSpPr>
               <p:cNvPr id="5" name="Прямоугольник 4"/>
@@ -13885,7 +13087,7 @@
             </p:txBody>
           </p:sp>
         </mc:Choice>
-        <mc:Fallback>
+        <mc:Fallback xmlns="">
           <p:sp>
             <p:nvSpPr>
               <p:cNvPr id="5" name="Прямоугольник 4"/>
@@ -13924,8 +13126,8 @@
           </p:sp>
         </mc:Fallback>
       </mc:AlternateContent>
-      <mc:AlternateContent xmlns:mc="http://schemas.openxmlformats.org/markup-compatibility/2006">
-        <mc:Choice xmlns:a14="http://schemas.microsoft.com/office/drawing/2010/main" Requires="a14">
+      <mc:AlternateContent xmlns:mc="http://schemas.openxmlformats.org/markup-compatibility/2006" xmlns:a14="http://schemas.microsoft.com/office/drawing/2010/main">
+        <mc:Choice Requires="a14">
           <p:sp>
             <p:nvSpPr>
               <p:cNvPr id="7" name="Прямоугольник 6"/>
@@ -14100,7 +13302,7 @@
             </p:txBody>
           </p:sp>
         </mc:Choice>
-        <mc:Fallback>
+        <mc:Fallback xmlns="">
           <p:sp>
             <p:nvSpPr>
               <p:cNvPr id="7" name="Прямоугольник 6"/>
@@ -14205,7 +13407,6 @@
               <a:rPr lang="ru-RU" dirty="0"/>
               <a:t>эллипса</a:t>
             </a:r>
-            <a:endParaRPr lang="ru-RU" dirty="0"/>
           </a:p>
         </p:txBody>
       </p:sp>
@@ -14250,8 +13451,8 @@
           </a:extLst>
         </p:spPr>
       </p:pic>
-      <mc:AlternateContent xmlns:mc="http://schemas.openxmlformats.org/markup-compatibility/2006">
-        <mc:Choice xmlns:a14="http://schemas.microsoft.com/office/drawing/2010/main" Requires="a14">
+      <mc:AlternateContent xmlns:mc="http://schemas.openxmlformats.org/markup-compatibility/2006" xmlns:a14="http://schemas.microsoft.com/office/drawing/2010/main">
+        <mc:Choice Requires="a14">
           <p:sp>
             <p:nvSpPr>
               <p:cNvPr id="4" name="Прямоугольник 3"/>
@@ -14273,6 +13474,7 @@
               </a:bodyPr>
               <a:lstStyle/>
               <a:p>
+                <a:pPr/>
                 <a14:m>
                   <m:oMathPara xmlns:m="http://schemas.openxmlformats.org/officeDocument/2006/math">
                     <m:oMathParaPr>
@@ -14282,64 +13484,86 @@
                       <m:sSup>
                         <m:sSupPr>
                           <m:ctrlPr>
-                            <a:rPr lang="ru-RU" sz="3200" i="1"/>
+                            <a:rPr lang="ru-RU" sz="3200" i="1">
+                              <a:latin typeface="Cambria Math"/>
+                            </a:rPr>
                           </m:ctrlPr>
                         </m:sSupPr>
                         <m:e>
                           <m:r>
-                            <a:rPr lang="ru-RU" sz="3200" i="1"/>
+                            <a:rPr lang="ru-RU" sz="3200" i="1">
+                              <a:latin typeface="Cambria Math"/>
+                            </a:rPr>
                             <m:t>𝑐</m:t>
                           </m:r>
                         </m:e>
                         <m:sup>
                           <m:r>
-                            <a:rPr lang="ru-RU" sz="3200" i="1"/>
+                            <a:rPr lang="ru-RU" sz="3200" i="1">
+                              <a:latin typeface="Cambria Math"/>
+                            </a:rPr>
                             <m:t>2</m:t>
                           </m:r>
                         </m:sup>
                       </m:sSup>
                       <m:r>
-                        <a:rPr lang="ru-RU" sz="3200" i="1"/>
+                        <a:rPr lang="ru-RU" sz="3200" i="1">
+                          <a:latin typeface="Cambria Math"/>
+                        </a:rPr>
                         <m:t>=</m:t>
                       </m:r>
                       <m:sSup>
                         <m:sSupPr>
                           <m:ctrlPr>
-                            <a:rPr lang="ru-RU" sz="3200" i="1"/>
+                            <a:rPr lang="ru-RU" sz="3200" i="1">
+                              <a:latin typeface="Cambria Math"/>
+                            </a:rPr>
                           </m:ctrlPr>
                         </m:sSupPr>
                         <m:e>
                           <m:r>
-                            <a:rPr lang="ru-RU" sz="3200" i="1"/>
+                            <a:rPr lang="ru-RU" sz="3200" i="1">
+                              <a:latin typeface="Cambria Math"/>
+                            </a:rPr>
                             <m:t>𝑎</m:t>
                           </m:r>
                         </m:e>
                         <m:sup>
                           <m:r>
-                            <a:rPr lang="ru-RU" sz="3200" i="1"/>
+                            <a:rPr lang="ru-RU" sz="3200" i="1">
+                              <a:latin typeface="Cambria Math"/>
+                            </a:rPr>
                             <m:t>2</m:t>
                           </m:r>
                         </m:sup>
                       </m:sSup>
                       <m:r>
-                        <a:rPr lang="ru-RU" sz="3200" i="1"/>
+                        <a:rPr lang="ru-RU" sz="3200" i="1">
+                          <a:latin typeface="Cambria Math"/>
+                        </a:rPr>
                         <m:t>−</m:t>
                       </m:r>
                       <m:sSup>
                         <m:sSupPr>
                           <m:ctrlPr>
-                            <a:rPr lang="ru-RU" sz="3200" i="1"/>
+                            <a:rPr lang="ru-RU" sz="3200" i="1">
+                              <a:latin typeface="Cambria Math"/>
+                            </a:rPr>
                           </m:ctrlPr>
                         </m:sSupPr>
                         <m:e>
                           <m:r>
-                            <a:rPr lang="ru-RU" sz="3200" i="1"/>
+                            <a:rPr lang="ru-RU" sz="3200" i="1">
+                              <a:latin typeface="Cambria Math"/>
+                            </a:rPr>
                             <m:t>𝑏</m:t>
                           </m:r>
                         </m:e>
                         <m:sup>
                           <m:r>
-                            <a:rPr lang="ru-RU" sz="3200" i="1"/>
+                            <a:rPr lang="ru-RU" sz="3200" i="1">
+                              <a:latin typeface="Cambria Math"/>
+                            </a:rPr>
                             <m:t>2</m:t>
                           </m:r>
                         </m:sup>
@@ -14352,7 +13576,7 @@
             </p:txBody>
           </p:sp>
         </mc:Choice>
-        <mc:Fallback>
+        <mc:Fallback xmlns="">
           <p:sp>
             <p:nvSpPr>
               <p:cNvPr id="4" name="Прямоугольник 3"/>
@@ -14391,8 +13615,8 @@
           </p:sp>
         </mc:Fallback>
       </mc:AlternateContent>
-      <mc:AlternateContent xmlns:mc="http://schemas.openxmlformats.org/markup-compatibility/2006">
-        <mc:Choice xmlns:a14="http://schemas.microsoft.com/office/drawing/2010/main" Requires="a14">
+      <mc:AlternateContent xmlns:mc="http://schemas.openxmlformats.org/markup-compatibility/2006" xmlns:a14="http://schemas.microsoft.com/office/drawing/2010/main">
+        <mc:Choice Requires="a14">
           <p:sp>
             <p:nvSpPr>
               <p:cNvPr id="5" name="Прямоугольник 4"/>
@@ -14414,6 +13638,7 @@
               </a:bodyPr>
               <a:lstStyle/>
               <a:p>
+                <a:pPr/>
                 <a14:m>
                   <m:oMathPara xmlns:m="http://schemas.openxmlformats.org/officeDocument/2006/math">
                     <m:oMathParaPr>
@@ -14421,40 +13646,54 @@
                     </m:oMathParaPr>
                     <m:oMath xmlns:m="http://schemas.openxmlformats.org/officeDocument/2006/math">
                       <m:r>
-                        <a:rPr lang="en-US" sz="3200" i="1" smtClean="0"/>
+                        <a:rPr lang="en-US" sz="3200" i="1" smtClean="0">
+                          <a:latin typeface="Cambria Math"/>
+                        </a:rPr>
                         <m:t>𝜀</m:t>
                       </m:r>
                       <m:r>
-                        <a:rPr lang="en-US" sz="3200" i="1" smtClean="0"/>
+                        <a:rPr lang="en-US" sz="3200" i="1" smtClean="0">
+                          <a:latin typeface="Cambria Math"/>
+                        </a:rPr>
                         <m:t>= </m:t>
                       </m:r>
                       <m:f>
                         <m:fPr>
                           <m:ctrlPr>
-                            <a:rPr lang="ru-RU" sz="3200" i="1"/>
+                            <a:rPr lang="ru-RU" sz="3200" i="1">
+                              <a:latin typeface="Cambria Math"/>
+                            </a:rPr>
                           </m:ctrlPr>
                         </m:fPr>
                         <m:num>
                           <m:r>
-                            <a:rPr lang="en-US" sz="3200" i="1"/>
+                            <a:rPr lang="en-US" sz="3200" i="1">
+                              <a:latin typeface="Cambria Math"/>
+                            </a:rPr>
                             <m:t>𝑐</m:t>
                           </m:r>
                         </m:num>
                         <m:den>
                           <m:r>
-                            <a:rPr lang="en-US" sz="3200" i="1"/>
+                            <a:rPr lang="en-US" sz="3200" i="1">
+                              <a:latin typeface="Cambria Math"/>
+                            </a:rPr>
                             <m:t>𝑎</m:t>
                           </m:r>
                         </m:den>
                       </m:f>
                       <m:r>
-                        <a:rPr lang="en-US" sz="3200" i="1"/>
+                        <a:rPr lang="en-US" sz="3200" i="1">
+                          <a:latin typeface="Cambria Math"/>
+                        </a:rPr>
                         <m:t>= </m:t>
                       </m:r>
                       <m:f>
                         <m:fPr>
                           <m:ctrlPr>
-                            <a:rPr lang="ru-RU" sz="3200" i="1"/>
+                            <a:rPr lang="ru-RU" sz="3200" i="1">
+                              <a:latin typeface="Cambria Math"/>
+                            </a:rPr>
                           </m:ctrlPr>
                         </m:fPr>
                         <m:num>
@@ -14462,7 +13701,9 @@
                             <m:radPr>
                               <m:degHide m:val="on"/>
                               <m:ctrlPr>
-                                <a:rPr lang="ru-RU" sz="3200" i="1"/>
+                                <a:rPr lang="ru-RU" sz="3200" i="1">
+                                  <a:latin typeface="Cambria Math"/>
+                                </a:rPr>
                               </m:ctrlPr>
                             </m:radPr>
                             <m:deg/>
@@ -14470,41 +13711,55 @@
                               <m:sSup>
                                 <m:sSupPr>
                                   <m:ctrlPr>
-                                    <a:rPr lang="ru-RU" sz="3200" i="1"/>
+                                    <a:rPr lang="ru-RU" sz="3200" i="1">
+                                      <a:latin typeface="Cambria Math"/>
+                                    </a:rPr>
                                   </m:ctrlPr>
                                 </m:sSupPr>
                                 <m:e>
                                   <m:r>
-                                    <a:rPr lang="en-US" sz="3200" i="1"/>
+                                    <a:rPr lang="en-US" sz="3200" i="1">
+                                      <a:latin typeface="Cambria Math"/>
+                                    </a:rPr>
                                     <m:t>𝑎</m:t>
                                   </m:r>
                                 </m:e>
                                 <m:sup>
                                   <m:r>
-                                    <a:rPr lang="en-US" sz="3200" i="1"/>
+                                    <a:rPr lang="en-US" sz="3200" i="1">
+                                      <a:latin typeface="Cambria Math"/>
+                                    </a:rPr>
                                     <m:t>2</m:t>
                                   </m:r>
                                 </m:sup>
                               </m:sSup>
                               <m:r>
-                                <a:rPr lang="en-US" sz="3200" i="1"/>
+                                <a:rPr lang="en-US" sz="3200" i="1">
+                                  <a:latin typeface="Cambria Math"/>
+                                </a:rPr>
                                 <m:t>−</m:t>
                               </m:r>
                               <m:sSup>
                                 <m:sSupPr>
                                   <m:ctrlPr>
-                                    <a:rPr lang="ru-RU" sz="3200" i="1"/>
+                                    <a:rPr lang="ru-RU" sz="3200" i="1">
+                                      <a:latin typeface="Cambria Math"/>
+                                    </a:rPr>
                                   </m:ctrlPr>
                                 </m:sSupPr>
                                 <m:e>
                                   <m:r>
-                                    <a:rPr lang="en-US" sz="3200" i="1"/>
+                                    <a:rPr lang="en-US" sz="3200" i="1">
+                                      <a:latin typeface="Cambria Math"/>
+                                    </a:rPr>
                                     <m:t>𝑏</m:t>
                                   </m:r>
                                 </m:e>
                                 <m:sup>
                                   <m:r>
-                                    <a:rPr lang="en-US" sz="3200" i="1"/>
+                                    <a:rPr lang="en-US" sz="3200" i="1">
+                                      <a:latin typeface="Cambria Math"/>
+                                    </a:rPr>
                                     <m:t>2</m:t>
                                   </m:r>
                                 </m:sup>
@@ -14514,57 +13769,75 @@
                         </m:num>
                         <m:den>
                           <m:r>
-                            <a:rPr lang="en-US" sz="3200" i="1"/>
+                            <a:rPr lang="en-US" sz="3200" i="1">
+                              <a:latin typeface="Cambria Math"/>
+                            </a:rPr>
                             <m:t>𝑎</m:t>
                           </m:r>
                         </m:den>
                       </m:f>
                       <m:r>
-                        <a:rPr lang="en-US" sz="3200" i="1"/>
+                        <a:rPr lang="en-US" sz="3200" i="1">
+                          <a:latin typeface="Cambria Math"/>
+                        </a:rPr>
                         <m:t>= </m:t>
                       </m:r>
                       <m:rad>
                         <m:radPr>
                           <m:degHide m:val="on"/>
                           <m:ctrlPr>
-                            <a:rPr lang="ru-RU" sz="3200" i="1"/>
+                            <a:rPr lang="ru-RU" sz="3200" i="1">
+                              <a:latin typeface="Cambria Math"/>
+                            </a:rPr>
                           </m:ctrlPr>
                         </m:radPr>
                         <m:deg/>
                         <m:e>
                           <m:r>
-                            <a:rPr lang="en-US" sz="3200" i="1"/>
+                            <a:rPr lang="en-US" sz="3200" i="1">
+                              <a:latin typeface="Cambria Math"/>
+                            </a:rPr>
                             <m:t>1−</m:t>
                           </m:r>
                           <m:sSup>
                             <m:sSupPr>
                               <m:ctrlPr>
-                                <a:rPr lang="ru-RU" sz="3200" i="1"/>
+                                <a:rPr lang="ru-RU" sz="3200" i="1">
+                                  <a:latin typeface="Cambria Math"/>
+                                </a:rPr>
                               </m:ctrlPr>
                             </m:sSupPr>
                             <m:e>
                               <m:d>
                                 <m:dPr>
                                   <m:ctrlPr>
-                                    <a:rPr lang="ru-RU" sz="3200" i="1"/>
+                                    <a:rPr lang="ru-RU" sz="3200" i="1">
+                                      <a:latin typeface="Cambria Math"/>
+                                    </a:rPr>
                                   </m:ctrlPr>
                                 </m:dPr>
                                 <m:e>
                                   <m:f>
                                     <m:fPr>
                                       <m:ctrlPr>
-                                        <a:rPr lang="ru-RU" sz="3200" i="1"/>
+                                        <a:rPr lang="ru-RU" sz="3200" i="1">
+                                          <a:latin typeface="Cambria Math"/>
+                                        </a:rPr>
                                       </m:ctrlPr>
                                     </m:fPr>
                                     <m:num>
                                       <m:r>
-                                        <a:rPr lang="en-US" sz="3200" i="1"/>
+                                        <a:rPr lang="en-US" sz="3200" i="1">
+                                          <a:latin typeface="Cambria Math"/>
+                                        </a:rPr>
                                         <m:t>𝑏</m:t>
                                       </m:r>
                                     </m:num>
                                     <m:den>
                                       <m:r>
-                                        <a:rPr lang="en-US" sz="3200" i="1"/>
+                                        <a:rPr lang="en-US" sz="3200" i="1">
+                                          <a:latin typeface="Cambria Math"/>
+                                        </a:rPr>
                                         <m:t>𝑎</m:t>
                                       </m:r>
                                     </m:den>
@@ -14574,7 +13847,9 @@
                             </m:e>
                             <m:sup>
                               <m:r>
-                                <a:rPr lang="en-US" sz="3200" i="1"/>
+                                <a:rPr lang="en-US" sz="3200" i="1">
+                                  <a:latin typeface="Cambria Math"/>
+                                </a:rPr>
                                 <m:t>2</m:t>
                               </m:r>
                             </m:sup>
@@ -14588,37 +13863,49 @@
                         <m:t>=</m:t>
                       </m:r>
                       <m:r>
-                        <a:rPr lang="en-US" sz="3200" i="1"/>
+                        <a:rPr lang="en-US" sz="3200" i="1">
+                          <a:latin typeface="Cambria Math"/>
+                        </a:rPr>
                         <m:t>= </m:t>
                       </m:r>
                       <m:rad>
                         <m:radPr>
                           <m:degHide m:val="on"/>
                           <m:ctrlPr>
-                            <a:rPr lang="ru-RU" sz="3200" i="1"/>
+                            <a:rPr lang="ru-RU" sz="3200" i="1">
+                              <a:latin typeface="Cambria Math"/>
+                            </a:rPr>
                           </m:ctrlPr>
                         </m:radPr>
                         <m:deg/>
                         <m:e>
                           <m:r>
-                            <a:rPr lang="en-US" sz="3200" i="1"/>
+                            <a:rPr lang="en-US" sz="3200" i="1">
+                              <a:latin typeface="Cambria Math"/>
+                            </a:rPr>
                             <m:t>1−</m:t>
                           </m:r>
                           <m:sSup>
                             <m:sSupPr>
                               <m:ctrlPr>
-                                <a:rPr lang="ru-RU" sz="3200" i="1"/>
+                                <a:rPr lang="ru-RU" sz="3200" i="1">
+                                  <a:latin typeface="Cambria Math"/>
+                                </a:rPr>
                               </m:ctrlPr>
                             </m:sSupPr>
                             <m:e>
                               <m:r>
-                                <a:rPr lang="en-US" sz="3200" i="1"/>
+                                <a:rPr lang="en-US" sz="3200" i="1">
+                                  <a:latin typeface="Cambria Math"/>
+                                </a:rPr>
                                 <m:t>𝑘</m:t>
                               </m:r>
                             </m:e>
                             <m:sup>
                               <m:r>
-                                <a:rPr lang="en-US" sz="3200" i="1"/>
+                                <a:rPr lang="en-US" sz="3200" i="1">
+                                  <a:latin typeface="Cambria Math"/>
+                                </a:rPr>
                                 <m:t>2</m:t>
                               </m:r>
                             </m:sup>
@@ -14626,32 +13913,44 @@
                         </m:e>
                       </m:rad>
                       <m:r>
-                        <a:rPr lang="en-US" sz="3200" i="1"/>
+                        <a:rPr lang="en-US" sz="3200" i="1">
+                          <a:latin typeface="Cambria Math"/>
+                        </a:rPr>
                         <m:t>, где </m:t>
                       </m:r>
                       <m:r>
-                        <a:rPr lang="en-US" sz="3200" i="1"/>
+                        <a:rPr lang="en-US" sz="3200" i="1">
+                          <a:latin typeface="Cambria Math"/>
+                        </a:rPr>
                         <m:t>𝑘</m:t>
                       </m:r>
                       <m:r>
-                        <a:rPr lang="en-US" sz="3200" i="1"/>
+                        <a:rPr lang="en-US" sz="3200" i="1">
+                          <a:latin typeface="Cambria Math"/>
+                        </a:rPr>
                         <m:t>=</m:t>
                       </m:r>
                       <m:f>
                         <m:fPr>
                           <m:ctrlPr>
-                            <a:rPr lang="ru-RU" sz="3200" i="1"/>
+                            <a:rPr lang="ru-RU" sz="3200" i="1">
+                              <a:latin typeface="Cambria Math"/>
+                            </a:rPr>
                           </m:ctrlPr>
                         </m:fPr>
                         <m:num>
                           <m:r>
-                            <a:rPr lang="en-US" sz="3200" i="1"/>
+                            <a:rPr lang="en-US" sz="3200" i="1">
+                              <a:latin typeface="Cambria Math"/>
+                            </a:rPr>
                             <m:t>𝑏</m:t>
                           </m:r>
                         </m:num>
                         <m:den>
                           <m:r>
-                            <a:rPr lang="en-US" sz="3200" i="1"/>
+                            <a:rPr lang="en-US" sz="3200" i="1">
+                              <a:latin typeface="Cambria Math"/>
+                            </a:rPr>
                             <m:t>𝑎</m:t>
                           </m:r>
                         </m:den>
@@ -14664,7 +13963,7 @@
             </p:txBody>
           </p:sp>
         </mc:Choice>
-        <mc:Fallback>
+        <mc:Fallback xmlns="">
           <p:sp>
             <p:nvSpPr>
               <p:cNvPr id="5" name="Прямоугольник 4"/>
@@ -14713,6 +14012,13 @@
   <p:clrMapOvr>
     <a:masterClrMapping/>
   </p:clrMapOvr>
+  <p:timing>
+    <p:tnLst>
+      <p:par>
+        <p:cTn id="1" dur="indefinite" restart="never" nodeType="tmRoot"/>
+      </p:par>
+    </p:tnLst>
+  </p:timing>
 </p:sld>
 </file>
 
@@ -14764,8 +14070,8 @@
           </a:p>
         </p:txBody>
       </p:sp>
-      <mc:AlternateContent xmlns:mc="http://schemas.openxmlformats.org/markup-compatibility/2006">
-        <mc:Choice xmlns:a14="http://schemas.microsoft.com/office/drawing/2010/main" Requires="a14">
+      <mc:AlternateContent xmlns:mc="http://schemas.openxmlformats.org/markup-compatibility/2006" xmlns:a14="http://schemas.microsoft.com/office/drawing/2010/main">
+        <mc:Choice Requires="a14">
           <p:sp>
             <p:nvSpPr>
               <p:cNvPr id="4" name="Прямоугольник 3"/>
@@ -14787,6 +14093,7 @@
               </a:bodyPr>
               <a:lstStyle/>
               <a:p>
+                <a:pPr/>
                 <a14:m>
                   <m:oMathPara xmlns:m="http://schemas.openxmlformats.org/officeDocument/2006/math">
                     <m:oMathParaPr>
@@ -14794,28 +14101,38 @@
                     </m:oMathParaPr>
                     <m:oMath xmlns:m="http://schemas.openxmlformats.org/officeDocument/2006/math">
                       <m:r>
-                        <a:rPr lang="en-US" sz="3200" i="1"/>
+                        <a:rPr lang="en-US" sz="3200" i="1">
+                          <a:latin typeface="Cambria Math"/>
+                        </a:rPr>
                         <m:t>𝜀</m:t>
                       </m:r>
                       <m:r>
-                        <a:rPr lang="ru-RU" sz="3200" i="1"/>
+                        <a:rPr lang="ru-RU" sz="3200" i="1">
+                          <a:latin typeface="Cambria Math"/>
+                        </a:rPr>
                         <m:t>= </m:t>
                       </m:r>
                       <m:f>
                         <m:fPr>
                           <m:ctrlPr>
-                            <a:rPr lang="ru-RU" sz="3200" i="1"/>
+                            <a:rPr lang="ru-RU" sz="3200" i="1">
+                              <a:latin typeface="Cambria Math"/>
+                            </a:rPr>
                           </m:ctrlPr>
                         </m:fPr>
                         <m:num>
                           <m:r>
-                            <a:rPr lang="ru-RU" sz="3200" i="1"/>
+                            <a:rPr lang="ru-RU" sz="3200" i="1">
+                              <a:latin typeface="Cambria Math"/>
+                            </a:rPr>
                             <m:t>1</m:t>
                           </m:r>
                         </m:num>
                         <m:den>
                           <m:r>
-                            <a:rPr lang="en-US" sz="3200" i="1"/>
+                            <a:rPr lang="en-US" sz="3200" i="1">
+                              <a:latin typeface="Cambria Math"/>
+                            </a:rPr>
                             <m:t>𝑛</m:t>
                           </m:r>
                         </m:den>
@@ -14828,7 +14145,7 @@
             </p:txBody>
           </p:sp>
         </mc:Choice>
-        <mc:Fallback>
+        <mc:Fallback xmlns="">
           <p:sp>
             <p:nvSpPr>
               <p:cNvPr id="4" name="Прямоугольник 3"/>
@@ -14867,8 +14184,8 @@
           </p:sp>
         </mc:Fallback>
       </mc:AlternateContent>
-      <mc:AlternateContent xmlns:mc="http://schemas.openxmlformats.org/markup-compatibility/2006">
-        <mc:Choice xmlns:a14="http://schemas.microsoft.com/office/drawing/2010/main" Requires="a14">
+      <mc:AlternateContent xmlns:mc="http://schemas.openxmlformats.org/markup-compatibility/2006" xmlns:a14="http://schemas.microsoft.com/office/drawing/2010/main">
+        <mc:Choice Requires="a14">
           <p:sp>
             <p:nvSpPr>
               <p:cNvPr id="5" name="Прямоугольник 4"/>
@@ -14890,6 +14207,7 @@
               </a:bodyPr>
               <a:lstStyle/>
               <a:p>
+                <a:pPr/>
                 <a14:m>
                   <m:oMathPara xmlns:m="http://schemas.openxmlformats.org/officeDocument/2006/math">
                     <m:oMathParaPr>
@@ -14897,29 +14215,39 @@
                     </m:oMathParaPr>
                     <m:oMath xmlns:m="http://schemas.openxmlformats.org/officeDocument/2006/math">
                       <m:r>
-                        <a:rPr lang="ru-RU" sz="3200" i="1"/>
+                        <a:rPr lang="ru-RU" sz="3200" i="1">
+                          <a:latin typeface="Cambria Math"/>
+                        </a:rPr>
                         <m:t>𝑏</m:t>
                       </m:r>
                       <m:r>
-                        <a:rPr lang="ru-RU" sz="3200" i="1"/>
+                        <a:rPr lang="ru-RU" sz="3200" i="1">
+                          <a:latin typeface="Cambria Math"/>
+                        </a:rPr>
                         <m:t>=</m:t>
                       </m:r>
                       <m:f>
                         <m:fPr>
                           <m:ctrlPr>
-                            <a:rPr lang="ru-RU" sz="3200" i="1"/>
+                            <a:rPr lang="ru-RU" sz="3200" i="1">
+                              <a:latin typeface="Cambria Math"/>
+                            </a:rPr>
                           </m:ctrlPr>
                         </m:fPr>
                         <m:num>
                           <m:r>
-                            <a:rPr lang="ru-RU" sz="3200" i="1"/>
+                            <a:rPr lang="ru-RU" sz="3200" i="1">
+                              <a:latin typeface="Cambria Math"/>
+                            </a:rPr>
                             <m:t>𝑎</m:t>
                           </m:r>
                           <m:rad>
                             <m:radPr>
                               <m:degHide m:val="on"/>
                               <m:ctrlPr>
-                                <a:rPr lang="ru-RU" sz="3200" i="1"/>
+                                <a:rPr lang="ru-RU" sz="3200" i="1">
+                                  <a:latin typeface="Cambria Math"/>
+                                </a:rPr>
                               </m:ctrlPr>
                             </m:radPr>
                             <m:deg/>
@@ -14927,24 +14255,32 @@
                               <m:sSup>
                                 <m:sSupPr>
                                   <m:ctrlPr>
-                                    <a:rPr lang="ru-RU" sz="3200" i="1"/>
+                                    <a:rPr lang="ru-RU" sz="3200" i="1">
+                                      <a:latin typeface="Cambria Math"/>
+                                    </a:rPr>
                                   </m:ctrlPr>
                                 </m:sSupPr>
                                 <m:e>
                                   <m:r>
-                                    <a:rPr lang="ru-RU" sz="3200" i="1"/>
+                                    <a:rPr lang="ru-RU" sz="3200" i="1">
+                                      <a:latin typeface="Cambria Math"/>
+                                    </a:rPr>
                                     <m:t>𝑛</m:t>
                                   </m:r>
                                 </m:e>
                                 <m:sup>
                                   <m:r>
-                                    <a:rPr lang="ru-RU" sz="3200" i="1"/>
+                                    <a:rPr lang="ru-RU" sz="3200" i="1">
+                                      <a:latin typeface="Cambria Math"/>
+                                    </a:rPr>
                                     <m:t>2</m:t>
                                   </m:r>
                                 </m:sup>
                               </m:sSup>
                               <m:r>
-                                <a:rPr lang="ru-RU" sz="3200" i="1"/>
+                                <a:rPr lang="ru-RU" sz="3200" i="1">
+                                  <a:latin typeface="Cambria Math"/>
+                                </a:rPr>
                                 <m:t>−1</m:t>
                               </m:r>
                             </m:e>
@@ -14952,7 +14288,9 @@
                         </m:num>
                         <m:den>
                           <m:r>
-                            <a:rPr lang="ru-RU" sz="3200" i="1"/>
+                            <a:rPr lang="ru-RU" sz="3200" i="1">
+                              <a:latin typeface="Cambria Math"/>
+                            </a:rPr>
                             <m:t>𝑛</m:t>
                           </m:r>
                         </m:den>
@@ -14965,7 +14303,7 @@
             </p:txBody>
           </p:sp>
         </mc:Choice>
-        <mc:Fallback>
+        <mc:Fallback xmlns="">
           <p:sp>
             <p:nvSpPr>
               <p:cNvPr id="5" name="Прямоугольник 4"/>
@@ -15004,8 +14342,8 @@
           </p:sp>
         </mc:Fallback>
       </mc:AlternateContent>
-      <mc:AlternateContent xmlns:mc="http://schemas.openxmlformats.org/markup-compatibility/2006">
-        <mc:Choice xmlns:a14="http://schemas.microsoft.com/office/drawing/2010/main" Requires="a14">
+      <mc:AlternateContent xmlns:mc="http://schemas.openxmlformats.org/markup-compatibility/2006" xmlns:a14="http://schemas.microsoft.com/office/drawing/2010/main">
+        <mc:Choice Requires="a14">
           <p:sp>
             <p:nvSpPr>
               <p:cNvPr id="6" name="Прямоугольник 5"/>
@@ -15027,6 +14365,7 @@
               </a:bodyPr>
               <a:lstStyle/>
               <a:p>
+                <a:pPr/>
                 <a14:m>
                   <m:oMathPara xmlns:m="http://schemas.openxmlformats.org/officeDocument/2006/math">
                     <m:oMathParaPr>
@@ -15034,22 +14373,30 @@
                     </m:oMathParaPr>
                     <m:oMath xmlns:m="http://schemas.openxmlformats.org/officeDocument/2006/math">
                       <m:r>
-                        <a:rPr lang="en-US" sz="3200" i="1"/>
+                        <a:rPr lang="en-US" sz="3200" i="1">
+                          <a:latin typeface="Cambria Math"/>
+                        </a:rPr>
                         <m:t>𝑎</m:t>
                       </m:r>
                       <m:r>
-                        <a:rPr lang="ru-RU" sz="3200" i="1"/>
+                        <a:rPr lang="ru-RU" sz="3200" i="1">
+                          <a:latin typeface="Cambria Math"/>
+                        </a:rPr>
                         <m:t>= </m:t>
                       </m:r>
                       <m:f>
                         <m:fPr>
                           <m:ctrlPr>
-                            <a:rPr lang="ru-RU" sz="3200" i="1"/>
+                            <a:rPr lang="ru-RU" sz="3200" i="1">
+                              <a:latin typeface="Cambria Math"/>
+                            </a:rPr>
                           </m:ctrlPr>
                         </m:fPr>
                         <m:num>
                           <m:r>
-                            <a:rPr lang="en-US" sz="3200" i="1"/>
+                            <a:rPr lang="en-US" sz="3200" i="1">
+                              <a:latin typeface="Cambria Math"/>
+                            </a:rPr>
                             <m:t>𝑛𝑏</m:t>
                           </m:r>
                         </m:num>
@@ -15058,7 +14405,9 @@
                             <m:radPr>
                               <m:degHide m:val="on"/>
                               <m:ctrlPr>
-                                <a:rPr lang="ru-RU" sz="3200" i="1"/>
+                                <a:rPr lang="ru-RU" sz="3200" i="1">
+                                  <a:latin typeface="Cambria Math"/>
+                                </a:rPr>
                               </m:ctrlPr>
                             </m:radPr>
                             <m:deg/>
@@ -15066,24 +14415,32 @@
                               <m:sSup>
                                 <m:sSupPr>
                                   <m:ctrlPr>
-                                    <a:rPr lang="ru-RU" sz="3200" i="1"/>
+                                    <a:rPr lang="ru-RU" sz="3200" i="1">
+                                      <a:latin typeface="Cambria Math"/>
+                                    </a:rPr>
                                   </m:ctrlPr>
                                 </m:sSupPr>
                                 <m:e>
                                   <m:r>
-                                    <a:rPr lang="en-US" sz="3200" i="1"/>
+                                    <a:rPr lang="en-US" sz="3200" i="1">
+                                      <a:latin typeface="Cambria Math"/>
+                                    </a:rPr>
                                     <m:t>𝑛</m:t>
                                   </m:r>
                                 </m:e>
                                 <m:sup>
                                   <m:r>
-                                    <a:rPr lang="ru-RU" sz="3200" i="1"/>
+                                    <a:rPr lang="ru-RU" sz="3200" i="1">
+                                      <a:latin typeface="Cambria Math"/>
+                                    </a:rPr>
                                     <m:t>2</m:t>
                                   </m:r>
                                 </m:sup>
                               </m:sSup>
                               <m:r>
-                                <a:rPr lang="ru-RU" sz="3200" i="1"/>
+                                <a:rPr lang="ru-RU" sz="3200" i="1">
+                                  <a:latin typeface="Cambria Math"/>
+                                </a:rPr>
                                 <m:t>−1</m:t>
                               </m:r>
                             </m:e>
@@ -15098,7 +14455,7 @@
             </p:txBody>
           </p:sp>
         </mc:Choice>
-        <mc:Fallback>
+        <mc:Fallback xmlns="">
           <p:sp>
             <p:nvSpPr>
               <p:cNvPr id="6" name="Прямоугольник 5"/>
@@ -15139,9 +14496,9 @@
       </mc:AlternateContent>
       <p:pic>
         <p:nvPicPr>
-          <p:cNvPr id="4098" name="Picture 2" descr="C:\Users\Ololo\Desktop\science\sciense\Illustrations\21.png"/>
+          <p:cNvPr id="8194" name="Picture 2" descr="C:\Users\Ololo\Desktop\science\sciense\Illustrations\gif1\gif1.gif"/>
           <p:cNvPicPr>
-            <a:picLocks noChangeAspect="1" noChangeArrowheads="1"/>
+            <a:picLocks noChangeAspect="1" noChangeArrowheads="1" noCrop="1"/>
           </p:cNvPicPr>
           <p:nvPr/>
         </p:nvPicPr>
@@ -15160,8 +14517,8 @@
         </p:blipFill>
         <p:spPr bwMode="auto">
           <a:xfrm>
-            <a:off x="5092146" y="2285999"/>
-            <a:ext cx="5747292" cy="4138051"/>
+            <a:off x="4496089" y="2063750"/>
+            <a:ext cx="6858000" cy="4572000"/>
           </a:xfrm>
           <a:prstGeom prst="rect">
             <a:avLst/>
@@ -15188,6 +14545,13 @@
   <p:clrMapOvr>
     <a:masterClrMapping/>
   </p:clrMapOvr>
+  <p:timing>
+    <p:tnLst>
+      <p:par>
+        <p:cTn id="1" dur="indefinite" restart="never" nodeType="tmRoot"/>
+      </p:par>
+    </p:tnLst>
+  </p:timing>
 </p:sld>
 </file>
 
@@ -15270,8 +14634,8 @@
           </a:ln>
         </p:spPr>
       </p:pic>
-      <mc:AlternateContent xmlns:mc="http://schemas.openxmlformats.org/markup-compatibility/2006">
-        <mc:Choice xmlns:a14="http://schemas.microsoft.com/office/drawing/2010/main" Requires="a14">
+      <mc:AlternateContent xmlns:mc="http://schemas.openxmlformats.org/markup-compatibility/2006" xmlns:a14="http://schemas.microsoft.com/office/drawing/2010/main">
+        <mc:Choice Requires="a14">
           <p:sp>
             <p:nvSpPr>
               <p:cNvPr id="3" name="Прямоугольник 2"/>
@@ -15293,6 +14657,7 @@
               </a:bodyPr>
               <a:lstStyle/>
               <a:p>
+                <a:pPr/>
                 <a14:m>
                   <m:oMathPara xmlns:m="http://schemas.openxmlformats.org/officeDocument/2006/math">
                     <m:oMathParaPr>
@@ -15300,18 +14665,24 @@
                     </m:oMathParaPr>
                     <m:oMath xmlns:m="http://schemas.openxmlformats.org/officeDocument/2006/math">
                       <m:r>
-                        <a:rPr lang="ru-RU" sz="3200" i="1" smtClean="0"/>
+                        <a:rPr lang="ru-RU" sz="3200" i="1" smtClean="0">
+                          <a:latin typeface="Cambria Math"/>
+                        </a:rPr>
                         <m:t>𝑅</m:t>
                       </m:r>
                       <m:r>
-                        <a:rPr lang="ru-RU" sz="3200" i="1" smtClean="0"/>
+                        <a:rPr lang="ru-RU" sz="3200" i="1" smtClean="0">
+                          <a:latin typeface="Cambria Math"/>
+                        </a:rPr>
                         <m:t>= </m:t>
                       </m:r>
                       <m:rad>
                         <m:radPr>
                           <m:degHide m:val="on"/>
                           <m:ctrlPr>
-                            <a:rPr lang="ru-RU" sz="3200" i="1"/>
+                            <a:rPr lang="ru-RU" sz="3200" i="1">
+                              <a:latin typeface="Cambria Math"/>
+                            </a:rPr>
                           </m:ctrlPr>
                         </m:radPr>
                         <m:deg/>
@@ -15319,41 +14690,55 @@
                           <m:sSup>
                             <m:sSupPr>
                               <m:ctrlPr>
-                                <a:rPr lang="ru-RU" sz="3200" i="1"/>
+                                <a:rPr lang="ru-RU" sz="3200" i="1">
+                                  <a:latin typeface="Cambria Math"/>
+                                </a:rPr>
                               </m:ctrlPr>
                             </m:sSupPr>
                             <m:e>
                               <m:r>
-                                <a:rPr lang="ru-RU" sz="3200" i="1"/>
+                                <a:rPr lang="ru-RU" sz="3200" i="1">
+                                  <a:latin typeface="Cambria Math"/>
+                                </a:rPr>
                                 <m:t>𝑐</m:t>
                               </m:r>
                             </m:e>
                             <m:sup>
                               <m:r>
-                                <a:rPr lang="ru-RU" sz="3200" i="1"/>
+                                <a:rPr lang="ru-RU" sz="3200" i="1">
+                                  <a:latin typeface="Cambria Math"/>
+                                </a:rPr>
                                 <m:t>2</m:t>
                               </m:r>
                             </m:sup>
                           </m:sSup>
                           <m:r>
-                            <a:rPr lang="ru-RU" sz="3200" i="1"/>
+                            <a:rPr lang="ru-RU" sz="3200" i="1">
+                              <a:latin typeface="Cambria Math"/>
+                            </a:rPr>
                             <m:t>+</m:t>
                           </m:r>
                           <m:sSup>
                             <m:sSupPr>
                               <m:ctrlPr>
-                                <a:rPr lang="ru-RU" sz="3200" i="1"/>
+                                <a:rPr lang="ru-RU" sz="3200" i="1">
+                                  <a:latin typeface="Cambria Math"/>
+                                </a:rPr>
                               </m:ctrlPr>
                             </m:sSupPr>
                             <m:e>
                               <m:r>
-                                <a:rPr lang="ru-RU" sz="3200" i="1"/>
+                                <a:rPr lang="ru-RU" sz="3200" i="1">
+                                  <a:latin typeface="Cambria Math"/>
+                                </a:rPr>
                                 <m:t>𝑏</m:t>
                               </m:r>
                             </m:e>
                             <m:sup>
                               <m:r>
-                                <a:rPr lang="ru-RU" sz="3200" i="1"/>
+                                <a:rPr lang="ru-RU" sz="3200" i="1">
+                                  <a:latin typeface="Cambria Math"/>
+                                </a:rPr>
                                 <m:t>2</m:t>
                               </m:r>
                             </m:sup>
@@ -15367,14 +14752,18 @@
                         <m:t>=</m:t>
                       </m:r>
                       <m:r>
-                        <a:rPr lang="ru-RU" sz="3200" i="1"/>
+                        <a:rPr lang="ru-RU" sz="3200" i="1">
+                          <a:latin typeface="Cambria Math"/>
+                        </a:rPr>
                         <m:t>= </m:t>
                       </m:r>
                       <m:rad>
                         <m:radPr>
                           <m:degHide m:val="on"/>
                           <m:ctrlPr>
-                            <a:rPr lang="ru-RU" sz="3200" i="1"/>
+                            <a:rPr lang="ru-RU" sz="3200" i="1">
+                              <a:latin typeface="Cambria Math"/>
+                            </a:rPr>
                           </m:ctrlPr>
                         </m:radPr>
                         <m:deg/>
@@ -15382,64 +14771,86 @@
                           <m:sSup>
                             <m:sSupPr>
                               <m:ctrlPr>
-                                <a:rPr lang="ru-RU" sz="3200" i="1"/>
+                                <a:rPr lang="ru-RU" sz="3200" i="1">
+                                  <a:latin typeface="Cambria Math"/>
+                                </a:rPr>
                               </m:ctrlPr>
                             </m:sSupPr>
                             <m:e>
                               <m:r>
-                                <a:rPr lang="ru-RU" sz="3200" i="1"/>
+                                <a:rPr lang="ru-RU" sz="3200" i="1">
+                                  <a:latin typeface="Cambria Math"/>
+                                </a:rPr>
                                 <m:t>𝑎</m:t>
                               </m:r>
                             </m:e>
                             <m:sup>
                               <m:r>
-                                <a:rPr lang="ru-RU" sz="3200" i="1"/>
+                                <a:rPr lang="ru-RU" sz="3200" i="1">
+                                  <a:latin typeface="Cambria Math"/>
+                                </a:rPr>
                                 <m:t>2</m:t>
                               </m:r>
                             </m:sup>
                           </m:sSup>
                           <m:r>
-                            <a:rPr lang="ru-RU" sz="3200" i="1"/>
+                            <a:rPr lang="ru-RU" sz="3200" i="1">
+                              <a:latin typeface="Cambria Math"/>
+                            </a:rPr>
                             <m:t>−</m:t>
                           </m:r>
                           <m:sSup>
                             <m:sSupPr>
                               <m:ctrlPr>
-                                <a:rPr lang="ru-RU" sz="3200" i="1"/>
+                                <a:rPr lang="ru-RU" sz="3200" i="1">
+                                  <a:latin typeface="Cambria Math"/>
+                                </a:rPr>
                               </m:ctrlPr>
                             </m:sSupPr>
                             <m:e>
                               <m:r>
-                                <a:rPr lang="ru-RU" sz="3200" i="1"/>
+                                <a:rPr lang="ru-RU" sz="3200" i="1">
+                                  <a:latin typeface="Cambria Math"/>
+                                </a:rPr>
                                 <m:t>𝑏</m:t>
                               </m:r>
                             </m:e>
                             <m:sup>
                               <m:r>
-                                <a:rPr lang="ru-RU" sz="3200" i="1"/>
+                                <a:rPr lang="ru-RU" sz="3200" i="1">
+                                  <a:latin typeface="Cambria Math"/>
+                                </a:rPr>
                                 <m:t>2</m:t>
                               </m:r>
                             </m:sup>
                           </m:sSup>
                           <m:r>
-                            <a:rPr lang="ru-RU" sz="3200" i="1"/>
+                            <a:rPr lang="ru-RU" sz="3200" i="1">
+                              <a:latin typeface="Cambria Math"/>
+                            </a:rPr>
                             <m:t>+</m:t>
                           </m:r>
                           <m:sSup>
                             <m:sSupPr>
                               <m:ctrlPr>
-                                <a:rPr lang="ru-RU" sz="3200" i="1"/>
+                                <a:rPr lang="ru-RU" sz="3200" i="1">
+                                  <a:latin typeface="Cambria Math"/>
+                                </a:rPr>
                               </m:ctrlPr>
                             </m:sSupPr>
                             <m:e>
                               <m:r>
-                                <a:rPr lang="ru-RU" sz="3200" i="1"/>
+                                <a:rPr lang="ru-RU" sz="3200" i="1">
+                                  <a:latin typeface="Cambria Math"/>
+                                </a:rPr>
                                 <m:t>𝑏</m:t>
                               </m:r>
                             </m:e>
                             <m:sup>
                               <m:r>
-                                <a:rPr lang="ru-RU" sz="3200" i="1"/>
+                                <a:rPr lang="ru-RU" sz="3200" i="1">
+                                  <a:latin typeface="Cambria Math"/>
+                                </a:rPr>
                                 <m:t>2</m:t>
                               </m:r>
                             </m:sup>
@@ -15447,11 +14858,15 @@
                         </m:e>
                       </m:rad>
                       <m:r>
-                        <a:rPr lang="ru-RU" sz="3200" i="1"/>
+                        <a:rPr lang="ru-RU" sz="3200" i="1">
+                          <a:latin typeface="Cambria Math"/>
+                        </a:rPr>
                         <m:t>=</m:t>
                       </m:r>
                       <m:r>
-                        <a:rPr lang="ru-RU" sz="3200" i="1"/>
+                        <a:rPr lang="ru-RU" sz="3200" i="1">
+                          <a:latin typeface="Cambria Math"/>
+                        </a:rPr>
                         <m:t>𝑎</m:t>
                       </m:r>
                     </m:oMath>
@@ -15462,7 +14877,7 @@
             </p:txBody>
           </p:sp>
         </mc:Choice>
-        <mc:Fallback>
+        <mc:Fallback xmlns="">
           <p:sp>
             <p:nvSpPr>
               <p:cNvPr id="3" name="Прямоугольник 2"/>
@@ -15764,7 +15179,7 @@
   <a:extraClrSchemeLst/>
   <a:extLst>
     <a:ext uri="{05A4C25C-085E-4340-85A3-A5531E510DB2}">
-      <thm15:themeFamily xmlns="" xmlns:thm15="http://schemas.microsoft.com/office/thememl/2012/main" name="Celestial" id="{C4BB2A3D-0E93-4C5F-B0D2-9D3FCE089CC5}" vid="{42E5908D-19A2-46FD-89FA-638B126129EF}"/>
+      <thm15:themeFamily xmlns:thm15="http://schemas.microsoft.com/office/thememl/2012/main" xmlns="" name="Celestial" id="{C4BB2A3D-0E93-4C5F-B0D2-9D3FCE089CC5}" vid="{42E5908D-19A2-46FD-89FA-638B126129EF}"/>
     </a:ext>
   </a:extLst>
 </a:theme>

--- a/создания идеальной линзы.pptx
+++ b/создания идеальной линзы.pptx
@@ -8,29 +8,32 @@
     <p:sldId id="256" r:id="rId2"/>
     <p:sldId id="258" r:id="rId3"/>
     <p:sldId id="272" r:id="rId4"/>
-    <p:sldId id="283" r:id="rId5"/>
-    <p:sldId id="284" r:id="rId6"/>
-    <p:sldId id="274" r:id="rId7"/>
-    <p:sldId id="285" r:id="rId8"/>
-    <p:sldId id="286" r:id="rId9"/>
-    <p:sldId id="275" r:id="rId10"/>
-    <p:sldId id="273" r:id="rId11"/>
-    <p:sldId id="287" r:id="rId12"/>
-    <p:sldId id="288" r:id="rId13"/>
-    <p:sldId id="276" r:id="rId14"/>
-    <p:sldId id="289" r:id="rId15"/>
-    <p:sldId id="277" r:id="rId16"/>
-    <p:sldId id="278" r:id="rId17"/>
-    <p:sldId id="279" r:id="rId18"/>
-    <p:sldId id="280" r:id="rId19"/>
-    <p:sldId id="290" r:id="rId20"/>
-    <p:sldId id="281" r:id="rId21"/>
-    <p:sldId id="291" r:id="rId22"/>
-    <p:sldId id="282" r:id="rId23"/>
-    <p:sldId id="292" r:id="rId24"/>
-    <p:sldId id="267" r:id="rId25"/>
-    <p:sldId id="268" r:id="rId26"/>
-    <p:sldId id="270" r:id="rId27"/>
+    <p:sldId id="293" r:id="rId5"/>
+    <p:sldId id="294" r:id="rId6"/>
+    <p:sldId id="295" r:id="rId7"/>
+    <p:sldId id="283" r:id="rId8"/>
+    <p:sldId id="284" r:id="rId9"/>
+    <p:sldId id="274" r:id="rId10"/>
+    <p:sldId id="285" r:id="rId11"/>
+    <p:sldId id="286" r:id="rId12"/>
+    <p:sldId id="275" r:id="rId13"/>
+    <p:sldId id="273" r:id="rId14"/>
+    <p:sldId id="287" r:id="rId15"/>
+    <p:sldId id="288" r:id="rId16"/>
+    <p:sldId id="276" r:id="rId17"/>
+    <p:sldId id="289" r:id="rId18"/>
+    <p:sldId id="277" r:id="rId19"/>
+    <p:sldId id="278" r:id="rId20"/>
+    <p:sldId id="279" r:id="rId21"/>
+    <p:sldId id="280" r:id="rId22"/>
+    <p:sldId id="290" r:id="rId23"/>
+    <p:sldId id="281" r:id="rId24"/>
+    <p:sldId id="291" r:id="rId25"/>
+    <p:sldId id="282" r:id="rId26"/>
+    <p:sldId id="292" r:id="rId27"/>
+    <p:sldId id="267" r:id="rId28"/>
+    <p:sldId id="268" r:id="rId29"/>
+    <p:sldId id="270" r:id="rId30"/>
   </p:sldIdLst>
   <p:sldSz cx="12192000" cy="6858000"/>
   <p:notesSz cx="6858000" cy="9144000"/>
@@ -161,7 +164,7 @@
   </p:defaultTextStyle>
   <p:extLst>
     <p:ext uri="{EFAFB233-063F-42B5-8137-9DF3F51BA10A}">
-      <p15:sldGuideLst xmlns:p15="http://schemas.microsoft.com/office/powerpoint/2012/main" xmlns="">
+      <p15:sldGuideLst xmlns="" xmlns:p15="http://schemas.microsoft.com/office/powerpoint/2012/main">
         <p15:guide id="1" orient="horz" pos="2160">
           <p15:clr>
             <a:srgbClr val="A4A3A4"/>
@@ -6701,28 +6704,28 @@
         </p:nvSpPr>
         <p:spPr>
           <a:xfrm>
-            <a:off x="2882347" y="949947"/>
-            <a:ext cx="8854248" cy="2422525"/>
+            <a:off x="762600" y="1019220"/>
+            <a:ext cx="10459581" cy="3040162"/>
           </a:xfrm>
         </p:spPr>
         <p:txBody>
-          <a:bodyPr/>
+          <a:bodyPr>
+            <a:noAutofit/>
+          </a:bodyPr>
           <a:lstStyle/>
           <a:p>
-            <a:pPr fontAlgn="auto">
-              <a:spcAft>
-                <a:spcPts val="0"/>
-              </a:spcAft>
-              <a:defRPr/>
-            </a:pPr>
-            <a:r>
-              <a:rPr lang="ru-RU" b="1" dirty="0" smtClean="0"/>
-              <a:t>возможность создания   идеальной </a:t>
-            </a:r>
-            <a:r>
-              <a:rPr lang="ru-RU" b="1" dirty="0"/>
-              <a:t>линзы</a:t>
-            </a:r>
+            <a:pPr algn="ctr"/>
+            <a:r>
+              <a:rPr lang="ru-RU" sz="6000" b="1" dirty="0">
+                <a:latin typeface="Times New Roman" pitchFamily="18" charset="0"/>
+                <a:cs typeface="Times New Roman" pitchFamily="18" charset="0"/>
+              </a:rPr>
+              <a:t>Возможность создания идеально фокусирующей линзы</a:t>
+            </a:r>
+            <a:endParaRPr lang="ru-RU" sz="6000" dirty="0">
+              <a:latin typeface="Times New Roman" pitchFamily="18" charset="0"/>
+              <a:cs typeface="Times New Roman" pitchFamily="18" charset="0"/>
+            </a:endParaRPr>
           </a:p>
         </p:txBody>
       </p:sp>
@@ -6757,7 +6760,10 @@
               <a:defRPr/>
             </a:pPr>
             <a:r>
-              <a:rPr lang="ru-RU" dirty="0"/>
+              <a:rPr lang="ru-RU" dirty="0">
+                <a:latin typeface="Times New Roman" pitchFamily="18" charset="0"/>
+                <a:cs typeface="Times New Roman" pitchFamily="18" charset="0"/>
+              </a:rPr>
               <a:t>Автор: Кондратович Максим Михайлович</a:t>
             </a:r>
           </a:p>
@@ -6771,9 +6777,58 @@
               <a:defRPr/>
             </a:pPr>
             <a:r>
-              <a:rPr lang="ru-RU" dirty="0"/>
-              <a:t>СШ № 89 г. Минска, 11 «А»</a:t>
-            </a:r>
+              <a:rPr lang="ru-RU" dirty="0" err="1" smtClean="0">
+                <a:latin typeface="Times New Roman" pitchFamily="18" charset="0"/>
+                <a:cs typeface="Times New Roman" pitchFamily="18" charset="0"/>
+              </a:rPr>
+              <a:t>Гуо</a:t>
+            </a:r>
+            <a:r>
+              <a:rPr lang="ru-RU" dirty="0" smtClean="0">
+                <a:latin typeface="Times New Roman" pitchFamily="18" charset="0"/>
+                <a:cs typeface="Times New Roman" pitchFamily="18" charset="0"/>
+              </a:rPr>
+              <a:t> «Средняя школа </a:t>
+            </a:r>
+            <a:r>
+              <a:rPr lang="ru-RU" dirty="0" smtClean="0">
+                <a:latin typeface="Times New Roman" pitchFamily="18" charset="0"/>
+                <a:cs typeface="Times New Roman" pitchFamily="18" charset="0"/>
+              </a:rPr>
+              <a:t> </a:t>
+            </a:r>
+            <a:r>
+              <a:rPr lang="ru-RU" dirty="0">
+                <a:latin typeface="Times New Roman" pitchFamily="18" charset="0"/>
+                <a:cs typeface="Times New Roman" pitchFamily="18" charset="0"/>
+              </a:rPr>
+              <a:t>№ 89 г. </a:t>
+            </a:r>
+            <a:r>
+              <a:rPr lang="ru-RU" dirty="0" smtClean="0">
+                <a:latin typeface="Times New Roman" pitchFamily="18" charset="0"/>
+                <a:cs typeface="Times New Roman" pitchFamily="18" charset="0"/>
+              </a:rPr>
+              <a:t>Минска», </a:t>
+            </a:r>
+            <a:r>
+              <a:rPr lang="ru-RU" dirty="0">
+                <a:latin typeface="Times New Roman" pitchFamily="18" charset="0"/>
+                <a:cs typeface="Times New Roman" pitchFamily="18" charset="0"/>
+              </a:rPr>
+              <a:t>11 «А</a:t>
+            </a:r>
+            <a:r>
+              <a:rPr lang="ru-RU" dirty="0" smtClean="0">
+                <a:latin typeface="Times New Roman" pitchFamily="18" charset="0"/>
+                <a:cs typeface="Times New Roman" pitchFamily="18" charset="0"/>
+              </a:rPr>
+              <a:t>» класс</a:t>
+            </a:r>
+            <a:endParaRPr lang="ru-RU" dirty="0">
+              <a:latin typeface="Times New Roman" pitchFamily="18" charset="0"/>
+              <a:cs typeface="Times New Roman" pitchFamily="18" charset="0"/>
+            </a:endParaRPr>
           </a:p>
           <a:p>
             <a:pPr fontAlgn="auto">
@@ -6785,9 +6840,59 @@
               <a:defRPr/>
             </a:pPr>
             <a:r>
-              <a:rPr lang="ru-RU" dirty="0"/>
+              <a:rPr lang="ru-RU" dirty="0">
+                <a:latin typeface="Times New Roman" pitchFamily="18" charset="0"/>
+                <a:cs typeface="Times New Roman" pitchFamily="18" charset="0"/>
+              </a:rPr>
               <a:t>Научный руководитель: Крицкая Вера Андреевна,</a:t>
             </a:r>
+          </a:p>
+          <a:p>
+            <a:pPr fontAlgn="auto">
+              <a:spcBef>
+                <a:spcPts val="0"/>
+              </a:spcBef>
+              <a:defRPr/>
+            </a:pPr>
+            <a:r>
+              <a:rPr lang="ru-RU" dirty="0">
+                <a:latin typeface="Times New Roman" pitchFamily="18" charset="0"/>
+                <a:cs typeface="Times New Roman" pitchFamily="18" charset="0"/>
+              </a:rPr>
+              <a:t> </a:t>
+            </a:r>
+            <a:r>
+              <a:rPr lang="ru-RU" dirty="0" err="1">
+                <a:latin typeface="Times New Roman" pitchFamily="18" charset="0"/>
+                <a:cs typeface="Times New Roman" pitchFamily="18" charset="0"/>
+              </a:rPr>
+              <a:t>Гуо</a:t>
+            </a:r>
+            <a:r>
+              <a:rPr lang="ru-RU" dirty="0">
+                <a:latin typeface="Times New Roman" pitchFamily="18" charset="0"/>
+                <a:cs typeface="Times New Roman" pitchFamily="18" charset="0"/>
+              </a:rPr>
+              <a:t> «Средняя школа № </a:t>
+            </a:r>
+            <a:r>
+              <a:rPr lang="ru-RU" dirty="0">
+                <a:latin typeface="Times New Roman" pitchFamily="18" charset="0"/>
+                <a:cs typeface="Times New Roman" pitchFamily="18" charset="0"/>
+              </a:rPr>
+              <a:t>89 г. </a:t>
+            </a:r>
+            <a:r>
+              <a:rPr lang="ru-RU" dirty="0" smtClean="0">
+                <a:latin typeface="Times New Roman" pitchFamily="18" charset="0"/>
+                <a:cs typeface="Times New Roman" pitchFamily="18" charset="0"/>
+              </a:rPr>
+              <a:t>Минска»,</a:t>
+            </a:r>
+            <a:endParaRPr lang="ru-RU" dirty="0">
+              <a:latin typeface="Times New Roman" pitchFamily="18" charset="0"/>
+              <a:cs typeface="Times New Roman" pitchFamily="18" charset="0"/>
+            </a:endParaRPr>
           </a:p>
           <a:p>
             <a:pPr fontAlgn="auto">
@@ -6799,21 +6904,10 @@
               <a:defRPr/>
             </a:pPr>
             <a:r>
-              <a:rPr lang="ru-RU" dirty="0"/>
-              <a:t> ГУО СШ № 89 г. Минска,</a:t>
-            </a:r>
-          </a:p>
-          <a:p>
-            <a:pPr fontAlgn="auto">
-              <a:spcBef>
-                <a:spcPts val="0"/>
-              </a:spcBef>
-              <a:buFont typeface="Arial"/>
-              <a:buNone/>
-              <a:defRPr/>
-            </a:pPr>
-            <a:r>
-              <a:rPr lang="ru-RU" dirty="0"/>
+              <a:rPr lang="ru-RU" dirty="0">
+                <a:latin typeface="Times New Roman" pitchFamily="18" charset="0"/>
+                <a:cs typeface="Times New Roman" pitchFamily="18" charset="0"/>
+              </a:rPr>
               <a:t>учитель физики</a:t>
             </a:r>
           </a:p>
@@ -6863,7 +6957,7 @@
         </p:nvSpPr>
         <p:spPr>
           <a:xfrm>
-            <a:off x="1162879" y="300437"/>
+            <a:off x="705678" y="231913"/>
             <a:ext cx="10131425" cy="1455738"/>
           </a:xfrm>
         </p:spPr>
@@ -6873,16 +6967,39 @@
           <a:p>
             <a:pPr algn="ctr"/>
             <a:r>
-              <a:rPr lang="ru-RU" dirty="0" smtClean="0"/>
-              <a:t>Толщина линзы</a:t>
-            </a:r>
-            <a:endParaRPr lang="ru-RU" dirty="0"/>
+              <a:rPr lang="ru-RU" dirty="0" smtClean="0">
+                <a:latin typeface="Times New Roman" pitchFamily="18" charset="0"/>
+                <a:cs typeface="Times New Roman" pitchFamily="18" charset="0"/>
+              </a:rPr>
+              <a:t>Фокальное </a:t>
+            </a:r>
+            <a:r>
+              <a:rPr lang="ru-RU" dirty="0" smtClean="0">
+                <a:latin typeface="Times New Roman" pitchFamily="18" charset="0"/>
+                <a:cs typeface="Times New Roman" pitchFamily="18" charset="0"/>
+              </a:rPr>
+              <a:t>расстояние, </a:t>
+            </a:r>
+            <a:r>
+              <a:rPr lang="ru-RU" dirty="0" smtClean="0">
+                <a:latin typeface="Times New Roman" pitchFamily="18" charset="0"/>
+                <a:cs typeface="Times New Roman" pitchFamily="18" charset="0"/>
+              </a:rPr>
+              <a:t>Эксцентриситет </a:t>
+            </a:r>
+            <a:r>
+              <a:rPr lang="ru-RU" dirty="0">
+                <a:latin typeface="Times New Roman" pitchFamily="18" charset="0"/>
+                <a:cs typeface="Times New Roman" pitchFamily="18" charset="0"/>
+              </a:rPr>
+              <a:t>эллипса</a:t>
+            </a:r>
           </a:p>
         </p:txBody>
       </p:sp>
       <p:pic>
         <p:nvPicPr>
-          <p:cNvPr id="5122" name="Picture 2" descr="C:\Users\Ololo\Desktop\science\sciense\Illustrations\17.png"/>
+          <p:cNvPr id="3075" name="Picture 3" descr="C:\Users\Ololo\Desktop\science\sciense\Illustrations\20.png"/>
           <p:cNvPicPr>
             <a:picLocks noChangeAspect="1" noChangeArrowheads="1"/>
           </p:cNvPicPr>
@@ -6903,8 +7020,8 @@
         </p:blipFill>
         <p:spPr bwMode="auto">
           <a:xfrm>
-            <a:off x="4394823" y="1597151"/>
-            <a:ext cx="7651404" cy="5101823"/>
+            <a:off x="6736798" y="2057952"/>
+            <a:ext cx="5103172" cy="4144065"/>
           </a:xfrm>
           <a:prstGeom prst="rect">
             <a:avLst/>
@@ -6921,8 +7038,1603 @@
           </a:extLst>
         </p:spPr>
       </p:pic>
+      <mc:AlternateContent xmlns:mc="http://schemas.openxmlformats.org/markup-compatibility/2006" xmlns:a14="http://schemas.microsoft.com/office/drawing/2010/main">
+        <mc:Choice Requires="a14">
+          <p:sp>
+            <p:nvSpPr>
+              <p:cNvPr id="4" name="Прямоугольник 3"/>
+              <p:cNvSpPr/>
+              <p:nvPr/>
+            </p:nvSpPr>
+            <p:spPr>
+              <a:xfrm>
+                <a:off x="982130" y="2334295"/>
+                <a:ext cx="2486450" cy="639983"/>
+              </a:xfrm>
+              <a:prstGeom prst="rect">
+                <a:avLst/>
+              </a:prstGeom>
+            </p:spPr>
+            <p:txBody>
+              <a:bodyPr wrap="none">
+                <a:spAutoFit/>
+              </a:bodyPr>
+              <a:lstStyle/>
+              <a:p>
+                <a:pPr/>
+                <a14:m>
+                  <m:oMathPara xmlns:m="http://schemas.openxmlformats.org/officeDocument/2006/math">
+                    <m:oMathParaPr>
+                      <m:jc m:val="centerGroup"/>
+                    </m:oMathParaPr>
+                    <m:oMath xmlns:m="http://schemas.openxmlformats.org/officeDocument/2006/math">
+                      <m:sSup>
+                        <m:sSupPr>
+                          <m:ctrlPr>
+                            <a:rPr lang="ru-RU" sz="3200" i="1">
+                              <a:latin typeface="Cambria Math"/>
+                            </a:rPr>
+                          </m:ctrlPr>
+                        </m:sSupPr>
+                        <m:e>
+                          <m:r>
+                            <a:rPr lang="ru-RU" sz="3200" i="1">
+                              <a:latin typeface="Cambria Math"/>
+                            </a:rPr>
+                            <m:t>𝑐</m:t>
+                          </m:r>
+                        </m:e>
+                        <m:sup>
+                          <m:r>
+                            <a:rPr lang="ru-RU" sz="3200" i="1">
+                              <a:latin typeface="Cambria Math"/>
+                            </a:rPr>
+                            <m:t>2</m:t>
+                          </m:r>
+                        </m:sup>
+                      </m:sSup>
+                      <m:r>
+                        <a:rPr lang="ru-RU" sz="3200" i="1">
+                          <a:latin typeface="Cambria Math"/>
+                        </a:rPr>
+                        <m:t>=</m:t>
+                      </m:r>
+                      <m:sSup>
+                        <m:sSupPr>
+                          <m:ctrlPr>
+                            <a:rPr lang="ru-RU" sz="3200" i="1">
+                              <a:latin typeface="Cambria Math"/>
+                            </a:rPr>
+                          </m:ctrlPr>
+                        </m:sSupPr>
+                        <m:e>
+                          <m:r>
+                            <a:rPr lang="ru-RU" sz="3200" i="1">
+                              <a:latin typeface="Cambria Math"/>
+                            </a:rPr>
+                            <m:t>𝑎</m:t>
+                          </m:r>
+                        </m:e>
+                        <m:sup>
+                          <m:r>
+                            <a:rPr lang="ru-RU" sz="3200" i="1">
+                              <a:latin typeface="Cambria Math"/>
+                            </a:rPr>
+                            <m:t>2</m:t>
+                          </m:r>
+                        </m:sup>
+                      </m:sSup>
+                      <m:r>
+                        <a:rPr lang="ru-RU" sz="3200" i="1">
+                          <a:latin typeface="Cambria Math"/>
+                        </a:rPr>
+                        <m:t>−</m:t>
+                      </m:r>
+                      <m:sSup>
+                        <m:sSupPr>
+                          <m:ctrlPr>
+                            <a:rPr lang="ru-RU" sz="3200" i="1">
+                              <a:latin typeface="Cambria Math"/>
+                            </a:rPr>
+                          </m:ctrlPr>
+                        </m:sSupPr>
+                        <m:e>
+                          <m:r>
+                            <a:rPr lang="ru-RU" sz="3200" i="1">
+                              <a:latin typeface="Cambria Math"/>
+                            </a:rPr>
+                            <m:t>𝑏</m:t>
+                          </m:r>
+                        </m:e>
+                        <m:sup>
+                          <m:r>
+                            <a:rPr lang="ru-RU" sz="3200" i="1">
+                              <a:latin typeface="Cambria Math"/>
+                            </a:rPr>
+                            <m:t>2</m:t>
+                          </m:r>
+                        </m:sup>
+                      </m:sSup>
+                    </m:oMath>
+                  </m:oMathPara>
+                </a14:m>
+                <a:endParaRPr lang="ru-RU" dirty="0"/>
+              </a:p>
+            </p:txBody>
+          </p:sp>
+        </mc:Choice>
+        <mc:Fallback xmlns="">
+          <p:sp>
+            <p:nvSpPr>
+              <p:cNvPr id="4" name="Прямоугольник 3"/>
+              <p:cNvSpPr>
+                <a:spLocks noRot="1" noChangeAspect="1" noMove="1" noResize="1" noEditPoints="1" noAdjustHandles="1" noChangeArrowheads="1" noChangeShapeType="1" noTextEdit="1"/>
+              </p:cNvSpPr>
+              <p:nvPr/>
+            </p:nvSpPr>
+            <p:spPr>
+              <a:xfrm>
+                <a:off x="982130" y="2334295"/>
+                <a:ext cx="2486450" cy="639983"/>
+              </a:xfrm>
+              <a:prstGeom prst="rect">
+                <a:avLst/>
+              </a:prstGeom>
+              <a:blipFill rotWithShape="1">
+                <a:blip r:embed="rId3"/>
+                <a:stretch>
+                  <a:fillRect/>
+                </a:stretch>
+              </a:blipFill>
+            </p:spPr>
+            <p:txBody>
+              <a:bodyPr/>
+              <a:lstStyle/>
+              <a:p>
+                <a:r>
+                  <a:rPr lang="ru-RU">
+                    <a:noFill/>
+                  </a:rPr>
+                  <a:t> </a:t>
+                </a:r>
+              </a:p>
+            </p:txBody>
+          </p:sp>
+        </mc:Fallback>
+      </mc:AlternateContent>
       <mc:AlternateContent xmlns:mc="http://schemas.openxmlformats.org/markup-compatibility/2006">
         <mc:Choice xmlns:a14="http://schemas.microsoft.com/office/drawing/2010/main" Requires="a14">
+          <p:sp>
+            <p:nvSpPr>
+              <p:cNvPr id="5" name="Прямоугольник 4"/>
+              <p:cNvSpPr/>
+              <p:nvPr/>
+            </p:nvSpPr>
+            <p:spPr>
+              <a:xfrm>
+                <a:off x="0" y="3477491"/>
+                <a:ext cx="6788728" cy="2482346"/>
+              </a:xfrm>
+              <a:prstGeom prst="rect">
+                <a:avLst/>
+              </a:prstGeom>
+            </p:spPr>
+            <p:txBody>
+              <a:bodyPr wrap="square">
+                <a:spAutoFit/>
+              </a:bodyPr>
+              <a:lstStyle/>
+              <a:p>
+                <a:pPr/>
+                <a14:m>
+                  <m:oMathPara xmlns:m="http://schemas.openxmlformats.org/officeDocument/2006/math">
+                    <m:oMathParaPr>
+                      <m:jc m:val="centerGroup"/>
+                    </m:oMathParaPr>
+                    <m:oMath xmlns:m="http://schemas.openxmlformats.org/officeDocument/2006/math">
+                      <m:r>
+                        <a:rPr lang="en-US" sz="3200" i="1" smtClean="0">
+                          <a:latin typeface="Cambria Math"/>
+                        </a:rPr>
+                        <m:t>𝜀</m:t>
+                      </m:r>
+                      <m:r>
+                        <a:rPr lang="en-US" sz="3200" i="1" smtClean="0">
+                          <a:latin typeface="Cambria Math"/>
+                        </a:rPr>
+                        <m:t>= </m:t>
+                      </m:r>
+                      <m:f>
+                        <m:fPr>
+                          <m:ctrlPr>
+                            <a:rPr lang="ru-RU" sz="3200" i="1">
+                              <a:latin typeface="Cambria Math"/>
+                            </a:rPr>
+                          </m:ctrlPr>
+                        </m:fPr>
+                        <m:num>
+                          <m:r>
+                            <a:rPr lang="en-US" sz="3200" i="1">
+                              <a:latin typeface="Cambria Math"/>
+                            </a:rPr>
+                            <m:t>𝑐</m:t>
+                          </m:r>
+                        </m:num>
+                        <m:den>
+                          <m:r>
+                            <a:rPr lang="en-US" sz="3200" i="1">
+                              <a:latin typeface="Cambria Math"/>
+                            </a:rPr>
+                            <m:t>𝑎</m:t>
+                          </m:r>
+                        </m:den>
+                      </m:f>
+                      <m:r>
+                        <a:rPr lang="en-US" sz="3200" i="1">
+                          <a:latin typeface="Cambria Math"/>
+                        </a:rPr>
+                        <m:t>= </m:t>
+                      </m:r>
+                      <m:f>
+                        <m:fPr>
+                          <m:ctrlPr>
+                            <a:rPr lang="ru-RU" sz="3200" i="1">
+                              <a:latin typeface="Cambria Math"/>
+                            </a:rPr>
+                          </m:ctrlPr>
+                        </m:fPr>
+                        <m:num>
+                          <m:rad>
+                            <m:radPr>
+                              <m:degHide m:val="on"/>
+                              <m:ctrlPr>
+                                <a:rPr lang="ru-RU" sz="3200" i="1">
+                                  <a:latin typeface="Cambria Math"/>
+                                </a:rPr>
+                              </m:ctrlPr>
+                            </m:radPr>
+                            <m:deg/>
+                            <m:e>
+                              <m:sSup>
+                                <m:sSupPr>
+                                  <m:ctrlPr>
+                                    <a:rPr lang="ru-RU" sz="3200" i="1">
+                                      <a:latin typeface="Cambria Math"/>
+                                    </a:rPr>
+                                  </m:ctrlPr>
+                                </m:sSupPr>
+                                <m:e>
+                                  <m:r>
+                                    <a:rPr lang="en-US" sz="3200" i="1">
+                                      <a:latin typeface="Cambria Math"/>
+                                    </a:rPr>
+                                    <m:t>𝑎</m:t>
+                                  </m:r>
+                                </m:e>
+                                <m:sup>
+                                  <m:r>
+                                    <a:rPr lang="en-US" sz="3200" i="1">
+                                      <a:latin typeface="Cambria Math"/>
+                                    </a:rPr>
+                                    <m:t>2</m:t>
+                                  </m:r>
+                                </m:sup>
+                              </m:sSup>
+                              <m:r>
+                                <a:rPr lang="en-US" sz="3200" i="1">
+                                  <a:latin typeface="Cambria Math"/>
+                                </a:rPr>
+                                <m:t>−</m:t>
+                              </m:r>
+                              <m:sSup>
+                                <m:sSupPr>
+                                  <m:ctrlPr>
+                                    <a:rPr lang="ru-RU" sz="3200" i="1">
+                                      <a:latin typeface="Cambria Math"/>
+                                    </a:rPr>
+                                  </m:ctrlPr>
+                                </m:sSupPr>
+                                <m:e>
+                                  <m:r>
+                                    <a:rPr lang="en-US" sz="3200" i="1">
+                                      <a:latin typeface="Cambria Math"/>
+                                    </a:rPr>
+                                    <m:t>𝑏</m:t>
+                                  </m:r>
+                                </m:e>
+                                <m:sup>
+                                  <m:r>
+                                    <a:rPr lang="en-US" sz="3200" i="1">
+                                      <a:latin typeface="Cambria Math"/>
+                                    </a:rPr>
+                                    <m:t>2</m:t>
+                                  </m:r>
+                                </m:sup>
+                              </m:sSup>
+                            </m:e>
+                          </m:rad>
+                        </m:num>
+                        <m:den>
+                          <m:r>
+                            <a:rPr lang="en-US" sz="3200" i="1">
+                              <a:latin typeface="Cambria Math"/>
+                            </a:rPr>
+                            <m:t>𝑎</m:t>
+                          </m:r>
+                        </m:den>
+                      </m:f>
+                      <m:r>
+                        <a:rPr lang="en-US" sz="3200" i="1">
+                          <a:latin typeface="Cambria Math"/>
+                        </a:rPr>
+                        <m:t>= </m:t>
+                      </m:r>
+                      <m:rad>
+                        <m:radPr>
+                          <m:degHide m:val="on"/>
+                          <m:ctrlPr>
+                            <a:rPr lang="ru-RU" sz="3200" i="1">
+                              <a:latin typeface="Cambria Math"/>
+                            </a:rPr>
+                          </m:ctrlPr>
+                        </m:radPr>
+                        <m:deg/>
+                        <m:e>
+                          <m:r>
+                            <a:rPr lang="en-US" sz="3200" i="1">
+                              <a:latin typeface="Cambria Math"/>
+                            </a:rPr>
+                            <m:t>1−</m:t>
+                          </m:r>
+                          <m:sSup>
+                            <m:sSupPr>
+                              <m:ctrlPr>
+                                <a:rPr lang="ru-RU" sz="3200" i="1">
+                                  <a:latin typeface="Cambria Math"/>
+                                </a:rPr>
+                              </m:ctrlPr>
+                            </m:sSupPr>
+                            <m:e>
+                              <m:d>
+                                <m:dPr>
+                                  <m:ctrlPr>
+                                    <a:rPr lang="ru-RU" sz="3200" i="1">
+                                      <a:latin typeface="Cambria Math"/>
+                                    </a:rPr>
+                                  </m:ctrlPr>
+                                </m:dPr>
+                                <m:e>
+                                  <m:f>
+                                    <m:fPr>
+                                      <m:ctrlPr>
+                                        <a:rPr lang="ru-RU" sz="3200" i="1">
+                                          <a:latin typeface="Cambria Math"/>
+                                        </a:rPr>
+                                      </m:ctrlPr>
+                                    </m:fPr>
+                                    <m:num>
+                                      <m:r>
+                                        <a:rPr lang="en-US" sz="3200" i="1">
+                                          <a:latin typeface="Cambria Math"/>
+                                        </a:rPr>
+                                        <m:t>𝑏</m:t>
+                                      </m:r>
+                                    </m:num>
+                                    <m:den>
+                                      <m:r>
+                                        <a:rPr lang="en-US" sz="3200" i="1">
+                                          <a:latin typeface="Cambria Math"/>
+                                        </a:rPr>
+                                        <m:t>𝑎</m:t>
+                                      </m:r>
+                                    </m:den>
+                                  </m:f>
+                                </m:e>
+                              </m:d>
+                            </m:e>
+                            <m:sup>
+                              <m:r>
+                                <a:rPr lang="en-US" sz="3200" i="1">
+                                  <a:latin typeface="Cambria Math"/>
+                                </a:rPr>
+                                <m:t>2</m:t>
+                              </m:r>
+                            </m:sup>
+                          </m:sSup>
+                        </m:e>
+                      </m:rad>
+                      <m:r>
+                        <a:rPr lang="ru-RU" sz="3200" b="0" i="1" smtClean="0">
+                          <a:latin typeface="Cambria Math"/>
+                        </a:rPr>
+                        <m:t>=</m:t>
+                      </m:r>
+                      <m:r>
+                        <a:rPr lang="en-US" sz="3200" i="1">
+                          <a:latin typeface="Cambria Math"/>
+                        </a:rPr>
+                        <m:t>= </m:t>
+                      </m:r>
+                      <m:rad>
+                        <m:radPr>
+                          <m:degHide m:val="on"/>
+                          <m:ctrlPr>
+                            <a:rPr lang="ru-RU" sz="3200" i="1">
+                              <a:latin typeface="Cambria Math"/>
+                            </a:rPr>
+                          </m:ctrlPr>
+                        </m:radPr>
+                        <m:deg/>
+                        <m:e>
+                          <m:r>
+                            <a:rPr lang="en-US" sz="3200" i="1">
+                              <a:latin typeface="Cambria Math"/>
+                            </a:rPr>
+                            <m:t>1−</m:t>
+                          </m:r>
+                          <m:sSup>
+                            <m:sSupPr>
+                              <m:ctrlPr>
+                                <a:rPr lang="ru-RU" sz="3200" i="1">
+                                  <a:latin typeface="Cambria Math"/>
+                                </a:rPr>
+                              </m:ctrlPr>
+                            </m:sSupPr>
+                            <m:e>
+                              <m:r>
+                                <a:rPr lang="en-US" sz="3200" i="1">
+                                  <a:latin typeface="Cambria Math"/>
+                                </a:rPr>
+                                <m:t>𝑘</m:t>
+                              </m:r>
+                            </m:e>
+                            <m:sup>
+                              <m:r>
+                                <a:rPr lang="en-US" sz="3200" i="1">
+                                  <a:latin typeface="Cambria Math"/>
+                                </a:rPr>
+                                <m:t>2</m:t>
+                              </m:r>
+                            </m:sup>
+                          </m:sSup>
+                        </m:e>
+                      </m:rad>
+                      <m:r>
+                        <a:rPr lang="en-US" sz="3200" i="1">
+                          <a:latin typeface="Cambria Math"/>
+                        </a:rPr>
+                        <m:t>, где </m:t>
+                      </m:r>
+                      <m:r>
+                        <a:rPr lang="en-US" sz="3200" i="1">
+                          <a:latin typeface="Cambria Math"/>
+                        </a:rPr>
+                        <m:t>𝑘</m:t>
+                      </m:r>
+                      <m:r>
+                        <a:rPr lang="en-US" sz="3200" i="1">
+                          <a:latin typeface="Cambria Math"/>
+                        </a:rPr>
+                        <m:t>=</m:t>
+                      </m:r>
+                      <m:f>
+                        <m:fPr>
+                          <m:ctrlPr>
+                            <a:rPr lang="ru-RU" sz="3200" i="1">
+                              <a:latin typeface="Cambria Math"/>
+                            </a:rPr>
+                          </m:ctrlPr>
+                        </m:fPr>
+                        <m:num>
+                          <m:r>
+                            <a:rPr lang="en-US" sz="3200" i="1">
+                              <a:latin typeface="Cambria Math"/>
+                            </a:rPr>
+                            <m:t>𝑏</m:t>
+                          </m:r>
+                        </m:num>
+                        <m:den>
+                          <m:r>
+                            <a:rPr lang="en-US" sz="3200" i="1">
+                              <a:latin typeface="Cambria Math"/>
+                            </a:rPr>
+                            <m:t>𝑎</m:t>
+                          </m:r>
+                        </m:den>
+                      </m:f>
+                    </m:oMath>
+                  </m:oMathPara>
+                </a14:m>
+                <a:endParaRPr lang="ru-RU" dirty="0"/>
+              </a:p>
+            </p:txBody>
+          </p:sp>
+        </mc:Choice>
+        <mc:Fallback>
+          <p:sp>
+            <p:nvSpPr>
+              <p:cNvPr id="5" name="Прямоугольник 4"/>
+              <p:cNvSpPr>
+                <a:spLocks noRot="1" noChangeAspect="1" noMove="1" noResize="1" noEditPoints="1" noAdjustHandles="1" noChangeArrowheads="1" noChangeShapeType="1" noTextEdit="1"/>
+              </p:cNvSpPr>
+              <p:nvPr/>
+            </p:nvSpPr>
+            <p:spPr>
+              <a:xfrm>
+                <a:off x="0" y="3477491"/>
+                <a:ext cx="6788728" cy="2482346"/>
+              </a:xfrm>
+              <a:prstGeom prst="rect">
+                <a:avLst/>
+              </a:prstGeom>
+              <a:blipFill rotWithShape="1">
+                <a:blip r:embed="rId4"/>
+                <a:stretch>
+                  <a:fillRect/>
+                </a:stretch>
+              </a:blipFill>
+            </p:spPr>
+            <p:txBody>
+              <a:bodyPr/>
+              <a:lstStyle/>
+              <a:p>
+                <a:r>
+                  <a:rPr lang="ru-RU">
+                    <a:noFill/>
+                  </a:rPr>
+                  <a:t> </a:t>
+                </a:r>
+              </a:p>
+            </p:txBody>
+          </p:sp>
+        </mc:Fallback>
+      </mc:AlternateContent>
+    </p:spTree>
+    <p:extLst>
+      <p:ext uri="{BB962C8B-B14F-4D97-AF65-F5344CB8AC3E}">
+        <p14:creationId xmlns:p14="http://schemas.microsoft.com/office/powerpoint/2010/main" val="3384890045"/>
+      </p:ext>
+    </p:extLst>
+  </p:cSld>
+  <p:clrMapOvr>
+    <a:masterClrMapping/>
+  </p:clrMapOvr>
+  <p:timing>
+    <p:tnLst>
+      <p:par>
+        <p:cTn id="1" dur="indefinite" restart="never" nodeType="tmRoot"/>
+      </p:par>
+    </p:tnLst>
+  </p:timing>
+</p:sld>
+</file>
+
+<file path=ppt/slides/slide11.xml><?xml version="1.0" encoding="utf-8"?>
+<p:sld xmlns:a="http://schemas.openxmlformats.org/drawingml/2006/main" xmlns:r="http://schemas.openxmlformats.org/officeDocument/2006/relationships" xmlns:p="http://schemas.openxmlformats.org/presentationml/2006/main">
+  <p:cSld>
+    <p:spTree>
+      <p:nvGrpSpPr>
+        <p:cNvPr id="1" name=""/>
+        <p:cNvGrpSpPr/>
+        <p:nvPr/>
+      </p:nvGrpSpPr>
+      <p:grpSpPr>
+        <a:xfrm>
+          <a:off x="0" y="0"/>
+          <a:ext cx="0" cy="0"/>
+          <a:chOff x="0" y="0"/>
+          <a:chExt cx="0" cy="0"/>
+        </a:xfrm>
+      </p:grpSpPr>
+      <p:sp>
+        <p:nvSpPr>
+          <p:cNvPr id="2" name="Заголовок 1"/>
+          <p:cNvSpPr>
+            <a:spLocks noGrp="1"/>
+          </p:cNvSpPr>
+          <p:nvPr>
+            <p:ph type="title"/>
+          </p:nvPr>
+        </p:nvSpPr>
+        <p:spPr/>
+        <p:txBody>
+          <a:bodyPr/>
+          <a:lstStyle/>
+          <a:p>
+            <a:pPr algn="ctr"/>
+            <a:r>
+              <a:rPr lang="ru-RU" dirty="0" smtClean="0">
+                <a:latin typeface="Times New Roman" pitchFamily="18" charset="0"/>
+                <a:cs typeface="Times New Roman" pitchFamily="18" charset="0"/>
+              </a:rPr>
+              <a:t>Зависимость эксцентриситета от </a:t>
+            </a:r>
+            <a:r>
+              <a:rPr lang="ru-RU" dirty="0">
+                <a:latin typeface="Times New Roman" pitchFamily="18" charset="0"/>
+                <a:cs typeface="Times New Roman" pitchFamily="18" charset="0"/>
+              </a:rPr>
+              <a:t>коэффициента </a:t>
+            </a:r>
+            <a:r>
+              <a:rPr lang="ru-RU" dirty="0" smtClean="0">
+                <a:latin typeface="Times New Roman" pitchFamily="18" charset="0"/>
+                <a:cs typeface="Times New Roman" pitchFamily="18" charset="0"/>
+              </a:rPr>
+              <a:t>преломления</a:t>
+            </a:r>
+            <a:endParaRPr lang="ru-RU" dirty="0">
+              <a:latin typeface="Times New Roman" pitchFamily="18" charset="0"/>
+              <a:cs typeface="Times New Roman" pitchFamily="18" charset="0"/>
+            </a:endParaRPr>
+          </a:p>
+        </p:txBody>
+      </p:sp>
+      <mc:AlternateContent xmlns:mc="http://schemas.openxmlformats.org/markup-compatibility/2006" xmlns:a14="http://schemas.microsoft.com/office/drawing/2010/main">
+        <mc:Choice Requires="a14">
+          <p:sp>
+            <p:nvSpPr>
+              <p:cNvPr id="4" name="Прямоугольник 3"/>
+              <p:cNvSpPr/>
+              <p:nvPr/>
+            </p:nvSpPr>
+            <p:spPr>
+              <a:xfrm>
+                <a:off x="751381" y="2619351"/>
+                <a:ext cx="1324786" cy="1017523"/>
+              </a:xfrm>
+              <a:prstGeom prst="rect">
+                <a:avLst/>
+              </a:prstGeom>
+            </p:spPr>
+            <p:txBody>
+              <a:bodyPr wrap="none">
+                <a:spAutoFit/>
+              </a:bodyPr>
+              <a:lstStyle/>
+              <a:p>
+                <a:pPr/>
+                <a14:m>
+                  <m:oMathPara xmlns:m="http://schemas.openxmlformats.org/officeDocument/2006/math">
+                    <m:oMathParaPr>
+                      <m:jc m:val="centerGroup"/>
+                    </m:oMathParaPr>
+                    <m:oMath xmlns:m="http://schemas.openxmlformats.org/officeDocument/2006/math">
+                      <m:r>
+                        <a:rPr lang="en-US" sz="3200" i="1">
+                          <a:latin typeface="Cambria Math"/>
+                        </a:rPr>
+                        <m:t>𝜀</m:t>
+                      </m:r>
+                      <m:r>
+                        <a:rPr lang="ru-RU" sz="3200" i="1">
+                          <a:latin typeface="Cambria Math"/>
+                        </a:rPr>
+                        <m:t>= </m:t>
+                      </m:r>
+                      <m:f>
+                        <m:fPr>
+                          <m:ctrlPr>
+                            <a:rPr lang="ru-RU" sz="3200" i="1">
+                              <a:latin typeface="Cambria Math"/>
+                            </a:rPr>
+                          </m:ctrlPr>
+                        </m:fPr>
+                        <m:num>
+                          <m:r>
+                            <a:rPr lang="ru-RU" sz="3200" i="1">
+                              <a:latin typeface="Cambria Math"/>
+                            </a:rPr>
+                            <m:t>1</m:t>
+                          </m:r>
+                        </m:num>
+                        <m:den>
+                          <m:r>
+                            <a:rPr lang="en-US" sz="3200" i="1">
+                              <a:latin typeface="Cambria Math"/>
+                            </a:rPr>
+                            <m:t>𝑛</m:t>
+                          </m:r>
+                        </m:den>
+                      </m:f>
+                    </m:oMath>
+                  </m:oMathPara>
+                </a14:m>
+                <a:endParaRPr lang="ru-RU" dirty="0"/>
+              </a:p>
+            </p:txBody>
+          </p:sp>
+        </mc:Choice>
+        <mc:Fallback xmlns="">
+          <p:sp>
+            <p:nvSpPr>
+              <p:cNvPr id="4" name="Прямоугольник 3"/>
+              <p:cNvSpPr>
+                <a:spLocks noRot="1" noChangeAspect="1" noMove="1" noResize="1" noEditPoints="1" noAdjustHandles="1" noChangeArrowheads="1" noChangeShapeType="1" noTextEdit="1"/>
+              </p:cNvSpPr>
+              <p:nvPr/>
+            </p:nvSpPr>
+            <p:spPr>
+              <a:xfrm>
+                <a:off x="751381" y="2619351"/>
+                <a:ext cx="1324786" cy="1017523"/>
+              </a:xfrm>
+              <a:prstGeom prst="rect">
+                <a:avLst/>
+              </a:prstGeom>
+              <a:blipFill rotWithShape="1">
+                <a:blip r:embed="rId2"/>
+                <a:stretch>
+                  <a:fillRect/>
+                </a:stretch>
+              </a:blipFill>
+            </p:spPr>
+            <p:txBody>
+              <a:bodyPr/>
+              <a:lstStyle/>
+              <a:p>
+                <a:r>
+                  <a:rPr lang="ru-RU">
+                    <a:noFill/>
+                  </a:rPr>
+                  <a:t> </a:t>
+                </a:r>
+              </a:p>
+            </p:txBody>
+          </p:sp>
+        </mc:Fallback>
+      </mc:AlternateContent>
+      <mc:AlternateContent xmlns:mc="http://schemas.openxmlformats.org/markup-compatibility/2006" xmlns:a14="http://schemas.microsoft.com/office/drawing/2010/main">
+        <mc:Choice Requires="a14">
+          <p:sp>
+            <p:nvSpPr>
+              <p:cNvPr id="5" name="Прямоугольник 4"/>
+              <p:cNvSpPr/>
+              <p:nvPr/>
+            </p:nvSpPr>
+            <p:spPr>
+              <a:xfrm>
+                <a:off x="751381" y="3664150"/>
+                <a:ext cx="2665730" cy="1152623"/>
+              </a:xfrm>
+              <a:prstGeom prst="rect">
+                <a:avLst/>
+              </a:prstGeom>
+            </p:spPr>
+            <p:txBody>
+              <a:bodyPr wrap="none">
+                <a:spAutoFit/>
+              </a:bodyPr>
+              <a:lstStyle/>
+              <a:p>
+                <a:pPr/>
+                <a14:m>
+                  <m:oMathPara xmlns:m="http://schemas.openxmlformats.org/officeDocument/2006/math">
+                    <m:oMathParaPr>
+                      <m:jc m:val="centerGroup"/>
+                    </m:oMathParaPr>
+                    <m:oMath xmlns:m="http://schemas.openxmlformats.org/officeDocument/2006/math">
+                      <m:r>
+                        <a:rPr lang="ru-RU" sz="3200" i="1">
+                          <a:latin typeface="Cambria Math"/>
+                        </a:rPr>
+                        <m:t>𝑏</m:t>
+                      </m:r>
+                      <m:r>
+                        <a:rPr lang="ru-RU" sz="3200" i="1">
+                          <a:latin typeface="Cambria Math"/>
+                        </a:rPr>
+                        <m:t>=</m:t>
+                      </m:r>
+                      <m:f>
+                        <m:fPr>
+                          <m:ctrlPr>
+                            <a:rPr lang="ru-RU" sz="3200" i="1">
+                              <a:latin typeface="Cambria Math"/>
+                            </a:rPr>
+                          </m:ctrlPr>
+                        </m:fPr>
+                        <m:num>
+                          <m:r>
+                            <a:rPr lang="ru-RU" sz="3200" i="1">
+                              <a:latin typeface="Cambria Math"/>
+                            </a:rPr>
+                            <m:t>𝑎</m:t>
+                          </m:r>
+                          <m:rad>
+                            <m:radPr>
+                              <m:degHide m:val="on"/>
+                              <m:ctrlPr>
+                                <a:rPr lang="ru-RU" sz="3200" i="1">
+                                  <a:latin typeface="Cambria Math"/>
+                                </a:rPr>
+                              </m:ctrlPr>
+                            </m:radPr>
+                            <m:deg/>
+                            <m:e>
+                              <m:sSup>
+                                <m:sSupPr>
+                                  <m:ctrlPr>
+                                    <a:rPr lang="ru-RU" sz="3200" i="1">
+                                      <a:latin typeface="Cambria Math"/>
+                                    </a:rPr>
+                                  </m:ctrlPr>
+                                </m:sSupPr>
+                                <m:e>
+                                  <m:r>
+                                    <a:rPr lang="ru-RU" sz="3200" i="1">
+                                      <a:latin typeface="Cambria Math"/>
+                                    </a:rPr>
+                                    <m:t>𝑛</m:t>
+                                  </m:r>
+                                </m:e>
+                                <m:sup>
+                                  <m:r>
+                                    <a:rPr lang="ru-RU" sz="3200" i="1">
+                                      <a:latin typeface="Cambria Math"/>
+                                    </a:rPr>
+                                    <m:t>2</m:t>
+                                  </m:r>
+                                </m:sup>
+                              </m:sSup>
+                              <m:r>
+                                <a:rPr lang="ru-RU" sz="3200" i="1">
+                                  <a:latin typeface="Cambria Math"/>
+                                </a:rPr>
+                                <m:t>−1</m:t>
+                              </m:r>
+                            </m:e>
+                          </m:rad>
+                        </m:num>
+                        <m:den>
+                          <m:r>
+                            <a:rPr lang="ru-RU" sz="3200" i="1">
+                              <a:latin typeface="Cambria Math"/>
+                            </a:rPr>
+                            <m:t>𝑛</m:t>
+                          </m:r>
+                        </m:den>
+                      </m:f>
+                    </m:oMath>
+                  </m:oMathPara>
+                </a14:m>
+                <a:endParaRPr lang="ru-RU" sz="3200" dirty="0"/>
+              </a:p>
+            </p:txBody>
+          </p:sp>
+        </mc:Choice>
+        <mc:Fallback xmlns="">
+          <p:sp>
+            <p:nvSpPr>
+              <p:cNvPr id="5" name="Прямоугольник 4"/>
+              <p:cNvSpPr>
+                <a:spLocks noRot="1" noChangeAspect="1" noMove="1" noResize="1" noEditPoints="1" noAdjustHandles="1" noChangeArrowheads="1" noChangeShapeType="1" noTextEdit="1"/>
+              </p:cNvSpPr>
+              <p:nvPr/>
+            </p:nvSpPr>
+            <p:spPr>
+              <a:xfrm>
+                <a:off x="751381" y="3664150"/>
+                <a:ext cx="2665730" cy="1152623"/>
+              </a:xfrm>
+              <a:prstGeom prst="rect">
+                <a:avLst/>
+              </a:prstGeom>
+              <a:blipFill rotWithShape="1">
+                <a:blip r:embed="rId3"/>
+                <a:stretch>
+                  <a:fillRect/>
+                </a:stretch>
+              </a:blipFill>
+            </p:spPr>
+            <p:txBody>
+              <a:bodyPr/>
+              <a:lstStyle/>
+              <a:p>
+                <a:r>
+                  <a:rPr lang="ru-RU">
+                    <a:noFill/>
+                  </a:rPr>
+                  <a:t> </a:t>
+                </a:r>
+              </a:p>
+            </p:txBody>
+          </p:sp>
+        </mc:Fallback>
+      </mc:AlternateContent>
+      <mc:AlternateContent xmlns:mc="http://schemas.openxmlformats.org/markup-compatibility/2006" xmlns:a14="http://schemas.microsoft.com/office/drawing/2010/main">
+        <mc:Choice Requires="a14">
+          <p:sp>
+            <p:nvSpPr>
+              <p:cNvPr id="6" name="Прямоугольник 5"/>
+              <p:cNvSpPr/>
+              <p:nvPr/>
+            </p:nvSpPr>
+            <p:spPr>
+              <a:xfrm>
+                <a:off x="751381" y="5001235"/>
+                <a:ext cx="2534284" cy="1119474"/>
+              </a:xfrm>
+              <a:prstGeom prst="rect">
+                <a:avLst/>
+              </a:prstGeom>
+            </p:spPr>
+            <p:txBody>
+              <a:bodyPr wrap="none">
+                <a:spAutoFit/>
+              </a:bodyPr>
+              <a:lstStyle/>
+              <a:p>
+                <a:pPr/>
+                <a14:m>
+                  <m:oMathPara xmlns:m="http://schemas.openxmlformats.org/officeDocument/2006/math">
+                    <m:oMathParaPr>
+                      <m:jc m:val="centerGroup"/>
+                    </m:oMathParaPr>
+                    <m:oMath xmlns:m="http://schemas.openxmlformats.org/officeDocument/2006/math">
+                      <m:r>
+                        <a:rPr lang="en-US" sz="3200" i="1">
+                          <a:latin typeface="Cambria Math"/>
+                        </a:rPr>
+                        <m:t>𝑎</m:t>
+                      </m:r>
+                      <m:r>
+                        <a:rPr lang="ru-RU" sz="3200" i="1">
+                          <a:latin typeface="Cambria Math"/>
+                        </a:rPr>
+                        <m:t>= </m:t>
+                      </m:r>
+                      <m:f>
+                        <m:fPr>
+                          <m:ctrlPr>
+                            <a:rPr lang="ru-RU" sz="3200" i="1">
+                              <a:latin typeface="Cambria Math"/>
+                            </a:rPr>
+                          </m:ctrlPr>
+                        </m:fPr>
+                        <m:num>
+                          <m:r>
+                            <a:rPr lang="en-US" sz="3200" i="1">
+                              <a:latin typeface="Cambria Math"/>
+                            </a:rPr>
+                            <m:t>𝑛𝑏</m:t>
+                          </m:r>
+                        </m:num>
+                        <m:den>
+                          <m:rad>
+                            <m:radPr>
+                              <m:degHide m:val="on"/>
+                              <m:ctrlPr>
+                                <a:rPr lang="ru-RU" sz="3200" i="1">
+                                  <a:latin typeface="Cambria Math"/>
+                                </a:rPr>
+                              </m:ctrlPr>
+                            </m:radPr>
+                            <m:deg/>
+                            <m:e>
+                              <m:sSup>
+                                <m:sSupPr>
+                                  <m:ctrlPr>
+                                    <a:rPr lang="ru-RU" sz="3200" i="1">
+                                      <a:latin typeface="Cambria Math"/>
+                                    </a:rPr>
+                                  </m:ctrlPr>
+                                </m:sSupPr>
+                                <m:e>
+                                  <m:r>
+                                    <a:rPr lang="en-US" sz="3200" i="1">
+                                      <a:latin typeface="Cambria Math"/>
+                                    </a:rPr>
+                                    <m:t>𝑛</m:t>
+                                  </m:r>
+                                </m:e>
+                                <m:sup>
+                                  <m:r>
+                                    <a:rPr lang="ru-RU" sz="3200" i="1">
+                                      <a:latin typeface="Cambria Math"/>
+                                    </a:rPr>
+                                    <m:t>2</m:t>
+                                  </m:r>
+                                </m:sup>
+                              </m:sSup>
+                              <m:r>
+                                <a:rPr lang="ru-RU" sz="3200" i="1">
+                                  <a:latin typeface="Cambria Math"/>
+                                </a:rPr>
+                                <m:t>−1</m:t>
+                              </m:r>
+                            </m:e>
+                          </m:rad>
+                        </m:den>
+                      </m:f>
+                    </m:oMath>
+                  </m:oMathPara>
+                </a14:m>
+                <a:endParaRPr lang="ru-RU" dirty="0"/>
+              </a:p>
+            </p:txBody>
+          </p:sp>
+        </mc:Choice>
+        <mc:Fallback xmlns="">
+          <p:sp>
+            <p:nvSpPr>
+              <p:cNvPr id="6" name="Прямоугольник 5"/>
+              <p:cNvSpPr>
+                <a:spLocks noRot="1" noChangeAspect="1" noMove="1" noResize="1" noEditPoints="1" noAdjustHandles="1" noChangeArrowheads="1" noChangeShapeType="1" noTextEdit="1"/>
+              </p:cNvSpPr>
+              <p:nvPr/>
+            </p:nvSpPr>
+            <p:spPr>
+              <a:xfrm>
+                <a:off x="751381" y="5001235"/>
+                <a:ext cx="2534284" cy="1119474"/>
+              </a:xfrm>
+              <a:prstGeom prst="rect">
+                <a:avLst/>
+              </a:prstGeom>
+              <a:blipFill rotWithShape="1">
+                <a:blip r:embed="rId4"/>
+                <a:stretch>
+                  <a:fillRect/>
+                </a:stretch>
+              </a:blipFill>
+            </p:spPr>
+            <p:txBody>
+              <a:bodyPr/>
+              <a:lstStyle/>
+              <a:p>
+                <a:r>
+                  <a:rPr lang="ru-RU">
+                    <a:noFill/>
+                  </a:rPr>
+                  <a:t> </a:t>
+                </a:r>
+              </a:p>
+            </p:txBody>
+          </p:sp>
+        </mc:Fallback>
+      </mc:AlternateContent>
+      <p:pic>
+        <p:nvPicPr>
+          <p:cNvPr id="8194" name="Picture 2" descr="C:\Users\Ololo\Desktop\science\sciense\Illustrations\gif1\gif1.gif"/>
+          <p:cNvPicPr>
+            <a:picLocks noChangeAspect="1" noChangeArrowheads="1" noCrop="1"/>
+          </p:cNvPicPr>
+          <p:nvPr/>
+        </p:nvPicPr>
+        <p:blipFill>
+          <a:blip r:embed="rId5">
+            <a:extLst>
+              <a:ext uri="{28A0092B-C50C-407E-A947-70E740481C1C}">
+                <a14:useLocalDpi xmlns:a14="http://schemas.microsoft.com/office/drawing/2010/main" val="0"/>
+              </a:ext>
+            </a:extLst>
+          </a:blip>
+          <a:srcRect/>
+          <a:stretch>
+            <a:fillRect/>
+          </a:stretch>
+        </p:blipFill>
+        <p:spPr bwMode="auto">
+          <a:xfrm>
+            <a:off x="4496089" y="2063750"/>
+            <a:ext cx="6858000" cy="4572000"/>
+          </a:xfrm>
+          <a:prstGeom prst="rect">
+            <a:avLst/>
+          </a:prstGeom>
+          <a:noFill/>
+          <a:extLst>
+            <a:ext uri="{909E8E84-426E-40DD-AFC4-6F175D3DCCD1}">
+              <a14:hiddenFill xmlns:a14="http://schemas.microsoft.com/office/drawing/2010/main">
+                <a:solidFill>
+                  <a:srgbClr val="FFFFFF"/>
+                </a:solidFill>
+              </a14:hiddenFill>
+            </a:ext>
+          </a:extLst>
+        </p:spPr>
+      </p:pic>
+    </p:spTree>
+    <p:extLst>
+      <p:ext uri="{BB962C8B-B14F-4D97-AF65-F5344CB8AC3E}">
+        <p14:creationId xmlns:p14="http://schemas.microsoft.com/office/powerpoint/2010/main" val="3504320579"/>
+      </p:ext>
+    </p:extLst>
+  </p:cSld>
+  <p:clrMapOvr>
+    <a:masterClrMapping/>
+  </p:clrMapOvr>
+  <p:timing>
+    <p:tnLst>
+      <p:par>
+        <p:cTn id="1" dur="indefinite" restart="never" nodeType="tmRoot"/>
+      </p:par>
+    </p:tnLst>
+  </p:timing>
+</p:sld>
+</file>
+
+<file path=ppt/slides/slide12.xml><?xml version="1.0" encoding="utf-8"?>
+<p:sld xmlns:a="http://schemas.openxmlformats.org/drawingml/2006/main" xmlns:r="http://schemas.openxmlformats.org/officeDocument/2006/relationships" xmlns:p="http://schemas.openxmlformats.org/presentationml/2006/main">
+  <p:cSld>
+    <p:spTree>
+      <p:nvGrpSpPr>
+        <p:cNvPr id="1" name=""/>
+        <p:cNvGrpSpPr/>
+        <p:nvPr/>
+      </p:nvGrpSpPr>
+      <p:grpSpPr>
+        <a:xfrm>
+          <a:off x="0" y="0"/>
+          <a:ext cx="0" cy="0"/>
+          <a:chOff x="0" y="0"/>
+          <a:chExt cx="0" cy="0"/>
+        </a:xfrm>
+      </p:grpSpPr>
+      <p:sp>
+        <p:nvSpPr>
+          <p:cNvPr id="2" name="Заголовок 1"/>
+          <p:cNvSpPr>
+            <a:spLocks noGrp="1"/>
+          </p:cNvSpPr>
+          <p:nvPr>
+            <p:ph type="title"/>
+          </p:nvPr>
+        </p:nvSpPr>
+        <p:spPr>
+          <a:xfrm>
+            <a:off x="685800" y="291552"/>
+            <a:ext cx="10131425" cy="1455738"/>
+          </a:xfrm>
+        </p:spPr>
+        <p:txBody>
+          <a:bodyPr/>
+          <a:lstStyle/>
+          <a:p>
+            <a:pPr algn="ctr"/>
+            <a:r>
+              <a:rPr lang="ru-RU" dirty="0" smtClean="0">
+                <a:latin typeface="Times New Roman" pitchFamily="18" charset="0"/>
+                <a:cs typeface="Times New Roman" pitchFamily="18" charset="0"/>
+              </a:rPr>
+              <a:t>Линза максимального диаметра</a:t>
+            </a:r>
+            <a:endParaRPr lang="ru-RU" dirty="0">
+              <a:latin typeface="Times New Roman" pitchFamily="18" charset="0"/>
+              <a:cs typeface="Times New Roman" pitchFamily="18" charset="0"/>
+            </a:endParaRPr>
+          </a:p>
+        </p:txBody>
+      </p:sp>
+      <p:pic>
+        <p:nvPicPr>
+          <p:cNvPr id="4" name="Рисунок 3" descr="G:\Illustrations\9.png"/>
+          <p:cNvPicPr/>
+          <p:nvPr/>
+        </p:nvPicPr>
+        <p:blipFill>
+          <a:blip r:embed="rId2">
+            <a:extLst>
+              <a:ext uri="{28A0092B-C50C-407E-A947-70E740481C1C}">
+                <a14:useLocalDpi xmlns:a14="http://schemas.microsoft.com/office/drawing/2010/main" val="0"/>
+              </a:ext>
+            </a:extLst>
+          </a:blip>
+          <a:srcRect/>
+          <a:stretch>
+            <a:fillRect/>
+          </a:stretch>
+        </p:blipFill>
+        <p:spPr bwMode="auto">
+          <a:xfrm>
+            <a:off x="6408507" y="1689652"/>
+            <a:ext cx="5003359" cy="5003359"/>
+          </a:xfrm>
+          <a:prstGeom prst="rect">
+            <a:avLst/>
+          </a:prstGeom>
+          <a:noFill/>
+          <a:ln>
+            <a:noFill/>
+          </a:ln>
+        </p:spPr>
+      </p:pic>
+      <mc:AlternateContent xmlns:mc="http://schemas.openxmlformats.org/markup-compatibility/2006" xmlns:a14="http://schemas.microsoft.com/office/drawing/2010/main">
+        <mc:Choice Requires="a14">
+          <p:sp>
+            <p:nvSpPr>
+              <p:cNvPr id="3" name="Прямоугольник 2"/>
+              <p:cNvSpPr/>
+              <p:nvPr/>
+            </p:nvSpPr>
+            <p:spPr>
+              <a:xfrm>
+                <a:off x="415874" y="2377844"/>
+                <a:ext cx="5010891" cy="1432572"/>
+              </a:xfrm>
+              <a:prstGeom prst="rect">
+                <a:avLst/>
+              </a:prstGeom>
+            </p:spPr>
+            <p:txBody>
+              <a:bodyPr wrap="square">
+                <a:spAutoFit/>
+              </a:bodyPr>
+              <a:lstStyle/>
+              <a:p>
+                <a:pPr/>
+                <a14:m>
+                  <m:oMathPara xmlns:m="http://schemas.openxmlformats.org/officeDocument/2006/math">
+                    <m:oMathParaPr>
+                      <m:jc m:val="centerGroup"/>
+                    </m:oMathParaPr>
+                    <m:oMath xmlns:m="http://schemas.openxmlformats.org/officeDocument/2006/math">
+                      <m:r>
+                        <a:rPr lang="ru-RU" sz="3200" i="1" smtClean="0">
+                          <a:latin typeface="Cambria Math"/>
+                        </a:rPr>
+                        <m:t>𝑅</m:t>
+                      </m:r>
+                      <m:r>
+                        <a:rPr lang="ru-RU" sz="3200" i="1" smtClean="0">
+                          <a:latin typeface="Cambria Math"/>
+                        </a:rPr>
+                        <m:t>= </m:t>
+                      </m:r>
+                      <m:rad>
+                        <m:radPr>
+                          <m:degHide m:val="on"/>
+                          <m:ctrlPr>
+                            <a:rPr lang="ru-RU" sz="3200" i="1">
+                              <a:latin typeface="Cambria Math"/>
+                            </a:rPr>
+                          </m:ctrlPr>
+                        </m:radPr>
+                        <m:deg/>
+                        <m:e>
+                          <m:sSup>
+                            <m:sSupPr>
+                              <m:ctrlPr>
+                                <a:rPr lang="ru-RU" sz="3200" i="1">
+                                  <a:latin typeface="Cambria Math"/>
+                                </a:rPr>
+                              </m:ctrlPr>
+                            </m:sSupPr>
+                            <m:e>
+                              <m:r>
+                                <a:rPr lang="ru-RU" sz="3200" i="1">
+                                  <a:latin typeface="Cambria Math"/>
+                                </a:rPr>
+                                <m:t>𝑐</m:t>
+                              </m:r>
+                            </m:e>
+                            <m:sup>
+                              <m:r>
+                                <a:rPr lang="ru-RU" sz="3200" i="1">
+                                  <a:latin typeface="Cambria Math"/>
+                                </a:rPr>
+                                <m:t>2</m:t>
+                              </m:r>
+                            </m:sup>
+                          </m:sSup>
+                          <m:r>
+                            <a:rPr lang="ru-RU" sz="3200" i="1">
+                              <a:latin typeface="Cambria Math"/>
+                            </a:rPr>
+                            <m:t>+</m:t>
+                          </m:r>
+                          <m:sSup>
+                            <m:sSupPr>
+                              <m:ctrlPr>
+                                <a:rPr lang="ru-RU" sz="3200" i="1">
+                                  <a:latin typeface="Cambria Math"/>
+                                </a:rPr>
+                              </m:ctrlPr>
+                            </m:sSupPr>
+                            <m:e>
+                              <m:r>
+                                <a:rPr lang="ru-RU" sz="3200" i="1">
+                                  <a:latin typeface="Cambria Math"/>
+                                </a:rPr>
+                                <m:t>𝑏</m:t>
+                              </m:r>
+                            </m:e>
+                            <m:sup>
+                              <m:r>
+                                <a:rPr lang="ru-RU" sz="3200" i="1">
+                                  <a:latin typeface="Cambria Math"/>
+                                </a:rPr>
+                                <m:t>2</m:t>
+                              </m:r>
+                            </m:sup>
+                          </m:sSup>
+                        </m:e>
+                      </m:rad>
+                      <m:r>
+                        <a:rPr lang="ru-RU" sz="3200" b="0" i="1" smtClean="0">
+                          <a:latin typeface="Cambria Math"/>
+                        </a:rPr>
+                        <m:t>=</m:t>
+                      </m:r>
+                      <m:r>
+                        <a:rPr lang="ru-RU" sz="3200" i="1">
+                          <a:latin typeface="Cambria Math"/>
+                        </a:rPr>
+                        <m:t>= </m:t>
+                      </m:r>
+                      <m:rad>
+                        <m:radPr>
+                          <m:degHide m:val="on"/>
+                          <m:ctrlPr>
+                            <a:rPr lang="ru-RU" sz="3200" i="1">
+                              <a:latin typeface="Cambria Math"/>
+                            </a:rPr>
+                          </m:ctrlPr>
+                        </m:radPr>
+                        <m:deg/>
+                        <m:e>
+                          <m:sSup>
+                            <m:sSupPr>
+                              <m:ctrlPr>
+                                <a:rPr lang="ru-RU" sz="3200" i="1">
+                                  <a:latin typeface="Cambria Math"/>
+                                </a:rPr>
+                              </m:ctrlPr>
+                            </m:sSupPr>
+                            <m:e>
+                              <m:r>
+                                <a:rPr lang="ru-RU" sz="3200" i="1">
+                                  <a:latin typeface="Cambria Math"/>
+                                </a:rPr>
+                                <m:t>𝑎</m:t>
+                              </m:r>
+                            </m:e>
+                            <m:sup>
+                              <m:r>
+                                <a:rPr lang="ru-RU" sz="3200" i="1">
+                                  <a:latin typeface="Cambria Math"/>
+                                </a:rPr>
+                                <m:t>2</m:t>
+                              </m:r>
+                            </m:sup>
+                          </m:sSup>
+                          <m:r>
+                            <a:rPr lang="ru-RU" sz="3200" i="1">
+                              <a:latin typeface="Cambria Math"/>
+                            </a:rPr>
+                            <m:t>−</m:t>
+                          </m:r>
+                          <m:sSup>
+                            <m:sSupPr>
+                              <m:ctrlPr>
+                                <a:rPr lang="ru-RU" sz="3200" i="1">
+                                  <a:latin typeface="Cambria Math"/>
+                                </a:rPr>
+                              </m:ctrlPr>
+                            </m:sSupPr>
+                            <m:e>
+                              <m:r>
+                                <a:rPr lang="ru-RU" sz="3200" i="1">
+                                  <a:latin typeface="Cambria Math"/>
+                                </a:rPr>
+                                <m:t>𝑏</m:t>
+                              </m:r>
+                            </m:e>
+                            <m:sup>
+                              <m:r>
+                                <a:rPr lang="ru-RU" sz="3200" i="1">
+                                  <a:latin typeface="Cambria Math"/>
+                                </a:rPr>
+                                <m:t>2</m:t>
+                              </m:r>
+                            </m:sup>
+                          </m:sSup>
+                          <m:r>
+                            <a:rPr lang="ru-RU" sz="3200" i="1">
+                              <a:latin typeface="Cambria Math"/>
+                            </a:rPr>
+                            <m:t>+</m:t>
+                          </m:r>
+                          <m:sSup>
+                            <m:sSupPr>
+                              <m:ctrlPr>
+                                <a:rPr lang="ru-RU" sz="3200" i="1">
+                                  <a:latin typeface="Cambria Math"/>
+                                </a:rPr>
+                              </m:ctrlPr>
+                            </m:sSupPr>
+                            <m:e>
+                              <m:r>
+                                <a:rPr lang="ru-RU" sz="3200" i="1">
+                                  <a:latin typeface="Cambria Math"/>
+                                </a:rPr>
+                                <m:t>𝑏</m:t>
+                              </m:r>
+                            </m:e>
+                            <m:sup>
+                              <m:r>
+                                <a:rPr lang="ru-RU" sz="3200" i="1">
+                                  <a:latin typeface="Cambria Math"/>
+                                </a:rPr>
+                                <m:t>2</m:t>
+                              </m:r>
+                            </m:sup>
+                          </m:sSup>
+                        </m:e>
+                      </m:rad>
+                      <m:r>
+                        <a:rPr lang="ru-RU" sz="3200" i="1">
+                          <a:latin typeface="Cambria Math"/>
+                        </a:rPr>
+                        <m:t>=</m:t>
+                      </m:r>
+                      <m:r>
+                        <a:rPr lang="ru-RU" sz="3200" i="1">
+                          <a:latin typeface="Cambria Math"/>
+                        </a:rPr>
+                        <m:t>𝑎</m:t>
+                      </m:r>
+                    </m:oMath>
+                  </m:oMathPara>
+                </a14:m>
+                <a:endParaRPr lang="ru-RU" dirty="0"/>
+              </a:p>
+            </p:txBody>
+          </p:sp>
+        </mc:Choice>
+        <mc:Fallback xmlns="">
+          <p:sp>
+            <p:nvSpPr>
+              <p:cNvPr id="3" name="Прямоугольник 2"/>
+              <p:cNvSpPr>
+                <a:spLocks noRot="1" noChangeAspect="1" noMove="1" noResize="1" noEditPoints="1" noAdjustHandles="1" noChangeArrowheads="1" noChangeShapeType="1" noTextEdit="1"/>
+              </p:cNvSpPr>
+              <p:nvPr/>
+            </p:nvSpPr>
+            <p:spPr>
+              <a:xfrm>
+                <a:off x="415874" y="2377844"/>
+                <a:ext cx="5010891" cy="1432572"/>
+              </a:xfrm>
+              <a:prstGeom prst="rect">
+                <a:avLst/>
+              </a:prstGeom>
+              <a:blipFill rotWithShape="1">
+                <a:blip r:embed="rId3"/>
+                <a:stretch>
+                  <a:fillRect/>
+                </a:stretch>
+              </a:blipFill>
+            </p:spPr>
+            <p:txBody>
+              <a:bodyPr/>
+              <a:lstStyle/>
+              <a:p>
+                <a:r>
+                  <a:rPr lang="ru-RU">
+                    <a:noFill/>
+                  </a:rPr>
+                  <a:t> </a:t>
+                </a:r>
+              </a:p>
+            </p:txBody>
+          </p:sp>
+        </mc:Fallback>
+      </mc:AlternateContent>
+    </p:spTree>
+    <p:extLst>
+      <p:ext uri="{BB962C8B-B14F-4D97-AF65-F5344CB8AC3E}">
+        <p14:creationId xmlns:p14="http://schemas.microsoft.com/office/powerpoint/2010/main" val="1053928445"/>
+      </p:ext>
+    </p:extLst>
+  </p:cSld>
+  <p:clrMapOvr>
+    <a:masterClrMapping/>
+  </p:clrMapOvr>
+  <p:timing>
+    <p:tnLst>
+      <p:par>
+        <p:cTn id="1" dur="indefinite" restart="never" nodeType="tmRoot"/>
+      </p:par>
+    </p:tnLst>
+  </p:timing>
+</p:sld>
+</file>
+
+<file path=ppt/slides/slide13.xml><?xml version="1.0" encoding="utf-8"?>
+<p:sld xmlns:a="http://schemas.openxmlformats.org/drawingml/2006/main" xmlns:r="http://schemas.openxmlformats.org/officeDocument/2006/relationships" xmlns:p="http://schemas.openxmlformats.org/presentationml/2006/main">
+  <p:cSld>
+    <p:spTree>
+      <p:nvGrpSpPr>
+        <p:cNvPr id="1" name=""/>
+        <p:cNvGrpSpPr/>
+        <p:nvPr/>
+      </p:nvGrpSpPr>
+      <p:grpSpPr>
+        <a:xfrm>
+          <a:off x="0" y="0"/>
+          <a:ext cx="0" cy="0"/>
+          <a:chOff x="0" y="0"/>
+          <a:chExt cx="0" cy="0"/>
+        </a:xfrm>
+      </p:grpSpPr>
+      <p:sp>
+        <p:nvSpPr>
+          <p:cNvPr id="2" name="Заголовок 1"/>
+          <p:cNvSpPr>
+            <a:spLocks noGrp="1"/>
+          </p:cNvSpPr>
+          <p:nvPr>
+            <p:ph type="title"/>
+          </p:nvPr>
+        </p:nvSpPr>
+        <p:spPr>
+          <a:xfrm>
+            <a:off x="137643" y="0"/>
+            <a:ext cx="9075630" cy="1455738"/>
+          </a:xfrm>
+        </p:spPr>
+        <p:txBody>
+          <a:bodyPr/>
+          <a:lstStyle/>
+          <a:p>
+            <a:pPr algn="ctr"/>
+            <a:r>
+              <a:rPr lang="ru-RU" b="1" dirty="0" smtClean="0">
+                <a:latin typeface="Times New Roman" pitchFamily="18" charset="0"/>
+                <a:cs typeface="Times New Roman" pitchFamily="18" charset="0"/>
+              </a:rPr>
+              <a:t>Толщина линзы</a:t>
+            </a:r>
+            <a:endParaRPr lang="ru-RU" b="1" dirty="0">
+              <a:latin typeface="Times New Roman" pitchFamily="18" charset="0"/>
+              <a:cs typeface="Times New Roman" pitchFamily="18" charset="0"/>
+            </a:endParaRPr>
+          </a:p>
+        </p:txBody>
+      </p:sp>
+      <p:pic>
+        <p:nvPicPr>
+          <p:cNvPr id="5122" name="Picture 2" descr="C:\Users\Ololo\Desktop\science\sciense\Illustrations\17.png"/>
+          <p:cNvPicPr>
+            <a:picLocks noChangeAspect="1" noChangeArrowheads="1"/>
+          </p:cNvPicPr>
+          <p:nvPr/>
+        </p:nvPicPr>
+        <p:blipFill rotWithShape="1">
+          <a:blip r:embed="rId2">
+            <a:extLst>
+              <a:ext uri="{28A0092B-C50C-407E-A947-70E740481C1C}">
+                <a14:useLocalDpi xmlns:a14="http://schemas.microsoft.com/office/drawing/2010/main" val="0"/>
+              </a:ext>
+            </a:extLst>
+          </a:blip>
+          <a:srcRect l="33387" t="25683" r="27880" b="24792"/>
+          <a:stretch/>
+        </p:blipFill>
+        <p:spPr bwMode="auto">
+          <a:xfrm>
+            <a:off x="5731264" y="1260698"/>
+            <a:ext cx="6460736" cy="5508000"/>
+          </a:xfrm>
+          <a:prstGeom prst="rect">
+            <a:avLst/>
+          </a:prstGeom>
+          <a:noFill/>
+          <a:extLst>
+            <a:ext uri="{909E8E84-426E-40DD-AFC4-6F175D3DCCD1}">
+              <a14:hiddenFill xmlns:a14="http://schemas.microsoft.com/office/drawing/2010/main">
+                <a:solidFill>
+                  <a:srgbClr val="FFFFFF"/>
+                </a:solidFill>
+              </a14:hiddenFill>
+            </a:ext>
+          </a:extLst>
+        </p:spPr>
+      </p:pic>
+      <mc:AlternateContent xmlns:mc="http://schemas.openxmlformats.org/markup-compatibility/2006" xmlns:a14="http://schemas.microsoft.com/office/drawing/2010/main">
+        <mc:Choice Requires="a14">
           <p:sp>
             <p:nvSpPr>
               <p:cNvPr id="3" name="Прямоугольник 2"/>
@@ -6944,6 +8656,7 @@
               </a:bodyPr>
               <a:lstStyle/>
               <a:p>
+                <a:pPr/>
                 <a14:m>
                   <m:oMathPara xmlns:m="http://schemas.openxmlformats.org/officeDocument/2006/math">
                     <m:oMathParaPr>
@@ -6953,50 +8666,68 @@
                       <m:sSub>
                         <m:sSubPr>
                           <m:ctrlPr>
-                            <a:rPr lang="ru-RU" sz="3200" i="1"/>
+                            <a:rPr lang="ru-RU" sz="3200" i="1">
+                              <a:latin typeface="Cambria Math"/>
+                            </a:rPr>
                           </m:ctrlPr>
                         </m:sSubPr>
                         <m:e>
                           <m:r>
-                            <a:rPr lang="ru-RU" sz="3200" i="1"/>
+                            <a:rPr lang="ru-RU" sz="3200" i="1">
+                              <a:latin typeface="Cambria Math"/>
+                            </a:rPr>
                             <m:t>𝑙</m:t>
                           </m:r>
                         </m:e>
                         <m:sub>
                           <m:r>
-                            <a:rPr lang="ru-RU" sz="3200" i="1"/>
+                            <a:rPr lang="ru-RU" sz="3200" i="1">
+                              <a:latin typeface="Cambria Math"/>
+                            </a:rPr>
                             <m:t>1</m:t>
                           </m:r>
                         </m:sub>
                       </m:sSub>
                       <m:r>
-                        <a:rPr lang="ru-RU" sz="3200" i="1"/>
+                        <a:rPr lang="ru-RU" sz="3200" i="1">
+                          <a:latin typeface="Cambria Math"/>
+                        </a:rPr>
                         <m:t>=</m:t>
                       </m:r>
                       <m:r>
-                        <a:rPr lang="en-US" sz="3200" i="1"/>
+                        <a:rPr lang="en-US" sz="3200" i="1">
+                          <a:latin typeface="Cambria Math"/>
+                        </a:rPr>
                         <m:t>𝑎</m:t>
                       </m:r>
                       <m:d>
                         <m:dPr>
                           <m:ctrlPr>
-                            <a:rPr lang="ru-RU" sz="3200" i="1"/>
+                            <a:rPr lang="ru-RU" sz="3200" i="1">
+                              <a:latin typeface="Cambria Math"/>
+                            </a:rPr>
                           </m:ctrlPr>
                         </m:dPr>
                         <m:e>
                           <m:r>
-                            <a:rPr lang="ru-RU" sz="3200" i="1"/>
+                            <a:rPr lang="ru-RU" sz="3200" i="1">
+                              <a:latin typeface="Cambria Math"/>
+                            </a:rPr>
                             <m:t>1−</m:t>
                           </m:r>
                           <m:f>
                             <m:fPr>
                               <m:ctrlPr>
-                                <a:rPr lang="ru-RU" sz="3200" i="1"/>
+                                <a:rPr lang="ru-RU" sz="3200" i="1">
+                                  <a:latin typeface="Cambria Math"/>
+                                </a:rPr>
                               </m:ctrlPr>
                             </m:fPr>
                             <m:num>
                               <m:r>
-                                <a:rPr lang="ru-RU" sz="3200" i="1"/>
+                                <a:rPr lang="ru-RU" sz="3200" i="1">
+                                  <a:latin typeface="Cambria Math"/>
+                                </a:rPr>
                                 <m:t>1</m:t>
                               </m:r>
                             </m:num>
@@ -7005,13 +8736,17 @@
                                 <m:radPr>
                                   <m:degHide m:val="on"/>
                                   <m:ctrlPr>
-                                    <a:rPr lang="ru-RU" sz="3200" i="1"/>
+                                    <a:rPr lang="ru-RU" sz="3200" i="1">
+                                      <a:latin typeface="Cambria Math"/>
+                                    </a:rPr>
                                   </m:ctrlPr>
                                 </m:radPr>
                                 <m:deg/>
                                 <m:e>
                                   <m:r>
-                                    <a:rPr lang="en-US" sz="3200" i="1"/>
+                                    <a:rPr lang="en-US" sz="3200" i="1">
+                                      <a:latin typeface="Cambria Math"/>
+                                    </a:rPr>
                                     <m:t>𝑛</m:t>
                                   </m:r>
                                 </m:e>
@@ -7028,7 +8763,7 @@
             </p:txBody>
           </p:sp>
         </mc:Choice>
-        <mc:Fallback>
+        <mc:Fallback xmlns="">
           <p:sp>
             <p:nvSpPr>
               <p:cNvPr id="3" name="Прямоугольник 2"/>
@@ -7067,8 +8802,8 @@
           </p:sp>
         </mc:Fallback>
       </mc:AlternateContent>
-      <mc:AlternateContent xmlns:mc="http://schemas.openxmlformats.org/markup-compatibility/2006">
-        <mc:Choice xmlns:a14="http://schemas.microsoft.com/office/drawing/2010/main" Requires="a14">
+      <mc:AlternateContent xmlns:mc="http://schemas.openxmlformats.org/markup-compatibility/2006" xmlns:a14="http://schemas.microsoft.com/office/drawing/2010/main">
+        <mc:Choice Requires="a14">
           <p:sp>
             <p:nvSpPr>
               <p:cNvPr id="4" name="Прямоугольник 3"/>
@@ -7090,6 +8825,7 @@
               </a:bodyPr>
               <a:lstStyle/>
               <a:p>
+                <a:pPr/>
                 <a14:m>
                   <m:oMathPara xmlns:m="http://schemas.openxmlformats.org/officeDocument/2006/math">
                     <m:oMathParaPr>
@@ -7099,28 +8835,38 @@
                       <m:sSub>
                         <m:sSubPr>
                           <m:ctrlPr>
-                            <a:rPr lang="ru-RU" sz="3200" i="1"/>
+                            <a:rPr lang="ru-RU" sz="3200" i="1">
+                              <a:latin typeface="Cambria Math"/>
+                            </a:rPr>
                           </m:ctrlPr>
                         </m:sSubPr>
                         <m:e>
                           <m:r>
-                            <a:rPr lang="ru-RU" sz="3200" i="1"/>
+                            <a:rPr lang="ru-RU" sz="3200" i="1">
+                              <a:latin typeface="Cambria Math"/>
+                            </a:rPr>
                             <m:t>𝑙</m:t>
                           </m:r>
                         </m:e>
                         <m:sub>
                           <m:r>
-                            <a:rPr lang="ru-RU" sz="3200" i="1"/>
+                            <a:rPr lang="ru-RU" sz="3200" i="1">
+                              <a:latin typeface="Cambria Math"/>
+                            </a:rPr>
                             <m:t>2</m:t>
                           </m:r>
                         </m:sub>
                       </m:sSub>
                       <m:r>
-                        <a:rPr lang="ru-RU" sz="3200" i="1"/>
+                        <a:rPr lang="ru-RU" sz="3200" i="1">
+                          <a:latin typeface="Cambria Math"/>
+                        </a:rPr>
                         <m:t>=</m:t>
                       </m:r>
                       <m:r>
-                        <a:rPr lang="ru-RU" sz="3200" i="1"/>
+                        <a:rPr lang="ru-RU" sz="3200" i="1">
+                          <a:latin typeface="Cambria Math"/>
+                        </a:rPr>
                         <m:t>𝑐</m:t>
                       </m:r>
                     </m:oMath>
@@ -7131,7 +8877,7 @@
             </p:txBody>
           </p:sp>
         </mc:Choice>
-        <mc:Fallback>
+        <mc:Fallback xmlns="">
           <p:sp>
             <p:nvSpPr>
               <p:cNvPr id="4" name="Прямоугольник 3"/>
@@ -7190,104 +8936,7 @@
 </p:sld>
 </file>
 
-<file path=ppt/slides/slide11.xml><?xml version="1.0" encoding="utf-8"?>
-<p:sld xmlns:a="http://schemas.openxmlformats.org/drawingml/2006/main" xmlns:r="http://schemas.openxmlformats.org/officeDocument/2006/relationships" xmlns:p="http://schemas.openxmlformats.org/presentationml/2006/main">
-  <p:cSld>
-    <p:spTree>
-      <p:nvGrpSpPr>
-        <p:cNvPr id="1" name=""/>
-        <p:cNvGrpSpPr/>
-        <p:nvPr/>
-      </p:nvGrpSpPr>
-      <p:grpSpPr>
-        <a:xfrm>
-          <a:off x="0" y="0"/>
-          <a:ext cx="0" cy="0"/>
-          <a:chOff x="0" y="0"/>
-          <a:chExt cx="0" cy="0"/>
-        </a:xfrm>
-      </p:grpSpPr>
-      <p:sp>
-        <p:nvSpPr>
-          <p:cNvPr id="2" name="Заголовок 1"/>
-          <p:cNvSpPr>
-            <a:spLocks noGrp="1"/>
-          </p:cNvSpPr>
-          <p:nvPr>
-            <p:ph type="title"/>
-          </p:nvPr>
-        </p:nvSpPr>
-        <p:spPr/>
-        <p:txBody>
-          <a:bodyPr/>
-          <a:lstStyle/>
-          <a:p>
-            <a:endParaRPr lang="ru-RU"/>
-          </a:p>
-        </p:txBody>
-      </p:sp>
-      <p:pic>
-        <p:nvPicPr>
-          <p:cNvPr id="3074" name="Picture 2" descr="C:\Users\Ololo\Desktop\science\sciense\Illustrations\22.png"/>
-          <p:cNvPicPr>
-            <a:picLocks noChangeAspect="1" noChangeArrowheads="1"/>
-          </p:cNvPicPr>
-          <p:nvPr/>
-        </p:nvPicPr>
-        <p:blipFill>
-          <a:blip r:embed="rId2">
-            <a:extLst>
-              <a:ext uri="{28A0092B-C50C-407E-A947-70E740481C1C}">
-                <a14:useLocalDpi xmlns:a14="http://schemas.microsoft.com/office/drawing/2010/main" val="0"/>
-              </a:ext>
-            </a:extLst>
-          </a:blip>
-          <a:srcRect/>
-          <a:stretch>
-            <a:fillRect/>
-          </a:stretch>
-        </p:blipFill>
-        <p:spPr bwMode="auto">
-          <a:xfrm>
-            <a:off x="1971537" y="1561660"/>
-            <a:ext cx="8282124" cy="4199860"/>
-          </a:xfrm>
-          <a:prstGeom prst="rect">
-            <a:avLst/>
-          </a:prstGeom>
-          <a:noFill/>
-          <a:extLst>
-            <a:ext uri="{909E8E84-426E-40DD-AFC4-6F175D3DCCD1}">
-              <a14:hiddenFill xmlns:a14="http://schemas.microsoft.com/office/drawing/2010/main">
-                <a:solidFill>
-                  <a:srgbClr val="FFFFFF"/>
-                </a:solidFill>
-              </a14:hiddenFill>
-            </a:ext>
-          </a:extLst>
-        </p:spPr>
-      </p:pic>
-    </p:spTree>
-    <p:extLst>
-      <p:ext uri="{BB962C8B-B14F-4D97-AF65-F5344CB8AC3E}">
-        <p14:creationId xmlns:p14="http://schemas.microsoft.com/office/powerpoint/2010/main" val="3210336902"/>
-      </p:ext>
-    </p:extLst>
-  </p:cSld>
-  <p:clrMapOvr>
-    <a:masterClrMapping/>
-  </p:clrMapOvr>
-  <p:timing>
-    <p:tnLst>
-      <p:par>
-        <p:cTn id="1" dur="indefinite" restart="never" nodeType="tmRoot"/>
-      </p:par>
-    </p:tnLst>
-  </p:timing>
-</p:sld>
-</file>
-
-<file path=ppt/slides/slide12.xml><?xml version="1.0" encoding="utf-8"?>
+<file path=ppt/slides/slide14.xml><?xml version="1.0" encoding="utf-8"?>
 <p:sld xmlns:a="http://schemas.openxmlformats.org/drawingml/2006/main" xmlns:r="http://schemas.openxmlformats.org/officeDocument/2006/relationships" xmlns:p="http://schemas.openxmlformats.org/presentationml/2006/main">
   <p:cSld>
     <p:spTree>
@@ -7317,7 +8966,122 @@
         <p:spPr>
           <a:xfrm>
             <a:off x="685800" y="609600"/>
-            <a:ext cx="10314709" cy="1455738"/>
+            <a:ext cx="11215255" cy="1455738"/>
+          </a:xfrm>
+        </p:spPr>
+        <p:txBody>
+          <a:bodyPr>
+            <a:noAutofit/>
+          </a:bodyPr>
+          <a:lstStyle/>
+          <a:p>
+            <a:pPr algn="ctr"/>
+            <a:r>
+              <a:rPr lang="ru-RU" sz="4000" dirty="0" smtClean="0">
+                <a:latin typeface="Times New Roman" pitchFamily="18" charset="0"/>
+                <a:cs typeface="Times New Roman" pitchFamily="18" charset="0"/>
+              </a:rPr>
+              <a:t>Преломление параллельного пучка лучей эллиптической линзой</a:t>
+            </a:r>
+            <a:endParaRPr lang="ru-RU" sz="4000" dirty="0">
+              <a:latin typeface="Times New Roman" pitchFamily="18" charset="0"/>
+              <a:cs typeface="Times New Roman" pitchFamily="18" charset="0"/>
+            </a:endParaRPr>
+          </a:p>
+        </p:txBody>
+      </p:sp>
+      <p:pic>
+        <p:nvPicPr>
+          <p:cNvPr id="3074" name="Picture 2" descr="C:\Users\Ololo\Desktop\science\sciense\Illustrations\22.png"/>
+          <p:cNvPicPr>
+            <a:picLocks noChangeAspect="1" noChangeArrowheads="1"/>
+          </p:cNvPicPr>
+          <p:nvPr/>
+        </p:nvPicPr>
+        <p:blipFill>
+          <a:blip r:embed="rId2">
+            <a:extLst>
+              <a:ext uri="{28A0092B-C50C-407E-A947-70E740481C1C}">
+                <a14:useLocalDpi xmlns:a14="http://schemas.microsoft.com/office/drawing/2010/main" val="0"/>
+              </a:ext>
+            </a:extLst>
+          </a:blip>
+          <a:srcRect/>
+          <a:stretch>
+            <a:fillRect/>
+          </a:stretch>
+        </p:blipFill>
+        <p:spPr bwMode="auto">
+          <a:xfrm>
+            <a:off x="1971537" y="2282096"/>
+            <a:ext cx="8282124" cy="4199860"/>
+          </a:xfrm>
+          <a:prstGeom prst="rect">
+            <a:avLst/>
+          </a:prstGeom>
+          <a:noFill/>
+          <a:extLst>
+            <a:ext uri="{909E8E84-426E-40DD-AFC4-6F175D3DCCD1}">
+              <a14:hiddenFill xmlns:a14="http://schemas.microsoft.com/office/drawing/2010/main">
+                <a:solidFill>
+                  <a:srgbClr val="FFFFFF"/>
+                </a:solidFill>
+              </a14:hiddenFill>
+            </a:ext>
+          </a:extLst>
+        </p:spPr>
+      </p:pic>
+    </p:spTree>
+    <p:extLst>
+      <p:ext uri="{BB962C8B-B14F-4D97-AF65-F5344CB8AC3E}">
+        <p14:creationId xmlns:p14="http://schemas.microsoft.com/office/powerpoint/2010/main" val="3210336902"/>
+      </p:ext>
+    </p:extLst>
+  </p:cSld>
+  <p:clrMapOvr>
+    <a:masterClrMapping/>
+  </p:clrMapOvr>
+  <p:timing>
+    <p:tnLst>
+      <p:par>
+        <p:cTn id="1" dur="indefinite" restart="never" nodeType="tmRoot"/>
+      </p:par>
+    </p:tnLst>
+  </p:timing>
+</p:sld>
+</file>
+
+<file path=ppt/slides/slide15.xml><?xml version="1.0" encoding="utf-8"?>
+<p:sld xmlns:a="http://schemas.openxmlformats.org/drawingml/2006/main" xmlns:r="http://schemas.openxmlformats.org/officeDocument/2006/relationships" xmlns:p="http://schemas.openxmlformats.org/presentationml/2006/main">
+  <p:cSld>
+    <p:spTree>
+      <p:nvGrpSpPr>
+        <p:cNvPr id="1" name=""/>
+        <p:cNvGrpSpPr/>
+        <p:nvPr/>
+      </p:nvGrpSpPr>
+      <p:grpSpPr>
+        <a:xfrm>
+          <a:off x="0" y="0"/>
+          <a:ext cx="0" cy="0"/>
+          <a:chOff x="0" y="0"/>
+          <a:chExt cx="0" cy="0"/>
+        </a:xfrm>
+      </p:grpSpPr>
+      <p:sp>
+        <p:nvSpPr>
+          <p:cNvPr id="2" name="Заголовок 1"/>
+          <p:cNvSpPr>
+            <a:spLocks noGrp="1"/>
+          </p:cNvSpPr>
+          <p:nvPr>
+            <p:ph type="title"/>
+          </p:nvPr>
+        </p:nvSpPr>
+        <p:spPr>
+          <a:xfrm>
+            <a:off x="124691" y="110837"/>
+            <a:ext cx="11839286" cy="1455738"/>
           </a:xfrm>
         </p:spPr>
         <p:txBody>
@@ -7326,10 +9090,23 @@
           <a:p>
             <a:pPr algn="ctr"/>
             <a:r>
-              <a:rPr lang="ru-RU" dirty="0" smtClean="0"/>
-              <a:t>Линза для точечного источника света</a:t>
-            </a:r>
-            <a:endParaRPr lang="ru-RU" dirty="0"/>
+              <a:rPr lang="ru-RU" dirty="0" smtClean="0">
+                <a:latin typeface="Times New Roman" pitchFamily="18" charset="0"/>
+                <a:cs typeface="Times New Roman" pitchFamily="18" charset="0"/>
+              </a:rPr>
+              <a:t>Линза фокусирующая лучи точечного </a:t>
+            </a:r>
+            <a:r>
+              <a:rPr lang="ru-RU" dirty="0" smtClean="0">
+                <a:latin typeface="Times New Roman" pitchFamily="18" charset="0"/>
+                <a:cs typeface="Times New Roman" pitchFamily="18" charset="0"/>
+              </a:rPr>
+              <a:t>источника света</a:t>
+            </a:r>
+            <a:endParaRPr lang="ru-RU" dirty="0">
+              <a:latin typeface="Times New Roman" pitchFamily="18" charset="0"/>
+              <a:cs typeface="Times New Roman" pitchFamily="18" charset="0"/>
+            </a:endParaRPr>
           </a:p>
         </p:txBody>
       </p:sp>
@@ -7343,8 +9120,8 @@
             </p:nvSpPr>
             <p:spPr>
               <a:xfrm>
-                <a:off x="124691" y="2738349"/>
-                <a:ext cx="7162801" cy="1000530"/>
+                <a:off x="124691" y="1255913"/>
+                <a:ext cx="11839286" cy="912237"/>
               </a:xfrm>
               <a:prstGeom prst="rect">
                 <a:avLst/>
@@ -7356,6 +9133,7 @@
               </a:bodyPr>
               <a:lstStyle/>
               <a:p>
+                <a:pPr/>
                 <a14:m>
                   <m:oMathPara xmlns:m="http://schemas.openxmlformats.org/officeDocument/2006/math">
                     <m:oMathParaPr>
@@ -7363,38 +9141,54 @@
                     </m:oMathParaPr>
                     <m:oMath xmlns:m="http://schemas.openxmlformats.org/officeDocument/2006/math">
                       <m:r>
-                        <a:rPr lang="en-US" sz="2900" i="1"/>
+                        <a:rPr lang="en-US" sz="4400" i="1" smtClean="0">
+                          <a:latin typeface="Cambria Math"/>
+                        </a:rPr>
                         <m:t>𝑑</m:t>
                       </m:r>
                       <m:r>
-                        <a:rPr lang="en-US" sz="2900" i="1"/>
+                        <a:rPr lang="en-US" sz="4400" i="1" smtClean="0">
+                          <a:latin typeface="Cambria Math"/>
+                        </a:rPr>
                         <m:t>+</m:t>
                       </m:r>
                       <m:r>
-                        <a:rPr lang="en-US" sz="2900" i="1"/>
+                        <a:rPr lang="en-US" sz="4400" i="1" smtClean="0">
+                          <a:latin typeface="Cambria Math"/>
+                        </a:rPr>
                         <m:t>𝑛𝑓</m:t>
                       </m:r>
                       <m:r>
-                        <a:rPr lang="en-US" sz="2900" i="1"/>
+                        <a:rPr lang="ru-RU" sz="4400" b="0" i="1" smtClean="0">
+                          <a:latin typeface="Cambria Math"/>
+                        </a:rPr>
                         <m:t>=</m:t>
                       </m:r>
                       <m:r>
-                        <a:rPr lang="en-US" sz="2900" i="1"/>
+                        <a:rPr lang="en-US" sz="4400" i="1">
+                          <a:latin typeface="Cambria Math"/>
+                        </a:rPr>
                         <m:t>𝑟</m:t>
                       </m:r>
                       <m:r>
-                        <a:rPr lang="en-US" sz="2900" i="1"/>
+                        <a:rPr lang="en-US" sz="4400" i="1">
+                          <a:latin typeface="Cambria Math"/>
+                        </a:rPr>
                         <m:t>+</m:t>
                       </m:r>
                       <m:r>
-                        <a:rPr lang="en-US" sz="2900" i="1"/>
+                        <a:rPr lang="en-US" sz="4400" i="1">
+                          <a:latin typeface="Cambria Math"/>
+                        </a:rPr>
                         <m:t>𝑛</m:t>
                       </m:r>
                       <m:rad>
                         <m:radPr>
                           <m:degHide m:val="on"/>
                           <m:ctrlPr>
-                            <a:rPr lang="ru-RU" sz="2900" i="1"/>
+                            <a:rPr lang="ru-RU" sz="4400" i="1">
+                              <a:latin typeface="Cambria Math"/>
+                            </a:rPr>
                           </m:ctrlPr>
                         </m:radPr>
                         <m:deg/>
@@ -7402,69 +9196,97 @@
                           <m:sSup>
                             <m:sSupPr>
                               <m:ctrlPr>
-                                <a:rPr lang="ru-RU" sz="2900" i="1"/>
+                                <a:rPr lang="ru-RU" sz="4400" i="1">
+                                  <a:latin typeface="Cambria Math"/>
+                                </a:rPr>
                               </m:ctrlPr>
                             </m:sSupPr>
                             <m:e>
                               <m:r>
-                                <a:rPr lang="en-US" sz="2900" i="1"/>
+                                <a:rPr lang="en-US" sz="4400" i="1">
+                                  <a:latin typeface="Cambria Math"/>
+                                </a:rPr>
                                 <m:t>(</m:t>
                               </m:r>
                               <m:r>
-                                <a:rPr lang="en-US" sz="2900" i="1"/>
+                                <a:rPr lang="en-US" sz="4400" i="1">
+                                  <a:latin typeface="Cambria Math"/>
+                                </a:rPr>
                                 <m:t>𝑑</m:t>
                               </m:r>
                               <m:r>
-                                <a:rPr lang="en-US" sz="2900" i="1"/>
+                                <a:rPr lang="en-US" sz="4400" i="1">
+                                  <a:latin typeface="Cambria Math"/>
+                                </a:rPr>
                                 <m:t>+</m:t>
                               </m:r>
                               <m:r>
-                                <a:rPr lang="en-US" sz="2900" i="1"/>
+                                <a:rPr lang="en-US" sz="4400" i="1">
+                                  <a:latin typeface="Cambria Math"/>
+                                </a:rPr>
                                 <m:t>𝑓</m:t>
                               </m:r>
                               <m:r>
-                                <a:rPr lang="en-US" sz="2900" i="1"/>
+                                <a:rPr lang="en-US" sz="4400" i="1">
+                                  <a:latin typeface="Cambria Math"/>
+                                </a:rPr>
                                 <m:t>−</m:t>
                               </m:r>
                               <m:r>
-                                <a:rPr lang="en-US" sz="2900" i="1"/>
+                                <a:rPr lang="en-US" sz="4400" i="1">
+                                  <a:latin typeface="Cambria Math"/>
+                                </a:rPr>
                                 <m:t>𝑟𝑐𝑜𝑠</m:t>
                               </m:r>
                               <m:r>
-                                <a:rPr lang="en-US" sz="2900" i="1"/>
+                                <a:rPr lang="en-US" sz="4400" i="1">
+                                  <a:latin typeface="Cambria Math"/>
+                                </a:rPr>
                                 <m:t>𝜑</m:t>
                               </m:r>
                               <m:r>
-                                <a:rPr lang="en-US" sz="2900" i="1"/>
+                                <a:rPr lang="en-US" sz="4400" i="1">
+                                  <a:latin typeface="Cambria Math"/>
+                                </a:rPr>
                                 <m:t>)</m:t>
                               </m:r>
                             </m:e>
                             <m:sup>
                               <m:r>
-                                <a:rPr lang="en-US" sz="2900" i="1"/>
+                                <a:rPr lang="en-US" sz="4400" i="1">
+                                  <a:latin typeface="Cambria Math"/>
+                                </a:rPr>
                                 <m:t>2</m:t>
                               </m:r>
                             </m:sup>
                           </m:sSup>
                           <m:r>
-                            <a:rPr lang="en-US" sz="2900" i="1"/>
+                            <a:rPr lang="en-US" sz="4400" i="1">
+                              <a:latin typeface="Cambria Math"/>
+                            </a:rPr>
                             <m:t>+ </m:t>
                           </m:r>
                           <m:sSup>
                             <m:sSupPr>
                               <m:ctrlPr>
-                                <a:rPr lang="ru-RU" sz="2900" i="1"/>
+                                <a:rPr lang="ru-RU" sz="4400" i="1">
+                                  <a:latin typeface="Cambria Math"/>
+                                </a:rPr>
                               </m:ctrlPr>
                             </m:sSupPr>
                             <m:e>
                               <m:r>
-                                <a:rPr lang="en-US" sz="2900" i="1"/>
+                                <a:rPr lang="en-US" sz="4400" i="1">
+                                  <a:latin typeface="Cambria Math"/>
+                                </a:rPr>
                                 <m:t>𝑟</m:t>
                               </m:r>
                             </m:e>
                             <m:sup>
                               <m:r>
-                                <a:rPr lang="en-US" sz="2900" i="1"/>
+                                <a:rPr lang="en-US" sz="4400" i="1">
+                                  <a:latin typeface="Cambria Math"/>
+                                </a:rPr>
                                 <m:t>2</m:t>
                               </m:r>
                             </m:sup>
@@ -7472,24 +9294,32 @@
                           <m:sSup>
                             <m:sSupPr>
                               <m:ctrlPr>
-                                <a:rPr lang="ru-RU" sz="2900" i="1"/>
+                                <a:rPr lang="ru-RU" sz="4400" i="1">
+                                  <a:latin typeface="Cambria Math"/>
+                                </a:rPr>
                               </m:ctrlPr>
                             </m:sSupPr>
                             <m:e>
                               <m:r>
-                                <a:rPr lang="en-US" sz="2900" i="1"/>
+                                <a:rPr lang="en-US" sz="4400" i="1">
+                                  <a:latin typeface="Cambria Math"/>
+                                </a:rPr>
                                 <m:t>𝑠𝑖𝑛</m:t>
                               </m:r>
                             </m:e>
                             <m:sup>
                               <m:r>
-                                <a:rPr lang="en-US" sz="2900" i="1"/>
+                                <a:rPr lang="en-US" sz="4400" i="1">
+                                  <a:latin typeface="Cambria Math"/>
+                                </a:rPr>
                                 <m:t>2</m:t>
                               </m:r>
                             </m:sup>
                           </m:sSup>
                           <m:r>
-                            <a:rPr lang="en-US" sz="2900" i="1"/>
+                            <a:rPr lang="en-US" sz="4400" i="1">
+                              <a:latin typeface="Cambria Math"/>
+                            </a:rPr>
                             <m:t>𝜑</m:t>
                           </m:r>
                         </m:e>
@@ -7497,7 +9327,7 @@
                     </m:oMath>
                   </m:oMathPara>
                 </a14:m>
-                <a:endParaRPr lang="ru-RU" sz="2900" dirty="0"/>
+                <a:endParaRPr lang="ru-RU" sz="3200" dirty="0"/>
               </a:p>
             </p:txBody>
           </p:sp>
@@ -7513,8 +9343,8 @@
             </p:nvSpPr>
             <p:spPr>
               <a:xfrm>
-                <a:off x="124691" y="2738349"/>
-                <a:ext cx="7162801" cy="1000530"/>
+                <a:off x="124691" y="1255913"/>
+                <a:ext cx="11839286" cy="912237"/>
               </a:xfrm>
               <a:prstGeom prst="rect">
                 <a:avLst/>
@@ -7549,7 +9379,7 @@
           </p:cNvPicPr>
           <p:nvPr/>
         </p:nvPicPr>
-        <p:blipFill>
+        <p:blipFill rotWithShape="1">
           <a:blip r:embed="rId3">
             <a:extLst>
               <a:ext uri="{28A0092B-C50C-407E-A947-70E740481C1C}">
@@ -7557,15 +9387,13 @@
               </a:ext>
             </a:extLst>
           </a:blip>
-          <a:srcRect/>
-          <a:stretch>
-            <a:fillRect/>
-          </a:stretch>
+          <a:srcRect t="20424" b="23055"/>
+          <a:stretch/>
         </p:blipFill>
         <p:spPr bwMode="auto">
           <a:xfrm>
-            <a:off x="7453745" y="2057545"/>
-            <a:ext cx="4510232" cy="4510232"/>
+            <a:off x="2230564" y="2687782"/>
+            <a:ext cx="6687761" cy="3780000"/>
           </a:xfrm>
           <a:prstGeom prst="rect">
             <a:avLst/>
@@ -7602,7 +9430,7 @@
 </p:sld>
 </file>
 
-<file path=ppt/slides/slide13.xml><?xml version="1.0" encoding="utf-8"?>
+<file path=ppt/slides/slide16.xml><?xml version="1.0" encoding="utf-8"?>
 <p:sld xmlns:a="http://schemas.openxmlformats.org/drawingml/2006/main" xmlns:r="http://schemas.openxmlformats.org/officeDocument/2006/relationships" xmlns:p="http://schemas.openxmlformats.org/presentationml/2006/main">
   <p:cSld>
     <p:spTree>
@@ -7691,7 +9519,7 @@
 </p:sld>
 </file>
 
-<file path=ppt/slides/slide14.xml><?xml version="1.0" encoding="utf-8"?>
+<file path=ppt/slides/slide17.xml><?xml version="1.0" encoding="utf-8"?>
 <p:sld xmlns:a="http://schemas.openxmlformats.org/drawingml/2006/main" xmlns:r="http://schemas.openxmlformats.org/officeDocument/2006/relationships" xmlns:p="http://schemas.openxmlformats.org/presentationml/2006/main">
   <p:cSld>
     <p:spTree>
@@ -7807,7 +9635,7 @@
 </p:sld>
 </file>
 
-<file path=ppt/slides/slide15.xml><?xml version="1.0" encoding="utf-8"?>
+<file path=ppt/slides/slide18.xml><?xml version="1.0" encoding="utf-8"?>
 <p:sld xmlns:a="http://schemas.openxmlformats.org/drawingml/2006/main" xmlns:r="http://schemas.openxmlformats.org/officeDocument/2006/relationships" xmlns:p="http://schemas.openxmlformats.org/presentationml/2006/main">
   <p:cSld>
     <p:spTree>
@@ -7904,7 +9732,7 @@
 </p:sld>
 </file>
 
-<file path=ppt/slides/slide16.xml><?xml version="1.0" encoding="utf-8"?>
+<file path=ppt/slides/slide19.xml><?xml version="1.0" encoding="utf-8"?>
 <p:sld xmlns:a="http://schemas.openxmlformats.org/drawingml/2006/main" xmlns:r="http://schemas.openxmlformats.org/officeDocument/2006/relationships" xmlns:p="http://schemas.openxmlformats.org/presentationml/2006/main">
   <p:cSld>
     <p:spTree>
@@ -8001,7 +9829,366 @@
 </p:sld>
 </file>
 
-<file path=ppt/slides/slide17.xml><?xml version="1.0" encoding="utf-8"?>
+<file path=ppt/slides/slide2.xml><?xml version="1.0" encoding="utf-8"?>
+<p:sld xmlns:a="http://schemas.openxmlformats.org/drawingml/2006/main" xmlns:r="http://schemas.openxmlformats.org/officeDocument/2006/relationships" xmlns:p="http://schemas.openxmlformats.org/presentationml/2006/main">
+  <p:cSld>
+    <p:spTree>
+      <p:nvGrpSpPr>
+        <p:cNvPr id="1" name=""/>
+        <p:cNvGrpSpPr/>
+        <p:nvPr/>
+      </p:nvGrpSpPr>
+      <p:grpSpPr>
+        <a:xfrm>
+          <a:off x="0" y="0"/>
+          <a:ext cx="0" cy="0"/>
+          <a:chOff x="0" y="0"/>
+          <a:chExt cx="0" cy="0"/>
+        </a:xfrm>
+      </p:grpSpPr>
+      <p:sp>
+        <p:nvSpPr>
+          <p:cNvPr id="20483" name="Объект 2"/>
+          <p:cNvSpPr>
+            <a:spLocks noGrp="1"/>
+          </p:cNvSpPr>
+          <p:nvPr>
+            <p:ph idx="1"/>
+          </p:nvPr>
+        </p:nvSpPr>
+        <p:spPr>
+          <a:xfrm>
+            <a:off x="685800" y="1446213"/>
+            <a:ext cx="9545638" cy="2886075"/>
+          </a:xfrm>
+        </p:spPr>
+        <p:txBody>
+          <a:bodyPr/>
+          <a:lstStyle/>
+          <a:p>
+            <a:pPr marL="0" indent="0">
+              <a:buNone/>
+            </a:pPr>
+            <a:r>
+              <a:rPr lang="ru-RU" sz="2800" dirty="0">
+                <a:latin typeface="Times New Roman" pitchFamily="18" charset="0"/>
+                <a:cs typeface="Times New Roman" pitchFamily="18" charset="0"/>
+              </a:rPr>
+              <a:t>На сегодняшний день влияние оптических приборов стремительно возрастает. Вследствие этого, актуален вопрос устранения дефектов линз. В погоне за увеличением точности, оптические системы «наращивают» линзы, становятся все больше и массивней. Потому остро стоит вопрос замены нескольких линз, устраняющих дефект, на одну, </a:t>
+            </a:r>
+            <a:r>
+              <a:rPr lang="ru-RU" sz="2800" dirty="0" smtClean="0">
+                <a:latin typeface="Times New Roman" pitchFamily="18" charset="0"/>
+                <a:cs typeface="Times New Roman" pitchFamily="18" charset="0"/>
+              </a:rPr>
+              <a:t>лишенную </a:t>
+            </a:r>
+            <a:r>
+              <a:rPr lang="ru-RU" sz="2800" dirty="0">
+                <a:latin typeface="Times New Roman" pitchFamily="18" charset="0"/>
+                <a:cs typeface="Times New Roman" pitchFamily="18" charset="0"/>
+              </a:rPr>
+              <a:t>его. Эта замена способна начать новый этап использования асферических линз для создания более компактных, легких, точных оптических приборов.</a:t>
+            </a:r>
+          </a:p>
+          <a:p>
+            <a:pPr marL="0" indent="0">
+              <a:buFont typeface="Arial" charset="0"/>
+              <a:buNone/>
+            </a:pPr>
+            <a:endParaRPr lang="ru-RU" sz="2800" dirty="0" smtClean="0">
+              <a:latin typeface="Times New Roman" pitchFamily="18" charset="0"/>
+              <a:cs typeface="Times New Roman" pitchFamily="18" charset="0"/>
+            </a:endParaRPr>
+          </a:p>
+        </p:txBody>
+      </p:sp>
+      <p:pic>
+        <p:nvPicPr>
+          <p:cNvPr id="20484" name="Рисунок 3"/>
+          <p:cNvPicPr>
+            <a:picLocks noChangeAspect="1"/>
+          </p:cNvPicPr>
+          <p:nvPr/>
+        </p:nvPicPr>
+        <p:blipFill>
+          <a:blip r:embed="rId2">
+            <a:extLst>
+              <a:ext uri="{28A0092B-C50C-407E-A947-70E740481C1C}">
+                <a14:useLocalDpi xmlns:a14="http://schemas.microsoft.com/office/drawing/2010/main" val="0"/>
+              </a:ext>
+            </a:extLst>
+          </a:blip>
+          <a:srcRect/>
+          <a:stretch>
+            <a:fillRect/>
+          </a:stretch>
+        </p:blipFill>
+        <p:spPr bwMode="auto">
+          <a:xfrm>
+            <a:off x="2815453" y="5480215"/>
+            <a:ext cx="2266950" cy="1422400"/>
+          </a:xfrm>
+          <a:prstGeom prst="rect">
+            <a:avLst/>
+          </a:prstGeom>
+          <a:noFill/>
+          <a:ln>
+            <a:noFill/>
+          </a:ln>
+          <a:extLst>
+            <a:ext uri="{909E8E84-426E-40DD-AFC4-6F175D3DCCD1}">
+              <a14:hiddenFill xmlns:a14="http://schemas.microsoft.com/office/drawing/2010/main">
+                <a:solidFill>
+                  <a:srgbClr val="FFFFFF"/>
+                </a:solidFill>
+              </a14:hiddenFill>
+            </a:ext>
+            <a:ext uri="{91240B29-F687-4F45-9708-019B960494DF}">
+              <a14:hiddenLine xmlns:a14="http://schemas.microsoft.com/office/drawing/2010/main" w="9525">
+                <a:solidFill>
+                  <a:srgbClr val="000000"/>
+                </a:solidFill>
+                <a:miter lim="800000"/>
+                <a:headEnd/>
+                <a:tailEnd/>
+              </a14:hiddenLine>
+            </a:ext>
+          </a:extLst>
+        </p:spPr>
+      </p:pic>
+      <p:pic>
+        <p:nvPicPr>
+          <p:cNvPr id="20485" name="Рисунок 4"/>
+          <p:cNvPicPr>
+            <a:picLocks noChangeAspect="1"/>
+          </p:cNvPicPr>
+          <p:nvPr/>
+        </p:nvPicPr>
+        <p:blipFill>
+          <a:blip r:embed="rId3">
+            <a:extLst>
+              <a:ext uri="{28A0092B-C50C-407E-A947-70E740481C1C}">
+                <a14:useLocalDpi xmlns:a14="http://schemas.microsoft.com/office/drawing/2010/main" val="0"/>
+              </a:ext>
+            </a:extLst>
+          </a:blip>
+          <a:srcRect/>
+          <a:stretch>
+            <a:fillRect/>
+          </a:stretch>
+        </p:blipFill>
+        <p:spPr bwMode="auto">
+          <a:xfrm>
+            <a:off x="5296131" y="4805362"/>
+            <a:ext cx="1831975" cy="1576388"/>
+          </a:xfrm>
+          <a:prstGeom prst="rect">
+            <a:avLst/>
+          </a:prstGeom>
+          <a:noFill/>
+          <a:ln>
+            <a:noFill/>
+          </a:ln>
+          <a:extLst>
+            <a:ext uri="{909E8E84-426E-40DD-AFC4-6F175D3DCCD1}">
+              <a14:hiddenFill xmlns:a14="http://schemas.microsoft.com/office/drawing/2010/main">
+                <a:solidFill>
+                  <a:srgbClr val="FFFFFF"/>
+                </a:solidFill>
+              </a14:hiddenFill>
+            </a:ext>
+            <a:ext uri="{91240B29-F687-4F45-9708-019B960494DF}">
+              <a14:hiddenLine xmlns:a14="http://schemas.microsoft.com/office/drawing/2010/main" w="9525">
+                <a:solidFill>
+                  <a:srgbClr val="000000"/>
+                </a:solidFill>
+                <a:miter lim="800000"/>
+                <a:headEnd/>
+                <a:tailEnd/>
+              </a14:hiddenLine>
+            </a:ext>
+          </a:extLst>
+        </p:spPr>
+      </p:pic>
+      <p:pic>
+        <p:nvPicPr>
+          <p:cNvPr id="20486" name="Рисунок 5"/>
+          <p:cNvPicPr>
+            <a:picLocks noChangeAspect="1"/>
+          </p:cNvPicPr>
+          <p:nvPr/>
+        </p:nvPicPr>
+        <p:blipFill>
+          <a:blip r:embed="rId4">
+            <a:extLst>
+              <a:ext uri="{28A0092B-C50C-407E-A947-70E740481C1C}">
+                <a14:useLocalDpi xmlns:a14="http://schemas.microsoft.com/office/drawing/2010/main" val="0"/>
+              </a:ext>
+            </a:extLst>
+          </a:blip>
+          <a:srcRect/>
+          <a:stretch>
+            <a:fillRect/>
+          </a:stretch>
+        </p:blipFill>
+        <p:spPr bwMode="auto">
+          <a:xfrm>
+            <a:off x="9768748" y="4500561"/>
+            <a:ext cx="1908175" cy="1927225"/>
+          </a:xfrm>
+          <a:prstGeom prst="rect">
+            <a:avLst/>
+          </a:prstGeom>
+          <a:noFill/>
+          <a:ln>
+            <a:noFill/>
+          </a:ln>
+          <a:extLst>
+            <a:ext uri="{909E8E84-426E-40DD-AFC4-6F175D3DCCD1}">
+              <a14:hiddenFill xmlns:a14="http://schemas.microsoft.com/office/drawing/2010/main">
+                <a:solidFill>
+                  <a:srgbClr val="FFFFFF"/>
+                </a:solidFill>
+              </a14:hiddenFill>
+            </a:ext>
+            <a:ext uri="{91240B29-F687-4F45-9708-019B960494DF}">
+              <a14:hiddenLine xmlns:a14="http://schemas.microsoft.com/office/drawing/2010/main" w="9525">
+                <a:solidFill>
+                  <a:srgbClr val="000000"/>
+                </a:solidFill>
+                <a:miter lim="800000"/>
+                <a:headEnd/>
+                <a:tailEnd/>
+              </a14:hiddenLine>
+            </a:ext>
+          </a:extLst>
+        </p:spPr>
+      </p:pic>
+      <p:pic>
+        <p:nvPicPr>
+          <p:cNvPr id="20487" name="Рисунок 6"/>
+          <p:cNvPicPr>
+            <a:picLocks noChangeAspect="1"/>
+          </p:cNvPicPr>
+          <p:nvPr/>
+        </p:nvPicPr>
+        <p:blipFill>
+          <a:blip r:embed="rId5">
+            <a:extLst>
+              <a:ext uri="{28A0092B-C50C-407E-A947-70E740481C1C}">
+                <a14:useLocalDpi xmlns:a14="http://schemas.microsoft.com/office/drawing/2010/main" val="0"/>
+              </a:ext>
+            </a:extLst>
+          </a:blip>
+          <a:srcRect/>
+          <a:stretch>
+            <a:fillRect/>
+          </a:stretch>
+        </p:blipFill>
+        <p:spPr bwMode="auto">
+          <a:xfrm>
+            <a:off x="7405379" y="5356225"/>
+            <a:ext cx="2255838" cy="1501775"/>
+          </a:xfrm>
+          <a:prstGeom prst="rect">
+            <a:avLst/>
+          </a:prstGeom>
+          <a:noFill/>
+          <a:ln>
+            <a:noFill/>
+          </a:ln>
+          <a:extLst>
+            <a:ext uri="{909E8E84-426E-40DD-AFC4-6F175D3DCCD1}">
+              <a14:hiddenFill xmlns:a14="http://schemas.microsoft.com/office/drawing/2010/main">
+                <a:solidFill>
+                  <a:srgbClr val="FFFFFF"/>
+                </a:solidFill>
+              </a14:hiddenFill>
+            </a:ext>
+            <a:ext uri="{91240B29-F687-4F45-9708-019B960494DF}">
+              <a14:hiddenLine xmlns:a14="http://schemas.microsoft.com/office/drawing/2010/main" w="9525">
+                <a:solidFill>
+                  <a:srgbClr val="000000"/>
+                </a:solidFill>
+                <a:miter lim="800000"/>
+                <a:headEnd/>
+                <a:tailEnd/>
+              </a14:hiddenLine>
+            </a:ext>
+          </a:extLst>
+        </p:spPr>
+      </p:pic>
+      <p:pic>
+        <p:nvPicPr>
+          <p:cNvPr id="20488" name="Рисунок 7"/>
+          <p:cNvPicPr>
+            <a:picLocks noChangeAspect="1"/>
+          </p:cNvPicPr>
+          <p:nvPr/>
+        </p:nvPicPr>
+        <p:blipFill>
+          <a:blip r:embed="rId6">
+            <a:extLst>
+              <a:ext uri="{28A0092B-C50C-407E-A947-70E740481C1C}">
+                <a14:useLocalDpi xmlns:a14="http://schemas.microsoft.com/office/drawing/2010/main" val="0"/>
+              </a:ext>
+            </a:extLst>
+          </a:blip>
+          <a:srcRect/>
+          <a:stretch>
+            <a:fillRect/>
+          </a:stretch>
+        </p:blipFill>
+        <p:spPr bwMode="auto">
+          <a:xfrm>
+            <a:off x="131365" y="4805362"/>
+            <a:ext cx="2524125" cy="1317625"/>
+          </a:xfrm>
+          <a:prstGeom prst="rect">
+            <a:avLst/>
+          </a:prstGeom>
+          <a:noFill/>
+          <a:ln>
+            <a:noFill/>
+          </a:ln>
+          <a:extLst>
+            <a:ext uri="{909E8E84-426E-40DD-AFC4-6F175D3DCCD1}">
+              <a14:hiddenFill xmlns:a14="http://schemas.microsoft.com/office/drawing/2010/main">
+                <a:solidFill>
+                  <a:srgbClr val="FFFFFF"/>
+                </a:solidFill>
+              </a14:hiddenFill>
+            </a:ext>
+            <a:ext uri="{91240B29-F687-4F45-9708-019B960494DF}">
+              <a14:hiddenLine xmlns:a14="http://schemas.microsoft.com/office/drawing/2010/main" w="9525">
+                <a:solidFill>
+                  <a:srgbClr val="000000"/>
+                </a:solidFill>
+                <a:miter lim="800000"/>
+                <a:headEnd/>
+                <a:tailEnd/>
+              </a14:hiddenLine>
+            </a:ext>
+          </a:extLst>
+        </p:spPr>
+      </p:pic>
+    </p:spTree>
+  </p:cSld>
+  <p:clrMapOvr>
+    <a:masterClrMapping/>
+  </p:clrMapOvr>
+  <p:timing>
+    <p:tnLst>
+      <p:par>
+        <p:cTn id="1" dur="indefinite" restart="never" nodeType="tmRoot"/>
+      </p:par>
+    </p:tnLst>
+  </p:timing>
+</p:sld>
+</file>
+
+<file path=ppt/slides/slide20.xml><?xml version="1.0" encoding="utf-8"?>
 <p:sld xmlns:a="http://schemas.openxmlformats.org/drawingml/2006/main" xmlns:r="http://schemas.openxmlformats.org/officeDocument/2006/relationships" xmlns:p="http://schemas.openxmlformats.org/presentationml/2006/main">
   <p:cSld>
     <p:spTree>
@@ -8028,17 +10215,28 @@
             <p:ph type="title"/>
           </p:nvPr>
         </p:nvSpPr>
-        <p:spPr/>
+        <p:spPr>
+          <a:xfrm>
+            <a:off x="616527" y="138545"/>
+            <a:ext cx="11535938" cy="1455738"/>
+          </a:xfrm>
+        </p:spPr>
         <p:txBody>
           <a:bodyPr/>
           <a:lstStyle/>
           <a:p>
             <a:pPr algn="ctr"/>
             <a:r>
-              <a:rPr lang="ru-RU" dirty="0" smtClean="0"/>
+              <a:rPr lang="ru-RU" dirty="0" smtClean="0">
+                <a:latin typeface="Times New Roman" pitchFamily="18" charset="0"/>
+                <a:cs typeface="Times New Roman" pitchFamily="18" charset="0"/>
+              </a:rPr>
               <a:t>Моделирование преломления лучей</a:t>
             </a:r>
-            <a:endParaRPr lang="ru-RU" dirty="0"/>
+            <a:endParaRPr lang="ru-RU" dirty="0">
+              <a:latin typeface="Times New Roman" pitchFamily="18" charset="0"/>
+              <a:cs typeface="Times New Roman" pitchFamily="18" charset="0"/>
+            </a:endParaRPr>
           </a:p>
         </p:txBody>
       </p:sp>
@@ -8048,7 +10246,7 @@
           <p:cNvPicPr/>
           <p:nvPr/>
         </p:nvPicPr>
-        <p:blipFill>
+        <p:blipFill rotWithShape="1">
           <a:blip r:embed="rId2">
             <a:extLst>
               <a:ext uri="{28A0092B-C50C-407E-A947-70E740481C1C}">
@@ -8056,15 +10254,13 @@
               </a:ext>
             </a:extLst>
           </a:blip>
-          <a:srcRect/>
-          <a:stretch>
-            <a:fillRect/>
-          </a:stretch>
+          <a:srcRect l="41343" t="18976" b="21098"/>
+          <a:stretch/>
         </p:blipFill>
         <p:spPr bwMode="auto">
           <a:xfrm>
-            <a:off x="4047452" y="2387176"/>
-            <a:ext cx="8105013" cy="4052507"/>
+            <a:off x="5105623" y="2875140"/>
+            <a:ext cx="6005722" cy="3666245"/>
           </a:xfrm>
           <a:prstGeom prst="rect">
             <a:avLst/>
@@ -8085,15 +10281,15 @@
             </p:nvSpPr>
             <p:spPr>
               <a:xfrm>
-                <a:off x="194410" y="2387176"/>
-                <a:ext cx="3853042" cy="1147302"/>
+                <a:off x="332956" y="1403503"/>
+                <a:ext cx="10293480" cy="1358321"/>
               </a:xfrm>
               <a:prstGeom prst="rect">
                 <a:avLst/>
               </a:prstGeom>
             </p:spPr>
             <p:txBody>
-              <a:bodyPr wrap="none">
+              <a:bodyPr wrap="square">
                 <a:spAutoFit/>
               </a:bodyPr>
               <a:lstStyle/>
@@ -8106,7 +10302,7 @@
                     </m:oMathParaPr>
                     <m:oMath xmlns:m="http://schemas.openxmlformats.org/officeDocument/2006/math">
                       <m:r>
-                        <a:rPr lang="ru-RU" sz="2000" i="1">
+                        <a:rPr lang="ru-RU" sz="2400" i="1">
                           <a:latin typeface="Cambria Math"/>
                         </a:rPr>
                         <m:t>𝑡𝑔</m:t>
@@ -8114,14 +10310,14 @@
                       <m:sSub>
                         <m:sSubPr>
                           <m:ctrlPr>
-                            <a:rPr lang="ru-RU" sz="2000" i="1">
+                            <a:rPr lang="ru-RU" sz="2400" i="1">
                               <a:latin typeface="Cambria Math"/>
                             </a:rPr>
                           </m:ctrlPr>
                         </m:sSubPr>
                         <m:e>
                           <m:r>
-                            <a:rPr lang="ru-RU" sz="2000" i="1">
+                            <a:rPr lang="ru-RU" sz="2400" i="1">
                               <a:latin typeface="Cambria Math"/>
                             </a:rPr>
                             <m:t>𝛼</m:t>
@@ -8129,7 +10325,7 @@
                         </m:e>
                         <m:sub>
                           <m:r>
-                            <a:rPr lang="ru-RU" sz="2000" i="1">
+                            <a:rPr lang="ru-RU" sz="2400" i="1">
                               <a:latin typeface="Cambria Math"/>
                             </a:rPr>
                             <m:t>𝑁</m:t>
@@ -8137,7 +10333,7 @@
                         </m:sub>
                       </m:sSub>
                       <m:r>
-                        <a:rPr lang="ru-RU" sz="2000" i="1">
+                        <a:rPr lang="ru-RU" sz="2400" i="1">
                           <a:latin typeface="Cambria Math"/>
                         </a:rPr>
                         <m:t>=</m:t>
@@ -8145,7 +10341,7 @@
                       <m:f>
                         <m:fPr>
                           <m:ctrlPr>
-                            <a:rPr lang="ru-RU" sz="2000" i="1">
+                            <a:rPr lang="ru-RU" sz="2400" i="1">
                               <a:latin typeface="Cambria Math"/>
                             </a:rPr>
                           </m:ctrlPr>
@@ -8154,14 +10350,14 @@
                           <m:sSub>
                             <m:sSubPr>
                               <m:ctrlPr>
-                                <a:rPr lang="ru-RU" sz="2000" i="1">
+                                <a:rPr lang="ru-RU" sz="2400" i="1">
                                   <a:latin typeface="Cambria Math"/>
                                 </a:rPr>
                               </m:ctrlPr>
                             </m:sSubPr>
                             <m:e>
                               <m:r>
-                                <a:rPr lang="ru-RU" sz="2000" i="1">
+                                <a:rPr lang="ru-RU" sz="2400" i="1">
                                   <a:latin typeface="Cambria Math"/>
                                 </a:rPr>
                                 <m:t>𝑦</m:t>
@@ -8169,7 +10365,7 @@
                             </m:e>
                             <m:sub>
                               <m:r>
-                                <a:rPr lang="ru-RU" sz="2000" i="1">
+                                <a:rPr lang="ru-RU" sz="2400" i="1">
                                   <a:latin typeface="Cambria Math"/>
                                 </a:rPr>
                                 <m:t>0</m:t>
@@ -8179,7 +10375,7 @@
                           <m:d>
                             <m:dPr>
                               <m:ctrlPr>
-                                <a:rPr lang="ru-RU" sz="2000" i="1">
+                                <a:rPr lang="ru-RU" sz="2400" i="1">
                                   <a:latin typeface="Cambria Math"/>
                                 </a:rPr>
                               </m:ctrlPr>
@@ -8188,14 +10384,14 @@
                               <m:f>
                                 <m:fPr>
                                   <m:ctrlPr>
-                                    <a:rPr lang="ru-RU" sz="2000" i="1">
+                                    <a:rPr lang="ru-RU" sz="2400" i="1">
                                       <a:latin typeface="Cambria Math"/>
                                     </a:rPr>
                                   </m:ctrlPr>
                                 </m:fPr>
                                 <m:num>
                                   <m:r>
-                                    <a:rPr lang="ru-RU" sz="2000" i="1">
+                                    <a:rPr lang="ru-RU" sz="2400" i="1">
                                       <a:latin typeface="Cambria Math"/>
                                     </a:rPr>
                                     <m:t>1</m:t>
@@ -8203,13 +10399,13 @@
                                 </m:num>
                                 <m:den>
                                   <m:r>
-                                    <a:rPr lang="ru-RU" sz="2000" i="1">
+                                    <a:rPr lang="ru-RU" sz="2400" i="1">
                                       <a:latin typeface="Cambria Math"/>
                                     </a:rPr>
                                     <m:t>𝑘</m:t>
                                   </m:r>
                                   <m:r>
-                                    <a:rPr lang="ru-RU" sz="2000" i="1">
+                                    <a:rPr lang="ru-RU" sz="2400" i="1">
                                       <a:latin typeface="Cambria Math"/>
                                     </a:rPr>
                                     <m:t>1</m:t>
@@ -8217,7 +10413,7 @@
                                 </m:den>
                               </m:f>
                               <m:r>
-                                <a:rPr lang="ru-RU" sz="2000" i="1">
+                                <a:rPr lang="ru-RU" sz="2400" i="1">
                                   <a:latin typeface="Cambria Math"/>
                                 </a:rPr>
                                 <m:t>+</m:t>
@@ -8225,14 +10421,14 @@
                               <m:f>
                                 <m:fPr>
                                   <m:ctrlPr>
-                                    <a:rPr lang="ru-RU" sz="2000" i="1">
+                                    <a:rPr lang="ru-RU" sz="2400" i="1">
                                       <a:latin typeface="Cambria Math"/>
                                     </a:rPr>
                                   </m:ctrlPr>
                                 </m:fPr>
                                 <m:num>
                                   <m:r>
-                                    <a:rPr lang="ru-RU" sz="2000" i="1">
+                                    <a:rPr lang="ru-RU" sz="2400" i="1">
                                       <a:latin typeface="Cambria Math"/>
                                     </a:rPr>
                                     <m:t>𝑛</m:t>
@@ -8240,13 +10436,13 @@
                                 </m:num>
                                 <m:den>
                                   <m:r>
-                                    <a:rPr lang="ru-RU" sz="2000" i="1">
+                                    <a:rPr lang="ru-RU" sz="2400" i="1">
                                       <a:latin typeface="Cambria Math"/>
                                     </a:rPr>
                                     <m:t>𝑘</m:t>
                                   </m:r>
                                   <m:r>
-                                    <a:rPr lang="ru-RU" sz="2000" i="1">
+                                    <a:rPr lang="ru-RU" sz="2400" i="1">
                                       <a:latin typeface="Cambria Math"/>
                                     </a:rPr>
                                     <m:t>2</m:t>
@@ -8260,14 +10456,14 @@
                           <m:sSub>
                             <m:sSubPr>
                               <m:ctrlPr>
-                                <a:rPr lang="ru-RU" sz="2000" i="1">
+                                <a:rPr lang="ru-RU" sz="2400" i="1">
                                   <a:latin typeface="Cambria Math"/>
                                 </a:rPr>
                               </m:ctrlPr>
                             </m:sSubPr>
                             <m:e>
                               <m:r>
-                                <a:rPr lang="ru-RU" sz="2000" i="1">
+                                <a:rPr lang="ru-RU" sz="2400" i="1">
                                   <a:latin typeface="Cambria Math"/>
                                 </a:rPr>
                                 <m:t>𝑥</m:t>
@@ -8275,7 +10471,7 @@
                             </m:e>
                             <m:sub>
                               <m:r>
-                                <a:rPr lang="ru-RU" sz="2000" i="1">
+                                <a:rPr lang="ru-RU" sz="2400" i="1">
                                   <a:latin typeface="Cambria Math"/>
                                 </a:rPr>
                                 <m:t>0</m:t>
@@ -8285,7 +10481,7 @@
                           <m:d>
                             <m:dPr>
                               <m:ctrlPr>
-                                <a:rPr lang="ru-RU" sz="2000" i="1">
+                                <a:rPr lang="ru-RU" sz="2400" i="1">
                                   <a:latin typeface="Cambria Math"/>
                                 </a:rPr>
                               </m:ctrlPr>
@@ -8294,14 +10490,14 @@
                               <m:f>
                                 <m:fPr>
                                   <m:ctrlPr>
-                                    <a:rPr lang="ru-RU" sz="2000" i="1">
+                                    <a:rPr lang="ru-RU" sz="2400" i="1">
                                       <a:latin typeface="Cambria Math"/>
                                     </a:rPr>
                                   </m:ctrlPr>
                                 </m:fPr>
                                 <m:num>
                                   <m:r>
-                                    <a:rPr lang="ru-RU" sz="2000" i="1">
+                                    <a:rPr lang="ru-RU" sz="2400" i="1">
                                       <a:latin typeface="Cambria Math"/>
                                     </a:rPr>
                                     <m:t>1</m:t>
@@ -8309,13 +10505,13 @@
                                 </m:num>
                                 <m:den>
                                   <m:r>
-                                    <a:rPr lang="ru-RU" sz="2000" i="1">
+                                    <a:rPr lang="ru-RU" sz="2400" i="1">
                                       <a:latin typeface="Cambria Math"/>
                                     </a:rPr>
                                     <m:t>𝑘</m:t>
                                   </m:r>
                                   <m:r>
-                                    <a:rPr lang="ru-RU" sz="2000" i="1">
+                                    <a:rPr lang="ru-RU" sz="2400" i="1">
                                       <a:latin typeface="Cambria Math"/>
                                     </a:rPr>
                                     <m:t>1</m:t>
@@ -8323,7 +10519,7 @@
                                 </m:den>
                               </m:f>
                               <m:r>
-                                <a:rPr lang="ru-RU" sz="2000" i="1">
+                                <a:rPr lang="ru-RU" sz="2400" i="1">
                                   <a:latin typeface="Cambria Math"/>
                                 </a:rPr>
                                 <m:t>+</m:t>
@@ -8331,14 +10527,14 @@
                               <m:f>
                                 <m:fPr>
                                   <m:ctrlPr>
-                                    <a:rPr lang="ru-RU" sz="2000" i="1">
+                                    <a:rPr lang="ru-RU" sz="2400" i="1">
                                       <a:latin typeface="Cambria Math"/>
                                     </a:rPr>
                                   </m:ctrlPr>
                                 </m:fPr>
                                 <m:num>
                                   <m:r>
-                                    <a:rPr lang="ru-RU" sz="2000" i="1">
+                                    <a:rPr lang="ru-RU" sz="2400" i="1">
                                       <a:latin typeface="Cambria Math"/>
                                     </a:rPr>
                                     <m:t>𝑛</m:t>
@@ -8346,13 +10542,13 @@
                                 </m:num>
                                 <m:den>
                                   <m:r>
-                                    <a:rPr lang="ru-RU" sz="2000" i="1">
+                                    <a:rPr lang="ru-RU" sz="2400" i="1">
                                       <a:latin typeface="Cambria Math"/>
                                     </a:rPr>
                                     <m:t>𝑘</m:t>
                                   </m:r>
                                   <m:r>
-                                    <a:rPr lang="ru-RU" sz="2000" i="1">
+                                    <a:rPr lang="ru-RU" sz="2400" i="1">
                                       <a:latin typeface="Cambria Math"/>
                                     </a:rPr>
                                     <m:t>2</m:t>
@@ -8362,7 +10558,7 @@
                             </m:e>
                           </m:d>
                           <m:r>
-                            <a:rPr lang="ru-RU" sz="2000" i="1">
+                            <a:rPr lang="ru-RU" sz="2400" i="1">
                               <a:latin typeface="Cambria Math"/>
                             </a:rPr>
                             <m:t>−</m:t>
@@ -8370,44 +10566,44 @@
                           <m:f>
                             <m:fPr>
                               <m:ctrlPr>
-                                <a:rPr lang="ru-RU" sz="2000" i="1">
+                                <a:rPr lang="ru-RU" sz="2400" i="1">
                                   <a:latin typeface="Cambria Math"/>
                                 </a:rPr>
                               </m:ctrlPr>
                             </m:fPr>
                             <m:num>
                               <m:r>
-                                <a:rPr lang="ru-RU" sz="2000" i="1">
+                                <a:rPr lang="ru-RU" sz="2400" i="1">
                                   <a:latin typeface="Cambria Math"/>
                                 </a:rPr>
                                 <m:t>𝑛</m:t>
                               </m:r>
                               <m:r>
-                                <a:rPr lang="ru-RU" sz="2000" i="1">
+                                <a:rPr lang="ru-RU" sz="2400" i="1">
                                   <a:latin typeface="Cambria Math"/>
                                 </a:rPr>
                                 <m:t>(</m:t>
                               </m:r>
                               <m:r>
-                                <a:rPr lang="ru-RU" sz="2000" i="1">
+                                <a:rPr lang="ru-RU" sz="2400" i="1">
                                   <a:latin typeface="Cambria Math"/>
                                 </a:rPr>
                                 <m:t>𝑑</m:t>
                               </m:r>
                               <m:r>
-                                <a:rPr lang="ru-RU" sz="2000" i="1">
+                                <a:rPr lang="ru-RU" sz="2400" i="1">
                                   <a:latin typeface="Cambria Math"/>
                                 </a:rPr>
                                 <m:t>+</m:t>
                               </m:r>
                               <m:r>
-                                <a:rPr lang="ru-RU" sz="2000" i="1">
+                                <a:rPr lang="ru-RU" sz="2400" i="1">
                                   <a:latin typeface="Cambria Math"/>
                                 </a:rPr>
                                 <m:t>𝑓</m:t>
                               </m:r>
                               <m:r>
-                                <a:rPr lang="ru-RU" sz="2000" i="1">
+                                <a:rPr lang="ru-RU" sz="2400" i="1">
                                   <a:latin typeface="Cambria Math"/>
                                 </a:rPr>
                                 <m:t>)</m:t>
@@ -8415,13 +10611,13 @@
                             </m:num>
                             <m:den>
                               <m:r>
-                                <a:rPr lang="ru-RU" sz="2000" i="1">
+                                <a:rPr lang="ru-RU" sz="2400" i="1">
                                   <a:latin typeface="Cambria Math"/>
                                 </a:rPr>
                                 <m:t>𝑘</m:t>
                               </m:r>
                               <m:r>
-                                <a:rPr lang="ru-RU" sz="2000" i="1">
+                                <a:rPr lang="ru-RU" sz="2400" i="1">
                                   <a:latin typeface="Cambria Math"/>
                                 </a:rPr>
                                 <m:t>2</m:t>
@@ -8433,7 +10629,7 @@
                     </m:oMath>
                   </m:oMathPara>
                 </a14:m>
-                <a:endParaRPr lang="ru-RU" sz="2000" dirty="0"/>
+                <a:endParaRPr lang="ru-RU" sz="2400" dirty="0"/>
               </a:p>
             </p:txBody>
           </p:sp>
@@ -8449,8 +10645,8 @@
             </p:nvSpPr>
             <p:spPr>
               <a:xfrm>
-                <a:off x="194410" y="2387176"/>
-                <a:ext cx="3853042" cy="1147302"/>
+                <a:off x="332956" y="1403503"/>
+                <a:ext cx="10293480" cy="1358321"/>
               </a:xfrm>
               <a:prstGeom prst="rect">
                 <a:avLst/>
@@ -8487,8 +10683,8 @@
             </p:nvSpPr>
             <p:spPr>
               <a:xfrm>
-                <a:off x="332956" y="3863053"/>
-                <a:ext cx="2862514" cy="1340880"/>
+                <a:off x="332956" y="3367382"/>
+                <a:ext cx="4401013" cy="2034788"/>
               </a:xfrm>
               <a:prstGeom prst="rect">
                 <a:avLst/>
@@ -8512,7 +10708,7 @@
                           <m:begChr m:val="{"/>
                           <m:endChr m:val=""/>
                           <m:ctrlPr>
-                            <a:rPr lang="ru-RU" i="1">
+                            <a:rPr lang="ru-RU" sz="2800" i="1">
                               <a:latin typeface="Cambria Math"/>
                             </a:rPr>
                           </m:ctrlPr>
@@ -8521,20 +10717,20 @@
                           <m:eqArr>
                             <m:eqArrPr>
                               <m:ctrlPr>
-                                <a:rPr lang="ru-RU" i="1">
+                                <a:rPr lang="ru-RU" sz="2800" i="1">
                                   <a:latin typeface="Cambria Math"/>
                                 </a:rPr>
                               </m:ctrlPr>
                             </m:eqArrPr>
                             <m:e>
                               <m:r>
-                                <a:rPr lang="ru-RU" i="1">
+                                <a:rPr lang="ru-RU" sz="2800" i="1">
                                   <a:latin typeface="Cambria Math"/>
                                 </a:rPr>
                                 <m:t>𝑘</m:t>
                               </m:r>
                               <m:r>
-                                <a:rPr lang="ru-RU" i="1">
+                                <a:rPr lang="ru-RU" sz="2800" i="1">
                                   <a:latin typeface="Cambria Math"/>
                                 </a:rPr>
                                 <m:t>1= </m:t>
@@ -8543,7 +10739,7 @@
                                 <m:radPr>
                                   <m:degHide m:val="on"/>
                                   <m:ctrlPr>
-                                    <a:rPr lang="ru-RU" i="1">
+                                    <a:rPr lang="ru-RU" sz="2800" i="1">
                                       <a:latin typeface="Cambria Math"/>
                                     </a:rPr>
                                   </m:ctrlPr>
@@ -8553,14 +10749,14 @@
                                   <m:sSubSup>
                                     <m:sSubSupPr>
                                       <m:ctrlPr>
-                                        <a:rPr lang="ru-RU" i="1">
+                                        <a:rPr lang="ru-RU" sz="2800" i="1">
                                           <a:latin typeface="Cambria Math"/>
                                         </a:rPr>
                                       </m:ctrlPr>
                                     </m:sSubSupPr>
                                     <m:e>
                                       <m:r>
-                                        <a:rPr lang="ru-RU" i="1">
+                                        <a:rPr lang="ru-RU" sz="2800" i="1">
                                           <a:latin typeface="Cambria Math"/>
                                         </a:rPr>
                                         <m:t>𝑥</m:t>
@@ -8568,7 +10764,7 @@
                                     </m:e>
                                     <m:sub>
                                       <m:r>
-                                        <a:rPr lang="ru-RU" i="1">
+                                        <a:rPr lang="ru-RU" sz="2800" i="1">
                                           <a:latin typeface="Cambria Math"/>
                                         </a:rPr>
                                         <m:t>0</m:t>
@@ -8576,7 +10772,7 @@
                                     </m:sub>
                                     <m:sup>
                                       <m:r>
-                                        <a:rPr lang="ru-RU" i="1">
+                                        <a:rPr lang="ru-RU" sz="2800" i="1">
                                           <a:latin typeface="Cambria Math"/>
                                         </a:rPr>
                                         <m:t>2</m:t>
@@ -8584,7 +10780,7 @@
                                     </m:sup>
                                   </m:sSubSup>
                                   <m:r>
-                                    <a:rPr lang="ru-RU" i="1">
+                                    <a:rPr lang="ru-RU" sz="2800" i="1">
                                       <a:latin typeface="Cambria Math"/>
                                     </a:rPr>
                                     <m:t>+</m:t>
@@ -8592,14 +10788,14 @@
                                   <m:sSubSup>
                                     <m:sSubSupPr>
                                       <m:ctrlPr>
-                                        <a:rPr lang="ru-RU" i="1">
+                                        <a:rPr lang="ru-RU" sz="2800" i="1">
                                           <a:latin typeface="Cambria Math"/>
                                         </a:rPr>
                                       </m:ctrlPr>
                                     </m:sSubSupPr>
                                     <m:e>
                                       <m:r>
-                                        <a:rPr lang="ru-RU" i="1">
+                                        <a:rPr lang="ru-RU" sz="2800" i="1">
                                           <a:latin typeface="Cambria Math"/>
                                         </a:rPr>
                                         <m:t>𝑦</m:t>
@@ -8607,7 +10803,7 @@
                                     </m:e>
                                     <m:sub>
                                       <m:r>
-                                        <a:rPr lang="ru-RU" i="1">
+                                        <a:rPr lang="ru-RU" sz="2800" i="1">
                                           <a:latin typeface="Cambria Math"/>
                                         </a:rPr>
                                         <m:t>0</m:t>
@@ -8615,7 +10811,7 @@
                                     </m:sub>
                                     <m:sup>
                                       <m:r>
-                                        <a:rPr lang="ru-RU" i="1">
+                                        <a:rPr lang="ru-RU" sz="2800" i="1">
                                           <a:latin typeface="Cambria Math"/>
                                         </a:rPr>
                                         <m:t>2</m:t>
@@ -8627,13 +10823,13 @@
                             </m:e>
                             <m:e>
                               <m:r>
-                                <a:rPr lang="ru-RU" i="1">
+                                <a:rPr lang="ru-RU" sz="2800" i="1">
                                   <a:latin typeface="Cambria Math"/>
                                 </a:rPr>
                                 <m:t>𝑘</m:t>
                               </m:r>
                               <m:r>
-                                <a:rPr lang="ru-RU" i="1">
+                                <a:rPr lang="ru-RU" sz="2800" i="1">
                                   <a:latin typeface="Cambria Math"/>
                                 </a:rPr>
                                 <m:t>2=</m:t>
@@ -8642,7 +10838,7 @@
                                 <m:radPr>
                                   <m:degHide m:val="on"/>
                                   <m:ctrlPr>
-                                    <a:rPr lang="ru-RU" i="1">
+                                    <a:rPr lang="ru-RU" sz="2800" i="1">
                                       <a:latin typeface="Cambria Math"/>
                                     </a:rPr>
                                   </m:ctrlPr>
@@ -8652,38 +10848,38 @@
                                   <m:sSup>
                                     <m:sSupPr>
                                       <m:ctrlPr>
-                                        <a:rPr lang="ru-RU" i="1">
+                                        <a:rPr lang="ru-RU" sz="2800" i="1">
                                           <a:latin typeface="Cambria Math"/>
                                         </a:rPr>
                                       </m:ctrlPr>
                                     </m:sSupPr>
                                     <m:e>
                                       <m:r>
-                                        <a:rPr lang="ru-RU" i="1">
+                                        <a:rPr lang="ru-RU" sz="2800" i="1">
                                           <a:latin typeface="Cambria Math"/>
                                         </a:rPr>
                                         <m:t>(</m:t>
                                       </m:r>
                                       <m:r>
-                                        <a:rPr lang="ru-RU" i="1">
+                                        <a:rPr lang="ru-RU" sz="2800" i="1">
                                           <a:latin typeface="Cambria Math"/>
                                         </a:rPr>
                                         <m:t>𝑑</m:t>
                                       </m:r>
                                       <m:r>
-                                        <a:rPr lang="ru-RU" i="1">
+                                        <a:rPr lang="ru-RU" sz="2800" i="1">
                                           <a:latin typeface="Cambria Math"/>
                                         </a:rPr>
                                         <m:t>+</m:t>
                                       </m:r>
                                       <m:r>
-                                        <a:rPr lang="ru-RU" i="1">
+                                        <a:rPr lang="ru-RU" sz="2800" i="1">
                                           <a:latin typeface="Cambria Math"/>
                                         </a:rPr>
                                         <m:t>𝑓</m:t>
                                       </m:r>
                                       <m:r>
-                                        <a:rPr lang="ru-RU" i="1">
+                                        <a:rPr lang="ru-RU" sz="2800" i="1">
                                           <a:latin typeface="Cambria Math"/>
                                         </a:rPr>
                                         <m:t>−</m:t>
@@ -8691,14 +10887,14 @@
                                       <m:sSub>
                                         <m:sSubPr>
                                           <m:ctrlPr>
-                                            <a:rPr lang="ru-RU" i="1">
+                                            <a:rPr lang="ru-RU" sz="2800" i="1">
                                               <a:latin typeface="Cambria Math"/>
                                             </a:rPr>
                                           </m:ctrlPr>
                                         </m:sSubPr>
                                         <m:e>
                                           <m:r>
-                                            <a:rPr lang="ru-RU" i="1">
+                                            <a:rPr lang="ru-RU" sz="2800" i="1">
                                               <a:latin typeface="Cambria Math"/>
                                             </a:rPr>
                                             <m:t>𝑥</m:t>
@@ -8706,7 +10902,7 @@
                                         </m:e>
                                         <m:sub>
                                           <m:r>
-                                            <a:rPr lang="ru-RU" i="1">
+                                            <a:rPr lang="ru-RU" sz="2800" i="1">
                                               <a:latin typeface="Cambria Math"/>
                                             </a:rPr>
                                             <m:t>0</m:t>
@@ -8714,7 +10910,7 @@
                                         </m:sub>
                                       </m:sSub>
                                       <m:r>
-                                        <a:rPr lang="ru-RU" i="1">
+                                        <a:rPr lang="ru-RU" sz="2800" i="1">
                                           <a:latin typeface="Cambria Math"/>
                                         </a:rPr>
                                         <m:t>)</m:t>
@@ -8722,7 +10918,7 @@
                                     </m:e>
                                     <m:sup>
                                       <m:r>
-                                        <a:rPr lang="ru-RU" i="1">
+                                        <a:rPr lang="ru-RU" sz="2800" i="1">
                                           <a:latin typeface="Cambria Math"/>
                                         </a:rPr>
                                         <m:t>2</m:t>
@@ -8730,7 +10926,7 @@
                                     </m:sup>
                                   </m:sSup>
                                   <m:r>
-                                    <a:rPr lang="ru-RU" i="1">
+                                    <a:rPr lang="ru-RU" sz="2800" i="1">
                                       <a:latin typeface="Cambria Math"/>
                                     </a:rPr>
                                     <m:t>+</m:t>
@@ -8738,14 +10934,14 @@
                                   <m:sSubSup>
                                     <m:sSubSupPr>
                                       <m:ctrlPr>
-                                        <a:rPr lang="ru-RU" i="1">
+                                        <a:rPr lang="ru-RU" sz="2800" i="1">
                                           <a:latin typeface="Cambria Math"/>
                                         </a:rPr>
                                       </m:ctrlPr>
                                     </m:sSubSupPr>
                                     <m:e>
                                       <m:r>
-                                        <a:rPr lang="ru-RU" i="1">
+                                        <a:rPr lang="ru-RU" sz="2800" i="1">
                                           <a:latin typeface="Cambria Math"/>
                                         </a:rPr>
                                         <m:t>𝑦</m:t>
@@ -8753,7 +10949,7 @@
                                     </m:e>
                                     <m:sub>
                                       <m:r>
-                                        <a:rPr lang="ru-RU" i="1">
+                                        <a:rPr lang="ru-RU" sz="2800" i="1">
                                           <a:latin typeface="Cambria Math"/>
                                         </a:rPr>
                                         <m:t>0</m:t>
@@ -8761,7 +10957,7 @@
                                     </m:sub>
                                     <m:sup>
                                       <m:r>
-                                        <a:rPr lang="ru-RU" i="1">
+                                        <a:rPr lang="ru-RU" sz="2800" i="1">
                                           <a:latin typeface="Cambria Math"/>
                                         </a:rPr>
                                         <m:t>2</m:t>
@@ -8777,7 +10973,7 @@
                     </m:oMath>
                   </m:oMathPara>
                 </a14:m>
-                <a:endParaRPr lang="ru-RU" dirty="0"/>
+                <a:endParaRPr lang="ru-RU" sz="2800" dirty="0"/>
               </a:p>
             </p:txBody>
           </p:sp>
@@ -8793,8 +10989,8 @@
             </p:nvSpPr>
             <p:spPr>
               <a:xfrm>
-                <a:off x="332956" y="3863053"/>
-                <a:ext cx="2862514" cy="1340880"/>
+                <a:off x="332956" y="3367382"/>
+                <a:ext cx="4401013" cy="2034788"/>
               </a:xfrm>
               <a:prstGeom prst="rect">
                 <a:avLst/>
@@ -8841,7 +11037,7 @@
 </p:sld>
 </file>
 
-<file path=ppt/slides/slide18.xml><?xml version="1.0" encoding="utf-8"?>
+<file path=ppt/slides/slide21.xml><?xml version="1.0" encoding="utf-8"?>
 <p:sld xmlns:a="http://schemas.openxmlformats.org/drawingml/2006/main" xmlns:r="http://schemas.openxmlformats.org/officeDocument/2006/relationships" xmlns:p="http://schemas.openxmlformats.org/presentationml/2006/main">
   <p:cSld>
     <p:spTree>
@@ -8880,14 +11076,23 @@
           <a:p>
             <a:pPr algn="ctr"/>
             <a:r>
-              <a:rPr lang="ru-RU" dirty="0" smtClean="0"/>
+              <a:rPr lang="ru-RU" dirty="0" smtClean="0">
+                <a:latin typeface="Times New Roman" pitchFamily="18" charset="0"/>
+                <a:cs typeface="Times New Roman" pitchFamily="18" charset="0"/>
+              </a:rPr>
               <a:t>Длинна </a:t>
             </a:r>
             <a:r>
-              <a:rPr lang="ru-RU" dirty="0" err="1" smtClean="0"/>
+              <a:rPr lang="ru-RU" dirty="0" err="1" smtClean="0">
+                <a:latin typeface="Times New Roman" pitchFamily="18" charset="0"/>
+                <a:cs typeface="Times New Roman" pitchFamily="18" charset="0"/>
+              </a:rPr>
               <a:t>овоида</a:t>
             </a:r>
-            <a:endParaRPr lang="ru-RU" dirty="0"/>
+            <a:endParaRPr lang="ru-RU" dirty="0">
+              <a:latin typeface="Times New Roman" pitchFamily="18" charset="0"/>
+              <a:cs typeface="Times New Roman" pitchFamily="18" charset="0"/>
+            </a:endParaRPr>
           </a:p>
         </p:txBody>
       </p:sp>
@@ -8924,8 +11129,8 @@
           </a:ln>
         </p:spPr>
       </p:pic>
-      <mc:AlternateContent xmlns:mc="http://schemas.openxmlformats.org/markup-compatibility/2006">
-        <mc:Choice xmlns:a14="http://schemas.microsoft.com/office/drawing/2010/main" Requires="a14">
+      <mc:AlternateContent xmlns:mc="http://schemas.openxmlformats.org/markup-compatibility/2006" xmlns:a14="http://schemas.microsoft.com/office/drawing/2010/main">
+        <mc:Choice Requires="a14">
           <p:sp>
             <p:nvSpPr>
               <p:cNvPr id="5" name="Прямоугольник 4"/>
@@ -9023,7 +11228,7 @@
             </p:txBody>
           </p:sp>
         </mc:Choice>
-        <mc:Fallback>
+        <mc:Fallback xmlns="">
           <p:sp>
             <p:nvSpPr>
               <p:cNvPr id="5" name="Прямоугольник 4"/>
@@ -9062,8 +11267,8 @@
           </p:sp>
         </mc:Fallback>
       </mc:AlternateContent>
-      <mc:AlternateContent xmlns:mc="http://schemas.openxmlformats.org/markup-compatibility/2006">
-        <mc:Choice xmlns:a14="http://schemas.microsoft.com/office/drawing/2010/main" Requires="a14">
+      <mc:AlternateContent xmlns:mc="http://schemas.openxmlformats.org/markup-compatibility/2006" xmlns:a14="http://schemas.microsoft.com/office/drawing/2010/main">
+        <mc:Choice Requires="a14">
           <p:sp>
             <p:nvSpPr>
               <p:cNvPr id="6" name="Прямоугольник 5"/>
@@ -9168,7 +11373,7 @@
             </p:txBody>
           </p:sp>
         </mc:Choice>
-        <mc:Fallback>
+        <mc:Fallback xmlns="">
           <p:sp>
             <p:nvSpPr>
               <p:cNvPr id="6" name="Прямоугольник 5"/>
@@ -9207,8 +11412,8 @@
           </p:sp>
         </mc:Fallback>
       </mc:AlternateContent>
-      <mc:AlternateContent xmlns:mc="http://schemas.openxmlformats.org/markup-compatibility/2006">
-        <mc:Choice xmlns:a14="http://schemas.microsoft.com/office/drawing/2010/main" Requires="a14">
+      <mc:AlternateContent xmlns:mc="http://schemas.openxmlformats.org/markup-compatibility/2006" xmlns:a14="http://schemas.microsoft.com/office/drawing/2010/main">
+        <mc:Choice Requires="a14">
           <p:sp>
             <p:nvSpPr>
               <p:cNvPr id="3" name="TextBox 2"/>
@@ -9231,6 +11436,7 @@
               </a:bodyPr>
               <a:lstStyle/>
               <a:p>
+                <a:pPr/>
                 <a14:m>
                   <m:oMathPara xmlns:m="http://schemas.openxmlformats.org/officeDocument/2006/math">
                     <m:oMathParaPr>
@@ -9313,7 +11519,7 @@
             </p:txBody>
           </p:sp>
         </mc:Choice>
-        <mc:Fallback>
+        <mc:Fallback xmlns="">
           <p:sp>
             <p:nvSpPr>
               <p:cNvPr id="3" name="TextBox 2"/>
@@ -9372,7 +11578,7 @@
 </p:sld>
 </file>
 
-<file path=ppt/slides/slide19.xml><?xml version="1.0" encoding="utf-8"?>
+<file path=ppt/slides/slide22.xml><?xml version="1.0" encoding="utf-8"?>
 <p:sld xmlns:a="http://schemas.openxmlformats.org/drawingml/2006/main" xmlns:r="http://schemas.openxmlformats.org/officeDocument/2006/relationships" xmlns:p="http://schemas.openxmlformats.org/presentationml/2006/main">
   <p:cSld>
     <p:spTree>
@@ -9440,8 +11646,8 @@
             </p:nvSpPr>
             <p:spPr>
               <a:xfrm>
-                <a:off x="0" y="830781"/>
-                <a:ext cx="8811490" cy="1281376"/>
+                <a:off x="124695" y="512127"/>
+                <a:ext cx="11610109" cy="1371401"/>
               </a:xfrm>
               <a:prstGeom prst="rect">
                 <a:avLst/>
@@ -9453,6 +11659,7 @@
               </a:bodyPr>
               <a:lstStyle/>
               <a:p>
+                <a:pPr/>
                 <a14:m>
                   <m:oMathPara xmlns:m="http://schemas.openxmlformats.org/officeDocument/2006/math">
                     <m:oMathParaPr>
@@ -9462,114 +11669,172 @@
                       <m:sSub>
                         <m:sSubPr>
                           <m:ctrlPr>
-                            <a:rPr lang="ru-RU" sz="2400" i="1"/>
+                            <a:rPr lang="ru-RU" sz="3200" i="1" smtClean="0">
+                              <a:latin typeface="Cambria Math"/>
+                            </a:rPr>
                           </m:ctrlPr>
                         </m:sSubPr>
                         <m:e>
                           <m:r>
-                            <a:rPr lang="en-US" sz="2400" i="1"/>
+                            <a:rPr lang="en-US" sz="3200" i="1">
+                              <a:latin typeface="Cambria Math"/>
+                            </a:rPr>
                             <m:t>𝜑</m:t>
                           </m:r>
                         </m:e>
                         <m:sub>
                           <m:r>
-                            <a:rPr lang="en-US" sz="2400" i="1"/>
+                            <a:rPr lang="en-US" sz="3200" i="1">
+                              <a:latin typeface="Cambria Math"/>
+                            </a:rPr>
                             <m:t>𝑚𝑎𝑥</m:t>
                           </m:r>
                         </m:sub>
                       </m:sSub>
                       <m:r>
-                        <a:rPr lang="en-US" sz="2400" i="1"/>
+                        <a:rPr lang="en-US" sz="3200" i="1">
+                          <a:latin typeface="Cambria Math"/>
+                        </a:rPr>
                         <m:t>=</m:t>
                       </m:r>
                       <m:r>
                         <m:rPr>
                           <m:sty m:val="p"/>
                         </m:rPr>
-                        <a:rPr lang="en-US" sz="2400"/>
-                        <m:t>acos</m:t>
+                        <a:rPr lang="en-US" sz="3200">
+                          <a:latin typeface="Cambria Math"/>
+                        </a:rPr>
+                        <m:t>a</m:t>
+                      </m:r>
+                      <m:r>
+                        <m:rPr>
+                          <m:sty m:val="p"/>
+                        </m:rPr>
+                        <a:rPr lang="en-US" sz="3200" b="0" i="0" smtClean="0">
+                          <a:latin typeface="Cambria Math"/>
+                        </a:rPr>
+                        <m:t>rc</m:t>
+                      </m:r>
+                      <m:r>
+                        <m:rPr>
+                          <m:sty m:val="p"/>
+                        </m:rPr>
+                        <a:rPr lang="en-US" sz="3200">
+                          <a:latin typeface="Cambria Math"/>
+                        </a:rPr>
+                        <m:t>cos</m:t>
                       </m:r>
                       <m:d>
                         <m:dPr>
                           <m:ctrlPr>
-                            <a:rPr lang="ru-RU" sz="2400" i="1"/>
+                            <a:rPr lang="ru-RU" sz="3200" i="1">
+                              <a:latin typeface="Cambria Math"/>
+                            </a:rPr>
                           </m:ctrlPr>
                         </m:dPr>
                         <m:e>
                           <m:f>
                             <m:fPr>
                               <m:ctrlPr>
-                                <a:rPr lang="ru-RU" sz="2400" i="1"/>
+                                <a:rPr lang="ru-RU" sz="3200" i="1">
+                                  <a:latin typeface="Cambria Math"/>
+                                </a:rPr>
                               </m:ctrlPr>
                             </m:fPr>
                             <m:num>
                               <m:r>
-                                <a:rPr lang="en-US" sz="2400" i="1"/>
+                                <a:rPr lang="en-US" sz="3200" i="1">
+                                  <a:latin typeface="Cambria Math"/>
+                                </a:rPr>
                                 <m:t>𝑑</m:t>
                               </m:r>
                               <m:r>
-                                <a:rPr lang="en-US" sz="2400" i="1"/>
+                                <a:rPr lang="en-US" sz="3200" i="1">
+                                  <a:latin typeface="Cambria Math"/>
+                                </a:rPr>
                                 <m:t>+</m:t>
                               </m:r>
                               <m:r>
-                                <a:rPr lang="en-US" sz="2400" i="1"/>
+                                <a:rPr lang="en-US" sz="3200" i="1">
+                                  <a:latin typeface="Cambria Math"/>
+                                </a:rPr>
                                 <m:t>𝑛𝑓</m:t>
                               </m:r>
                               <m:r>
-                                <a:rPr lang="en-US" sz="2400" i="1"/>
+                                <a:rPr lang="en-US" sz="3200" i="1">
+                                  <a:latin typeface="Cambria Math"/>
+                                </a:rPr>
                                 <m:t>+</m:t>
                               </m:r>
                               <m:rad>
                                 <m:radPr>
                                   <m:degHide m:val="on"/>
                                   <m:ctrlPr>
-                                    <a:rPr lang="ru-RU" sz="2400" i="1"/>
+                                    <a:rPr lang="ru-RU" sz="3200" i="1">
+                                      <a:latin typeface="Cambria Math"/>
+                                    </a:rPr>
                                   </m:ctrlPr>
                                 </m:radPr>
                                 <m:deg/>
                                 <m:e>
                                   <m:r>
-                                    <a:rPr lang="en-US" sz="2400" i="1"/>
+                                    <a:rPr lang="en-US" sz="3200" i="1">
+                                      <a:latin typeface="Cambria Math"/>
+                                    </a:rPr>
                                     <m:t>(</m:t>
                                   </m:r>
                                   <m:sSup>
                                     <m:sSupPr>
                                       <m:ctrlPr>
-                                        <a:rPr lang="ru-RU" sz="2400" i="1"/>
+                                        <a:rPr lang="ru-RU" sz="3200" i="1">
+                                          <a:latin typeface="Cambria Math"/>
+                                        </a:rPr>
                                       </m:ctrlPr>
                                     </m:sSupPr>
                                     <m:e>
                                       <m:r>
-                                        <a:rPr lang="en-US" sz="2400" i="1"/>
+                                        <a:rPr lang="en-US" sz="3200" i="1">
+                                          <a:latin typeface="Cambria Math"/>
+                                        </a:rPr>
                                         <m:t>𝑛</m:t>
                                       </m:r>
                                     </m:e>
                                     <m:sup>
                                       <m:r>
-                                        <a:rPr lang="en-US" sz="2400" i="1"/>
+                                        <a:rPr lang="en-US" sz="3200" i="1">
+                                          <a:latin typeface="Cambria Math"/>
+                                        </a:rPr>
                                         <m:t>2</m:t>
                                       </m:r>
                                     </m:sup>
                                   </m:sSup>
                                   <m:r>
-                                    <a:rPr lang="en-US" sz="2400" i="1"/>
+                                    <a:rPr lang="en-US" sz="3200" i="1">
+                                      <a:latin typeface="Cambria Math"/>
+                                    </a:rPr>
                                     <m:t>−1)(</m:t>
                                   </m:r>
                                   <m:sSup>
                                     <m:sSupPr>
                                       <m:ctrlPr>
-                                        <a:rPr lang="ru-RU" sz="2400" i="1"/>
+                                        <a:rPr lang="ru-RU" sz="3200" i="1">
+                                          <a:latin typeface="Cambria Math"/>
+                                        </a:rPr>
                                       </m:ctrlPr>
                                     </m:sSupPr>
                                     <m:e>
                                       <m:r>
-                                        <a:rPr lang="en-US" sz="2400" i="1"/>
+                                        <a:rPr lang="en-US" sz="3200" i="1">
+                                          <a:latin typeface="Cambria Math"/>
+                                        </a:rPr>
                                         <m:t>𝑛</m:t>
                                       </m:r>
                                     </m:e>
                                     <m:sup>
                                       <m:r>
-                                        <a:rPr lang="en-US" sz="2400" i="1"/>
+                                        <a:rPr lang="en-US" sz="3200" i="1">
+                                          <a:latin typeface="Cambria Math"/>
+                                        </a:rPr>
                                         <m:t>2</m:t>
                                       </m:r>
                                     </m:sup>
@@ -9577,27 +11842,37 @@
                                   <m:sSup>
                                     <m:sSupPr>
                                       <m:ctrlPr>
-                                        <a:rPr lang="ru-RU" sz="2400" i="1"/>
+                                        <a:rPr lang="ru-RU" sz="3200" i="1">
+                                          <a:latin typeface="Cambria Math"/>
+                                        </a:rPr>
                                       </m:ctrlPr>
                                     </m:sSupPr>
                                     <m:e>
                                       <m:d>
                                         <m:dPr>
                                           <m:ctrlPr>
-                                            <a:rPr lang="ru-RU" sz="2400" i="1"/>
+                                            <a:rPr lang="ru-RU" sz="3200" i="1">
+                                              <a:latin typeface="Cambria Math"/>
+                                            </a:rPr>
                                           </m:ctrlPr>
                                         </m:dPr>
                                         <m:e>
                                           <m:r>
-                                            <a:rPr lang="en-US" sz="2400" i="1"/>
+                                            <a:rPr lang="en-US" sz="3200" i="1">
+                                              <a:latin typeface="Cambria Math"/>
+                                            </a:rPr>
                                             <m:t>𝑑</m:t>
                                           </m:r>
                                           <m:r>
-                                            <a:rPr lang="en-US" sz="2400" i="1"/>
+                                            <a:rPr lang="en-US" sz="3200" i="1">
+                                              <a:latin typeface="Cambria Math"/>
+                                            </a:rPr>
                                             <m:t>+</m:t>
                                           </m:r>
                                           <m:r>
-                                            <a:rPr lang="en-US" sz="2400" i="1"/>
+                                            <a:rPr lang="en-US" sz="3200" i="1">
+                                              <a:latin typeface="Cambria Math"/>
+                                            </a:rPr>
                                             <m:t>𝑓</m:t>
                                           </m:r>
                                         </m:e>
@@ -9605,52 +11880,72 @@
                                     </m:e>
                                     <m:sup>
                                       <m:r>
-                                        <a:rPr lang="en-US" sz="2400" i="1"/>
+                                        <a:rPr lang="en-US" sz="3200" i="1">
+                                          <a:latin typeface="Cambria Math"/>
+                                        </a:rPr>
                                         <m:t>2</m:t>
                                       </m:r>
                                     </m:sup>
                                   </m:sSup>
                                   <m:r>
-                                    <a:rPr lang="en-US" sz="2400" i="1"/>
+                                    <a:rPr lang="en-US" sz="3200" i="1">
+                                      <a:latin typeface="Cambria Math"/>
+                                    </a:rPr>
                                     <m:t>−</m:t>
                                   </m:r>
                                   <m:sSup>
                                     <m:sSupPr>
                                       <m:ctrlPr>
-                                        <a:rPr lang="ru-RU" sz="2400" i="1"/>
+                                        <a:rPr lang="ru-RU" sz="3200" i="1">
+                                          <a:latin typeface="Cambria Math"/>
+                                        </a:rPr>
                                       </m:ctrlPr>
                                     </m:sSupPr>
                                     <m:e>
                                       <m:r>
-                                        <a:rPr lang="en-US" sz="2400" i="1"/>
+                                        <a:rPr lang="en-US" sz="3200" i="1">
+                                          <a:latin typeface="Cambria Math"/>
+                                        </a:rPr>
                                         <m:t>(</m:t>
                                       </m:r>
                                       <m:r>
-                                        <a:rPr lang="en-US" sz="2400" i="1"/>
+                                        <a:rPr lang="en-US" sz="3200" i="1">
+                                          <a:latin typeface="Cambria Math"/>
+                                        </a:rPr>
                                         <m:t>𝑑</m:t>
                                       </m:r>
                                       <m:r>
-                                        <a:rPr lang="en-US" sz="2400" i="1"/>
+                                        <a:rPr lang="en-US" sz="3200" i="1">
+                                          <a:latin typeface="Cambria Math"/>
+                                        </a:rPr>
                                         <m:t>+</m:t>
                                       </m:r>
                                       <m:r>
-                                        <a:rPr lang="en-US" sz="2400" i="1"/>
+                                        <a:rPr lang="en-US" sz="3200" i="1">
+                                          <a:latin typeface="Cambria Math"/>
+                                        </a:rPr>
                                         <m:t>𝑛𝑓</m:t>
                                       </m:r>
                                       <m:r>
-                                        <a:rPr lang="en-US" sz="2400" i="1"/>
+                                        <a:rPr lang="en-US" sz="3200" i="1">
+                                          <a:latin typeface="Cambria Math"/>
+                                        </a:rPr>
                                         <m:t>)</m:t>
                                       </m:r>
                                     </m:e>
                                     <m:sup>
                                       <m:r>
-                                        <a:rPr lang="en-US" sz="2400" i="1"/>
+                                        <a:rPr lang="en-US" sz="3200" i="1">
+                                          <a:latin typeface="Cambria Math"/>
+                                        </a:rPr>
                                         <m:t>2</m:t>
                                       </m:r>
                                     </m:sup>
                                   </m:sSup>
                                   <m:r>
-                                    <a:rPr lang="en-US" sz="2400" i="1"/>
+                                    <a:rPr lang="en-US" sz="3200" i="1">
+                                      <a:latin typeface="Cambria Math"/>
+                                    </a:rPr>
                                     <m:t>)</m:t>
                                   </m:r>
                                 </m:e>
@@ -9660,40 +11955,56 @@
                               <m:sSup>
                                 <m:sSupPr>
                                   <m:ctrlPr>
-                                    <a:rPr lang="ru-RU" sz="2400" i="1"/>
+                                    <a:rPr lang="ru-RU" sz="3200" i="1">
+                                      <a:latin typeface="Cambria Math"/>
+                                    </a:rPr>
                                   </m:ctrlPr>
                                 </m:sSupPr>
                                 <m:e>
                                   <m:r>
-                                    <a:rPr lang="en-US" sz="2400" i="1"/>
+                                    <a:rPr lang="en-US" sz="3200" i="1">
+                                      <a:latin typeface="Cambria Math"/>
+                                    </a:rPr>
                                     <m:t>𝑛</m:t>
                                   </m:r>
                                 </m:e>
                                 <m:sup>
                                   <m:r>
-                                    <a:rPr lang="en-US" sz="2400" i="1"/>
+                                    <a:rPr lang="en-US" sz="3200" i="1">
+                                      <a:latin typeface="Cambria Math"/>
+                                    </a:rPr>
                                     <m:t>2</m:t>
                                   </m:r>
                                 </m:sup>
                               </m:sSup>
                               <m:r>
-                                <a:rPr lang="en-US" sz="2400" i="1"/>
+                                <a:rPr lang="en-US" sz="3200" i="1">
+                                  <a:latin typeface="Cambria Math"/>
+                                </a:rPr>
                                 <m:t>(</m:t>
                               </m:r>
                               <m:r>
-                                <a:rPr lang="en-US" sz="2400" i="1"/>
+                                <a:rPr lang="en-US" sz="3200" i="1">
+                                  <a:latin typeface="Cambria Math"/>
+                                </a:rPr>
                                 <m:t>𝑑</m:t>
                               </m:r>
                               <m:r>
-                                <a:rPr lang="en-US" sz="2400" i="1"/>
+                                <a:rPr lang="en-US" sz="3200" i="1">
+                                  <a:latin typeface="Cambria Math"/>
+                                </a:rPr>
                                 <m:t>+</m:t>
                               </m:r>
                               <m:r>
-                                <a:rPr lang="en-US" sz="2400" i="1"/>
+                                <a:rPr lang="en-US" sz="3200" i="1">
+                                  <a:latin typeface="Cambria Math"/>
+                                </a:rPr>
                                 <m:t>𝑓</m:t>
                               </m:r>
                               <m:r>
-                                <a:rPr lang="en-US" sz="2400" i="1"/>
+                                <a:rPr lang="en-US" sz="3200" i="1">
+                                  <a:latin typeface="Cambria Math"/>
+                                </a:rPr>
                                 <m:t>)</m:t>
                               </m:r>
                             </m:den>
@@ -9703,7 +12014,7 @@
                     </m:oMath>
                   </m:oMathPara>
                 </a14:m>
-                <a:endParaRPr lang="ru-RU" dirty="0"/>
+                <a:endParaRPr lang="ru-RU" sz="2400" dirty="0"/>
               </a:p>
             </p:txBody>
           </p:sp>
@@ -9719,8 +12030,8 @@
             </p:nvSpPr>
             <p:spPr>
               <a:xfrm>
-                <a:off x="0" y="830781"/>
-                <a:ext cx="8811490" cy="1281376"/>
+                <a:off x="124695" y="512127"/>
+                <a:ext cx="11610109" cy="1371401"/>
               </a:xfrm>
               <a:prstGeom prst="rect">
                 <a:avLst/>
@@ -9758,58 +12069,87 @@
             <p:spPr>
               <a:xfrm>
                 <a:off x="124695" y="2394670"/>
-                <a:ext cx="3164071" cy="431657"/>
+                <a:ext cx="3228105" cy="1077218"/>
               </a:xfrm>
               <a:prstGeom prst="rect">
                 <a:avLst/>
               </a:prstGeom>
             </p:spPr>
             <p:txBody>
-              <a:bodyPr wrap="none">
+              <a:bodyPr wrap="square">
                 <a:spAutoFit/>
               </a:bodyPr>
               <a:lstStyle/>
               <a:p>
                 <a:r>
-                  <a:rPr lang="ru-RU" sz="2000" dirty="0" smtClean="0"/>
+                  <a:rPr lang="ru-RU" sz="3200" dirty="0" smtClean="0">
+                    <a:latin typeface="Times New Roman" pitchFamily="18" charset="0"/>
+                    <a:cs typeface="Times New Roman" pitchFamily="18" charset="0"/>
+                  </a:rPr>
                   <a:t>Угловая </a:t>
                 </a:r>
                 <a:r>
-                  <a:rPr lang="ru-RU" sz="2000" dirty="0"/>
+                  <a:rPr lang="ru-RU" sz="3200" dirty="0">
+                    <a:latin typeface="Times New Roman" pitchFamily="18" charset="0"/>
+                    <a:cs typeface="Times New Roman" pitchFamily="18" charset="0"/>
+                  </a:rPr>
                   <a:t>ширина </a:t>
                 </a:r>
+                <a:endParaRPr lang="ru-RU" sz="3200" i="1" dirty="0" smtClean="0">
+                  <a:latin typeface="Cambria Math"/>
+                </a:endParaRPr>
+              </a:p>
+              <a:p>
                 <a14:m>
-                  <m:oMath xmlns:m="http://schemas.openxmlformats.org/officeDocument/2006/math">
-                    <m:r>
-                      <a:rPr lang="ru-RU" sz="2000" i="1"/>
-                      <m:t>𝜃</m:t>
-                    </m:r>
-                    <m:r>
-                      <a:rPr lang="ru-RU" sz="2000" i="1"/>
-                      <m:t>=2</m:t>
-                    </m:r>
-                    <m:sSub>
-                      <m:sSubPr>
-                        <m:ctrlPr>
-                          <a:rPr lang="ru-RU" sz="2000" i="1"/>
-                        </m:ctrlPr>
-                      </m:sSubPr>
-                      <m:e>
-                        <m:r>
-                          <a:rPr lang="en-US" sz="2000" i="1"/>
-                          <m:t>𝜑</m:t>
-                        </m:r>
-                      </m:e>
-                      <m:sub>
-                        <m:r>
-                          <a:rPr lang="en-US" sz="2000" i="1"/>
-                          <m:t>𝑚𝑎𝑥</m:t>
-                        </m:r>
-                      </m:sub>
-                    </m:sSub>
-                  </m:oMath>
+                  <m:oMathPara xmlns:m="http://schemas.openxmlformats.org/officeDocument/2006/math">
+                    <m:oMathParaPr>
+                      <m:jc m:val="centerGroup"/>
+                    </m:oMathParaPr>
+                    <m:oMath xmlns:m="http://schemas.openxmlformats.org/officeDocument/2006/math">
+                      <m:r>
+                        <a:rPr lang="ru-RU" sz="3200" i="1">
+                          <a:latin typeface="Cambria Math"/>
+                        </a:rPr>
+                        <m:t>𝜃</m:t>
+                      </m:r>
+                      <m:r>
+                        <a:rPr lang="ru-RU" sz="3200" i="1">
+                          <a:latin typeface="Cambria Math"/>
+                        </a:rPr>
+                        <m:t>=2</m:t>
+                      </m:r>
+                      <m:sSub>
+                        <m:sSubPr>
+                          <m:ctrlPr>
+                            <a:rPr lang="ru-RU" sz="3200" i="1">
+                              <a:latin typeface="Cambria Math"/>
+                            </a:rPr>
+                          </m:ctrlPr>
+                        </m:sSubPr>
+                        <m:e>
+                          <m:r>
+                            <a:rPr lang="en-US" sz="3200" i="1">
+                              <a:latin typeface="Cambria Math"/>
+                            </a:rPr>
+                            <m:t>𝜑</m:t>
+                          </m:r>
+                        </m:e>
+                        <m:sub>
+                          <m:r>
+                            <a:rPr lang="en-US" sz="3200" i="1">
+                              <a:latin typeface="Cambria Math"/>
+                            </a:rPr>
+                            <m:t>𝑚𝑎𝑥</m:t>
+                          </m:r>
+                        </m:sub>
+                      </m:sSub>
+                    </m:oMath>
+                  </m:oMathPara>
                 </a14:m>
-                <a:endParaRPr lang="ru-RU" sz="2000" dirty="0"/>
+                <a:endParaRPr lang="ru-RU" sz="3200" dirty="0">
+                  <a:latin typeface="Times New Roman" pitchFamily="18" charset="0"/>
+                  <a:cs typeface="Times New Roman" pitchFamily="18" charset="0"/>
+                </a:endParaRPr>
               </a:p>
             </p:txBody>
           </p:sp>
@@ -9826,7 +12166,7 @@
             <p:spPr>
               <a:xfrm>
                 <a:off x="124695" y="2394670"/>
-                <a:ext cx="3164071" cy="431657"/>
+                <a:ext cx="3228105" cy="1077218"/>
               </a:xfrm>
               <a:prstGeom prst="rect">
                 <a:avLst/>
@@ -9834,7 +12174,7 @@
               <a:blipFill rotWithShape="1">
                 <a:blip r:embed="rId4"/>
                 <a:stretch>
-                  <a:fillRect l="-1927" t="-5634" b="-18310"/>
+                  <a:fillRect l="-4717" t="-7910" r="-755"/>
                 </a:stretch>
               </a:blipFill>
             </p:spPr>
@@ -9873,346 +12213,7 @@
 </p:sld>
 </file>
 
-<file path=ppt/slides/slide2.xml><?xml version="1.0" encoding="utf-8"?>
-<p:sld xmlns:a="http://schemas.openxmlformats.org/drawingml/2006/main" xmlns:r="http://schemas.openxmlformats.org/officeDocument/2006/relationships" xmlns:p="http://schemas.openxmlformats.org/presentationml/2006/main">
-  <p:cSld>
-    <p:spTree>
-      <p:nvGrpSpPr>
-        <p:cNvPr id="1" name=""/>
-        <p:cNvGrpSpPr/>
-        <p:nvPr/>
-      </p:nvGrpSpPr>
-      <p:grpSpPr>
-        <a:xfrm>
-          <a:off x="0" y="0"/>
-          <a:ext cx="0" cy="0"/>
-          <a:chOff x="0" y="0"/>
-          <a:chExt cx="0" cy="0"/>
-        </a:xfrm>
-      </p:grpSpPr>
-      <p:sp>
-        <p:nvSpPr>
-          <p:cNvPr id="20483" name="Объект 2"/>
-          <p:cNvSpPr>
-            <a:spLocks noGrp="1"/>
-          </p:cNvSpPr>
-          <p:nvPr>
-            <p:ph idx="1"/>
-          </p:nvPr>
-        </p:nvSpPr>
-        <p:spPr>
-          <a:xfrm>
-            <a:off x="685800" y="1446213"/>
-            <a:ext cx="9545638" cy="2886075"/>
-          </a:xfrm>
-        </p:spPr>
-        <p:txBody>
-          <a:bodyPr/>
-          <a:lstStyle/>
-          <a:p>
-            <a:pPr marL="0" indent="0">
-              <a:buNone/>
-            </a:pPr>
-            <a:r>
-              <a:rPr lang="ru-RU" sz="2800" dirty="0"/>
-              <a:t>На сегодняшний день влияние оптических приборов стремительно возрастает. Вследствие этого, актуален вопрос устранения дефектов линз. В погоне за увеличением точности, оптические системы «наращивают» линзы, становятся все больше и массивней. Потому остро стоит вопрос замены нескольких линз, устраняющих дефект, на одну, лишенной его. Эта замена способна начать новый этап использования асферических линз для создания более компактных, легких, точных оптических приборов.</a:t>
-            </a:r>
-          </a:p>
-          <a:p>
-            <a:pPr marL="0" indent="0">
-              <a:buFont typeface="Arial" charset="0"/>
-              <a:buNone/>
-            </a:pPr>
-            <a:endParaRPr lang="ru-RU" sz="2800" dirty="0" smtClean="0"/>
-          </a:p>
-        </p:txBody>
-      </p:sp>
-      <p:pic>
-        <p:nvPicPr>
-          <p:cNvPr id="20484" name="Рисунок 3"/>
-          <p:cNvPicPr>
-            <a:picLocks noChangeAspect="1"/>
-          </p:cNvPicPr>
-          <p:nvPr/>
-        </p:nvPicPr>
-        <p:blipFill>
-          <a:blip r:embed="rId2">
-            <a:extLst>
-              <a:ext uri="{28A0092B-C50C-407E-A947-70E740481C1C}">
-                <a14:useLocalDpi xmlns:a14="http://schemas.microsoft.com/office/drawing/2010/main" val="0"/>
-              </a:ext>
-            </a:extLst>
-          </a:blip>
-          <a:srcRect/>
-          <a:stretch>
-            <a:fillRect/>
-          </a:stretch>
-        </p:blipFill>
-        <p:spPr bwMode="auto">
-          <a:xfrm>
-            <a:off x="2815453" y="5480215"/>
-            <a:ext cx="2266950" cy="1422400"/>
-          </a:xfrm>
-          <a:prstGeom prst="rect">
-            <a:avLst/>
-          </a:prstGeom>
-          <a:noFill/>
-          <a:ln>
-            <a:noFill/>
-          </a:ln>
-          <a:extLst>
-            <a:ext uri="{909E8E84-426E-40DD-AFC4-6F175D3DCCD1}">
-              <a14:hiddenFill xmlns:a14="http://schemas.microsoft.com/office/drawing/2010/main">
-                <a:solidFill>
-                  <a:srgbClr val="FFFFFF"/>
-                </a:solidFill>
-              </a14:hiddenFill>
-            </a:ext>
-            <a:ext uri="{91240B29-F687-4F45-9708-019B960494DF}">
-              <a14:hiddenLine xmlns:a14="http://schemas.microsoft.com/office/drawing/2010/main" w="9525">
-                <a:solidFill>
-                  <a:srgbClr val="000000"/>
-                </a:solidFill>
-                <a:miter lim="800000"/>
-                <a:headEnd/>
-                <a:tailEnd/>
-              </a14:hiddenLine>
-            </a:ext>
-          </a:extLst>
-        </p:spPr>
-      </p:pic>
-      <p:pic>
-        <p:nvPicPr>
-          <p:cNvPr id="20485" name="Рисунок 4"/>
-          <p:cNvPicPr>
-            <a:picLocks noChangeAspect="1"/>
-          </p:cNvPicPr>
-          <p:nvPr/>
-        </p:nvPicPr>
-        <p:blipFill>
-          <a:blip r:embed="rId3">
-            <a:extLst>
-              <a:ext uri="{28A0092B-C50C-407E-A947-70E740481C1C}">
-                <a14:useLocalDpi xmlns:a14="http://schemas.microsoft.com/office/drawing/2010/main" val="0"/>
-              </a:ext>
-            </a:extLst>
-          </a:blip>
-          <a:srcRect/>
-          <a:stretch>
-            <a:fillRect/>
-          </a:stretch>
-        </p:blipFill>
-        <p:spPr bwMode="auto">
-          <a:xfrm>
-            <a:off x="5296131" y="4805362"/>
-            <a:ext cx="1831975" cy="1576388"/>
-          </a:xfrm>
-          <a:prstGeom prst="rect">
-            <a:avLst/>
-          </a:prstGeom>
-          <a:noFill/>
-          <a:ln>
-            <a:noFill/>
-          </a:ln>
-          <a:extLst>
-            <a:ext uri="{909E8E84-426E-40DD-AFC4-6F175D3DCCD1}">
-              <a14:hiddenFill xmlns:a14="http://schemas.microsoft.com/office/drawing/2010/main">
-                <a:solidFill>
-                  <a:srgbClr val="FFFFFF"/>
-                </a:solidFill>
-              </a14:hiddenFill>
-            </a:ext>
-            <a:ext uri="{91240B29-F687-4F45-9708-019B960494DF}">
-              <a14:hiddenLine xmlns:a14="http://schemas.microsoft.com/office/drawing/2010/main" w="9525">
-                <a:solidFill>
-                  <a:srgbClr val="000000"/>
-                </a:solidFill>
-                <a:miter lim="800000"/>
-                <a:headEnd/>
-                <a:tailEnd/>
-              </a14:hiddenLine>
-            </a:ext>
-          </a:extLst>
-        </p:spPr>
-      </p:pic>
-      <p:pic>
-        <p:nvPicPr>
-          <p:cNvPr id="20486" name="Рисунок 5"/>
-          <p:cNvPicPr>
-            <a:picLocks noChangeAspect="1"/>
-          </p:cNvPicPr>
-          <p:nvPr/>
-        </p:nvPicPr>
-        <p:blipFill>
-          <a:blip r:embed="rId4">
-            <a:extLst>
-              <a:ext uri="{28A0092B-C50C-407E-A947-70E740481C1C}">
-                <a14:useLocalDpi xmlns:a14="http://schemas.microsoft.com/office/drawing/2010/main" val="0"/>
-              </a:ext>
-            </a:extLst>
-          </a:blip>
-          <a:srcRect/>
-          <a:stretch>
-            <a:fillRect/>
-          </a:stretch>
-        </p:blipFill>
-        <p:spPr bwMode="auto">
-          <a:xfrm>
-            <a:off x="9768748" y="4500561"/>
-            <a:ext cx="1908175" cy="1927225"/>
-          </a:xfrm>
-          <a:prstGeom prst="rect">
-            <a:avLst/>
-          </a:prstGeom>
-          <a:noFill/>
-          <a:ln>
-            <a:noFill/>
-          </a:ln>
-          <a:extLst>
-            <a:ext uri="{909E8E84-426E-40DD-AFC4-6F175D3DCCD1}">
-              <a14:hiddenFill xmlns:a14="http://schemas.microsoft.com/office/drawing/2010/main">
-                <a:solidFill>
-                  <a:srgbClr val="FFFFFF"/>
-                </a:solidFill>
-              </a14:hiddenFill>
-            </a:ext>
-            <a:ext uri="{91240B29-F687-4F45-9708-019B960494DF}">
-              <a14:hiddenLine xmlns:a14="http://schemas.microsoft.com/office/drawing/2010/main" w="9525">
-                <a:solidFill>
-                  <a:srgbClr val="000000"/>
-                </a:solidFill>
-                <a:miter lim="800000"/>
-                <a:headEnd/>
-                <a:tailEnd/>
-              </a14:hiddenLine>
-            </a:ext>
-          </a:extLst>
-        </p:spPr>
-      </p:pic>
-      <p:pic>
-        <p:nvPicPr>
-          <p:cNvPr id="20487" name="Рисунок 6"/>
-          <p:cNvPicPr>
-            <a:picLocks noChangeAspect="1"/>
-          </p:cNvPicPr>
-          <p:nvPr/>
-        </p:nvPicPr>
-        <p:blipFill>
-          <a:blip r:embed="rId5">
-            <a:extLst>
-              <a:ext uri="{28A0092B-C50C-407E-A947-70E740481C1C}">
-                <a14:useLocalDpi xmlns:a14="http://schemas.microsoft.com/office/drawing/2010/main" val="0"/>
-              </a:ext>
-            </a:extLst>
-          </a:blip>
-          <a:srcRect/>
-          <a:stretch>
-            <a:fillRect/>
-          </a:stretch>
-        </p:blipFill>
-        <p:spPr bwMode="auto">
-          <a:xfrm>
-            <a:off x="7405379" y="5356225"/>
-            <a:ext cx="2255838" cy="1501775"/>
-          </a:xfrm>
-          <a:prstGeom prst="rect">
-            <a:avLst/>
-          </a:prstGeom>
-          <a:noFill/>
-          <a:ln>
-            <a:noFill/>
-          </a:ln>
-          <a:extLst>
-            <a:ext uri="{909E8E84-426E-40DD-AFC4-6F175D3DCCD1}">
-              <a14:hiddenFill xmlns:a14="http://schemas.microsoft.com/office/drawing/2010/main">
-                <a:solidFill>
-                  <a:srgbClr val="FFFFFF"/>
-                </a:solidFill>
-              </a14:hiddenFill>
-            </a:ext>
-            <a:ext uri="{91240B29-F687-4F45-9708-019B960494DF}">
-              <a14:hiddenLine xmlns:a14="http://schemas.microsoft.com/office/drawing/2010/main" w="9525">
-                <a:solidFill>
-                  <a:srgbClr val="000000"/>
-                </a:solidFill>
-                <a:miter lim="800000"/>
-                <a:headEnd/>
-                <a:tailEnd/>
-              </a14:hiddenLine>
-            </a:ext>
-          </a:extLst>
-        </p:spPr>
-      </p:pic>
-      <p:pic>
-        <p:nvPicPr>
-          <p:cNvPr id="20488" name="Рисунок 7"/>
-          <p:cNvPicPr>
-            <a:picLocks noChangeAspect="1"/>
-          </p:cNvPicPr>
-          <p:nvPr/>
-        </p:nvPicPr>
-        <p:blipFill>
-          <a:blip r:embed="rId6">
-            <a:extLst>
-              <a:ext uri="{28A0092B-C50C-407E-A947-70E740481C1C}">
-                <a14:useLocalDpi xmlns:a14="http://schemas.microsoft.com/office/drawing/2010/main" val="0"/>
-              </a:ext>
-            </a:extLst>
-          </a:blip>
-          <a:srcRect/>
-          <a:stretch>
-            <a:fillRect/>
-          </a:stretch>
-        </p:blipFill>
-        <p:spPr bwMode="auto">
-          <a:xfrm>
-            <a:off x="131365" y="4805362"/>
-            <a:ext cx="2524125" cy="1317625"/>
-          </a:xfrm>
-          <a:prstGeom prst="rect">
-            <a:avLst/>
-          </a:prstGeom>
-          <a:noFill/>
-          <a:ln>
-            <a:noFill/>
-          </a:ln>
-          <a:extLst>
-            <a:ext uri="{909E8E84-426E-40DD-AFC4-6F175D3DCCD1}">
-              <a14:hiddenFill xmlns:a14="http://schemas.microsoft.com/office/drawing/2010/main">
-                <a:solidFill>
-                  <a:srgbClr val="FFFFFF"/>
-                </a:solidFill>
-              </a14:hiddenFill>
-            </a:ext>
-            <a:ext uri="{91240B29-F687-4F45-9708-019B960494DF}">
-              <a14:hiddenLine xmlns:a14="http://schemas.microsoft.com/office/drawing/2010/main" w="9525">
-                <a:solidFill>
-                  <a:srgbClr val="000000"/>
-                </a:solidFill>
-                <a:miter lim="800000"/>
-                <a:headEnd/>
-                <a:tailEnd/>
-              </a14:hiddenLine>
-            </a:ext>
-          </a:extLst>
-        </p:spPr>
-      </p:pic>
-    </p:spTree>
-  </p:cSld>
-  <p:clrMapOvr>
-    <a:masterClrMapping/>
-  </p:clrMapOvr>
-  <p:timing>
-    <p:tnLst>
-      <p:par>
-        <p:cTn id="1" dur="indefinite" restart="never" nodeType="tmRoot"/>
-      </p:par>
-    </p:tnLst>
-  </p:timing>
-</p:sld>
-</file>
-
-<file path=ppt/slides/slide20.xml><?xml version="1.0" encoding="utf-8"?>
+<file path=ppt/slides/slide23.xml><?xml version="1.0" encoding="utf-8"?>
 <p:sld xmlns:a="http://schemas.openxmlformats.org/drawingml/2006/main" xmlns:r="http://schemas.openxmlformats.org/officeDocument/2006/relationships" xmlns:p="http://schemas.openxmlformats.org/presentationml/2006/main">
   <p:cSld>
     <p:spTree>
@@ -10282,7 +12283,7 @@
 </p:sld>
 </file>
 
-<file path=ppt/slides/slide21.xml><?xml version="1.0" encoding="utf-8"?>
+<file path=ppt/slides/slide24.xml><?xml version="1.0" encoding="utf-8"?>
 <p:sld xmlns:a="http://schemas.openxmlformats.org/drawingml/2006/main" xmlns:r="http://schemas.openxmlformats.org/officeDocument/2006/relationships" xmlns:p="http://schemas.openxmlformats.org/presentationml/2006/main">
   <p:cSld>
     <p:spTree>
@@ -10350,8 +12351,8 @@
             </p:nvSpPr>
             <p:spPr>
               <a:xfrm>
-                <a:off x="899887" y="5602138"/>
-                <a:ext cx="4455835" cy="793743"/>
+                <a:off x="209580" y="5432627"/>
+                <a:ext cx="5886420" cy="1027525"/>
               </a:xfrm>
               <a:prstGeom prst="rect">
                 <a:avLst/>
@@ -10363,6 +12364,7 @@
               </a:bodyPr>
               <a:lstStyle/>
               <a:p>
+                <a:pPr/>
                 <a14:m>
                   <m:oMathPara xmlns:m="http://schemas.openxmlformats.org/officeDocument/2006/math">
                     <m:oMathParaPr>
@@ -10370,66 +12372,90 @@
                     </m:oMathParaPr>
                     <m:oMath xmlns:m="http://schemas.openxmlformats.org/officeDocument/2006/math">
                       <m:r>
-                        <a:rPr lang="ru-RU" sz="2400" i="1"/>
+                        <a:rPr lang="ru-RU" sz="3200" i="1">
+                          <a:latin typeface="Cambria Math"/>
+                        </a:rPr>
                         <m:t>𝑝</m:t>
                       </m:r>
                       <m:r>
-                        <a:rPr lang="ru-RU" sz="2400" i="1"/>
+                        <a:rPr lang="ru-RU" sz="3200" i="1">
+                          <a:latin typeface="Cambria Math"/>
+                        </a:rPr>
                         <m:t>=</m:t>
                       </m:r>
                       <m:f>
                         <m:fPr>
                           <m:ctrlPr>
-                            <a:rPr lang="ru-RU" sz="2400" i="1"/>
+                            <a:rPr lang="ru-RU" sz="3200" i="1">
+                              <a:latin typeface="Cambria Math"/>
+                            </a:rPr>
                           </m:ctrlPr>
                         </m:fPr>
                         <m:num>
                           <m:r>
-                            <a:rPr lang="ru-RU" sz="2400" i="1"/>
+                            <a:rPr lang="ru-RU" sz="3200" i="1">
+                              <a:latin typeface="Cambria Math"/>
+                            </a:rPr>
                             <m:t>𝐹</m:t>
                           </m:r>
                         </m:num>
                         <m:den>
                           <m:r>
-                            <a:rPr lang="ru-RU" sz="2400" i="1"/>
+                            <a:rPr lang="ru-RU" sz="3200" i="1">
+                              <a:latin typeface="Cambria Math"/>
+                            </a:rPr>
                             <m:t>𝑆</m:t>
                           </m:r>
                         </m:den>
                       </m:f>
                       <m:r>
-                        <a:rPr lang="ru-RU" sz="2400" i="1"/>
+                        <a:rPr lang="ru-RU" sz="3200" i="1">
+                          <a:latin typeface="Cambria Math"/>
+                        </a:rPr>
                         <m:t>=</m:t>
                       </m:r>
                       <m:f>
                         <m:fPr>
                           <m:ctrlPr>
-                            <a:rPr lang="ru-RU" sz="2400" i="1"/>
+                            <a:rPr lang="ru-RU" sz="3200" i="1">
+                              <a:latin typeface="Cambria Math"/>
+                            </a:rPr>
                           </m:ctrlPr>
                         </m:fPr>
                         <m:num>
                           <m:r>
-                            <a:rPr lang="ru-RU" sz="2400" i="1"/>
+                            <a:rPr lang="ru-RU" sz="3200" i="1">
+                              <a:latin typeface="Cambria Math"/>
+                            </a:rPr>
                             <m:t>𝑛h</m:t>
                           </m:r>
                           <m:r>
-                            <a:rPr lang="ru-RU" sz="2400" i="1"/>
+                            <a:rPr lang="ru-RU" sz="3200" i="1">
+                              <a:latin typeface="Cambria Math"/>
+                            </a:rPr>
                             <m:t>𝜈</m:t>
                           </m:r>
                           <m:sSub>
                             <m:sSubPr>
                               <m:ctrlPr>
-                                <a:rPr lang="ru-RU" sz="2400" i="1"/>
+                                <a:rPr lang="ru-RU" sz="3200" i="1">
+                                  <a:latin typeface="Cambria Math"/>
+                                </a:rPr>
                               </m:ctrlPr>
                             </m:sSubPr>
                             <m:e>
                               <m:r>
-                                <a:rPr lang="ru-RU" sz="2400" i="1"/>
+                                <a:rPr lang="ru-RU" sz="3200" i="1">
+                                  <a:latin typeface="Cambria Math"/>
+                                </a:rPr>
                                 <m:t>𝑆</m:t>
                               </m:r>
                             </m:e>
                             <m:sub>
                               <m:r>
-                                <a:rPr lang="ru-RU" sz="2400" i="1"/>
+                                <a:rPr lang="ru-RU" sz="3200" i="1">
+                                  <a:latin typeface="Cambria Math"/>
+                                </a:rPr>
                                 <m:t>сег</m:t>
                               </m:r>
                             </m:sub>
@@ -10437,45 +12463,61 @@
                         </m:num>
                         <m:den>
                           <m:r>
-                            <a:rPr lang="ru-RU" sz="2400" i="1"/>
+                            <a:rPr lang="ru-RU" sz="3200" i="1">
+                              <a:latin typeface="Cambria Math"/>
+                            </a:rPr>
                             <m:t>𝑐𝑆</m:t>
                           </m:r>
                         </m:den>
                       </m:f>
                       <m:r>
-                        <a:rPr lang="ru-RU" sz="2400" i="1"/>
+                        <a:rPr lang="ru-RU" sz="3200" i="1">
+                          <a:latin typeface="Cambria Math"/>
+                        </a:rPr>
                         <m:t>=</m:t>
                       </m:r>
                       <m:f>
                         <m:fPr>
                           <m:ctrlPr>
-                            <a:rPr lang="ru-RU" sz="2400" i="1"/>
+                            <a:rPr lang="ru-RU" sz="3200" i="1">
+                              <a:latin typeface="Cambria Math"/>
+                            </a:rPr>
                           </m:ctrlPr>
                         </m:fPr>
                         <m:num>
                           <m:r>
-                            <a:rPr lang="ru-RU" sz="2400" i="1"/>
+                            <a:rPr lang="ru-RU" sz="3200" i="1">
+                              <a:latin typeface="Cambria Math"/>
+                            </a:rPr>
                             <m:t>𝑛h</m:t>
                           </m:r>
                           <m:r>
-                            <a:rPr lang="ru-RU" sz="2400" i="1"/>
+                            <a:rPr lang="ru-RU" sz="3200" i="1">
+                              <a:latin typeface="Cambria Math"/>
+                            </a:rPr>
                             <m:t>𝜈</m:t>
                           </m:r>
                           <m:sSub>
                             <m:sSubPr>
                               <m:ctrlPr>
-                                <a:rPr lang="ru-RU" sz="2400" i="1"/>
+                                <a:rPr lang="ru-RU" sz="3200" i="1">
+                                  <a:latin typeface="Cambria Math"/>
+                                </a:rPr>
                               </m:ctrlPr>
                             </m:sSubPr>
                             <m:e>
                               <m:r>
-                                <a:rPr lang="ru-RU" sz="2400" i="1"/>
+                                <a:rPr lang="ru-RU" sz="3200" i="1">
+                                  <a:latin typeface="Cambria Math"/>
+                                </a:rPr>
                                 <m:t>𝑆</m:t>
                               </m:r>
                             </m:e>
                             <m:sub>
                               <m:r>
-                                <a:rPr lang="ru-RU" sz="2400" i="1"/>
+                                <a:rPr lang="ru-RU" sz="3200" i="1">
+                                  <a:latin typeface="Cambria Math"/>
+                                </a:rPr>
                                 <m:t>сег</m:t>
                               </m:r>
                             </m:sub>
@@ -10483,23 +12525,29 @@
                         </m:num>
                         <m:den>
                           <m:r>
-                            <a:rPr lang="ru-RU" sz="2400" i="1"/>
+                            <a:rPr lang="ru-RU" sz="3200" i="1">
+                              <a:latin typeface="Cambria Math"/>
+                            </a:rPr>
                             <m:t>𝑐</m:t>
                           </m:r>
                           <m:r>
-                            <a:rPr lang="ru-RU" sz="2400" i="1"/>
+                            <a:rPr lang="ru-RU" sz="3200" i="1">
+                              <a:latin typeface="Cambria Math"/>
+                            </a:rPr>
                             <m:t>∙0</m:t>
                           </m:r>
                         </m:den>
                       </m:f>
                       <m:r>
-                        <a:rPr lang="ru-RU" sz="2400" i="1"/>
+                        <a:rPr lang="ru-RU" sz="3200" i="1">
+                          <a:latin typeface="Cambria Math"/>
+                        </a:rPr>
                         <m:t>=∞</m:t>
                       </m:r>
                     </m:oMath>
                   </m:oMathPara>
                 </a14:m>
-                <a:endParaRPr lang="ru-RU" sz="2400" dirty="0"/>
+                <a:endParaRPr lang="ru-RU" sz="3200" dirty="0"/>
               </a:p>
             </p:txBody>
           </p:sp>
@@ -10515,8 +12563,8 @@
             </p:nvSpPr>
             <p:spPr>
               <a:xfrm>
-                <a:off x="899887" y="5602138"/>
-                <a:ext cx="4455835" cy="793743"/>
+                <a:off x="209580" y="5432627"/>
+                <a:ext cx="5886420" cy="1027525"/>
               </a:xfrm>
               <a:prstGeom prst="rect">
                 <a:avLst/>
@@ -10553,8 +12601,8 @@
             </p:nvSpPr>
             <p:spPr>
               <a:xfrm>
-                <a:off x="6892402" y="5729160"/>
-                <a:ext cx="3720699" cy="539700"/>
+                <a:off x="6476766" y="5623225"/>
+                <a:ext cx="5575885" cy="646331"/>
               </a:xfrm>
               <a:prstGeom prst="rect">
                 <a:avLst/>
@@ -10566,6 +12614,7 @@
               </a:bodyPr>
               <a:lstStyle/>
               <a:p>
+                <a:pPr/>
                 <a14:m>
                   <m:oMathPara xmlns:m="http://schemas.openxmlformats.org/officeDocument/2006/math">
                     <m:oMathParaPr>
@@ -10575,84 +12624,112 @@
                       <m:sSub>
                         <m:sSubPr>
                           <m:ctrlPr>
-                            <a:rPr lang="ru-RU" sz="2400" i="1"/>
+                            <a:rPr lang="ru-RU" sz="3600" i="1">
+                              <a:latin typeface="Cambria Math"/>
+                            </a:rPr>
                           </m:ctrlPr>
                         </m:sSubPr>
                         <m:e>
                           <m:r>
-                            <a:rPr lang="ru-RU" sz="2400" i="1"/>
+                            <a:rPr lang="ru-RU" sz="3600" i="1">
+                              <a:latin typeface="Cambria Math"/>
+                            </a:rPr>
                             <m:t>𝑆</m:t>
                           </m:r>
                         </m:e>
                         <m:sub>
                           <m:r>
-                            <a:rPr lang="ru-RU" sz="2400" i="1"/>
+                            <a:rPr lang="ru-RU" sz="3600" i="1">
+                              <a:latin typeface="Cambria Math"/>
+                            </a:rPr>
                             <m:t>сег</m:t>
                           </m:r>
                         </m:sub>
                       </m:sSub>
                       <m:r>
-                        <a:rPr lang="ru-RU" sz="2400" i="1"/>
+                        <a:rPr lang="ru-RU" sz="3600" i="1">
+                          <a:latin typeface="Cambria Math"/>
+                        </a:rPr>
                         <m:t>=2</m:t>
                       </m:r>
                       <m:r>
-                        <a:rPr lang="ru-RU" sz="2400" i="1"/>
+                        <a:rPr lang="ru-RU" sz="3600" i="1">
+                          <a:latin typeface="Cambria Math"/>
+                        </a:rPr>
                         <m:t>𝜋</m:t>
                       </m:r>
                       <m:sSup>
                         <m:sSupPr>
                           <m:ctrlPr>
-                            <a:rPr lang="ru-RU" sz="2400" i="1"/>
+                            <a:rPr lang="ru-RU" sz="3600" i="1">
+                              <a:latin typeface="Cambria Math"/>
+                            </a:rPr>
                           </m:ctrlPr>
                         </m:sSupPr>
                         <m:e>
                           <m:r>
-                            <a:rPr lang="ru-RU" sz="2400" i="1"/>
+                            <a:rPr lang="ru-RU" sz="3600" i="1">
+                              <a:latin typeface="Cambria Math"/>
+                            </a:rPr>
                             <m:t>𝑅</m:t>
                           </m:r>
                         </m:e>
                         <m:sup>
                           <m:r>
-                            <a:rPr lang="ru-RU" sz="2400" i="1"/>
+                            <a:rPr lang="ru-RU" sz="3600" i="1">
+                              <a:latin typeface="Cambria Math"/>
+                            </a:rPr>
                             <m:t>2</m:t>
                           </m:r>
                         </m:sup>
                       </m:sSup>
                       <m:r>
-                        <a:rPr lang="ru-RU" sz="2400" i="1"/>
+                        <a:rPr lang="ru-RU" sz="3600" i="1">
+                          <a:latin typeface="Cambria Math"/>
+                        </a:rPr>
                         <m:t>(1−</m:t>
                       </m:r>
                       <m:r>
-                        <a:rPr lang="ru-RU" sz="2400" i="1"/>
+                        <a:rPr lang="ru-RU" sz="3600" i="1">
+                          <a:latin typeface="Cambria Math"/>
+                        </a:rPr>
                         <m:t>𝑐𝑜𝑠</m:t>
                       </m:r>
                       <m:sSub>
                         <m:sSubPr>
                           <m:ctrlPr>
-                            <a:rPr lang="ru-RU" sz="2400" i="1"/>
+                            <a:rPr lang="ru-RU" sz="3600" i="1">
+                              <a:latin typeface="Cambria Math"/>
+                            </a:rPr>
                           </m:ctrlPr>
                         </m:sSubPr>
                         <m:e>
                           <m:r>
-                            <a:rPr lang="en-US" sz="2400" i="1"/>
+                            <a:rPr lang="en-US" sz="3600" i="1">
+                              <a:latin typeface="Cambria Math"/>
+                            </a:rPr>
                             <m:t>𝜑</m:t>
                           </m:r>
                         </m:e>
                         <m:sub>
                           <m:r>
-                            <a:rPr lang="en-US" sz="2400" i="1"/>
+                            <a:rPr lang="en-US" sz="3600" i="1">
+                              <a:latin typeface="Cambria Math"/>
+                            </a:rPr>
                             <m:t>𝑚𝑎𝑥</m:t>
                           </m:r>
                         </m:sub>
                       </m:sSub>
                       <m:r>
-                        <a:rPr lang="ru-RU" sz="2400" i="1"/>
+                        <a:rPr lang="ru-RU" sz="3600" i="1">
+                          <a:latin typeface="Cambria Math"/>
+                        </a:rPr>
                         <m:t>)</m:t>
                       </m:r>
                     </m:oMath>
                   </m:oMathPara>
                 </a14:m>
-                <a:endParaRPr lang="ru-RU" sz="2400" dirty="0"/>
+                <a:endParaRPr lang="ru-RU" sz="3600" dirty="0"/>
               </a:p>
             </p:txBody>
           </p:sp>
@@ -10668,8 +12745,8 @@
             </p:nvSpPr>
             <p:spPr>
               <a:xfrm>
-                <a:off x="6892402" y="5729160"/>
-                <a:ext cx="3720699" cy="539700"/>
+                <a:off x="6476766" y="5623225"/>
+                <a:ext cx="5575885" cy="646331"/>
               </a:xfrm>
               <a:prstGeom prst="rect">
                 <a:avLst/>
@@ -10716,7 +12793,7 @@
 </p:sld>
 </file>
 
-<file path=ppt/slides/slide22.xml><?xml version="1.0" encoding="utf-8"?>
+<file path=ppt/slides/slide25.xml><?xml version="1.0" encoding="utf-8"?>
 <p:sld xmlns:a="http://schemas.openxmlformats.org/drawingml/2006/main" xmlns:r="http://schemas.openxmlformats.org/officeDocument/2006/relationships" xmlns:p="http://schemas.openxmlformats.org/presentationml/2006/main">
   <p:cSld>
     <p:spTree>
@@ -10733,25 +12810,6 @@
           <a:chExt cx="0" cy="0"/>
         </a:xfrm>
       </p:grpSpPr>
-      <p:sp>
-        <p:nvSpPr>
-          <p:cNvPr id="2" name="Заголовок 1"/>
-          <p:cNvSpPr>
-            <a:spLocks noGrp="1"/>
-          </p:cNvSpPr>
-          <p:nvPr>
-            <p:ph type="title"/>
-          </p:nvPr>
-        </p:nvSpPr>
-        <p:spPr/>
-        <p:txBody>
-          <a:bodyPr/>
-          <a:lstStyle/>
-          <a:p>
-            <a:endParaRPr lang="ru-RU"/>
-          </a:p>
-        </p:txBody>
-      </p:sp>
       <p:pic>
         <p:nvPicPr>
           <p:cNvPr id="4" name="Рисунок 3" descr="G:\Illustrations\16.png"/>
@@ -10773,8 +12831,8 @@
         </p:blipFill>
         <p:spPr bwMode="auto">
           <a:xfrm>
-            <a:off x="8562109" y="1080656"/>
-            <a:ext cx="2162810" cy="5119656"/>
+            <a:off x="8936182" y="685456"/>
+            <a:ext cx="2162810" cy="5364000"/>
           </a:xfrm>
           <a:prstGeom prst="rect">
             <a:avLst/>
@@ -10793,8 +12851,8 @@
         </p:nvSpPr>
         <p:spPr>
           <a:xfrm>
-            <a:off x="665018" y="2292583"/>
-            <a:ext cx="7259782" cy="3046988"/>
+            <a:off x="263236" y="685456"/>
+            <a:ext cx="8118764" cy="4524315"/>
           </a:xfrm>
           <a:prstGeom prst="rect">
             <a:avLst/>
@@ -10807,39 +12865,66 @@
           <a:lstStyle/>
           <a:p>
             <a:r>
-              <a:rPr lang="ru-RU" sz="2400" dirty="0"/>
+              <a:rPr lang="ru-RU" sz="3200" dirty="0">
+                <a:latin typeface="Times New Roman" pitchFamily="18" charset="0"/>
+                <a:cs typeface="Times New Roman" pitchFamily="18" charset="0"/>
+              </a:rPr>
               <a:t>«Если соединить две подобные по форме линзы </a:t>
             </a:r>
             <a:r>
-              <a:rPr lang="en-US" sz="2400" dirty="0"/>
+              <a:rPr lang="en-US" sz="3200" dirty="0">
+                <a:latin typeface="Times New Roman" pitchFamily="18" charset="0"/>
+                <a:cs typeface="Times New Roman" pitchFamily="18" charset="0"/>
+              </a:rPr>
               <a:t>DBQ</a:t>
             </a:r>
             <a:r>
-              <a:rPr lang="ru-RU" sz="2400" dirty="0"/>
+              <a:rPr lang="ru-RU" sz="3200" dirty="0">
+                <a:latin typeface="Times New Roman" pitchFamily="18" charset="0"/>
+                <a:cs typeface="Times New Roman" pitchFamily="18" charset="0"/>
+              </a:rPr>
               <a:t> и </a:t>
             </a:r>
             <a:r>
-              <a:rPr lang="en-US" sz="2400" dirty="0" err="1"/>
+              <a:rPr lang="en-US" sz="3200" dirty="0" err="1">
+                <a:latin typeface="Times New Roman" pitchFamily="18" charset="0"/>
+                <a:cs typeface="Times New Roman" pitchFamily="18" charset="0"/>
+              </a:rPr>
               <a:t>dbq</a:t>
             </a:r>
             <a:r>
-              <a:rPr lang="ru-RU" sz="2400" dirty="0"/>
+              <a:rPr lang="ru-RU" sz="3200" dirty="0">
+                <a:latin typeface="Times New Roman" pitchFamily="18" charset="0"/>
+                <a:cs typeface="Times New Roman" pitchFamily="18" charset="0"/>
+              </a:rPr>
               <a:t>, не равные по величине, или поставить их на произвольном расстоянии друг от друга, лишь бы только их оси были расположены на одной прямой, а эллиптические поверхности обращены друг к другу, то они соберут все лучи, идущие из фокуса одной из низ, помеченного буквой </a:t>
             </a:r>
             <a:r>
-              <a:rPr lang="en-US" sz="2400" dirty="0"/>
+              <a:rPr lang="en-US" sz="3200" dirty="0">
+                <a:latin typeface="Times New Roman" pitchFamily="18" charset="0"/>
+                <a:cs typeface="Times New Roman" pitchFamily="18" charset="0"/>
+              </a:rPr>
               <a:t>I</a:t>
             </a:r>
             <a:r>
-              <a:rPr lang="ru-RU" sz="2400" dirty="0"/>
+              <a:rPr lang="ru-RU" sz="3200" dirty="0">
+                <a:latin typeface="Times New Roman" pitchFamily="18" charset="0"/>
+                <a:cs typeface="Times New Roman" pitchFamily="18" charset="0"/>
+              </a:rPr>
               <a:t>, в другой фокус, также помеченный буквой </a:t>
             </a:r>
             <a:r>
-              <a:rPr lang="en-US" sz="2400" dirty="0"/>
+              <a:rPr lang="en-US" sz="3200" dirty="0">
+                <a:latin typeface="Times New Roman" pitchFamily="18" charset="0"/>
+                <a:cs typeface="Times New Roman" pitchFamily="18" charset="0"/>
+              </a:rPr>
               <a:t>I</a:t>
             </a:r>
             <a:r>
-              <a:rPr lang="ru-RU" sz="2400" dirty="0"/>
+              <a:rPr lang="ru-RU" sz="3200" dirty="0">
+                <a:latin typeface="Times New Roman" pitchFamily="18" charset="0"/>
+                <a:cs typeface="Times New Roman" pitchFamily="18" charset="0"/>
+              </a:rPr>
               <a:t>»</a:t>
             </a:r>
           </a:p>
@@ -10849,528 +12934,6 @@
     <p:extLst>
       <p:ext uri="{BB962C8B-B14F-4D97-AF65-F5344CB8AC3E}">
         <p14:creationId xmlns:p14="http://schemas.microsoft.com/office/powerpoint/2010/main" val="4160993279"/>
-      </p:ext>
-    </p:extLst>
-  </p:cSld>
-  <p:clrMapOvr>
-    <a:masterClrMapping/>
-  </p:clrMapOvr>
-  <p:timing>
-    <p:tnLst>
-      <p:par>
-        <p:cTn id="1" dur="indefinite" restart="never" nodeType="tmRoot"/>
-      </p:par>
-    </p:tnLst>
-  </p:timing>
-</p:sld>
-</file>
-
-<file path=ppt/slides/slide23.xml><?xml version="1.0" encoding="utf-8"?>
-<p:sld xmlns:a="http://schemas.openxmlformats.org/drawingml/2006/main" xmlns:r="http://schemas.openxmlformats.org/officeDocument/2006/relationships" xmlns:p="http://schemas.openxmlformats.org/presentationml/2006/main">
-  <p:cSld>
-    <p:spTree>
-      <p:nvGrpSpPr>
-        <p:cNvPr id="1" name=""/>
-        <p:cNvGrpSpPr/>
-        <p:nvPr/>
-      </p:nvGrpSpPr>
-      <p:grpSpPr>
-        <a:xfrm>
-          <a:off x="0" y="0"/>
-          <a:ext cx="0" cy="0"/>
-          <a:chOff x="0" y="0"/>
-          <a:chExt cx="0" cy="0"/>
-        </a:xfrm>
-      </p:grpSpPr>
-      <p:sp>
-        <p:nvSpPr>
-          <p:cNvPr id="2" name="Заголовок 1"/>
-          <p:cNvSpPr>
-            <a:spLocks noGrp="1"/>
-          </p:cNvSpPr>
-          <p:nvPr>
-            <p:ph type="title"/>
-          </p:nvPr>
-        </p:nvSpPr>
-        <p:spPr/>
-        <p:txBody>
-          <a:bodyPr/>
-          <a:lstStyle/>
-          <a:p>
-            <a:pPr algn="ctr"/>
-            <a:r>
-              <a:rPr lang="ru-RU" dirty="0" smtClean="0"/>
-              <a:t>Результаты</a:t>
-            </a:r>
-            <a:endParaRPr lang="ru-RU" dirty="0"/>
-          </a:p>
-        </p:txBody>
-      </p:sp>
-      <p:sp>
-        <p:nvSpPr>
-          <p:cNvPr id="3" name="Объект 2"/>
-          <p:cNvSpPr>
-            <a:spLocks noGrp="1"/>
-          </p:cNvSpPr>
-          <p:nvPr>
-            <p:ph idx="1"/>
-          </p:nvPr>
-        </p:nvSpPr>
-        <p:spPr/>
-        <p:txBody>
-          <a:bodyPr/>
-          <a:lstStyle/>
-          <a:p>
-            <a:pPr marL="0" indent="0">
-              <a:buNone/>
-            </a:pPr>
-            <a:r>
-              <a:rPr lang="ru-RU" dirty="0"/>
-              <a:t>В ходе работы были достигнуты следующие результаты:</a:t>
-            </a:r>
-          </a:p>
-          <a:p>
-            <a:pPr marL="342900" indent="-342900">
-              <a:buFont typeface="+mj-lt"/>
-              <a:buAutoNum type="arabicPeriod"/>
-            </a:pPr>
-            <a:r>
-              <a:rPr lang="ru-RU" dirty="0" smtClean="0"/>
-              <a:t>Подтверждение </a:t>
-            </a:r>
-            <a:r>
-              <a:rPr lang="ru-RU" dirty="0"/>
-              <a:t>факта идеальной фокусировки эллипсом монохроматических лучей, параллельных его большой оси;</a:t>
-            </a:r>
-          </a:p>
-          <a:p>
-            <a:pPr marL="342900" indent="-342900">
-              <a:buFont typeface="+mj-lt"/>
-              <a:buAutoNum type="arabicPeriod"/>
-            </a:pPr>
-            <a:r>
-              <a:rPr lang="ru-RU" dirty="0" smtClean="0"/>
-              <a:t>Определение </a:t>
-            </a:r>
-            <a:r>
-              <a:rPr lang="ru-RU" dirty="0"/>
-              <a:t>формы эллиптической линзы;</a:t>
-            </a:r>
-          </a:p>
-          <a:p>
-            <a:pPr marL="342900" indent="-342900">
-              <a:buFont typeface="+mj-lt"/>
-              <a:buAutoNum type="arabicPeriod"/>
-            </a:pPr>
-            <a:r>
-              <a:rPr lang="ru-RU" dirty="0" smtClean="0"/>
-              <a:t>Выявление </a:t>
-            </a:r>
-            <a:r>
-              <a:rPr lang="ru-RU" dirty="0"/>
-              <a:t>поверхности,  идеально фокусирующей монохроматические лучи точечного источника света;</a:t>
-            </a:r>
-          </a:p>
-          <a:p>
-            <a:pPr marL="342900" indent="-342900">
-              <a:buFont typeface="+mj-lt"/>
-              <a:buAutoNum type="arabicPeriod"/>
-            </a:pPr>
-            <a:r>
-              <a:rPr lang="ru-RU" dirty="0" smtClean="0"/>
-              <a:t>Определение </a:t>
-            </a:r>
-            <a:r>
-              <a:rPr lang="ru-RU" dirty="0"/>
-              <a:t>формы и некоторых геометрических свойств </a:t>
-            </a:r>
-            <a:r>
-              <a:rPr lang="ru-RU" dirty="0" err="1"/>
-              <a:t>овоидной</a:t>
-            </a:r>
-            <a:r>
-              <a:rPr lang="ru-RU" dirty="0"/>
-              <a:t> линзы.</a:t>
-            </a:r>
-            <a:endParaRPr lang="ru-RU" dirty="0"/>
-          </a:p>
-        </p:txBody>
-      </p:sp>
-    </p:spTree>
-    <p:extLst>
-      <p:ext uri="{BB962C8B-B14F-4D97-AF65-F5344CB8AC3E}">
-        <p14:creationId xmlns:p14="http://schemas.microsoft.com/office/powerpoint/2010/main" val="4051038554"/>
-      </p:ext>
-    </p:extLst>
-  </p:cSld>
-  <p:clrMapOvr>
-    <a:masterClrMapping/>
-  </p:clrMapOvr>
-  <p:timing>
-    <p:tnLst>
-      <p:par>
-        <p:cTn id="1" dur="indefinite" restart="never" nodeType="tmRoot"/>
-      </p:par>
-    </p:tnLst>
-  </p:timing>
-</p:sld>
-</file>
-
-<file path=ppt/slides/slide24.xml><?xml version="1.0" encoding="utf-8"?>
-<p:sld xmlns:a="http://schemas.openxmlformats.org/drawingml/2006/main" xmlns:r="http://schemas.openxmlformats.org/officeDocument/2006/relationships" xmlns:p="http://schemas.openxmlformats.org/presentationml/2006/main">
-  <p:cSld>
-    <p:spTree>
-      <p:nvGrpSpPr>
-        <p:cNvPr id="1" name=""/>
-        <p:cNvGrpSpPr/>
-        <p:nvPr/>
-      </p:nvGrpSpPr>
-      <p:grpSpPr>
-        <a:xfrm>
-          <a:off x="0" y="0"/>
-          <a:ext cx="0" cy="0"/>
-          <a:chOff x="0" y="0"/>
-          <a:chExt cx="0" cy="0"/>
-        </a:xfrm>
-      </p:grpSpPr>
-      <p:sp>
-        <p:nvSpPr>
-          <p:cNvPr id="3" name="Объект 2"/>
-          <p:cNvSpPr>
-            <a:spLocks noGrp="1"/>
-          </p:cNvSpPr>
-          <p:nvPr>
-            <p:ph idx="1"/>
-          </p:nvPr>
-        </p:nvSpPr>
-        <p:spPr>
-          <a:xfrm>
-            <a:off x="182880" y="522841"/>
-            <a:ext cx="4498848" cy="3159143"/>
-          </a:xfrm>
-        </p:spPr>
-        <p:txBody>
-          <a:bodyPr/>
-          <a:lstStyle/>
-          <a:p>
-            <a:pPr marL="0" indent="0">
-              <a:buNone/>
-            </a:pPr>
-            <a:r>
-              <a:rPr lang="ru-RU" sz="2400" dirty="0" smtClean="0">
-                <a:latin typeface="Times New Roman" pitchFamily="18" charset="0"/>
-                <a:cs typeface="Times New Roman" pitchFamily="18" charset="0"/>
-              </a:rPr>
-              <a:t>	Разработаны программы </a:t>
-            </a:r>
-            <a:r>
-              <a:rPr lang="ru-RU" sz="2400" dirty="0">
-                <a:latin typeface="Times New Roman" pitchFamily="18" charset="0"/>
-                <a:cs typeface="Times New Roman" pitchFamily="18" charset="0"/>
-              </a:rPr>
-              <a:t>моделирующие поверхность собирающей линзы для лучей параллельных оптической оси и для точечного источника света.</a:t>
-            </a:r>
-          </a:p>
-        </p:txBody>
-      </p:sp>
-      <p:pic>
-        <p:nvPicPr>
-          <p:cNvPr id="4" name="Рисунок 3"/>
-          <p:cNvPicPr>
-            <a:picLocks noChangeAspect="1"/>
-          </p:cNvPicPr>
-          <p:nvPr/>
-        </p:nvPicPr>
-        <p:blipFill>
-          <a:blip r:embed="rId2">
-            <a:extLst>
-              <a:ext uri="{28A0092B-C50C-407E-A947-70E740481C1C}">
-                <a14:useLocalDpi xmlns:a14="http://schemas.microsoft.com/office/drawing/2010/main" val="0"/>
-              </a:ext>
-            </a:extLst>
-          </a:blip>
-          <a:stretch>
-            <a:fillRect/>
-          </a:stretch>
-        </p:blipFill>
-        <p:spPr>
-          <a:xfrm>
-            <a:off x="5532858" y="1328928"/>
-            <a:ext cx="6566021" cy="3285743"/>
-          </a:xfrm>
-          <a:prstGeom prst="rect">
-            <a:avLst/>
-          </a:prstGeom>
-        </p:spPr>
-      </p:pic>
-      <p:pic>
-        <p:nvPicPr>
-          <p:cNvPr id="5" name="Рисунок 4"/>
-          <p:cNvPicPr>
-            <a:picLocks noChangeAspect="1"/>
-          </p:cNvPicPr>
-          <p:nvPr/>
-        </p:nvPicPr>
-        <p:blipFill>
-          <a:blip r:embed="rId3">
-            <a:extLst>
-              <a:ext uri="{28A0092B-C50C-407E-A947-70E740481C1C}">
-                <a14:useLocalDpi xmlns:a14="http://schemas.microsoft.com/office/drawing/2010/main" val="0"/>
-              </a:ext>
-            </a:extLst>
-          </a:blip>
-          <a:stretch>
-            <a:fillRect/>
-          </a:stretch>
-        </p:blipFill>
-        <p:spPr>
-          <a:xfrm>
-            <a:off x="2606779" y="3212252"/>
-            <a:ext cx="5200342" cy="3469299"/>
-          </a:xfrm>
-          <a:prstGeom prst="rect">
-            <a:avLst/>
-          </a:prstGeom>
-        </p:spPr>
-      </p:pic>
-    </p:spTree>
-    <p:extLst>
-      <p:ext uri="{BB962C8B-B14F-4D97-AF65-F5344CB8AC3E}">
-        <p14:creationId xmlns:p14="http://schemas.microsoft.com/office/powerpoint/2010/main" val="1836114547"/>
-      </p:ext>
-    </p:extLst>
-  </p:cSld>
-  <p:clrMapOvr>
-    <a:masterClrMapping/>
-  </p:clrMapOvr>
-  <p:timing>
-    <p:tnLst>
-      <p:par>
-        <p:cTn id="1" dur="indefinite" restart="never" nodeType="tmRoot"/>
-      </p:par>
-    </p:tnLst>
-  </p:timing>
-</p:sld>
-</file>
-
-<file path=ppt/slides/slide25.xml><?xml version="1.0" encoding="utf-8"?>
-<p:sld xmlns:a="http://schemas.openxmlformats.org/drawingml/2006/main" xmlns:r="http://schemas.openxmlformats.org/officeDocument/2006/relationships" xmlns:p="http://schemas.openxmlformats.org/presentationml/2006/main">
-  <p:cSld>
-    <p:spTree>
-      <p:nvGrpSpPr>
-        <p:cNvPr id="1" name=""/>
-        <p:cNvGrpSpPr/>
-        <p:nvPr/>
-      </p:nvGrpSpPr>
-      <p:grpSpPr>
-        <a:xfrm>
-          <a:off x="0" y="0"/>
-          <a:ext cx="0" cy="0"/>
-          <a:chOff x="0" y="0"/>
-          <a:chExt cx="0" cy="0"/>
-        </a:xfrm>
-      </p:grpSpPr>
-      <p:sp>
-        <p:nvSpPr>
-          <p:cNvPr id="3" name="Объект 2"/>
-          <p:cNvSpPr>
-            <a:spLocks noGrp="1"/>
-          </p:cNvSpPr>
-          <p:nvPr>
-            <p:ph idx="1"/>
-          </p:nvPr>
-        </p:nvSpPr>
-        <p:spPr>
-          <a:xfrm>
-            <a:off x="301023" y="568704"/>
-            <a:ext cx="6896605" cy="2175393"/>
-          </a:xfrm>
-        </p:spPr>
-        <p:txBody>
-          <a:bodyPr/>
-          <a:lstStyle/>
-          <a:p>
-            <a:pPr marL="0" indent="0" algn="ctr">
-              <a:buNone/>
-            </a:pPr>
-            <a:r>
-              <a:rPr lang="ru-RU" sz="2800" dirty="0">
-                <a:latin typeface="Times New Roman" pitchFamily="18" charset="0"/>
-                <a:cs typeface="Times New Roman" pitchFamily="18" charset="0"/>
-              </a:rPr>
-              <a:t>Напечатаны объемные модели линз и поверхности на 3</a:t>
-            </a:r>
-            <a:r>
-              <a:rPr lang="en-US" sz="2800" dirty="0">
-                <a:latin typeface="Times New Roman" pitchFamily="18" charset="0"/>
-                <a:cs typeface="Times New Roman" pitchFamily="18" charset="0"/>
-              </a:rPr>
-              <a:t>D</a:t>
-            </a:r>
-            <a:r>
-              <a:rPr lang="ru-RU" sz="2800" dirty="0">
-                <a:latin typeface="Times New Roman" pitchFamily="18" charset="0"/>
-                <a:cs typeface="Times New Roman" pitchFamily="18" charset="0"/>
-              </a:rPr>
-              <a:t> принтере.</a:t>
-            </a:r>
-          </a:p>
-        </p:txBody>
-      </p:sp>
-      <p:pic>
-        <p:nvPicPr>
-          <p:cNvPr id="5" name="Рисунок 4"/>
-          <p:cNvPicPr>
-            <a:picLocks noChangeAspect="1"/>
-          </p:cNvPicPr>
-          <p:nvPr/>
-        </p:nvPicPr>
-        <p:blipFill>
-          <a:blip r:embed="rId2" cstate="print">
-            <a:extLst>
-              <a:ext uri="{28A0092B-C50C-407E-A947-70E740481C1C}">
-                <a14:useLocalDpi xmlns:a14="http://schemas.microsoft.com/office/drawing/2010/main" val="0"/>
-              </a:ext>
-            </a:extLst>
-          </a:blip>
-          <a:stretch>
-            <a:fillRect/>
-          </a:stretch>
-        </p:blipFill>
-        <p:spPr>
-          <a:xfrm>
-            <a:off x="8298009" y="1135306"/>
-            <a:ext cx="4276267" cy="5701689"/>
-          </a:xfrm>
-          <a:prstGeom prst="rect">
-            <a:avLst/>
-          </a:prstGeom>
-        </p:spPr>
-      </p:pic>
-      <p:pic>
-        <p:nvPicPr>
-          <p:cNvPr id="7" name="Рисунок 6"/>
-          <p:cNvPicPr>
-            <a:picLocks noChangeAspect="1"/>
-          </p:cNvPicPr>
-          <p:nvPr/>
-        </p:nvPicPr>
-        <p:blipFill>
-          <a:blip r:embed="rId3" cstate="print">
-            <a:extLst>
-              <a:ext uri="{28A0092B-C50C-407E-A947-70E740481C1C}">
-                <a14:useLocalDpi xmlns:a14="http://schemas.microsoft.com/office/drawing/2010/main" val="0"/>
-              </a:ext>
-            </a:extLst>
-          </a:blip>
-          <a:stretch>
-            <a:fillRect/>
-          </a:stretch>
-        </p:blipFill>
-        <p:spPr>
-          <a:xfrm>
-            <a:off x="9093221" y="376115"/>
-            <a:ext cx="3414096" cy="2560572"/>
-          </a:xfrm>
-          <a:prstGeom prst="rect">
-            <a:avLst/>
-          </a:prstGeom>
-        </p:spPr>
-      </p:pic>
-      <p:pic>
-        <p:nvPicPr>
-          <p:cNvPr id="9" name="Рисунок 8"/>
-          <p:cNvPicPr>
-            <a:picLocks noChangeAspect="1"/>
-          </p:cNvPicPr>
-          <p:nvPr/>
-        </p:nvPicPr>
-        <p:blipFill>
-          <a:blip r:embed="rId4" cstate="print">
-            <a:extLst>
-              <a:ext uri="{28A0092B-C50C-407E-A947-70E740481C1C}">
-                <a14:useLocalDpi xmlns:a14="http://schemas.microsoft.com/office/drawing/2010/main" val="0"/>
-              </a:ext>
-            </a:extLst>
-          </a:blip>
-          <a:stretch>
-            <a:fillRect/>
-          </a:stretch>
-        </p:blipFill>
-        <p:spPr>
-          <a:xfrm>
-            <a:off x="4766415" y="4023428"/>
-            <a:ext cx="3531594" cy="2648696"/>
-          </a:xfrm>
-          <a:prstGeom prst="rect">
-            <a:avLst/>
-          </a:prstGeom>
-        </p:spPr>
-      </p:pic>
-      <p:pic>
-        <p:nvPicPr>
-          <p:cNvPr id="11" name="Рисунок 10"/>
-          <p:cNvPicPr>
-            <a:picLocks noChangeAspect="1"/>
-          </p:cNvPicPr>
-          <p:nvPr/>
-        </p:nvPicPr>
-        <p:blipFill>
-          <a:blip r:embed="rId5" cstate="print">
-            <a:extLst>
-              <a:ext uri="{28A0092B-C50C-407E-A947-70E740481C1C}">
-                <a14:useLocalDpi xmlns:a14="http://schemas.microsoft.com/office/drawing/2010/main" val="0"/>
-              </a:ext>
-            </a:extLst>
-          </a:blip>
-          <a:stretch>
-            <a:fillRect/>
-          </a:stretch>
-        </p:blipFill>
-        <p:spPr>
-          <a:xfrm>
-            <a:off x="65496" y="3183713"/>
-            <a:ext cx="4700919" cy="3525689"/>
-          </a:xfrm>
-          <a:prstGeom prst="rect">
-            <a:avLst/>
-          </a:prstGeom>
-        </p:spPr>
-      </p:pic>
-      <p:pic>
-        <p:nvPicPr>
-          <p:cNvPr id="13" name="Рисунок 12"/>
-          <p:cNvPicPr>
-            <a:picLocks noChangeAspect="1"/>
-          </p:cNvPicPr>
-          <p:nvPr/>
-        </p:nvPicPr>
-        <p:blipFill>
-          <a:blip r:embed="rId6" cstate="print">
-            <a:extLst>
-              <a:ext uri="{28A0092B-C50C-407E-A947-70E740481C1C}">
-                <a14:useLocalDpi xmlns:a14="http://schemas.microsoft.com/office/drawing/2010/main" val="0"/>
-              </a:ext>
-            </a:extLst>
-          </a:blip>
-          <a:stretch>
-            <a:fillRect/>
-          </a:stretch>
-        </p:blipFill>
-        <p:spPr>
-          <a:xfrm>
-            <a:off x="6532212" y="2265292"/>
-            <a:ext cx="2789610" cy="2092208"/>
-          </a:xfrm>
-          <a:prstGeom prst="rect">
-            <a:avLst/>
-          </a:prstGeom>
-        </p:spPr>
-      </p:pic>
-    </p:spTree>
-    <p:extLst>
-      <p:ext uri="{BB962C8B-B14F-4D97-AF65-F5344CB8AC3E}">
-        <p14:creationId xmlns:p14="http://schemas.microsoft.com/office/powerpoint/2010/main" val="1785787206"/>
       </p:ext>
     </p:extLst>
   </p:cSld>
@@ -11416,8 +12979,8 @@
         </p:nvSpPr>
         <p:spPr>
           <a:xfrm>
-            <a:off x="2865814" y="2701131"/>
-            <a:ext cx="6460373" cy="1455738"/>
+            <a:off x="630382" y="0"/>
+            <a:ext cx="10131425" cy="1246909"/>
           </a:xfrm>
         </p:spPr>
         <p:txBody>
@@ -11426,10 +12989,699 @@
           <a:p>
             <a:pPr algn="ctr"/>
             <a:r>
-              <a:rPr lang="ru-RU" dirty="0" smtClean="0"/>
+              <a:rPr lang="ru-RU" b="1" dirty="0" smtClean="0">
+                <a:solidFill>
+                  <a:srgbClr val="FF0000"/>
+                </a:solidFill>
+                <a:latin typeface="Times New Roman" pitchFamily="18" charset="0"/>
+                <a:cs typeface="Times New Roman" pitchFamily="18" charset="0"/>
+              </a:rPr>
+              <a:t>Результаты</a:t>
+            </a:r>
+            <a:endParaRPr lang="ru-RU" b="1" dirty="0">
+              <a:solidFill>
+                <a:srgbClr val="FF0000"/>
+              </a:solidFill>
+              <a:latin typeface="Times New Roman" pitchFamily="18" charset="0"/>
+              <a:cs typeface="Times New Roman" pitchFamily="18" charset="0"/>
+            </a:endParaRPr>
+          </a:p>
+        </p:txBody>
+      </p:sp>
+      <p:sp>
+        <p:nvSpPr>
+          <p:cNvPr id="3" name="Объект 2"/>
+          <p:cNvSpPr>
+            <a:spLocks noGrp="1"/>
+          </p:cNvSpPr>
+          <p:nvPr>
+            <p:ph idx="1"/>
+          </p:nvPr>
+        </p:nvSpPr>
+        <p:spPr>
+          <a:xfrm>
+            <a:off x="360218" y="1607127"/>
+            <a:ext cx="11707091" cy="4184073"/>
+          </a:xfrm>
+        </p:spPr>
+        <p:txBody>
+          <a:bodyPr/>
+          <a:lstStyle/>
+          <a:p>
+            <a:pPr marL="342900" indent="-342900">
+              <a:buFont typeface="+mj-lt"/>
+              <a:buAutoNum type="arabicPeriod"/>
+            </a:pPr>
+            <a:r>
+              <a:rPr lang="ru-RU" sz="3600" dirty="0" smtClean="0">
+                <a:latin typeface="Times New Roman" pitchFamily="18" charset="0"/>
+                <a:cs typeface="Times New Roman" pitchFamily="18" charset="0"/>
+              </a:rPr>
+              <a:t>Подтвержд</a:t>
+            </a:r>
+            <a:r>
+              <a:rPr lang="ru-RU" sz="3600" dirty="0" smtClean="0">
+                <a:latin typeface="Times New Roman" pitchFamily="18" charset="0"/>
+                <a:cs typeface="Times New Roman" pitchFamily="18" charset="0"/>
+              </a:rPr>
+              <a:t>ён</a:t>
+            </a:r>
+            <a:r>
+              <a:rPr lang="ru-RU" sz="3600" dirty="0" smtClean="0">
+                <a:latin typeface="Times New Roman" pitchFamily="18" charset="0"/>
+                <a:cs typeface="Times New Roman" pitchFamily="18" charset="0"/>
+              </a:rPr>
+              <a:t> факт </a:t>
+            </a:r>
+            <a:r>
+              <a:rPr lang="ru-RU" sz="3600" dirty="0">
+                <a:latin typeface="Times New Roman" pitchFamily="18" charset="0"/>
+                <a:cs typeface="Times New Roman" pitchFamily="18" charset="0"/>
+              </a:rPr>
+              <a:t>идеальной фокусировки эллипсом монохроматических лучей, параллельных его большой оси;</a:t>
+            </a:r>
+          </a:p>
+          <a:p>
+            <a:pPr marL="342900" indent="-342900">
+              <a:buFont typeface="+mj-lt"/>
+              <a:buAutoNum type="arabicPeriod"/>
+            </a:pPr>
+            <a:r>
+              <a:rPr lang="ru-RU" sz="3600" dirty="0" smtClean="0">
+                <a:latin typeface="Times New Roman" pitchFamily="18" charset="0"/>
+                <a:cs typeface="Times New Roman" pitchFamily="18" charset="0"/>
+              </a:rPr>
+              <a:t>Определена форма </a:t>
+            </a:r>
+            <a:r>
+              <a:rPr lang="ru-RU" sz="3600" dirty="0">
+                <a:latin typeface="Times New Roman" pitchFamily="18" charset="0"/>
+                <a:cs typeface="Times New Roman" pitchFamily="18" charset="0"/>
+              </a:rPr>
+              <a:t>эллиптической линзы;</a:t>
+            </a:r>
+          </a:p>
+          <a:p>
+            <a:pPr marL="342900" indent="-342900">
+              <a:buFont typeface="+mj-lt"/>
+              <a:buAutoNum type="arabicPeriod"/>
+            </a:pPr>
+            <a:r>
+              <a:rPr lang="ru-RU" sz="3600" dirty="0" smtClean="0">
+                <a:latin typeface="Times New Roman" pitchFamily="18" charset="0"/>
+                <a:cs typeface="Times New Roman" pitchFamily="18" charset="0"/>
+              </a:rPr>
+              <a:t>Выявлена поверхность,  </a:t>
+            </a:r>
+            <a:r>
+              <a:rPr lang="ru-RU" sz="3600" dirty="0">
+                <a:latin typeface="Times New Roman" pitchFamily="18" charset="0"/>
+                <a:cs typeface="Times New Roman" pitchFamily="18" charset="0"/>
+              </a:rPr>
+              <a:t>идеально </a:t>
+            </a:r>
+            <a:r>
+              <a:rPr lang="ru-RU" sz="3600" dirty="0" smtClean="0">
+                <a:latin typeface="Times New Roman" pitchFamily="18" charset="0"/>
+                <a:cs typeface="Times New Roman" pitchFamily="18" charset="0"/>
+              </a:rPr>
+              <a:t>фокусирующая </a:t>
+            </a:r>
+            <a:r>
+              <a:rPr lang="ru-RU" sz="3600" dirty="0">
+                <a:latin typeface="Times New Roman" pitchFamily="18" charset="0"/>
+                <a:cs typeface="Times New Roman" pitchFamily="18" charset="0"/>
+              </a:rPr>
+              <a:t>монохроматические лучи точечного источника света;</a:t>
+            </a:r>
+          </a:p>
+          <a:p>
+            <a:pPr marL="342900" indent="-342900">
+              <a:buFont typeface="+mj-lt"/>
+              <a:buAutoNum type="arabicPeriod"/>
+            </a:pPr>
+            <a:r>
+              <a:rPr lang="ru-RU" sz="3600" dirty="0" smtClean="0">
+                <a:latin typeface="Times New Roman" pitchFamily="18" charset="0"/>
+                <a:cs typeface="Times New Roman" pitchFamily="18" charset="0"/>
+              </a:rPr>
+              <a:t>Определена форма </a:t>
+            </a:r>
+            <a:r>
+              <a:rPr lang="ru-RU" sz="3600" dirty="0">
+                <a:latin typeface="Times New Roman" pitchFamily="18" charset="0"/>
+                <a:cs typeface="Times New Roman" pitchFamily="18" charset="0"/>
+              </a:rPr>
+              <a:t>и </a:t>
+            </a:r>
+            <a:r>
+              <a:rPr lang="ru-RU" sz="3600" dirty="0" smtClean="0">
+                <a:latin typeface="Times New Roman" pitchFamily="18" charset="0"/>
+                <a:cs typeface="Times New Roman" pitchFamily="18" charset="0"/>
+              </a:rPr>
+              <a:t>геометрические свойства </a:t>
+            </a:r>
+            <a:r>
+              <a:rPr lang="ru-RU" sz="3600" dirty="0" err="1">
+                <a:latin typeface="Times New Roman" pitchFamily="18" charset="0"/>
+                <a:cs typeface="Times New Roman" pitchFamily="18" charset="0"/>
+              </a:rPr>
+              <a:t>овоидной</a:t>
+            </a:r>
+            <a:r>
+              <a:rPr lang="ru-RU" sz="3600" dirty="0">
+                <a:latin typeface="Times New Roman" pitchFamily="18" charset="0"/>
+                <a:cs typeface="Times New Roman" pitchFamily="18" charset="0"/>
+              </a:rPr>
+              <a:t> линзы.</a:t>
+            </a:r>
+          </a:p>
+        </p:txBody>
+      </p:sp>
+    </p:spTree>
+    <p:extLst>
+      <p:ext uri="{BB962C8B-B14F-4D97-AF65-F5344CB8AC3E}">
+        <p14:creationId xmlns:p14="http://schemas.microsoft.com/office/powerpoint/2010/main" val="4051038554"/>
+      </p:ext>
+    </p:extLst>
+  </p:cSld>
+  <p:clrMapOvr>
+    <a:masterClrMapping/>
+  </p:clrMapOvr>
+  <p:timing>
+    <p:tnLst>
+      <p:par>
+        <p:cTn id="1" dur="indefinite" restart="never" nodeType="tmRoot"/>
+      </p:par>
+    </p:tnLst>
+  </p:timing>
+</p:sld>
+</file>
+
+<file path=ppt/slides/slide27.xml><?xml version="1.0" encoding="utf-8"?>
+<p:sld xmlns:a="http://schemas.openxmlformats.org/drawingml/2006/main" xmlns:r="http://schemas.openxmlformats.org/officeDocument/2006/relationships" xmlns:p="http://schemas.openxmlformats.org/presentationml/2006/main">
+  <p:cSld>
+    <p:spTree>
+      <p:nvGrpSpPr>
+        <p:cNvPr id="1" name=""/>
+        <p:cNvGrpSpPr/>
+        <p:nvPr/>
+      </p:nvGrpSpPr>
+      <p:grpSpPr>
+        <a:xfrm>
+          <a:off x="0" y="0"/>
+          <a:ext cx="0" cy="0"/>
+          <a:chOff x="0" y="0"/>
+          <a:chExt cx="0" cy="0"/>
+        </a:xfrm>
+      </p:grpSpPr>
+      <p:sp>
+        <p:nvSpPr>
+          <p:cNvPr id="3" name="Объект 2"/>
+          <p:cNvSpPr>
+            <a:spLocks noGrp="1"/>
+          </p:cNvSpPr>
+          <p:nvPr>
+            <p:ph idx="1"/>
+          </p:nvPr>
+        </p:nvSpPr>
+        <p:spPr>
+          <a:xfrm>
+            <a:off x="276000" y="633678"/>
+            <a:ext cx="11916000" cy="1832431"/>
+          </a:xfrm>
+        </p:spPr>
+        <p:txBody>
+          <a:bodyPr/>
+          <a:lstStyle/>
+          <a:p>
+            <a:pPr marL="0" indent="0" algn="ctr">
+              <a:buNone/>
+            </a:pPr>
+            <a:r>
+              <a:rPr lang="ru-RU" sz="3600" dirty="0" smtClean="0">
+                <a:latin typeface="Times New Roman" pitchFamily="18" charset="0"/>
+                <a:cs typeface="Times New Roman" pitchFamily="18" charset="0"/>
+              </a:rPr>
+              <a:t>	</a:t>
+            </a:r>
+            <a:r>
+              <a:rPr lang="ru-RU" sz="3600" dirty="0" smtClean="0">
+                <a:latin typeface="Times New Roman" pitchFamily="18" charset="0"/>
+                <a:cs typeface="Times New Roman" pitchFamily="18" charset="0"/>
+              </a:rPr>
+              <a:t>5. Разработаны </a:t>
+            </a:r>
+            <a:r>
+              <a:rPr lang="ru-RU" sz="3600" dirty="0" smtClean="0">
+                <a:latin typeface="Times New Roman" pitchFamily="18" charset="0"/>
+                <a:cs typeface="Times New Roman" pitchFamily="18" charset="0"/>
+              </a:rPr>
+              <a:t>программы </a:t>
+            </a:r>
+            <a:r>
+              <a:rPr lang="ru-RU" sz="3600" dirty="0">
+                <a:latin typeface="Times New Roman" pitchFamily="18" charset="0"/>
+                <a:cs typeface="Times New Roman" pitchFamily="18" charset="0"/>
+              </a:rPr>
+              <a:t>моделирующие поверхность собирающей линзы для лучей параллельных оптической оси и для точечного источника света.</a:t>
+            </a:r>
+          </a:p>
+        </p:txBody>
+      </p:sp>
+      <p:pic>
+        <p:nvPicPr>
+          <p:cNvPr id="4" name="Рисунок 3"/>
+          <p:cNvPicPr>
+            <a:picLocks noChangeAspect="1"/>
+          </p:cNvPicPr>
+          <p:nvPr/>
+        </p:nvPicPr>
+        <p:blipFill>
+          <a:blip r:embed="rId2">
+            <a:extLst>
+              <a:ext uri="{28A0092B-C50C-407E-A947-70E740481C1C}">
+                <a14:useLocalDpi xmlns:a14="http://schemas.microsoft.com/office/drawing/2010/main" val="0"/>
+              </a:ext>
+            </a:extLst>
+          </a:blip>
+          <a:stretch>
+            <a:fillRect/>
+          </a:stretch>
+        </p:blipFill>
+        <p:spPr>
+          <a:xfrm>
+            <a:off x="5532858" y="3572257"/>
+            <a:ext cx="6566021" cy="3285743"/>
+          </a:xfrm>
+          <a:prstGeom prst="rect">
+            <a:avLst/>
+          </a:prstGeom>
+          <a:effectLst>
+            <a:softEdge rad="127000"/>
+          </a:effectLst>
+        </p:spPr>
+      </p:pic>
+      <p:pic>
+        <p:nvPicPr>
+          <p:cNvPr id="5" name="Рисунок 4"/>
+          <p:cNvPicPr>
+            <a:picLocks noChangeAspect="1"/>
+          </p:cNvPicPr>
+          <p:nvPr/>
+        </p:nvPicPr>
+        <p:blipFill>
+          <a:blip r:embed="rId3">
+            <a:extLst>
+              <a:ext uri="{28A0092B-C50C-407E-A947-70E740481C1C}">
+                <a14:useLocalDpi xmlns:a14="http://schemas.microsoft.com/office/drawing/2010/main" val="0"/>
+              </a:ext>
+            </a:extLst>
+          </a:blip>
+          <a:stretch>
+            <a:fillRect/>
+          </a:stretch>
+        </p:blipFill>
+        <p:spPr>
+          <a:xfrm>
+            <a:off x="519229" y="3582000"/>
+            <a:ext cx="4910592" cy="3276000"/>
+          </a:xfrm>
+          <a:prstGeom prst="rect">
+            <a:avLst/>
+          </a:prstGeom>
+          <a:effectLst>
+            <a:softEdge rad="127000"/>
+          </a:effectLst>
+        </p:spPr>
+      </p:pic>
+    </p:spTree>
+    <p:extLst>
+      <p:ext uri="{BB962C8B-B14F-4D97-AF65-F5344CB8AC3E}">
+        <p14:creationId xmlns:p14="http://schemas.microsoft.com/office/powerpoint/2010/main" val="1836114547"/>
+      </p:ext>
+    </p:extLst>
+  </p:cSld>
+  <p:clrMapOvr>
+    <a:masterClrMapping/>
+  </p:clrMapOvr>
+  <p:timing>
+    <p:tnLst>
+      <p:par>
+        <p:cTn id="1" dur="indefinite" restart="never" nodeType="tmRoot"/>
+      </p:par>
+    </p:tnLst>
+  </p:timing>
+</p:sld>
+</file>
+
+<file path=ppt/slides/slide28.xml><?xml version="1.0" encoding="utf-8"?>
+<p:sld xmlns:a="http://schemas.openxmlformats.org/drawingml/2006/main" xmlns:r="http://schemas.openxmlformats.org/officeDocument/2006/relationships" xmlns:p="http://schemas.openxmlformats.org/presentationml/2006/main">
+  <p:cSld>
+    <p:spTree>
+      <p:nvGrpSpPr>
+        <p:cNvPr id="1" name=""/>
+        <p:cNvGrpSpPr/>
+        <p:nvPr/>
+      </p:nvGrpSpPr>
+      <p:grpSpPr>
+        <a:xfrm>
+          <a:off x="0" y="0"/>
+          <a:ext cx="0" cy="0"/>
+          <a:chOff x="0" y="0"/>
+          <a:chExt cx="0" cy="0"/>
+        </a:xfrm>
+      </p:grpSpPr>
+      <p:sp>
+        <p:nvSpPr>
+          <p:cNvPr id="3" name="Объект 2"/>
+          <p:cNvSpPr>
+            <a:spLocks noGrp="1"/>
+          </p:cNvSpPr>
+          <p:nvPr>
+            <p:ph idx="1"/>
+          </p:nvPr>
+        </p:nvSpPr>
+        <p:spPr>
+          <a:xfrm>
+            <a:off x="256015" y="777897"/>
+            <a:ext cx="10287294" cy="2175393"/>
+          </a:xfrm>
+        </p:spPr>
+        <p:txBody>
+          <a:bodyPr/>
+          <a:lstStyle/>
+          <a:p>
+            <a:pPr marL="0" indent="0">
+              <a:buNone/>
+            </a:pPr>
+            <a:r>
+              <a:rPr lang="ru-RU" sz="3600" dirty="0" smtClean="0">
+                <a:latin typeface="Times New Roman" pitchFamily="18" charset="0"/>
+                <a:cs typeface="Times New Roman" pitchFamily="18" charset="0"/>
+              </a:rPr>
+              <a:t>6. Напечатаны </a:t>
+            </a:r>
+            <a:r>
+              <a:rPr lang="ru-RU" sz="3600" dirty="0">
+                <a:latin typeface="Times New Roman" pitchFamily="18" charset="0"/>
+                <a:cs typeface="Times New Roman" pitchFamily="18" charset="0"/>
+              </a:rPr>
+              <a:t>объемные модели </a:t>
+            </a:r>
+            <a:r>
+              <a:rPr lang="ru-RU" sz="3600" dirty="0" smtClean="0">
+                <a:latin typeface="Times New Roman" pitchFamily="18" charset="0"/>
+                <a:cs typeface="Times New Roman" pitchFamily="18" charset="0"/>
+              </a:rPr>
+              <a:t>линзы </a:t>
+            </a:r>
+            <a:r>
+              <a:rPr lang="ru-RU" sz="3600" dirty="0">
+                <a:latin typeface="Times New Roman" pitchFamily="18" charset="0"/>
+                <a:cs typeface="Times New Roman" pitchFamily="18" charset="0"/>
+              </a:rPr>
+              <a:t>и поверхности на 3</a:t>
+            </a:r>
+            <a:r>
+              <a:rPr lang="en-US" sz="3600" dirty="0">
+                <a:latin typeface="Times New Roman" pitchFamily="18" charset="0"/>
+                <a:cs typeface="Times New Roman" pitchFamily="18" charset="0"/>
+              </a:rPr>
+              <a:t>D</a:t>
+            </a:r>
+            <a:r>
+              <a:rPr lang="ru-RU" sz="3600" dirty="0">
+                <a:latin typeface="Times New Roman" pitchFamily="18" charset="0"/>
+                <a:cs typeface="Times New Roman" pitchFamily="18" charset="0"/>
+              </a:rPr>
+              <a:t> принтере</a:t>
+            </a:r>
+            <a:r>
+              <a:rPr lang="ru-RU" sz="3600" dirty="0" smtClean="0">
+                <a:latin typeface="Times New Roman" pitchFamily="18" charset="0"/>
+                <a:cs typeface="Times New Roman" pitchFamily="18" charset="0"/>
+              </a:rPr>
+              <a:t>.</a:t>
+            </a:r>
+          </a:p>
+          <a:p>
+            <a:pPr marL="0" indent="0">
+              <a:buNone/>
+            </a:pPr>
+            <a:r>
+              <a:rPr lang="ru-RU" sz="3600" dirty="0" smtClean="0">
+                <a:latin typeface="Times New Roman" pitchFamily="18" charset="0"/>
+                <a:cs typeface="Times New Roman" pitchFamily="18" charset="0"/>
+              </a:rPr>
+              <a:t>7.Работа в выбранном направлении продолжается изучением геометрических и оптических свойств линзы.</a:t>
+            </a:r>
+            <a:endParaRPr lang="ru-RU" sz="3600" dirty="0">
+              <a:latin typeface="Times New Roman" pitchFamily="18" charset="0"/>
+              <a:cs typeface="Times New Roman" pitchFamily="18" charset="0"/>
+            </a:endParaRPr>
+          </a:p>
+        </p:txBody>
+      </p:sp>
+      <p:pic>
+        <p:nvPicPr>
+          <p:cNvPr id="5" name="Рисунок 4"/>
+          <p:cNvPicPr>
+            <a:picLocks noChangeAspect="1"/>
+          </p:cNvPicPr>
+          <p:nvPr/>
+        </p:nvPicPr>
+        <p:blipFill rotWithShape="1">
+          <a:blip r:embed="rId2" cstate="print">
+            <a:extLst>
+              <a:ext uri="{28A0092B-C50C-407E-A947-70E740481C1C}">
+                <a14:useLocalDpi xmlns:a14="http://schemas.microsoft.com/office/drawing/2010/main" val="0"/>
+              </a:ext>
+            </a:extLst>
+          </a:blip>
+          <a:srcRect l="10334" t="35927" r="23196" b="6792"/>
+          <a:stretch/>
+        </p:blipFill>
+        <p:spPr>
+          <a:xfrm>
+            <a:off x="9321822" y="3592005"/>
+            <a:ext cx="2842469" cy="3265995"/>
+          </a:xfrm>
+          <a:prstGeom prst="rect">
+            <a:avLst/>
+          </a:prstGeom>
+          <a:effectLst>
+            <a:softEdge rad="127000"/>
+          </a:effectLst>
+        </p:spPr>
+      </p:pic>
+      <p:pic>
+        <p:nvPicPr>
+          <p:cNvPr id="7" name="Рисунок 6"/>
+          <p:cNvPicPr>
+            <a:picLocks noChangeAspect="1"/>
+          </p:cNvPicPr>
+          <p:nvPr/>
+        </p:nvPicPr>
+        <p:blipFill rotWithShape="1">
+          <a:blip r:embed="rId3" cstate="print">
+            <a:extLst>
+              <a:ext uri="{28A0092B-C50C-407E-A947-70E740481C1C}">
+                <a14:useLocalDpi xmlns:a14="http://schemas.microsoft.com/office/drawing/2010/main" val="0"/>
+              </a:ext>
+            </a:extLst>
+          </a:blip>
+          <a:srcRect l="12038" r="27091"/>
+          <a:stretch/>
+        </p:blipFill>
+        <p:spPr>
+          <a:xfrm>
+            <a:off x="10086109" y="1031433"/>
+            <a:ext cx="2078182" cy="2560572"/>
+          </a:xfrm>
+          <a:prstGeom prst="rect">
+            <a:avLst/>
+          </a:prstGeom>
+          <a:effectLst>
+            <a:softEdge rad="127000"/>
+          </a:effectLst>
+        </p:spPr>
+      </p:pic>
+      <p:pic>
+        <p:nvPicPr>
+          <p:cNvPr id="9" name="Рисунок 8"/>
+          <p:cNvPicPr>
+            <a:picLocks noChangeAspect="1"/>
+          </p:cNvPicPr>
+          <p:nvPr/>
+        </p:nvPicPr>
+        <p:blipFill>
+          <a:blip r:embed="rId4" cstate="print">
+            <a:extLst>
+              <a:ext uri="{28A0092B-C50C-407E-A947-70E740481C1C}">
+                <a14:useLocalDpi xmlns:a14="http://schemas.microsoft.com/office/drawing/2010/main" val="0"/>
+              </a:ext>
+            </a:extLst>
+          </a:blip>
+          <a:stretch>
+            <a:fillRect/>
+          </a:stretch>
+        </p:blipFill>
+        <p:spPr>
+          <a:xfrm>
+            <a:off x="3367106" y="4023428"/>
+            <a:ext cx="3531594" cy="2648696"/>
+          </a:xfrm>
+          <a:prstGeom prst="rect">
+            <a:avLst/>
+          </a:prstGeom>
+          <a:effectLst>
+            <a:softEdge rad="127000"/>
+          </a:effectLst>
+        </p:spPr>
+      </p:pic>
+      <p:pic>
+        <p:nvPicPr>
+          <p:cNvPr id="11" name="Рисунок 10"/>
+          <p:cNvPicPr>
+            <a:picLocks noChangeAspect="1"/>
+          </p:cNvPicPr>
+          <p:nvPr/>
+        </p:nvPicPr>
+        <p:blipFill rotWithShape="1">
+          <a:blip r:embed="rId5" cstate="print">
+            <a:extLst>
+              <a:ext uri="{28A0092B-C50C-407E-A947-70E740481C1C}">
+                <a14:useLocalDpi xmlns:a14="http://schemas.microsoft.com/office/drawing/2010/main" val="0"/>
+              </a:ext>
+            </a:extLst>
+          </a:blip>
+          <a:srcRect r="21819"/>
+          <a:stretch/>
+        </p:blipFill>
+        <p:spPr>
+          <a:xfrm>
+            <a:off x="65496" y="3183713"/>
+            <a:ext cx="3675231" cy="3525689"/>
+          </a:xfrm>
+          <a:prstGeom prst="rect">
+            <a:avLst/>
+          </a:prstGeom>
+          <a:effectLst>
+            <a:softEdge rad="127000"/>
+          </a:effectLst>
+        </p:spPr>
+      </p:pic>
+      <p:pic>
+        <p:nvPicPr>
+          <p:cNvPr id="13" name="Рисунок 12"/>
+          <p:cNvPicPr>
+            <a:picLocks noChangeAspect="1"/>
+          </p:cNvPicPr>
+          <p:nvPr/>
+        </p:nvPicPr>
+        <p:blipFill>
+          <a:blip r:embed="rId6" cstate="print">
+            <a:extLst>
+              <a:ext uri="{28A0092B-C50C-407E-A947-70E740481C1C}">
+                <a14:useLocalDpi xmlns:a14="http://schemas.microsoft.com/office/drawing/2010/main" val="0"/>
+              </a:ext>
+            </a:extLst>
+          </a:blip>
+          <a:stretch>
+            <a:fillRect/>
+          </a:stretch>
+        </p:blipFill>
+        <p:spPr>
+          <a:xfrm>
+            <a:off x="6649318" y="4385693"/>
+            <a:ext cx="2789610" cy="2092208"/>
+          </a:xfrm>
+          <a:prstGeom prst="rect">
+            <a:avLst/>
+          </a:prstGeom>
+          <a:effectLst>
+            <a:softEdge rad="127000"/>
+          </a:effectLst>
+        </p:spPr>
+      </p:pic>
+    </p:spTree>
+    <p:extLst>
+      <p:ext uri="{BB962C8B-B14F-4D97-AF65-F5344CB8AC3E}">
+        <p14:creationId xmlns:p14="http://schemas.microsoft.com/office/powerpoint/2010/main" val="1785787206"/>
+      </p:ext>
+    </p:extLst>
+  </p:cSld>
+  <p:clrMapOvr>
+    <a:masterClrMapping/>
+  </p:clrMapOvr>
+  <p:timing>
+    <p:tnLst>
+      <p:par>
+        <p:cTn id="1" dur="indefinite" restart="never" nodeType="tmRoot"/>
+      </p:par>
+    </p:tnLst>
+  </p:timing>
+</p:sld>
+</file>
+
+<file path=ppt/slides/slide29.xml><?xml version="1.0" encoding="utf-8"?>
+<p:sld xmlns:a="http://schemas.openxmlformats.org/drawingml/2006/main" xmlns:r="http://schemas.openxmlformats.org/officeDocument/2006/relationships" xmlns:p="http://schemas.openxmlformats.org/presentationml/2006/main">
+  <p:cSld>
+    <p:spTree>
+      <p:nvGrpSpPr>
+        <p:cNvPr id="1" name=""/>
+        <p:cNvGrpSpPr/>
+        <p:nvPr/>
+      </p:nvGrpSpPr>
+      <p:grpSpPr>
+        <a:xfrm>
+          <a:off x="0" y="0"/>
+          <a:ext cx="0" cy="0"/>
+          <a:chOff x="0" y="0"/>
+          <a:chExt cx="0" cy="0"/>
+        </a:xfrm>
+      </p:grpSpPr>
+      <p:sp>
+        <p:nvSpPr>
+          <p:cNvPr id="2" name="Заголовок 1"/>
+          <p:cNvSpPr>
+            <a:spLocks noGrp="1"/>
+          </p:cNvSpPr>
+          <p:nvPr>
+            <p:ph type="title"/>
+          </p:nvPr>
+        </p:nvSpPr>
+        <p:spPr>
+          <a:xfrm>
+            <a:off x="1011381" y="2701131"/>
+            <a:ext cx="10584873" cy="1455738"/>
+          </a:xfrm>
+        </p:spPr>
+        <p:txBody>
+          <a:bodyPr>
+            <a:noAutofit/>
+          </a:bodyPr>
+          <a:lstStyle/>
+          <a:p>
+            <a:pPr algn="ctr"/>
+            <a:r>
+              <a:rPr lang="ru-RU" sz="9600" dirty="0" smtClean="0">
+                <a:solidFill>
+                  <a:srgbClr val="FF0000"/>
+                </a:solidFill>
+                <a:latin typeface="Times New Roman" pitchFamily="18" charset="0"/>
+                <a:cs typeface="Times New Roman" pitchFamily="18" charset="0"/>
+              </a:rPr>
               <a:t>Спасибо за внимание!</a:t>
             </a:r>
-            <a:endParaRPr lang="ru-RU" dirty="0"/>
+            <a:endParaRPr lang="ru-RU" sz="9600" dirty="0">
+              <a:solidFill>
+                <a:srgbClr val="FF0000"/>
+              </a:solidFill>
+              <a:latin typeface="Times New Roman" pitchFamily="18" charset="0"/>
+              <a:cs typeface="Times New Roman" pitchFamily="18" charset="0"/>
+            </a:endParaRPr>
           </a:p>
         </p:txBody>
       </p:sp>
@@ -11480,7 +13732,12 @@
             <p:ph idx="1"/>
           </p:nvPr>
         </p:nvSpPr>
-        <p:spPr/>
+        <p:spPr>
+          <a:xfrm>
+            <a:off x="484910" y="1080655"/>
+            <a:ext cx="11568546" cy="4710545"/>
+          </a:xfrm>
+        </p:spPr>
         <p:txBody>
           <a:bodyPr/>
           <a:lstStyle/>
@@ -11489,81 +13746,65 @@
               <a:buNone/>
             </a:pPr>
             <a:r>
-              <a:rPr lang="ru-RU" sz="3200" dirty="0"/>
-              <a:t>Цель: </a:t>
-            </a:r>
-            <a:r>
-              <a:rPr lang="ru-RU" sz="3200" dirty="0" smtClean="0"/>
-              <a:t>нахождение формулы и </a:t>
-            </a:r>
-            <a:r>
-              <a:rPr lang="ru-RU" sz="3200" dirty="0"/>
-              <a:t>формы </a:t>
-            </a:r>
-            <a:r>
-              <a:rPr lang="ru-RU" sz="3200" dirty="0" smtClean="0"/>
-              <a:t>линз, свободных </a:t>
-            </a:r>
-            <a:r>
-              <a:rPr lang="ru-RU" sz="3200" dirty="0"/>
-              <a:t>от сферической аберрации</a:t>
-            </a:r>
-            <a:r>
-              <a:rPr lang="ru-RU" sz="3200" dirty="0" smtClean="0"/>
-              <a:t>.</a:t>
-            </a:r>
+              <a:rPr lang="ru-RU" sz="4800" dirty="0">
+                <a:solidFill>
+                  <a:srgbClr val="FF0000"/>
+                </a:solidFill>
+                <a:latin typeface="Times New Roman" pitchFamily="18" charset="0"/>
+                <a:cs typeface="Times New Roman" pitchFamily="18" charset="0"/>
+              </a:rPr>
+              <a:t>Цель:</a:t>
+            </a:r>
+            <a:r>
+              <a:rPr lang="ru-RU" sz="4800" dirty="0">
+                <a:latin typeface="Times New Roman" pitchFamily="18" charset="0"/>
+                <a:cs typeface="Times New Roman" pitchFamily="18" charset="0"/>
+              </a:rPr>
+              <a:t> </a:t>
+            </a:r>
+            <a:r>
+              <a:rPr lang="ru-RU" sz="4800" dirty="0" smtClean="0">
+                <a:latin typeface="Times New Roman" pitchFamily="18" charset="0"/>
+                <a:cs typeface="Times New Roman" pitchFamily="18" charset="0"/>
+              </a:rPr>
+              <a:t>нахождение формулы поверхности линзы, свободной от </a:t>
+            </a:r>
+            <a:r>
+              <a:rPr lang="ru-RU" sz="4800" dirty="0">
+                <a:latin typeface="Times New Roman" pitchFamily="18" charset="0"/>
+                <a:cs typeface="Times New Roman" pitchFamily="18" charset="0"/>
+              </a:rPr>
+              <a:t>сферической </a:t>
+            </a:r>
+            <a:r>
+              <a:rPr lang="ru-RU" sz="4800" dirty="0" smtClean="0">
+                <a:latin typeface="Times New Roman" pitchFamily="18" charset="0"/>
+                <a:cs typeface="Times New Roman" pitchFamily="18" charset="0"/>
+              </a:rPr>
+              <a:t>аберрации, её формы и геометрических свойств.</a:t>
+            </a:r>
+            <a:endParaRPr lang="ru-RU" sz="4800" dirty="0" smtClean="0">
+              <a:latin typeface="Times New Roman" pitchFamily="18" charset="0"/>
+              <a:cs typeface="Times New Roman" pitchFamily="18" charset="0"/>
+            </a:endParaRPr>
           </a:p>
           <a:p>
             <a:pPr marL="0" indent="0">
               <a:buNone/>
             </a:pPr>
-            <a:r>
-              <a:rPr lang="ru-RU" sz="3200" dirty="0" smtClean="0"/>
-              <a:t>Задачи: исследование физических моделей</a:t>
-            </a:r>
-            <a:endParaRPr lang="ru-RU" sz="3200" dirty="0"/>
+            <a:endParaRPr lang="ru-RU" sz="4800" dirty="0" smtClean="0">
+              <a:latin typeface="Times New Roman" pitchFamily="18" charset="0"/>
+              <a:cs typeface="Times New Roman" pitchFamily="18" charset="0"/>
+            </a:endParaRPr>
           </a:p>
           <a:p>
             <a:pPr marL="0" indent="0">
               <a:buNone/>
             </a:pPr>
-            <a:r>
-              <a:rPr lang="ru-RU" sz="3200" dirty="0"/>
-              <a:t>Объект</a:t>
-            </a:r>
-            <a:r>
-              <a:rPr lang="ru-RU" sz="3200" i="1" dirty="0"/>
-              <a:t> </a:t>
-            </a:r>
-            <a:r>
-              <a:rPr lang="ru-RU" sz="3200" dirty="0"/>
-              <a:t>исследования: фокусирующие поверхности</a:t>
-            </a:r>
-            <a:r>
-              <a:rPr lang="ru-RU" sz="3200" dirty="0" smtClean="0"/>
-              <a:t>.</a:t>
-            </a:r>
-            <a:endParaRPr lang="ru-RU" sz="3200" dirty="0"/>
-          </a:p>
-          <a:p>
-            <a:pPr marL="0" indent="0">
-              <a:buNone/>
-            </a:pPr>
-            <a:r>
-              <a:rPr lang="ru-RU" sz="3200" dirty="0"/>
-              <a:t>Предмет исследования: оптические аберрации</a:t>
-            </a:r>
-            <a:r>
-              <a:rPr lang="ru-RU" sz="3200" dirty="0" smtClean="0"/>
-              <a:t>.</a:t>
-            </a:r>
-            <a:endParaRPr lang="ru-RU" sz="3200" dirty="0"/>
-          </a:p>
-          <a:p>
-            <a:pPr marL="0" indent="0">
-              <a:buNone/>
-            </a:pPr>
-            <a:endParaRPr lang="ru-RU" sz="3200" dirty="0"/>
+            <a:endParaRPr lang="ru-RU" sz="4800" dirty="0">
+              <a:latin typeface="Times New Roman" pitchFamily="18" charset="0"/>
+              <a:cs typeface="Times New Roman" pitchFamily="18" charset="0"/>
+            </a:endParaRPr>
           </a:p>
         </p:txBody>
       </p:sp>
@@ -11604,8 +13845,461 @@
           <a:chExt cx="0" cy="0"/>
         </a:xfrm>
       </p:grpSpPr>
-      <mc:AlternateContent xmlns:mc="http://schemas.openxmlformats.org/markup-compatibility/2006" xmlns:a14="http://schemas.microsoft.com/office/drawing/2010/main">
-        <mc:Choice Requires="a14">
+      <p:sp>
+        <p:nvSpPr>
+          <p:cNvPr id="2" name="Заголовок 1"/>
+          <p:cNvSpPr>
+            <a:spLocks noGrp="1"/>
+          </p:cNvSpPr>
+          <p:nvPr>
+            <p:ph type="ctrTitle"/>
+          </p:nvPr>
+        </p:nvSpPr>
+        <p:spPr>
+          <a:xfrm>
+            <a:off x="138544" y="107758"/>
+            <a:ext cx="10945092" cy="1845733"/>
+          </a:xfrm>
+        </p:spPr>
+        <p:txBody>
+          <a:bodyPr>
+            <a:noAutofit/>
+          </a:bodyPr>
+          <a:lstStyle/>
+          <a:p>
+            <a:pPr marL="0" indent="0" algn="l"/>
+            <a:r>
+              <a:rPr lang="ru-RU" dirty="0" smtClean="0">
+                <a:latin typeface="Times New Roman" pitchFamily="18" charset="0"/>
+                <a:cs typeface="Times New Roman" pitchFamily="18" charset="0"/>
+              </a:rPr>
+              <a:t> </a:t>
+            </a:r>
+            <a:br>
+              <a:rPr lang="ru-RU" dirty="0" smtClean="0">
+                <a:latin typeface="Times New Roman" pitchFamily="18" charset="0"/>
+                <a:cs typeface="Times New Roman" pitchFamily="18" charset="0"/>
+              </a:rPr>
+            </a:br>
+            <a:endParaRPr lang="ru-RU" dirty="0"/>
+          </a:p>
+        </p:txBody>
+      </p:sp>
+      <p:sp>
+        <p:nvSpPr>
+          <p:cNvPr id="4" name="Подзаголовок 3"/>
+          <p:cNvSpPr>
+            <a:spLocks noGrp="1"/>
+          </p:cNvSpPr>
+          <p:nvPr>
+            <p:ph type="subTitle" idx="1"/>
+          </p:nvPr>
+        </p:nvSpPr>
+        <p:spPr>
+          <a:xfrm>
+            <a:off x="761999" y="1399309"/>
+            <a:ext cx="10709564" cy="2299855"/>
+          </a:xfrm>
+        </p:spPr>
+        <p:txBody>
+          <a:bodyPr>
+            <a:noAutofit/>
+          </a:bodyPr>
+          <a:lstStyle/>
+          <a:p>
+            <a:pPr algn="l"/>
+            <a:r>
+              <a:rPr lang="ru-RU" sz="4800" dirty="0" smtClean="0">
+                <a:solidFill>
+                  <a:srgbClr val="FF0000"/>
+                </a:solidFill>
+                <a:latin typeface="Times New Roman" pitchFamily="18" charset="0"/>
+                <a:cs typeface="Times New Roman" pitchFamily="18" charset="0"/>
+              </a:rPr>
+              <a:t>З</a:t>
+            </a:r>
+            <a:r>
+              <a:rPr lang="ru-RU" sz="4800" cap="none" dirty="0" smtClean="0">
+                <a:solidFill>
+                  <a:srgbClr val="FF0000"/>
+                </a:solidFill>
+                <a:latin typeface="Times New Roman" pitchFamily="18" charset="0"/>
+                <a:cs typeface="Times New Roman" pitchFamily="18" charset="0"/>
+              </a:rPr>
+              <a:t>адачи</a:t>
+            </a:r>
+            <a:r>
+              <a:rPr lang="ru-RU" sz="4800" dirty="0" smtClean="0">
+                <a:solidFill>
+                  <a:srgbClr val="FF0000"/>
+                </a:solidFill>
+                <a:latin typeface="Times New Roman" pitchFamily="18" charset="0"/>
+                <a:cs typeface="Times New Roman" pitchFamily="18" charset="0"/>
+              </a:rPr>
+              <a:t>:</a:t>
+            </a:r>
+            <a:r>
+              <a:rPr lang="ru-RU" sz="4400" dirty="0" smtClean="0">
+                <a:solidFill>
+                  <a:srgbClr val="FF0000"/>
+                </a:solidFill>
+                <a:latin typeface="Times New Roman" pitchFamily="18" charset="0"/>
+                <a:cs typeface="Times New Roman" pitchFamily="18" charset="0"/>
+              </a:rPr>
+              <a:t> </a:t>
+            </a:r>
+            <a:r>
+              <a:rPr lang="ru-RU" sz="4400" cap="none" dirty="0" smtClean="0">
+                <a:latin typeface="Times New Roman" pitchFamily="18" charset="0"/>
+                <a:cs typeface="Times New Roman" pitchFamily="18" charset="0"/>
+              </a:rPr>
+              <a:t>1)Исследование</a:t>
+            </a:r>
+            <a:r>
+              <a:rPr lang="ru-RU" sz="5400" cap="none" dirty="0" smtClean="0">
+                <a:latin typeface="Times New Roman" pitchFamily="18" charset="0"/>
+                <a:cs typeface="Times New Roman" pitchFamily="18" charset="0"/>
+              </a:rPr>
+              <a:t> </a:t>
+            </a:r>
+            <a:r>
+              <a:rPr lang="ru-RU" sz="4400" cap="none" dirty="0" smtClean="0">
+                <a:latin typeface="Times New Roman" pitchFamily="18" charset="0"/>
+                <a:cs typeface="Times New Roman" pitchFamily="18" charset="0"/>
+              </a:rPr>
+              <a:t>физических моделей , в которых монохроматический свет падает на линзу(параллельный пучок, свет точечного источника);</a:t>
+            </a:r>
+            <a:br>
+              <a:rPr lang="ru-RU" sz="4400" cap="none" dirty="0" smtClean="0">
+                <a:latin typeface="Times New Roman" pitchFamily="18" charset="0"/>
+                <a:cs typeface="Times New Roman" pitchFamily="18" charset="0"/>
+              </a:rPr>
+            </a:br>
+            <a:r>
+              <a:rPr lang="ru-RU" sz="4400" cap="none" dirty="0" smtClean="0">
+                <a:latin typeface="Times New Roman" pitchFamily="18" charset="0"/>
+                <a:cs typeface="Times New Roman" pitchFamily="18" charset="0"/>
+              </a:rPr>
+              <a:t>2) Разработка программ, симулирующих физические модели</a:t>
+            </a:r>
+            <a:endParaRPr lang="ru-RU" sz="4400" cap="none" dirty="0"/>
+          </a:p>
+        </p:txBody>
+      </p:sp>
+    </p:spTree>
+    <p:extLst>
+      <p:ext uri="{BB962C8B-B14F-4D97-AF65-F5344CB8AC3E}">
+        <p14:creationId xmlns:p14="http://schemas.microsoft.com/office/powerpoint/2010/main" val="884189560"/>
+      </p:ext>
+    </p:extLst>
+  </p:cSld>
+  <p:clrMapOvr>
+    <a:masterClrMapping/>
+  </p:clrMapOvr>
+  <p:timing>
+    <p:tnLst>
+      <p:par>
+        <p:cTn id="1" dur="indefinite" restart="never" nodeType="tmRoot"/>
+      </p:par>
+    </p:tnLst>
+  </p:timing>
+</p:sld>
+</file>
+
+<file path=ppt/slides/slide5.xml><?xml version="1.0" encoding="utf-8"?>
+<p:sld xmlns:a="http://schemas.openxmlformats.org/drawingml/2006/main" xmlns:r="http://schemas.openxmlformats.org/officeDocument/2006/relationships" xmlns:p="http://schemas.openxmlformats.org/presentationml/2006/main">
+  <p:cSld>
+    <p:spTree>
+      <p:nvGrpSpPr>
+        <p:cNvPr id="1" name=""/>
+        <p:cNvGrpSpPr/>
+        <p:nvPr/>
+      </p:nvGrpSpPr>
+      <p:grpSpPr>
+        <a:xfrm>
+          <a:off x="0" y="0"/>
+          <a:ext cx="0" cy="0"/>
+          <a:chOff x="0" y="0"/>
+          <a:chExt cx="0" cy="0"/>
+        </a:xfrm>
+      </p:grpSpPr>
+      <p:sp>
+        <p:nvSpPr>
+          <p:cNvPr id="2" name="Заголовок 1"/>
+          <p:cNvSpPr>
+            <a:spLocks noGrp="1"/>
+          </p:cNvSpPr>
+          <p:nvPr>
+            <p:ph type="title"/>
+          </p:nvPr>
+        </p:nvSpPr>
+        <p:spPr>
+          <a:xfrm>
+            <a:off x="990600" y="1177637"/>
+            <a:ext cx="10131425" cy="2743200"/>
+          </a:xfrm>
+        </p:spPr>
+        <p:txBody>
+          <a:bodyPr>
+            <a:noAutofit/>
+          </a:bodyPr>
+          <a:lstStyle/>
+          <a:p>
+            <a:pPr algn="ctr"/>
+            <a:r>
+              <a:rPr lang="ru-RU" sz="4800" dirty="0">
+                <a:latin typeface="Times New Roman" pitchFamily="18" charset="0"/>
+                <a:cs typeface="Times New Roman" pitchFamily="18" charset="0"/>
+              </a:rPr>
+              <a:t/>
+            </a:r>
+            <a:br>
+              <a:rPr lang="ru-RU" sz="4800" dirty="0">
+                <a:latin typeface="Times New Roman" pitchFamily="18" charset="0"/>
+                <a:cs typeface="Times New Roman" pitchFamily="18" charset="0"/>
+              </a:rPr>
+            </a:br>
+            <a:r>
+              <a:rPr lang="ru-RU" sz="4800" b="1" dirty="0" smtClean="0">
+                <a:solidFill>
+                  <a:srgbClr val="FF0000"/>
+                </a:solidFill>
+                <a:latin typeface="Times New Roman" pitchFamily="18" charset="0"/>
+                <a:cs typeface="Times New Roman" pitchFamily="18" charset="0"/>
+              </a:rPr>
+              <a:t>О</a:t>
+            </a:r>
+            <a:r>
+              <a:rPr lang="ru-RU" sz="4800" b="1" cap="none" dirty="0" smtClean="0">
+                <a:solidFill>
+                  <a:srgbClr val="FF0000"/>
+                </a:solidFill>
+                <a:latin typeface="Times New Roman" pitchFamily="18" charset="0"/>
+                <a:cs typeface="Times New Roman" pitchFamily="18" charset="0"/>
+              </a:rPr>
+              <a:t>бъект</a:t>
+            </a:r>
+            <a:r>
+              <a:rPr lang="ru-RU" sz="4800" b="1" i="1" dirty="0" smtClean="0">
+                <a:solidFill>
+                  <a:srgbClr val="FF0000"/>
+                </a:solidFill>
+                <a:latin typeface="Times New Roman" pitchFamily="18" charset="0"/>
+                <a:cs typeface="Times New Roman" pitchFamily="18" charset="0"/>
+              </a:rPr>
+              <a:t> </a:t>
+            </a:r>
+            <a:r>
+              <a:rPr lang="ru-RU" sz="4800" b="1" cap="none" dirty="0" smtClean="0">
+                <a:solidFill>
+                  <a:srgbClr val="FF0000"/>
+                </a:solidFill>
+                <a:latin typeface="Times New Roman" pitchFamily="18" charset="0"/>
+                <a:cs typeface="Times New Roman" pitchFamily="18" charset="0"/>
+              </a:rPr>
+              <a:t>исследования: </a:t>
+            </a:r>
+            <a:r>
+              <a:rPr lang="ru-RU" sz="4800" b="1" cap="none" dirty="0" smtClean="0">
+                <a:latin typeface="Times New Roman" pitchFamily="18" charset="0"/>
+                <a:cs typeface="Times New Roman" pitchFamily="18" charset="0"/>
+              </a:rPr>
+              <a:t>фокусирующие поверхности.</a:t>
+            </a:r>
+            <a:br>
+              <a:rPr lang="ru-RU" sz="4800" b="1" cap="none" dirty="0" smtClean="0">
+                <a:latin typeface="Times New Roman" pitchFamily="18" charset="0"/>
+                <a:cs typeface="Times New Roman" pitchFamily="18" charset="0"/>
+              </a:rPr>
+            </a:br>
+            <a:r>
+              <a:rPr lang="ru-RU" sz="4800" dirty="0">
+                <a:latin typeface="Times New Roman" pitchFamily="18" charset="0"/>
+                <a:cs typeface="Times New Roman" pitchFamily="18" charset="0"/>
+              </a:rPr>
+              <a:t/>
+            </a:r>
+            <a:br>
+              <a:rPr lang="ru-RU" sz="4800" dirty="0">
+                <a:latin typeface="Times New Roman" pitchFamily="18" charset="0"/>
+                <a:cs typeface="Times New Roman" pitchFamily="18" charset="0"/>
+              </a:rPr>
+            </a:br>
+            <a:endParaRPr lang="ru-RU" sz="4800" dirty="0"/>
+          </a:p>
+        </p:txBody>
+      </p:sp>
+      <p:sp>
+        <p:nvSpPr>
+          <p:cNvPr id="3" name="Объект 2"/>
+          <p:cNvSpPr>
+            <a:spLocks noGrp="1"/>
+          </p:cNvSpPr>
+          <p:nvPr>
+            <p:ph idx="1"/>
+          </p:nvPr>
+        </p:nvSpPr>
+        <p:spPr/>
+        <p:txBody>
+          <a:bodyPr/>
+          <a:lstStyle/>
+          <a:p>
+            <a:pPr marL="0" indent="0">
+              <a:buNone/>
+            </a:pPr>
+            <a:endParaRPr lang="ru-RU" dirty="0"/>
+          </a:p>
+        </p:txBody>
+      </p:sp>
+    </p:spTree>
+    <p:extLst>
+      <p:ext uri="{BB962C8B-B14F-4D97-AF65-F5344CB8AC3E}">
+        <p14:creationId xmlns:p14="http://schemas.microsoft.com/office/powerpoint/2010/main" val="3211021202"/>
+      </p:ext>
+    </p:extLst>
+  </p:cSld>
+  <p:clrMapOvr>
+    <a:masterClrMapping/>
+  </p:clrMapOvr>
+  <p:timing>
+    <p:tnLst>
+      <p:par>
+        <p:cTn id="1" dur="indefinite" restart="never" nodeType="tmRoot"/>
+      </p:par>
+    </p:tnLst>
+  </p:timing>
+</p:sld>
+</file>
+
+<file path=ppt/slides/slide6.xml><?xml version="1.0" encoding="utf-8"?>
+<p:sld xmlns:a="http://schemas.openxmlformats.org/drawingml/2006/main" xmlns:r="http://schemas.openxmlformats.org/officeDocument/2006/relationships" xmlns:p="http://schemas.openxmlformats.org/presentationml/2006/main">
+  <p:cSld>
+    <p:spTree>
+      <p:nvGrpSpPr>
+        <p:cNvPr id="1" name=""/>
+        <p:cNvGrpSpPr/>
+        <p:nvPr/>
+      </p:nvGrpSpPr>
+      <p:grpSpPr>
+        <a:xfrm>
+          <a:off x="0" y="0"/>
+          <a:ext cx="0" cy="0"/>
+          <a:chOff x="0" y="0"/>
+          <a:chExt cx="0" cy="0"/>
+        </a:xfrm>
+      </p:grpSpPr>
+      <p:sp>
+        <p:nvSpPr>
+          <p:cNvPr id="2" name="Заголовок 1"/>
+          <p:cNvSpPr>
+            <a:spLocks noGrp="1"/>
+          </p:cNvSpPr>
+          <p:nvPr>
+            <p:ph type="title"/>
+          </p:nvPr>
+        </p:nvSpPr>
+        <p:spPr>
+          <a:xfrm>
+            <a:off x="879764" y="2064328"/>
+            <a:ext cx="10131425" cy="1455738"/>
+          </a:xfrm>
+        </p:spPr>
+        <p:txBody>
+          <a:bodyPr>
+            <a:noAutofit/>
+          </a:bodyPr>
+          <a:lstStyle/>
+          <a:p>
+            <a:pPr algn="ctr"/>
+            <a:r>
+              <a:rPr lang="ru-RU" sz="4800" b="1" cap="none" dirty="0" smtClean="0">
+                <a:solidFill>
+                  <a:srgbClr val="FF0000"/>
+                </a:solidFill>
+                <a:latin typeface="Times New Roman" pitchFamily="18" charset="0"/>
+                <a:cs typeface="Times New Roman" pitchFamily="18" charset="0"/>
+              </a:rPr>
+              <a:t>Предмет исследования: </a:t>
+            </a:r>
+            <a:br>
+              <a:rPr lang="ru-RU" sz="4800" b="1" cap="none" dirty="0" smtClean="0">
+                <a:solidFill>
+                  <a:srgbClr val="FF0000"/>
+                </a:solidFill>
+                <a:latin typeface="Times New Roman" pitchFamily="18" charset="0"/>
+                <a:cs typeface="Times New Roman" pitchFamily="18" charset="0"/>
+              </a:rPr>
+            </a:br>
+            <a:r>
+              <a:rPr lang="ru-RU" sz="4800" b="1" cap="none" dirty="0" smtClean="0">
+                <a:latin typeface="Times New Roman" pitchFamily="18" charset="0"/>
+                <a:cs typeface="Times New Roman" pitchFamily="18" charset="0"/>
+              </a:rPr>
+              <a:t>оптические аберрации</a:t>
+            </a:r>
+            <a:r>
+              <a:rPr lang="ru-RU" sz="4800" b="1" dirty="0" smtClean="0">
+                <a:latin typeface="Times New Roman" pitchFamily="18" charset="0"/>
+                <a:cs typeface="Times New Roman" pitchFamily="18" charset="0"/>
+              </a:rPr>
+              <a:t>.</a:t>
+            </a:r>
+            <a:r>
+              <a:rPr lang="ru-RU" sz="4800" b="1" dirty="0">
+                <a:latin typeface="Times New Roman" pitchFamily="18" charset="0"/>
+                <a:cs typeface="Times New Roman" pitchFamily="18" charset="0"/>
+              </a:rPr>
+              <a:t/>
+            </a:r>
+            <a:br>
+              <a:rPr lang="ru-RU" sz="4800" b="1" dirty="0">
+                <a:latin typeface="Times New Roman" pitchFamily="18" charset="0"/>
+                <a:cs typeface="Times New Roman" pitchFamily="18" charset="0"/>
+              </a:rPr>
+            </a:br>
+            <a:endParaRPr lang="ru-RU" sz="4800" b="1" dirty="0"/>
+          </a:p>
+        </p:txBody>
+      </p:sp>
+    </p:spTree>
+    <p:extLst>
+      <p:ext uri="{BB962C8B-B14F-4D97-AF65-F5344CB8AC3E}">
+        <p14:creationId xmlns:p14="http://schemas.microsoft.com/office/powerpoint/2010/main" val="3383970119"/>
+      </p:ext>
+    </p:extLst>
+  </p:cSld>
+  <p:clrMapOvr>
+    <a:masterClrMapping/>
+  </p:clrMapOvr>
+  <p:timing>
+    <p:tnLst>
+      <p:par>
+        <p:cTn id="1" dur="indefinite" restart="never" nodeType="tmRoot"/>
+      </p:par>
+    </p:tnLst>
+  </p:timing>
+</p:sld>
+</file>
+
+<file path=ppt/slides/slide7.xml><?xml version="1.0" encoding="utf-8"?>
+<p:sld xmlns:a="http://schemas.openxmlformats.org/drawingml/2006/main" xmlns:r="http://schemas.openxmlformats.org/officeDocument/2006/relationships" xmlns:p="http://schemas.openxmlformats.org/presentationml/2006/main">
+  <p:cSld>
+    <p:spTree>
+      <p:nvGrpSpPr>
+        <p:cNvPr id="1" name=""/>
+        <p:cNvGrpSpPr/>
+        <p:nvPr/>
+      </p:nvGrpSpPr>
+      <p:grpSpPr>
+        <a:xfrm>
+          <a:off x="0" y="0"/>
+          <a:ext cx="0" cy="0"/>
+          <a:chOff x="0" y="0"/>
+          <a:chExt cx="0" cy="0"/>
+        </a:xfrm>
+      </p:grpSpPr>
+      <mc:AlternateContent xmlns:mc="http://schemas.openxmlformats.org/markup-compatibility/2006">
+        <mc:Choice xmlns:a14="http://schemas.microsoft.com/office/drawing/2010/main" Requires="a14">
           <p:sp>
             <p:nvSpPr>
               <p:cNvPr id="4" name="Прямоугольник 3"/>
@@ -11614,7 +14308,7 @@
             </p:nvSpPr>
             <p:spPr>
               <a:xfrm>
-                <a:off x="4313582" y="1531161"/>
+                <a:off x="4059609" y="2867207"/>
                 <a:ext cx="3697357" cy="1342740"/>
               </a:xfrm>
               <a:prstGeom prst="rect">
@@ -11766,7 +14460,7 @@
             </p:txBody>
           </p:sp>
         </mc:Choice>
-        <mc:Fallback xmlns="">
+        <mc:Fallback>
           <p:sp>
             <p:nvSpPr>
               <p:cNvPr id="4" name="Прямоугольник 3"/>
@@ -11777,7 +14471,7 @@
             </p:nvSpPr>
             <p:spPr>
               <a:xfrm>
-                <a:off x="4313582" y="1531161"/>
+                <a:off x="4059609" y="2867207"/>
                 <a:ext cx="3697357" cy="1342740"/>
               </a:xfrm>
               <a:prstGeom prst="rect">
@@ -11805,8 +14499,8 @@
           </p:sp>
         </mc:Fallback>
       </mc:AlternateContent>
-      <mc:AlternateContent xmlns:mc="http://schemas.openxmlformats.org/markup-compatibility/2006" xmlns:a14="http://schemas.microsoft.com/office/drawing/2010/main">
-        <mc:Choice Requires="a14">
+      <mc:AlternateContent xmlns:mc="http://schemas.openxmlformats.org/markup-compatibility/2006">
+        <mc:Choice xmlns:a14="http://schemas.microsoft.com/office/drawing/2010/main" Requires="a14">
           <p:sp>
             <p:nvSpPr>
               <p:cNvPr id="5" name="TextBox 4"/>
@@ -11816,7 +14510,7 @@
             <p:spPr>
               <a:xfrm>
                 <a:off x="984528" y="755371"/>
-                <a:ext cx="10651314" cy="584775"/>
+                <a:ext cx="10057545" cy="1323439"/>
               </a:xfrm>
               <a:prstGeom prst="rect">
                 <a:avLst/>
@@ -11824,27 +14518,22 @@
               <a:noFill/>
             </p:spPr>
             <p:txBody>
-              <a:bodyPr wrap="none" rtlCol="0">
+              <a:bodyPr wrap="square" rtlCol="0">
                 <a:spAutoFit/>
               </a:bodyPr>
               <a:lstStyle/>
               <a:p>
                 <a:r>
-                  <a:rPr lang="ru-RU" sz="2800" dirty="0" smtClean="0"/>
-                  <a:t>Время </a:t>
-                </a:r>
-                <a:r>
-                  <a:rPr lang="ru-RU" sz="3200" dirty="0" smtClean="0"/>
-                  <a:t>прохождения</a:t>
-                </a:r>
-                <a:r>
-                  <a:rPr lang="ru-RU" sz="2800" dirty="0" smtClean="0"/>
-                  <a:t> отрезка </a:t>
+                  <a:rPr lang="ru-RU" sz="4000" dirty="0">
+                    <a:latin typeface="Times New Roman" pitchFamily="18" charset="0"/>
+                    <a:cs typeface="Times New Roman" pitchFamily="18" charset="0"/>
+                  </a:rPr>
+                  <a:t>Время прохождения отрезка </a:t>
                 </a:r>
                 <a14:m>
                   <m:oMath xmlns:m="http://schemas.openxmlformats.org/officeDocument/2006/math">
                     <m:r>
-                      <a:rPr lang="en-US" sz="2800" i="1">
+                      <a:rPr lang="en-US" sz="4000" i="1">
                         <a:latin typeface="Cambria Math"/>
                       </a:rPr>
                       <m:t>𝑙</m:t>
@@ -11852,33 +14541,55 @@
                   </m:oMath>
                 </a14:m>
                 <a:r>
-                  <a:rPr lang="ru-RU" sz="2800" dirty="0" smtClean="0"/>
-                  <a:t> в материале с </a:t>
+                  <a:rPr lang="ru-RU" sz="4000" dirty="0" smtClean="0">
+                    <a:latin typeface="Times New Roman" pitchFamily="18" charset="0"/>
+                    <a:cs typeface="Times New Roman" pitchFamily="18" charset="0"/>
+                  </a:rPr>
+                  <a:t> в материале </a:t>
                 </a:r>
                 <a:r>
-                  <a:rPr lang="ru-RU" sz="2800" dirty="0" err="1" smtClean="0"/>
-                  <a:t>коэф</a:t>
+                  <a:rPr lang="ru-RU" sz="4000" dirty="0" smtClean="0">
+                    <a:latin typeface="Times New Roman" pitchFamily="18" charset="0"/>
+                    <a:cs typeface="Times New Roman" pitchFamily="18" charset="0"/>
+                  </a:rPr>
+                  <a:t>с</a:t>
+                </a:r>
+              </a:p>
+              <a:p>
+                <a:pPr algn="ctr"/>
+                <a:r>
+                  <a:rPr lang="ru-RU" sz="4000" dirty="0" smtClean="0">
+                    <a:latin typeface="Times New Roman" pitchFamily="18" charset="0"/>
+                    <a:cs typeface="Times New Roman" pitchFamily="18" charset="0"/>
+                  </a:rPr>
+                  <a:t> коэффициентом  </a:t>
                 </a:r>
                 <a:r>
-                  <a:rPr lang="ru-RU" sz="2800" dirty="0" smtClean="0"/>
-                  <a:t>. преломления </a:t>
+                  <a:rPr lang="ru-RU" sz="4000" dirty="0" smtClean="0">
+                    <a:latin typeface="Times New Roman" pitchFamily="18" charset="0"/>
+                    <a:cs typeface="Times New Roman" pitchFamily="18" charset="0"/>
+                  </a:rPr>
+                  <a:t>преломления </a:t>
                 </a:r>
                 <a14:m>
                   <m:oMath xmlns:m="http://schemas.openxmlformats.org/officeDocument/2006/math">
                     <m:r>
-                      <a:rPr lang="en-US" sz="2800" i="1">
+                      <a:rPr lang="en-US" sz="4000" i="1">
                         <a:latin typeface="Cambria Math"/>
                       </a:rPr>
                       <m:t>𝑛</m:t>
                     </m:r>
                   </m:oMath>
                 </a14:m>
-                <a:endParaRPr lang="ru-RU" sz="2800" dirty="0"/>
+                <a:endParaRPr lang="ru-RU" sz="4000" dirty="0">
+                  <a:latin typeface="Times New Roman" pitchFamily="18" charset="0"/>
+                  <a:cs typeface="Times New Roman" pitchFamily="18" charset="0"/>
+                </a:endParaRPr>
               </a:p>
             </p:txBody>
           </p:sp>
         </mc:Choice>
-        <mc:Fallback xmlns="">
+        <mc:Fallback>
           <p:sp>
             <p:nvSpPr>
               <p:cNvPr id="5" name="TextBox 4"/>
@@ -11890,7 +14601,7 @@
             <p:spPr>
               <a:xfrm>
                 <a:off x="984528" y="755371"/>
-                <a:ext cx="10651314" cy="584775"/>
+                <a:ext cx="10057545" cy="1323439"/>
               </a:xfrm>
               <a:prstGeom prst="rect">
                 <a:avLst/>
@@ -11898,7 +14609,7 @@
               <a:blipFill rotWithShape="1">
                 <a:blip r:embed="rId3"/>
                 <a:stretch>
-                  <a:fillRect l="-1202" t="-13542" b="-33333"/>
+                  <a:fillRect l="-2183" t="-8295" b="-18894"/>
                 </a:stretch>
               </a:blipFill>
             </p:spPr>
@@ -11925,8 +14636,8 @@
         </p:nvSpPr>
         <p:spPr>
           <a:xfrm>
-            <a:off x="4411973" y="3236964"/>
-            <a:ext cx="3678828" cy="584775"/>
+            <a:off x="4059609" y="4470019"/>
+            <a:ext cx="4669035" cy="707886"/>
           </a:xfrm>
           <a:prstGeom prst="rect">
             <a:avLst/>
@@ -11940,19 +14651,28 @@
           <a:lstStyle/>
           <a:p>
             <a:r>
-              <a:rPr lang="ru-RU" sz="3200" dirty="0" smtClean="0"/>
+              <a:rPr lang="ru-RU" sz="4000" dirty="0" smtClean="0">
+                <a:latin typeface="Times New Roman" pitchFamily="18" charset="0"/>
+                <a:cs typeface="Times New Roman" pitchFamily="18" charset="0"/>
+              </a:rPr>
               <a:t>Условие</a:t>
             </a:r>
             <a:r>
-              <a:rPr lang="ru-RU" sz="2800" dirty="0" smtClean="0"/>
+              <a:rPr lang="ru-RU" sz="3600" dirty="0" smtClean="0">
+                <a:latin typeface="Times New Roman" pitchFamily="18" charset="0"/>
+                <a:cs typeface="Times New Roman" pitchFamily="18" charset="0"/>
+              </a:rPr>
               <a:t> фокусировки</a:t>
             </a:r>
-            <a:endParaRPr lang="ru-RU" sz="2800" dirty="0"/>
+            <a:endParaRPr lang="ru-RU" sz="3600" dirty="0">
+              <a:latin typeface="Times New Roman" pitchFamily="18" charset="0"/>
+              <a:cs typeface="Times New Roman" pitchFamily="18" charset="0"/>
+            </a:endParaRPr>
           </a:p>
         </p:txBody>
       </p:sp>
-      <mc:AlternateContent xmlns:mc="http://schemas.openxmlformats.org/markup-compatibility/2006" xmlns:a14="http://schemas.microsoft.com/office/drawing/2010/main">
-        <mc:Choice Requires="a14">
+      <mc:AlternateContent xmlns:mc="http://schemas.openxmlformats.org/markup-compatibility/2006">
+        <mc:Choice xmlns:a14="http://schemas.microsoft.com/office/drawing/2010/main" Requires="a14">
           <p:sp>
             <p:nvSpPr>
               <p:cNvPr id="7" name="Прямоугольник 6"/>
@@ -11961,7 +14681,7 @@
             </p:nvSpPr>
             <p:spPr>
               <a:xfrm>
-                <a:off x="4981648" y="4024313"/>
+                <a:off x="4718411" y="5326640"/>
                 <a:ext cx="2361224" cy="584775"/>
               </a:xfrm>
               <a:prstGeom prst="rect">
@@ -12095,7 +14815,7 @@
             </p:txBody>
           </p:sp>
         </mc:Choice>
-        <mc:Fallback xmlns="">
+        <mc:Fallback>
           <p:sp>
             <p:nvSpPr>
               <p:cNvPr id="7" name="Прямоугольник 6"/>
@@ -12106,7 +14826,7 @@
             </p:nvSpPr>
             <p:spPr>
               <a:xfrm>
-                <a:off x="4981648" y="4024313"/>
+                <a:off x="4718411" y="5326640"/>
                 <a:ext cx="2361224" cy="584775"/>
               </a:xfrm>
               <a:prstGeom prst="rect">
@@ -12144,10 +14864,17 @@
   <p:clrMapOvr>
     <a:masterClrMapping/>
   </p:clrMapOvr>
+  <p:timing>
+    <p:tnLst>
+      <p:par>
+        <p:cTn id="1" dur="indefinite" restart="never" nodeType="tmRoot"/>
+      </p:par>
+    </p:tnLst>
+  </p:timing>
 </p:sld>
 </file>
 
-<file path=ppt/slides/slide5.xml><?xml version="1.0" encoding="utf-8"?>
+<file path=ppt/slides/slide8.xml><?xml version="1.0" encoding="utf-8"?>
 <p:sld xmlns:a="http://schemas.openxmlformats.org/drawingml/2006/main" xmlns:r="http://schemas.openxmlformats.org/officeDocument/2006/relationships" xmlns:p="http://schemas.openxmlformats.org/presentationml/2006/main">
   <p:cSld>
     <p:spTree>
@@ -12187,13 +14914,22 @@
           <a:lstStyle/>
           <a:p>
             <a:r>
-              <a:rPr lang="ru-RU" dirty="0"/>
+              <a:rPr lang="ru-RU" dirty="0">
+                <a:latin typeface="Times New Roman" pitchFamily="18" charset="0"/>
+                <a:cs typeface="Times New Roman" pitchFamily="18" charset="0"/>
+              </a:rPr>
               <a:t>Подставил в условие данные физической модели.</a:t>
             </a:r>
             <a:br>
-              <a:rPr lang="ru-RU" dirty="0"/>
+              <a:rPr lang="ru-RU" dirty="0">
+                <a:latin typeface="Times New Roman" pitchFamily="18" charset="0"/>
+                <a:cs typeface="Times New Roman" pitchFamily="18" charset="0"/>
+              </a:rPr>
             </a:br>
-            <a:endParaRPr lang="ru-RU" dirty="0"/>
+            <a:endParaRPr lang="ru-RU" dirty="0">
+              <a:latin typeface="Times New Roman" pitchFamily="18" charset="0"/>
+              <a:cs typeface="Times New Roman" pitchFamily="18" charset="0"/>
+            </a:endParaRPr>
           </a:p>
         </p:txBody>
       </p:sp>
@@ -12213,7 +14949,7 @@
           <a:graphicData uri="http://schemas.openxmlformats.org/presentationml/2006/ole">
             <mc:AlternateContent xmlns:mc="http://schemas.openxmlformats.org/markup-compatibility/2006">
               <mc:Choice xmlns:v="urn:schemas-microsoft-com:vml" Requires="v">
-                <p:oleObj spid="_x0000_s2061" name="Image" r:id="rId3" imgW="0" imgH="0" progId="Photoshop.Image.13">
+                <p:oleObj spid="_x0000_s2065" name="Image" r:id="rId3" imgW="0" imgH="0" progId="Photoshop.Image.13">
                   <p:embed/>
                 </p:oleObj>
               </mc:Choice>
@@ -12795,10 +15531,17 @@
   <p:clrMapOvr>
     <a:masterClrMapping/>
   </p:clrMapOvr>
+  <p:timing>
+    <p:tnLst>
+      <p:par>
+        <p:cTn id="1" dur="indefinite" restart="never" nodeType="tmRoot"/>
+      </p:par>
+    </p:tnLst>
+  </p:timing>
 </p:sld>
 </file>
 
-<file path=ppt/slides/slide6.xml><?xml version="1.0" encoding="utf-8"?>
+<file path=ppt/slides/slide9.xml><?xml version="1.0" encoding="utf-8"?>
 <p:sld xmlns:a="http://schemas.openxmlformats.org/drawingml/2006/main" xmlns:r="http://schemas.openxmlformats.org/officeDocument/2006/relationships" xmlns:p="http://schemas.openxmlformats.org/presentationml/2006/main">
   <p:cSld>
     <p:spTree>
@@ -12837,10 +15580,23 @@
           <a:p>
             <a:pPr algn="ctr"/>
             <a:r>
-              <a:rPr lang="ru-RU" dirty="0" smtClean="0"/>
-              <a:t>Получил формулу эллипса</a:t>
-            </a:r>
-            <a:endParaRPr lang="ru-RU" dirty="0"/>
+              <a:rPr lang="ru-RU" dirty="0" smtClean="0">
+                <a:latin typeface="Times New Roman" pitchFamily="18" charset="0"/>
+                <a:cs typeface="Times New Roman" pitchFamily="18" charset="0"/>
+              </a:rPr>
+              <a:t> формула </a:t>
+            </a:r>
+            <a:r>
+              <a:rPr lang="ru-RU" dirty="0" smtClean="0">
+                <a:latin typeface="Times New Roman" pitchFamily="18" charset="0"/>
+                <a:cs typeface="Times New Roman" pitchFamily="18" charset="0"/>
+              </a:rPr>
+              <a:t>эллипса</a:t>
+            </a:r>
+            <a:endParaRPr lang="ru-RU" dirty="0">
+              <a:latin typeface="Times New Roman" pitchFamily="18" charset="0"/>
+              <a:cs typeface="Times New Roman" pitchFamily="18" charset="0"/>
+            </a:endParaRPr>
           </a:p>
         </p:txBody>
       </p:sp>
@@ -13361,1581 +16117,6 @@
 </p:sld>
 </file>
 
-<file path=ppt/slides/slide7.xml><?xml version="1.0" encoding="utf-8"?>
-<p:sld xmlns:a="http://schemas.openxmlformats.org/drawingml/2006/main" xmlns:r="http://schemas.openxmlformats.org/officeDocument/2006/relationships" xmlns:p="http://schemas.openxmlformats.org/presentationml/2006/main">
-  <p:cSld>
-    <p:spTree>
-      <p:nvGrpSpPr>
-        <p:cNvPr id="1" name=""/>
-        <p:cNvGrpSpPr/>
-        <p:nvPr/>
-      </p:nvGrpSpPr>
-      <p:grpSpPr>
-        <a:xfrm>
-          <a:off x="0" y="0"/>
-          <a:ext cx="0" cy="0"/>
-          <a:chOff x="0" y="0"/>
-          <a:chExt cx="0" cy="0"/>
-        </a:xfrm>
-      </p:grpSpPr>
-      <p:sp>
-        <p:nvSpPr>
-          <p:cNvPr id="2" name="Заголовок 1"/>
-          <p:cNvSpPr>
-            <a:spLocks noGrp="1"/>
-          </p:cNvSpPr>
-          <p:nvPr>
-            <p:ph type="title"/>
-          </p:nvPr>
-        </p:nvSpPr>
-        <p:spPr>
-          <a:xfrm>
-            <a:off x="705678" y="231913"/>
-            <a:ext cx="10131425" cy="1455738"/>
-          </a:xfrm>
-        </p:spPr>
-        <p:txBody>
-          <a:bodyPr/>
-          <a:lstStyle/>
-          <a:p>
-            <a:pPr algn="ctr"/>
-            <a:r>
-              <a:rPr lang="ru-RU" dirty="0" smtClean="0"/>
-              <a:t>Фокальное расстояние Эксцентриситет </a:t>
-            </a:r>
-            <a:r>
-              <a:rPr lang="ru-RU" dirty="0"/>
-              <a:t>эллипса</a:t>
-            </a:r>
-          </a:p>
-        </p:txBody>
-      </p:sp>
-      <p:pic>
-        <p:nvPicPr>
-          <p:cNvPr id="3075" name="Picture 3" descr="C:\Users\Ololo\Desktop\science\sciense\Illustrations\20.png"/>
-          <p:cNvPicPr>
-            <a:picLocks noChangeAspect="1" noChangeArrowheads="1"/>
-          </p:cNvPicPr>
-          <p:nvPr/>
-        </p:nvPicPr>
-        <p:blipFill>
-          <a:blip r:embed="rId2">
-            <a:extLst>
-              <a:ext uri="{28A0092B-C50C-407E-A947-70E740481C1C}">
-                <a14:useLocalDpi xmlns:a14="http://schemas.microsoft.com/office/drawing/2010/main" val="0"/>
-              </a:ext>
-            </a:extLst>
-          </a:blip>
-          <a:srcRect/>
-          <a:stretch>
-            <a:fillRect/>
-          </a:stretch>
-        </p:blipFill>
-        <p:spPr bwMode="auto">
-          <a:xfrm>
-            <a:off x="6736798" y="2057952"/>
-            <a:ext cx="5103172" cy="4144065"/>
-          </a:xfrm>
-          <a:prstGeom prst="rect">
-            <a:avLst/>
-          </a:prstGeom>
-          <a:noFill/>
-          <a:extLst>
-            <a:ext uri="{909E8E84-426E-40DD-AFC4-6F175D3DCCD1}">
-              <a14:hiddenFill xmlns:a14="http://schemas.microsoft.com/office/drawing/2010/main">
-                <a:solidFill>
-                  <a:srgbClr val="FFFFFF"/>
-                </a:solidFill>
-              </a14:hiddenFill>
-            </a:ext>
-          </a:extLst>
-        </p:spPr>
-      </p:pic>
-      <mc:AlternateContent xmlns:mc="http://schemas.openxmlformats.org/markup-compatibility/2006" xmlns:a14="http://schemas.microsoft.com/office/drawing/2010/main">
-        <mc:Choice Requires="a14">
-          <p:sp>
-            <p:nvSpPr>
-              <p:cNvPr id="4" name="Прямоугольник 3"/>
-              <p:cNvSpPr/>
-              <p:nvPr/>
-            </p:nvSpPr>
-            <p:spPr>
-              <a:xfrm>
-                <a:off x="982130" y="2334295"/>
-                <a:ext cx="2486450" cy="639983"/>
-              </a:xfrm>
-              <a:prstGeom prst="rect">
-                <a:avLst/>
-              </a:prstGeom>
-            </p:spPr>
-            <p:txBody>
-              <a:bodyPr wrap="none">
-                <a:spAutoFit/>
-              </a:bodyPr>
-              <a:lstStyle/>
-              <a:p>
-                <a:pPr/>
-                <a14:m>
-                  <m:oMathPara xmlns:m="http://schemas.openxmlformats.org/officeDocument/2006/math">
-                    <m:oMathParaPr>
-                      <m:jc m:val="centerGroup"/>
-                    </m:oMathParaPr>
-                    <m:oMath xmlns:m="http://schemas.openxmlformats.org/officeDocument/2006/math">
-                      <m:sSup>
-                        <m:sSupPr>
-                          <m:ctrlPr>
-                            <a:rPr lang="ru-RU" sz="3200" i="1">
-                              <a:latin typeface="Cambria Math"/>
-                            </a:rPr>
-                          </m:ctrlPr>
-                        </m:sSupPr>
-                        <m:e>
-                          <m:r>
-                            <a:rPr lang="ru-RU" sz="3200" i="1">
-                              <a:latin typeface="Cambria Math"/>
-                            </a:rPr>
-                            <m:t>𝑐</m:t>
-                          </m:r>
-                        </m:e>
-                        <m:sup>
-                          <m:r>
-                            <a:rPr lang="ru-RU" sz="3200" i="1">
-                              <a:latin typeface="Cambria Math"/>
-                            </a:rPr>
-                            <m:t>2</m:t>
-                          </m:r>
-                        </m:sup>
-                      </m:sSup>
-                      <m:r>
-                        <a:rPr lang="ru-RU" sz="3200" i="1">
-                          <a:latin typeface="Cambria Math"/>
-                        </a:rPr>
-                        <m:t>=</m:t>
-                      </m:r>
-                      <m:sSup>
-                        <m:sSupPr>
-                          <m:ctrlPr>
-                            <a:rPr lang="ru-RU" sz="3200" i="1">
-                              <a:latin typeface="Cambria Math"/>
-                            </a:rPr>
-                          </m:ctrlPr>
-                        </m:sSupPr>
-                        <m:e>
-                          <m:r>
-                            <a:rPr lang="ru-RU" sz="3200" i="1">
-                              <a:latin typeface="Cambria Math"/>
-                            </a:rPr>
-                            <m:t>𝑎</m:t>
-                          </m:r>
-                        </m:e>
-                        <m:sup>
-                          <m:r>
-                            <a:rPr lang="ru-RU" sz="3200" i="1">
-                              <a:latin typeface="Cambria Math"/>
-                            </a:rPr>
-                            <m:t>2</m:t>
-                          </m:r>
-                        </m:sup>
-                      </m:sSup>
-                      <m:r>
-                        <a:rPr lang="ru-RU" sz="3200" i="1">
-                          <a:latin typeface="Cambria Math"/>
-                        </a:rPr>
-                        <m:t>−</m:t>
-                      </m:r>
-                      <m:sSup>
-                        <m:sSupPr>
-                          <m:ctrlPr>
-                            <a:rPr lang="ru-RU" sz="3200" i="1">
-                              <a:latin typeface="Cambria Math"/>
-                            </a:rPr>
-                          </m:ctrlPr>
-                        </m:sSupPr>
-                        <m:e>
-                          <m:r>
-                            <a:rPr lang="ru-RU" sz="3200" i="1">
-                              <a:latin typeface="Cambria Math"/>
-                            </a:rPr>
-                            <m:t>𝑏</m:t>
-                          </m:r>
-                        </m:e>
-                        <m:sup>
-                          <m:r>
-                            <a:rPr lang="ru-RU" sz="3200" i="1">
-                              <a:latin typeface="Cambria Math"/>
-                            </a:rPr>
-                            <m:t>2</m:t>
-                          </m:r>
-                        </m:sup>
-                      </m:sSup>
-                    </m:oMath>
-                  </m:oMathPara>
-                </a14:m>
-                <a:endParaRPr lang="ru-RU" dirty="0"/>
-              </a:p>
-            </p:txBody>
-          </p:sp>
-        </mc:Choice>
-        <mc:Fallback xmlns="">
-          <p:sp>
-            <p:nvSpPr>
-              <p:cNvPr id="4" name="Прямоугольник 3"/>
-              <p:cNvSpPr>
-                <a:spLocks noRot="1" noChangeAspect="1" noMove="1" noResize="1" noEditPoints="1" noAdjustHandles="1" noChangeArrowheads="1" noChangeShapeType="1" noTextEdit="1"/>
-              </p:cNvSpPr>
-              <p:nvPr/>
-            </p:nvSpPr>
-            <p:spPr>
-              <a:xfrm>
-                <a:off x="982130" y="2334295"/>
-                <a:ext cx="2486450" cy="639983"/>
-              </a:xfrm>
-              <a:prstGeom prst="rect">
-                <a:avLst/>
-              </a:prstGeom>
-              <a:blipFill rotWithShape="1">
-                <a:blip r:embed="rId3"/>
-                <a:stretch>
-                  <a:fillRect/>
-                </a:stretch>
-              </a:blipFill>
-            </p:spPr>
-            <p:txBody>
-              <a:bodyPr/>
-              <a:lstStyle/>
-              <a:p>
-                <a:r>
-                  <a:rPr lang="ru-RU">
-                    <a:noFill/>
-                  </a:rPr>
-                  <a:t> </a:t>
-                </a:r>
-              </a:p>
-            </p:txBody>
-          </p:sp>
-        </mc:Fallback>
-      </mc:AlternateContent>
-      <mc:AlternateContent xmlns:mc="http://schemas.openxmlformats.org/markup-compatibility/2006" xmlns:a14="http://schemas.microsoft.com/office/drawing/2010/main">
-        <mc:Choice Requires="a14">
-          <p:sp>
-            <p:nvSpPr>
-              <p:cNvPr id="5" name="Прямоугольник 4"/>
-              <p:cNvSpPr/>
-              <p:nvPr/>
-            </p:nvSpPr>
-            <p:spPr>
-              <a:xfrm>
-                <a:off x="-1" y="3429000"/>
-                <a:ext cx="6361043" cy="2482346"/>
-              </a:xfrm>
-              <a:prstGeom prst="rect">
-                <a:avLst/>
-              </a:prstGeom>
-            </p:spPr>
-            <p:txBody>
-              <a:bodyPr wrap="square">
-                <a:spAutoFit/>
-              </a:bodyPr>
-              <a:lstStyle/>
-              <a:p>
-                <a:pPr/>
-                <a14:m>
-                  <m:oMathPara xmlns:m="http://schemas.openxmlformats.org/officeDocument/2006/math">
-                    <m:oMathParaPr>
-                      <m:jc m:val="centerGroup"/>
-                    </m:oMathParaPr>
-                    <m:oMath xmlns:m="http://schemas.openxmlformats.org/officeDocument/2006/math">
-                      <m:r>
-                        <a:rPr lang="en-US" sz="3200" i="1" smtClean="0">
-                          <a:latin typeface="Cambria Math"/>
-                        </a:rPr>
-                        <m:t>𝜀</m:t>
-                      </m:r>
-                      <m:r>
-                        <a:rPr lang="en-US" sz="3200" i="1" smtClean="0">
-                          <a:latin typeface="Cambria Math"/>
-                        </a:rPr>
-                        <m:t>= </m:t>
-                      </m:r>
-                      <m:f>
-                        <m:fPr>
-                          <m:ctrlPr>
-                            <a:rPr lang="ru-RU" sz="3200" i="1">
-                              <a:latin typeface="Cambria Math"/>
-                            </a:rPr>
-                          </m:ctrlPr>
-                        </m:fPr>
-                        <m:num>
-                          <m:r>
-                            <a:rPr lang="en-US" sz="3200" i="1">
-                              <a:latin typeface="Cambria Math"/>
-                            </a:rPr>
-                            <m:t>𝑐</m:t>
-                          </m:r>
-                        </m:num>
-                        <m:den>
-                          <m:r>
-                            <a:rPr lang="en-US" sz="3200" i="1">
-                              <a:latin typeface="Cambria Math"/>
-                            </a:rPr>
-                            <m:t>𝑎</m:t>
-                          </m:r>
-                        </m:den>
-                      </m:f>
-                      <m:r>
-                        <a:rPr lang="en-US" sz="3200" i="1">
-                          <a:latin typeface="Cambria Math"/>
-                        </a:rPr>
-                        <m:t>= </m:t>
-                      </m:r>
-                      <m:f>
-                        <m:fPr>
-                          <m:ctrlPr>
-                            <a:rPr lang="ru-RU" sz="3200" i="1">
-                              <a:latin typeface="Cambria Math"/>
-                            </a:rPr>
-                          </m:ctrlPr>
-                        </m:fPr>
-                        <m:num>
-                          <m:rad>
-                            <m:radPr>
-                              <m:degHide m:val="on"/>
-                              <m:ctrlPr>
-                                <a:rPr lang="ru-RU" sz="3200" i="1">
-                                  <a:latin typeface="Cambria Math"/>
-                                </a:rPr>
-                              </m:ctrlPr>
-                            </m:radPr>
-                            <m:deg/>
-                            <m:e>
-                              <m:sSup>
-                                <m:sSupPr>
-                                  <m:ctrlPr>
-                                    <a:rPr lang="ru-RU" sz="3200" i="1">
-                                      <a:latin typeface="Cambria Math"/>
-                                    </a:rPr>
-                                  </m:ctrlPr>
-                                </m:sSupPr>
-                                <m:e>
-                                  <m:r>
-                                    <a:rPr lang="en-US" sz="3200" i="1">
-                                      <a:latin typeface="Cambria Math"/>
-                                    </a:rPr>
-                                    <m:t>𝑎</m:t>
-                                  </m:r>
-                                </m:e>
-                                <m:sup>
-                                  <m:r>
-                                    <a:rPr lang="en-US" sz="3200" i="1">
-                                      <a:latin typeface="Cambria Math"/>
-                                    </a:rPr>
-                                    <m:t>2</m:t>
-                                  </m:r>
-                                </m:sup>
-                              </m:sSup>
-                              <m:r>
-                                <a:rPr lang="en-US" sz="3200" i="1">
-                                  <a:latin typeface="Cambria Math"/>
-                                </a:rPr>
-                                <m:t>−</m:t>
-                              </m:r>
-                              <m:sSup>
-                                <m:sSupPr>
-                                  <m:ctrlPr>
-                                    <a:rPr lang="ru-RU" sz="3200" i="1">
-                                      <a:latin typeface="Cambria Math"/>
-                                    </a:rPr>
-                                  </m:ctrlPr>
-                                </m:sSupPr>
-                                <m:e>
-                                  <m:r>
-                                    <a:rPr lang="en-US" sz="3200" i="1">
-                                      <a:latin typeface="Cambria Math"/>
-                                    </a:rPr>
-                                    <m:t>𝑏</m:t>
-                                  </m:r>
-                                </m:e>
-                                <m:sup>
-                                  <m:r>
-                                    <a:rPr lang="en-US" sz="3200" i="1">
-                                      <a:latin typeface="Cambria Math"/>
-                                    </a:rPr>
-                                    <m:t>2</m:t>
-                                  </m:r>
-                                </m:sup>
-                              </m:sSup>
-                            </m:e>
-                          </m:rad>
-                        </m:num>
-                        <m:den>
-                          <m:r>
-                            <a:rPr lang="en-US" sz="3200" i="1">
-                              <a:latin typeface="Cambria Math"/>
-                            </a:rPr>
-                            <m:t>𝑎</m:t>
-                          </m:r>
-                        </m:den>
-                      </m:f>
-                      <m:r>
-                        <a:rPr lang="en-US" sz="3200" i="1">
-                          <a:latin typeface="Cambria Math"/>
-                        </a:rPr>
-                        <m:t>= </m:t>
-                      </m:r>
-                      <m:rad>
-                        <m:radPr>
-                          <m:degHide m:val="on"/>
-                          <m:ctrlPr>
-                            <a:rPr lang="ru-RU" sz="3200" i="1">
-                              <a:latin typeface="Cambria Math"/>
-                            </a:rPr>
-                          </m:ctrlPr>
-                        </m:radPr>
-                        <m:deg/>
-                        <m:e>
-                          <m:r>
-                            <a:rPr lang="en-US" sz="3200" i="1">
-                              <a:latin typeface="Cambria Math"/>
-                            </a:rPr>
-                            <m:t>1−</m:t>
-                          </m:r>
-                          <m:sSup>
-                            <m:sSupPr>
-                              <m:ctrlPr>
-                                <a:rPr lang="ru-RU" sz="3200" i="1">
-                                  <a:latin typeface="Cambria Math"/>
-                                </a:rPr>
-                              </m:ctrlPr>
-                            </m:sSupPr>
-                            <m:e>
-                              <m:d>
-                                <m:dPr>
-                                  <m:ctrlPr>
-                                    <a:rPr lang="ru-RU" sz="3200" i="1">
-                                      <a:latin typeface="Cambria Math"/>
-                                    </a:rPr>
-                                  </m:ctrlPr>
-                                </m:dPr>
-                                <m:e>
-                                  <m:f>
-                                    <m:fPr>
-                                      <m:ctrlPr>
-                                        <a:rPr lang="ru-RU" sz="3200" i="1">
-                                          <a:latin typeface="Cambria Math"/>
-                                        </a:rPr>
-                                      </m:ctrlPr>
-                                    </m:fPr>
-                                    <m:num>
-                                      <m:r>
-                                        <a:rPr lang="en-US" sz="3200" i="1">
-                                          <a:latin typeface="Cambria Math"/>
-                                        </a:rPr>
-                                        <m:t>𝑏</m:t>
-                                      </m:r>
-                                    </m:num>
-                                    <m:den>
-                                      <m:r>
-                                        <a:rPr lang="en-US" sz="3200" i="1">
-                                          <a:latin typeface="Cambria Math"/>
-                                        </a:rPr>
-                                        <m:t>𝑎</m:t>
-                                      </m:r>
-                                    </m:den>
-                                  </m:f>
-                                </m:e>
-                              </m:d>
-                            </m:e>
-                            <m:sup>
-                              <m:r>
-                                <a:rPr lang="en-US" sz="3200" i="1">
-                                  <a:latin typeface="Cambria Math"/>
-                                </a:rPr>
-                                <m:t>2</m:t>
-                              </m:r>
-                            </m:sup>
-                          </m:sSup>
-                        </m:e>
-                      </m:rad>
-                      <m:r>
-                        <a:rPr lang="ru-RU" sz="3200" b="0" i="1" smtClean="0">
-                          <a:latin typeface="Cambria Math"/>
-                        </a:rPr>
-                        <m:t>=</m:t>
-                      </m:r>
-                      <m:r>
-                        <a:rPr lang="en-US" sz="3200" i="1">
-                          <a:latin typeface="Cambria Math"/>
-                        </a:rPr>
-                        <m:t>= </m:t>
-                      </m:r>
-                      <m:rad>
-                        <m:radPr>
-                          <m:degHide m:val="on"/>
-                          <m:ctrlPr>
-                            <a:rPr lang="ru-RU" sz="3200" i="1">
-                              <a:latin typeface="Cambria Math"/>
-                            </a:rPr>
-                          </m:ctrlPr>
-                        </m:radPr>
-                        <m:deg/>
-                        <m:e>
-                          <m:r>
-                            <a:rPr lang="en-US" sz="3200" i="1">
-                              <a:latin typeface="Cambria Math"/>
-                            </a:rPr>
-                            <m:t>1−</m:t>
-                          </m:r>
-                          <m:sSup>
-                            <m:sSupPr>
-                              <m:ctrlPr>
-                                <a:rPr lang="ru-RU" sz="3200" i="1">
-                                  <a:latin typeface="Cambria Math"/>
-                                </a:rPr>
-                              </m:ctrlPr>
-                            </m:sSupPr>
-                            <m:e>
-                              <m:r>
-                                <a:rPr lang="en-US" sz="3200" i="1">
-                                  <a:latin typeface="Cambria Math"/>
-                                </a:rPr>
-                                <m:t>𝑘</m:t>
-                              </m:r>
-                            </m:e>
-                            <m:sup>
-                              <m:r>
-                                <a:rPr lang="en-US" sz="3200" i="1">
-                                  <a:latin typeface="Cambria Math"/>
-                                </a:rPr>
-                                <m:t>2</m:t>
-                              </m:r>
-                            </m:sup>
-                          </m:sSup>
-                        </m:e>
-                      </m:rad>
-                      <m:r>
-                        <a:rPr lang="en-US" sz="3200" i="1">
-                          <a:latin typeface="Cambria Math"/>
-                        </a:rPr>
-                        <m:t>, где </m:t>
-                      </m:r>
-                      <m:r>
-                        <a:rPr lang="en-US" sz="3200" i="1">
-                          <a:latin typeface="Cambria Math"/>
-                        </a:rPr>
-                        <m:t>𝑘</m:t>
-                      </m:r>
-                      <m:r>
-                        <a:rPr lang="en-US" sz="3200" i="1">
-                          <a:latin typeface="Cambria Math"/>
-                        </a:rPr>
-                        <m:t>=</m:t>
-                      </m:r>
-                      <m:f>
-                        <m:fPr>
-                          <m:ctrlPr>
-                            <a:rPr lang="ru-RU" sz="3200" i="1">
-                              <a:latin typeface="Cambria Math"/>
-                            </a:rPr>
-                          </m:ctrlPr>
-                        </m:fPr>
-                        <m:num>
-                          <m:r>
-                            <a:rPr lang="en-US" sz="3200" i="1">
-                              <a:latin typeface="Cambria Math"/>
-                            </a:rPr>
-                            <m:t>𝑏</m:t>
-                          </m:r>
-                        </m:num>
-                        <m:den>
-                          <m:r>
-                            <a:rPr lang="en-US" sz="3200" i="1">
-                              <a:latin typeface="Cambria Math"/>
-                            </a:rPr>
-                            <m:t>𝑎</m:t>
-                          </m:r>
-                        </m:den>
-                      </m:f>
-                    </m:oMath>
-                  </m:oMathPara>
-                </a14:m>
-                <a:endParaRPr lang="ru-RU" dirty="0"/>
-              </a:p>
-            </p:txBody>
-          </p:sp>
-        </mc:Choice>
-        <mc:Fallback xmlns="">
-          <p:sp>
-            <p:nvSpPr>
-              <p:cNvPr id="5" name="Прямоугольник 4"/>
-              <p:cNvSpPr>
-                <a:spLocks noRot="1" noChangeAspect="1" noMove="1" noResize="1" noEditPoints="1" noAdjustHandles="1" noChangeArrowheads="1" noChangeShapeType="1" noTextEdit="1"/>
-              </p:cNvSpPr>
-              <p:nvPr/>
-            </p:nvSpPr>
-            <p:spPr>
-              <a:xfrm>
-                <a:off x="-1" y="3429000"/>
-                <a:ext cx="6361043" cy="2482346"/>
-              </a:xfrm>
-              <a:prstGeom prst="rect">
-                <a:avLst/>
-              </a:prstGeom>
-              <a:blipFill rotWithShape="1">
-                <a:blip r:embed="rId4"/>
-                <a:stretch>
-                  <a:fillRect/>
-                </a:stretch>
-              </a:blipFill>
-            </p:spPr>
-            <p:txBody>
-              <a:bodyPr/>
-              <a:lstStyle/>
-              <a:p>
-                <a:r>
-                  <a:rPr lang="ru-RU">
-                    <a:noFill/>
-                  </a:rPr>
-                  <a:t> </a:t>
-                </a:r>
-              </a:p>
-            </p:txBody>
-          </p:sp>
-        </mc:Fallback>
-      </mc:AlternateContent>
-    </p:spTree>
-    <p:extLst>
-      <p:ext uri="{BB962C8B-B14F-4D97-AF65-F5344CB8AC3E}">
-        <p14:creationId xmlns:p14="http://schemas.microsoft.com/office/powerpoint/2010/main" val="3384890045"/>
-      </p:ext>
-    </p:extLst>
-  </p:cSld>
-  <p:clrMapOvr>
-    <a:masterClrMapping/>
-  </p:clrMapOvr>
-  <p:timing>
-    <p:tnLst>
-      <p:par>
-        <p:cTn id="1" dur="indefinite" restart="never" nodeType="tmRoot"/>
-      </p:par>
-    </p:tnLst>
-  </p:timing>
-</p:sld>
-</file>
-
-<file path=ppt/slides/slide8.xml><?xml version="1.0" encoding="utf-8"?>
-<p:sld xmlns:a="http://schemas.openxmlformats.org/drawingml/2006/main" xmlns:r="http://schemas.openxmlformats.org/officeDocument/2006/relationships" xmlns:p="http://schemas.openxmlformats.org/presentationml/2006/main">
-  <p:cSld>
-    <p:spTree>
-      <p:nvGrpSpPr>
-        <p:cNvPr id="1" name=""/>
-        <p:cNvGrpSpPr/>
-        <p:nvPr/>
-      </p:nvGrpSpPr>
-      <p:grpSpPr>
-        <a:xfrm>
-          <a:off x="0" y="0"/>
-          <a:ext cx="0" cy="0"/>
-          <a:chOff x="0" y="0"/>
-          <a:chExt cx="0" cy="0"/>
-        </a:xfrm>
-      </p:grpSpPr>
-      <p:sp>
-        <p:nvSpPr>
-          <p:cNvPr id="2" name="Заголовок 1"/>
-          <p:cNvSpPr>
-            <a:spLocks noGrp="1"/>
-          </p:cNvSpPr>
-          <p:nvPr>
-            <p:ph type="title"/>
-          </p:nvPr>
-        </p:nvSpPr>
-        <p:spPr/>
-        <p:txBody>
-          <a:bodyPr/>
-          <a:lstStyle/>
-          <a:p>
-            <a:r>
-              <a:rPr lang="ru-RU" dirty="0" smtClean="0"/>
-              <a:t>Зависимость эксцентриситета от </a:t>
-            </a:r>
-            <a:r>
-              <a:rPr lang="ru-RU" dirty="0"/>
-              <a:t>коэффициента </a:t>
-            </a:r>
-            <a:r>
-              <a:rPr lang="ru-RU" dirty="0" smtClean="0"/>
-              <a:t>преломления</a:t>
-            </a:r>
-            <a:endParaRPr lang="ru-RU" dirty="0"/>
-          </a:p>
-        </p:txBody>
-      </p:sp>
-      <mc:AlternateContent xmlns:mc="http://schemas.openxmlformats.org/markup-compatibility/2006" xmlns:a14="http://schemas.microsoft.com/office/drawing/2010/main">
-        <mc:Choice Requires="a14">
-          <p:sp>
-            <p:nvSpPr>
-              <p:cNvPr id="4" name="Прямоугольник 3"/>
-              <p:cNvSpPr/>
-              <p:nvPr/>
-            </p:nvSpPr>
-            <p:spPr>
-              <a:xfrm>
-                <a:off x="751381" y="2619351"/>
-                <a:ext cx="1324786" cy="1017523"/>
-              </a:xfrm>
-              <a:prstGeom prst="rect">
-                <a:avLst/>
-              </a:prstGeom>
-            </p:spPr>
-            <p:txBody>
-              <a:bodyPr wrap="none">
-                <a:spAutoFit/>
-              </a:bodyPr>
-              <a:lstStyle/>
-              <a:p>
-                <a:pPr/>
-                <a14:m>
-                  <m:oMathPara xmlns:m="http://schemas.openxmlformats.org/officeDocument/2006/math">
-                    <m:oMathParaPr>
-                      <m:jc m:val="centerGroup"/>
-                    </m:oMathParaPr>
-                    <m:oMath xmlns:m="http://schemas.openxmlformats.org/officeDocument/2006/math">
-                      <m:r>
-                        <a:rPr lang="en-US" sz="3200" i="1">
-                          <a:latin typeface="Cambria Math"/>
-                        </a:rPr>
-                        <m:t>𝜀</m:t>
-                      </m:r>
-                      <m:r>
-                        <a:rPr lang="ru-RU" sz="3200" i="1">
-                          <a:latin typeface="Cambria Math"/>
-                        </a:rPr>
-                        <m:t>= </m:t>
-                      </m:r>
-                      <m:f>
-                        <m:fPr>
-                          <m:ctrlPr>
-                            <a:rPr lang="ru-RU" sz="3200" i="1">
-                              <a:latin typeface="Cambria Math"/>
-                            </a:rPr>
-                          </m:ctrlPr>
-                        </m:fPr>
-                        <m:num>
-                          <m:r>
-                            <a:rPr lang="ru-RU" sz="3200" i="1">
-                              <a:latin typeface="Cambria Math"/>
-                            </a:rPr>
-                            <m:t>1</m:t>
-                          </m:r>
-                        </m:num>
-                        <m:den>
-                          <m:r>
-                            <a:rPr lang="en-US" sz="3200" i="1">
-                              <a:latin typeface="Cambria Math"/>
-                            </a:rPr>
-                            <m:t>𝑛</m:t>
-                          </m:r>
-                        </m:den>
-                      </m:f>
-                    </m:oMath>
-                  </m:oMathPara>
-                </a14:m>
-                <a:endParaRPr lang="ru-RU" dirty="0"/>
-              </a:p>
-            </p:txBody>
-          </p:sp>
-        </mc:Choice>
-        <mc:Fallback xmlns="">
-          <p:sp>
-            <p:nvSpPr>
-              <p:cNvPr id="4" name="Прямоугольник 3"/>
-              <p:cNvSpPr>
-                <a:spLocks noRot="1" noChangeAspect="1" noMove="1" noResize="1" noEditPoints="1" noAdjustHandles="1" noChangeArrowheads="1" noChangeShapeType="1" noTextEdit="1"/>
-              </p:cNvSpPr>
-              <p:nvPr/>
-            </p:nvSpPr>
-            <p:spPr>
-              <a:xfrm>
-                <a:off x="751381" y="2619351"/>
-                <a:ext cx="1324786" cy="1017523"/>
-              </a:xfrm>
-              <a:prstGeom prst="rect">
-                <a:avLst/>
-              </a:prstGeom>
-              <a:blipFill rotWithShape="1">
-                <a:blip r:embed="rId2"/>
-                <a:stretch>
-                  <a:fillRect/>
-                </a:stretch>
-              </a:blipFill>
-            </p:spPr>
-            <p:txBody>
-              <a:bodyPr/>
-              <a:lstStyle/>
-              <a:p>
-                <a:r>
-                  <a:rPr lang="ru-RU">
-                    <a:noFill/>
-                  </a:rPr>
-                  <a:t> </a:t>
-                </a:r>
-              </a:p>
-            </p:txBody>
-          </p:sp>
-        </mc:Fallback>
-      </mc:AlternateContent>
-      <mc:AlternateContent xmlns:mc="http://schemas.openxmlformats.org/markup-compatibility/2006" xmlns:a14="http://schemas.microsoft.com/office/drawing/2010/main">
-        <mc:Choice Requires="a14">
-          <p:sp>
-            <p:nvSpPr>
-              <p:cNvPr id="5" name="Прямоугольник 4"/>
-              <p:cNvSpPr/>
-              <p:nvPr/>
-            </p:nvSpPr>
-            <p:spPr>
-              <a:xfrm>
-                <a:off x="751381" y="3664150"/>
-                <a:ext cx="2665730" cy="1152623"/>
-              </a:xfrm>
-              <a:prstGeom prst="rect">
-                <a:avLst/>
-              </a:prstGeom>
-            </p:spPr>
-            <p:txBody>
-              <a:bodyPr wrap="none">
-                <a:spAutoFit/>
-              </a:bodyPr>
-              <a:lstStyle/>
-              <a:p>
-                <a:pPr/>
-                <a14:m>
-                  <m:oMathPara xmlns:m="http://schemas.openxmlformats.org/officeDocument/2006/math">
-                    <m:oMathParaPr>
-                      <m:jc m:val="centerGroup"/>
-                    </m:oMathParaPr>
-                    <m:oMath xmlns:m="http://schemas.openxmlformats.org/officeDocument/2006/math">
-                      <m:r>
-                        <a:rPr lang="ru-RU" sz="3200" i="1">
-                          <a:latin typeface="Cambria Math"/>
-                        </a:rPr>
-                        <m:t>𝑏</m:t>
-                      </m:r>
-                      <m:r>
-                        <a:rPr lang="ru-RU" sz="3200" i="1">
-                          <a:latin typeface="Cambria Math"/>
-                        </a:rPr>
-                        <m:t>=</m:t>
-                      </m:r>
-                      <m:f>
-                        <m:fPr>
-                          <m:ctrlPr>
-                            <a:rPr lang="ru-RU" sz="3200" i="1">
-                              <a:latin typeface="Cambria Math"/>
-                            </a:rPr>
-                          </m:ctrlPr>
-                        </m:fPr>
-                        <m:num>
-                          <m:r>
-                            <a:rPr lang="ru-RU" sz="3200" i="1">
-                              <a:latin typeface="Cambria Math"/>
-                            </a:rPr>
-                            <m:t>𝑎</m:t>
-                          </m:r>
-                          <m:rad>
-                            <m:radPr>
-                              <m:degHide m:val="on"/>
-                              <m:ctrlPr>
-                                <a:rPr lang="ru-RU" sz="3200" i="1">
-                                  <a:latin typeface="Cambria Math"/>
-                                </a:rPr>
-                              </m:ctrlPr>
-                            </m:radPr>
-                            <m:deg/>
-                            <m:e>
-                              <m:sSup>
-                                <m:sSupPr>
-                                  <m:ctrlPr>
-                                    <a:rPr lang="ru-RU" sz="3200" i="1">
-                                      <a:latin typeface="Cambria Math"/>
-                                    </a:rPr>
-                                  </m:ctrlPr>
-                                </m:sSupPr>
-                                <m:e>
-                                  <m:r>
-                                    <a:rPr lang="ru-RU" sz="3200" i="1">
-                                      <a:latin typeface="Cambria Math"/>
-                                    </a:rPr>
-                                    <m:t>𝑛</m:t>
-                                  </m:r>
-                                </m:e>
-                                <m:sup>
-                                  <m:r>
-                                    <a:rPr lang="ru-RU" sz="3200" i="1">
-                                      <a:latin typeface="Cambria Math"/>
-                                    </a:rPr>
-                                    <m:t>2</m:t>
-                                  </m:r>
-                                </m:sup>
-                              </m:sSup>
-                              <m:r>
-                                <a:rPr lang="ru-RU" sz="3200" i="1">
-                                  <a:latin typeface="Cambria Math"/>
-                                </a:rPr>
-                                <m:t>−1</m:t>
-                              </m:r>
-                            </m:e>
-                          </m:rad>
-                        </m:num>
-                        <m:den>
-                          <m:r>
-                            <a:rPr lang="ru-RU" sz="3200" i="1">
-                              <a:latin typeface="Cambria Math"/>
-                            </a:rPr>
-                            <m:t>𝑛</m:t>
-                          </m:r>
-                        </m:den>
-                      </m:f>
-                    </m:oMath>
-                  </m:oMathPara>
-                </a14:m>
-                <a:endParaRPr lang="ru-RU" sz="3200" dirty="0"/>
-              </a:p>
-            </p:txBody>
-          </p:sp>
-        </mc:Choice>
-        <mc:Fallback xmlns="">
-          <p:sp>
-            <p:nvSpPr>
-              <p:cNvPr id="5" name="Прямоугольник 4"/>
-              <p:cNvSpPr>
-                <a:spLocks noRot="1" noChangeAspect="1" noMove="1" noResize="1" noEditPoints="1" noAdjustHandles="1" noChangeArrowheads="1" noChangeShapeType="1" noTextEdit="1"/>
-              </p:cNvSpPr>
-              <p:nvPr/>
-            </p:nvSpPr>
-            <p:spPr>
-              <a:xfrm>
-                <a:off x="751381" y="3664150"/>
-                <a:ext cx="2665730" cy="1152623"/>
-              </a:xfrm>
-              <a:prstGeom prst="rect">
-                <a:avLst/>
-              </a:prstGeom>
-              <a:blipFill rotWithShape="1">
-                <a:blip r:embed="rId3"/>
-                <a:stretch>
-                  <a:fillRect/>
-                </a:stretch>
-              </a:blipFill>
-            </p:spPr>
-            <p:txBody>
-              <a:bodyPr/>
-              <a:lstStyle/>
-              <a:p>
-                <a:r>
-                  <a:rPr lang="ru-RU">
-                    <a:noFill/>
-                  </a:rPr>
-                  <a:t> </a:t>
-                </a:r>
-              </a:p>
-            </p:txBody>
-          </p:sp>
-        </mc:Fallback>
-      </mc:AlternateContent>
-      <mc:AlternateContent xmlns:mc="http://schemas.openxmlformats.org/markup-compatibility/2006" xmlns:a14="http://schemas.microsoft.com/office/drawing/2010/main">
-        <mc:Choice Requires="a14">
-          <p:sp>
-            <p:nvSpPr>
-              <p:cNvPr id="6" name="Прямоугольник 5"/>
-              <p:cNvSpPr/>
-              <p:nvPr/>
-            </p:nvSpPr>
-            <p:spPr>
-              <a:xfrm>
-                <a:off x="751381" y="5001235"/>
-                <a:ext cx="2534284" cy="1119474"/>
-              </a:xfrm>
-              <a:prstGeom prst="rect">
-                <a:avLst/>
-              </a:prstGeom>
-            </p:spPr>
-            <p:txBody>
-              <a:bodyPr wrap="none">
-                <a:spAutoFit/>
-              </a:bodyPr>
-              <a:lstStyle/>
-              <a:p>
-                <a:pPr/>
-                <a14:m>
-                  <m:oMathPara xmlns:m="http://schemas.openxmlformats.org/officeDocument/2006/math">
-                    <m:oMathParaPr>
-                      <m:jc m:val="centerGroup"/>
-                    </m:oMathParaPr>
-                    <m:oMath xmlns:m="http://schemas.openxmlformats.org/officeDocument/2006/math">
-                      <m:r>
-                        <a:rPr lang="en-US" sz="3200" i="1">
-                          <a:latin typeface="Cambria Math"/>
-                        </a:rPr>
-                        <m:t>𝑎</m:t>
-                      </m:r>
-                      <m:r>
-                        <a:rPr lang="ru-RU" sz="3200" i="1">
-                          <a:latin typeface="Cambria Math"/>
-                        </a:rPr>
-                        <m:t>= </m:t>
-                      </m:r>
-                      <m:f>
-                        <m:fPr>
-                          <m:ctrlPr>
-                            <a:rPr lang="ru-RU" sz="3200" i="1">
-                              <a:latin typeface="Cambria Math"/>
-                            </a:rPr>
-                          </m:ctrlPr>
-                        </m:fPr>
-                        <m:num>
-                          <m:r>
-                            <a:rPr lang="en-US" sz="3200" i="1">
-                              <a:latin typeface="Cambria Math"/>
-                            </a:rPr>
-                            <m:t>𝑛𝑏</m:t>
-                          </m:r>
-                        </m:num>
-                        <m:den>
-                          <m:rad>
-                            <m:radPr>
-                              <m:degHide m:val="on"/>
-                              <m:ctrlPr>
-                                <a:rPr lang="ru-RU" sz="3200" i="1">
-                                  <a:latin typeface="Cambria Math"/>
-                                </a:rPr>
-                              </m:ctrlPr>
-                            </m:radPr>
-                            <m:deg/>
-                            <m:e>
-                              <m:sSup>
-                                <m:sSupPr>
-                                  <m:ctrlPr>
-                                    <a:rPr lang="ru-RU" sz="3200" i="1">
-                                      <a:latin typeface="Cambria Math"/>
-                                    </a:rPr>
-                                  </m:ctrlPr>
-                                </m:sSupPr>
-                                <m:e>
-                                  <m:r>
-                                    <a:rPr lang="en-US" sz="3200" i="1">
-                                      <a:latin typeface="Cambria Math"/>
-                                    </a:rPr>
-                                    <m:t>𝑛</m:t>
-                                  </m:r>
-                                </m:e>
-                                <m:sup>
-                                  <m:r>
-                                    <a:rPr lang="ru-RU" sz="3200" i="1">
-                                      <a:latin typeface="Cambria Math"/>
-                                    </a:rPr>
-                                    <m:t>2</m:t>
-                                  </m:r>
-                                </m:sup>
-                              </m:sSup>
-                              <m:r>
-                                <a:rPr lang="ru-RU" sz="3200" i="1">
-                                  <a:latin typeface="Cambria Math"/>
-                                </a:rPr>
-                                <m:t>−1</m:t>
-                              </m:r>
-                            </m:e>
-                          </m:rad>
-                        </m:den>
-                      </m:f>
-                    </m:oMath>
-                  </m:oMathPara>
-                </a14:m>
-                <a:endParaRPr lang="ru-RU" dirty="0"/>
-              </a:p>
-            </p:txBody>
-          </p:sp>
-        </mc:Choice>
-        <mc:Fallback xmlns="">
-          <p:sp>
-            <p:nvSpPr>
-              <p:cNvPr id="6" name="Прямоугольник 5"/>
-              <p:cNvSpPr>
-                <a:spLocks noRot="1" noChangeAspect="1" noMove="1" noResize="1" noEditPoints="1" noAdjustHandles="1" noChangeArrowheads="1" noChangeShapeType="1" noTextEdit="1"/>
-              </p:cNvSpPr>
-              <p:nvPr/>
-            </p:nvSpPr>
-            <p:spPr>
-              <a:xfrm>
-                <a:off x="751381" y="5001235"/>
-                <a:ext cx="2534284" cy="1119474"/>
-              </a:xfrm>
-              <a:prstGeom prst="rect">
-                <a:avLst/>
-              </a:prstGeom>
-              <a:blipFill rotWithShape="1">
-                <a:blip r:embed="rId4"/>
-                <a:stretch>
-                  <a:fillRect/>
-                </a:stretch>
-              </a:blipFill>
-            </p:spPr>
-            <p:txBody>
-              <a:bodyPr/>
-              <a:lstStyle/>
-              <a:p>
-                <a:r>
-                  <a:rPr lang="ru-RU">
-                    <a:noFill/>
-                  </a:rPr>
-                  <a:t> </a:t>
-                </a:r>
-              </a:p>
-            </p:txBody>
-          </p:sp>
-        </mc:Fallback>
-      </mc:AlternateContent>
-      <p:pic>
-        <p:nvPicPr>
-          <p:cNvPr id="8194" name="Picture 2" descr="C:\Users\Ololo\Desktop\science\sciense\Illustrations\gif1\gif1.gif"/>
-          <p:cNvPicPr>
-            <a:picLocks noChangeAspect="1" noChangeArrowheads="1" noCrop="1"/>
-          </p:cNvPicPr>
-          <p:nvPr/>
-        </p:nvPicPr>
-        <p:blipFill>
-          <a:blip r:embed="rId5">
-            <a:extLst>
-              <a:ext uri="{28A0092B-C50C-407E-A947-70E740481C1C}">
-                <a14:useLocalDpi xmlns:a14="http://schemas.microsoft.com/office/drawing/2010/main" val="0"/>
-              </a:ext>
-            </a:extLst>
-          </a:blip>
-          <a:srcRect/>
-          <a:stretch>
-            <a:fillRect/>
-          </a:stretch>
-        </p:blipFill>
-        <p:spPr bwMode="auto">
-          <a:xfrm>
-            <a:off x="4496089" y="2063750"/>
-            <a:ext cx="6858000" cy="4572000"/>
-          </a:xfrm>
-          <a:prstGeom prst="rect">
-            <a:avLst/>
-          </a:prstGeom>
-          <a:noFill/>
-          <a:extLst>
-            <a:ext uri="{909E8E84-426E-40DD-AFC4-6F175D3DCCD1}">
-              <a14:hiddenFill xmlns:a14="http://schemas.microsoft.com/office/drawing/2010/main">
-                <a:solidFill>
-                  <a:srgbClr val="FFFFFF"/>
-                </a:solidFill>
-              </a14:hiddenFill>
-            </a:ext>
-          </a:extLst>
-        </p:spPr>
-      </p:pic>
-    </p:spTree>
-    <p:extLst>
-      <p:ext uri="{BB962C8B-B14F-4D97-AF65-F5344CB8AC3E}">
-        <p14:creationId xmlns:p14="http://schemas.microsoft.com/office/powerpoint/2010/main" val="3504320579"/>
-      </p:ext>
-    </p:extLst>
-  </p:cSld>
-  <p:clrMapOvr>
-    <a:masterClrMapping/>
-  </p:clrMapOvr>
-  <p:timing>
-    <p:tnLst>
-      <p:par>
-        <p:cTn id="1" dur="indefinite" restart="never" nodeType="tmRoot"/>
-      </p:par>
-    </p:tnLst>
-  </p:timing>
-</p:sld>
-</file>
-
-<file path=ppt/slides/slide9.xml><?xml version="1.0" encoding="utf-8"?>
-<p:sld xmlns:a="http://schemas.openxmlformats.org/drawingml/2006/main" xmlns:r="http://schemas.openxmlformats.org/officeDocument/2006/relationships" xmlns:p="http://schemas.openxmlformats.org/presentationml/2006/main">
-  <p:cSld>
-    <p:spTree>
-      <p:nvGrpSpPr>
-        <p:cNvPr id="1" name=""/>
-        <p:cNvGrpSpPr/>
-        <p:nvPr/>
-      </p:nvGrpSpPr>
-      <p:grpSpPr>
-        <a:xfrm>
-          <a:off x="0" y="0"/>
-          <a:ext cx="0" cy="0"/>
-          <a:chOff x="0" y="0"/>
-          <a:chExt cx="0" cy="0"/>
-        </a:xfrm>
-      </p:grpSpPr>
-      <p:sp>
-        <p:nvSpPr>
-          <p:cNvPr id="2" name="Заголовок 1"/>
-          <p:cNvSpPr>
-            <a:spLocks noGrp="1"/>
-          </p:cNvSpPr>
-          <p:nvPr>
-            <p:ph type="title"/>
-          </p:nvPr>
-        </p:nvSpPr>
-        <p:spPr>
-          <a:xfrm>
-            <a:off x="685800" y="291552"/>
-            <a:ext cx="10131425" cy="1455738"/>
-          </a:xfrm>
-        </p:spPr>
-        <p:txBody>
-          <a:bodyPr/>
-          <a:lstStyle/>
-          <a:p>
-            <a:pPr algn="ctr"/>
-            <a:r>
-              <a:rPr lang="ru-RU" dirty="0" smtClean="0"/>
-              <a:t>Линза максимального диаметра</a:t>
-            </a:r>
-            <a:endParaRPr lang="ru-RU" dirty="0"/>
-          </a:p>
-        </p:txBody>
-      </p:sp>
-      <p:pic>
-        <p:nvPicPr>
-          <p:cNvPr id="4" name="Рисунок 3" descr="G:\Illustrations\9.png"/>
-          <p:cNvPicPr/>
-          <p:nvPr/>
-        </p:nvPicPr>
-        <p:blipFill>
-          <a:blip r:embed="rId2">
-            <a:extLst>
-              <a:ext uri="{28A0092B-C50C-407E-A947-70E740481C1C}">
-                <a14:useLocalDpi xmlns:a14="http://schemas.microsoft.com/office/drawing/2010/main" val="0"/>
-              </a:ext>
-            </a:extLst>
-          </a:blip>
-          <a:srcRect/>
-          <a:stretch>
-            <a:fillRect/>
-          </a:stretch>
-        </p:blipFill>
-        <p:spPr bwMode="auto">
-          <a:xfrm>
-            <a:off x="6408507" y="1689652"/>
-            <a:ext cx="5003359" cy="5003359"/>
-          </a:xfrm>
-          <a:prstGeom prst="rect">
-            <a:avLst/>
-          </a:prstGeom>
-          <a:noFill/>
-          <a:ln>
-            <a:noFill/>
-          </a:ln>
-        </p:spPr>
-      </p:pic>
-      <mc:AlternateContent xmlns:mc="http://schemas.openxmlformats.org/markup-compatibility/2006" xmlns:a14="http://schemas.microsoft.com/office/drawing/2010/main">
-        <mc:Choice Requires="a14">
-          <p:sp>
-            <p:nvSpPr>
-              <p:cNvPr id="3" name="Прямоугольник 2"/>
-              <p:cNvSpPr/>
-              <p:nvPr/>
-            </p:nvSpPr>
-            <p:spPr>
-              <a:xfrm>
-                <a:off x="415874" y="2377844"/>
-                <a:ext cx="5010891" cy="1432572"/>
-              </a:xfrm>
-              <a:prstGeom prst="rect">
-                <a:avLst/>
-              </a:prstGeom>
-            </p:spPr>
-            <p:txBody>
-              <a:bodyPr wrap="square">
-                <a:spAutoFit/>
-              </a:bodyPr>
-              <a:lstStyle/>
-              <a:p>
-                <a:pPr/>
-                <a14:m>
-                  <m:oMathPara xmlns:m="http://schemas.openxmlformats.org/officeDocument/2006/math">
-                    <m:oMathParaPr>
-                      <m:jc m:val="centerGroup"/>
-                    </m:oMathParaPr>
-                    <m:oMath xmlns:m="http://schemas.openxmlformats.org/officeDocument/2006/math">
-                      <m:r>
-                        <a:rPr lang="ru-RU" sz="3200" i="1" smtClean="0">
-                          <a:latin typeface="Cambria Math"/>
-                        </a:rPr>
-                        <m:t>𝑅</m:t>
-                      </m:r>
-                      <m:r>
-                        <a:rPr lang="ru-RU" sz="3200" i="1" smtClean="0">
-                          <a:latin typeface="Cambria Math"/>
-                        </a:rPr>
-                        <m:t>= </m:t>
-                      </m:r>
-                      <m:rad>
-                        <m:radPr>
-                          <m:degHide m:val="on"/>
-                          <m:ctrlPr>
-                            <a:rPr lang="ru-RU" sz="3200" i="1">
-                              <a:latin typeface="Cambria Math"/>
-                            </a:rPr>
-                          </m:ctrlPr>
-                        </m:radPr>
-                        <m:deg/>
-                        <m:e>
-                          <m:sSup>
-                            <m:sSupPr>
-                              <m:ctrlPr>
-                                <a:rPr lang="ru-RU" sz="3200" i="1">
-                                  <a:latin typeface="Cambria Math"/>
-                                </a:rPr>
-                              </m:ctrlPr>
-                            </m:sSupPr>
-                            <m:e>
-                              <m:r>
-                                <a:rPr lang="ru-RU" sz="3200" i="1">
-                                  <a:latin typeface="Cambria Math"/>
-                                </a:rPr>
-                                <m:t>𝑐</m:t>
-                              </m:r>
-                            </m:e>
-                            <m:sup>
-                              <m:r>
-                                <a:rPr lang="ru-RU" sz="3200" i="1">
-                                  <a:latin typeface="Cambria Math"/>
-                                </a:rPr>
-                                <m:t>2</m:t>
-                              </m:r>
-                            </m:sup>
-                          </m:sSup>
-                          <m:r>
-                            <a:rPr lang="ru-RU" sz="3200" i="1">
-                              <a:latin typeface="Cambria Math"/>
-                            </a:rPr>
-                            <m:t>+</m:t>
-                          </m:r>
-                          <m:sSup>
-                            <m:sSupPr>
-                              <m:ctrlPr>
-                                <a:rPr lang="ru-RU" sz="3200" i="1">
-                                  <a:latin typeface="Cambria Math"/>
-                                </a:rPr>
-                              </m:ctrlPr>
-                            </m:sSupPr>
-                            <m:e>
-                              <m:r>
-                                <a:rPr lang="ru-RU" sz="3200" i="1">
-                                  <a:latin typeface="Cambria Math"/>
-                                </a:rPr>
-                                <m:t>𝑏</m:t>
-                              </m:r>
-                            </m:e>
-                            <m:sup>
-                              <m:r>
-                                <a:rPr lang="ru-RU" sz="3200" i="1">
-                                  <a:latin typeface="Cambria Math"/>
-                                </a:rPr>
-                                <m:t>2</m:t>
-                              </m:r>
-                            </m:sup>
-                          </m:sSup>
-                        </m:e>
-                      </m:rad>
-                      <m:r>
-                        <a:rPr lang="ru-RU" sz="3200" b="0" i="1" smtClean="0">
-                          <a:latin typeface="Cambria Math"/>
-                        </a:rPr>
-                        <m:t>=</m:t>
-                      </m:r>
-                      <m:r>
-                        <a:rPr lang="ru-RU" sz="3200" i="1">
-                          <a:latin typeface="Cambria Math"/>
-                        </a:rPr>
-                        <m:t>= </m:t>
-                      </m:r>
-                      <m:rad>
-                        <m:radPr>
-                          <m:degHide m:val="on"/>
-                          <m:ctrlPr>
-                            <a:rPr lang="ru-RU" sz="3200" i="1">
-                              <a:latin typeface="Cambria Math"/>
-                            </a:rPr>
-                          </m:ctrlPr>
-                        </m:radPr>
-                        <m:deg/>
-                        <m:e>
-                          <m:sSup>
-                            <m:sSupPr>
-                              <m:ctrlPr>
-                                <a:rPr lang="ru-RU" sz="3200" i="1">
-                                  <a:latin typeface="Cambria Math"/>
-                                </a:rPr>
-                              </m:ctrlPr>
-                            </m:sSupPr>
-                            <m:e>
-                              <m:r>
-                                <a:rPr lang="ru-RU" sz="3200" i="1">
-                                  <a:latin typeface="Cambria Math"/>
-                                </a:rPr>
-                                <m:t>𝑎</m:t>
-                              </m:r>
-                            </m:e>
-                            <m:sup>
-                              <m:r>
-                                <a:rPr lang="ru-RU" sz="3200" i="1">
-                                  <a:latin typeface="Cambria Math"/>
-                                </a:rPr>
-                                <m:t>2</m:t>
-                              </m:r>
-                            </m:sup>
-                          </m:sSup>
-                          <m:r>
-                            <a:rPr lang="ru-RU" sz="3200" i="1">
-                              <a:latin typeface="Cambria Math"/>
-                            </a:rPr>
-                            <m:t>−</m:t>
-                          </m:r>
-                          <m:sSup>
-                            <m:sSupPr>
-                              <m:ctrlPr>
-                                <a:rPr lang="ru-RU" sz="3200" i="1">
-                                  <a:latin typeface="Cambria Math"/>
-                                </a:rPr>
-                              </m:ctrlPr>
-                            </m:sSupPr>
-                            <m:e>
-                              <m:r>
-                                <a:rPr lang="ru-RU" sz="3200" i="1">
-                                  <a:latin typeface="Cambria Math"/>
-                                </a:rPr>
-                                <m:t>𝑏</m:t>
-                              </m:r>
-                            </m:e>
-                            <m:sup>
-                              <m:r>
-                                <a:rPr lang="ru-RU" sz="3200" i="1">
-                                  <a:latin typeface="Cambria Math"/>
-                                </a:rPr>
-                                <m:t>2</m:t>
-                              </m:r>
-                            </m:sup>
-                          </m:sSup>
-                          <m:r>
-                            <a:rPr lang="ru-RU" sz="3200" i="1">
-                              <a:latin typeface="Cambria Math"/>
-                            </a:rPr>
-                            <m:t>+</m:t>
-                          </m:r>
-                          <m:sSup>
-                            <m:sSupPr>
-                              <m:ctrlPr>
-                                <a:rPr lang="ru-RU" sz="3200" i="1">
-                                  <a:latin typeface="Cambria Math"/>
-                                </a:rPr>
-                              </m:ctrlPr>
-                            </m:sSupPr>
-                            <m:e>
-                              <m:r>
-                                <a:rPr lang="ru-RU" sz="3200" i="1">
-                                  <a:latin typeface="Cambria Math"/>
-                                </a:rPr>
-                                <m:t>𝑏</m:t>
-                              </m:r>
-                            </m:e>
-                            <m:sup>
-                              <m:r>
-                                <a:rPr lang="ru-RU" sz="3200" i="1">
-                                  <a:latin typeface="Cambria Math"/>
-                                </a:rPr>
-                                <m:t>2</m:t>
-                              </m:r>
-                            </m:sup>
-                          </m:sSup>
-                        </m:e>
-                      </m:rad>
-                      <m:r>
-                        <a:rPr lang="ru-RU" sz="3200" i="1">
-                          <a:latin typeface="Cambria Math"/>
-                        </a:rPr>
-                        <m:t>=</m:t>
-                      </m:r>
-                      <m:r>
-                        <a:rPr lang="ru-RU" sz="3200" i="1">
-                          <a:latin typeface="Cambria Math"/>
-                        </a:rPr>
-                        <m:t>𝑎</m:t>
-                      </m:r>
-                    </m:oMath>
-                  </m:oMathPara>
-                </a14:m>
-                <a:endParaRPr lang="ru-RU" dirty="0"/>
-              </a:p>
-            </p:txBody>
-          </p:sp>
-        </mc:Choice>
-        <mc:Fallback xmlns="">
-          <p:sp>
-            <p:nvSpPr>
-              <p:cNvPr id="3" name="Прямоугольник 2"/>
-              <p:cNvSpPr>
-                <a:spLocks noRot="1" noChangeAspect="1" noMove="1" noResize="1" noEditPoints="1" noAdjustHandles="1" noChangeArrowheads="1" noChangeShapeType="1" noTextEdit="1"/>
-              </p:cNvSpPr>
-              <p:nvPr/>
-            </p:nvSpPr>
-            <p:spPr>
-              <a:xfrm>
-                <a:off x="415874" y="2377844"/>
-                <a:ext cx="5010891" cy="1432572"/>
-              </a:xfrm>
-              <a:prstGeom prst="rect">
-                <a:avLst/>
-              </a:prstGeom>
-              <a:blipFill rotWithShape="1">
-                <a:blip r:embed="rId3"/>
-                <a:stretch>
-                  <a:fillRect/>
-                </a:stretch>
-              </a:blipFill>
-            </p:spPr>
-            <p:txBody>
-              <a:bodyPr/>
-              <a:lstStyle/>
-              <a:p>
-                <a:r>
-                  <a:rPr lang="ru-RU">
-                    <a:noFill/>
-                  </a:rPr>
-                  <a:t> </a:t>
-                </a:r>
-              </a:p>
-            </p:txBody>
-          </p:sp>
-        </mc:Fallback>
-      </mc:AlternateContent>
-    </p:spTree>
-    <p:extLst>
-      <p:ext uri="{BB962C8B-B14F-4D97-AF65-F5344CB8AC3E}">
-        <p14:creationId xmlns:p14="http://schemas.microsoft.com/office/powerpoint/2010/main" val="1053928445"/>
-      </p:ext>
-    </p:extLst>
-  </p:cSld>
-  <p:clrMapOvr>
-    <a:masterClrMapping/>
-  </p:clrMapOvr>
-  <p:timing>
-    <p:tnLst>
-      <p:par>
-        <p:cTn id="1" dur="indefinite" restart="never" nodeType="tmRoot"/>
-      </p:par>
-    </p:tnLst>
-  </p:timing>
-</p:sld>
-</file>
-
 <file path=ppt/theme/theme1.xml><?xml version="1.0" encoding="utf-8"?>
 <a:theme xmlns:a="http://schemas.openxmlformats.org/drawingml/2006/main" name="Небеса">
   <a:themeElements>
@@ -15179,7 +16360,7 @@
   <a:extraClrSchemeLst/>
   <a:extLst>
     <a:ext uri="{05A4C25C-085E-4340-85A3-A5531E510DB2}">
-      <thm15:themeFamily xmlns:thm15="http://schemas.microsoft.com/office/thememl/2012/main" xmlns="" name="Celestial" id="{C4BB2A3D-0E93-4C5F-B0D2-9D3FCE089CC5}" vid="{42E5908D-19A2-46FD-89FA-638B126129EF}"/>
+      <thm15:themeFamily xmlns="" xmlns:thm15="http://schemas.microsoft.com/office/thememl/2012/main" name="Celestial" id="{C4BB2A3D-0E93-4C5F-B0D2-9D3FCE089CC5}" vid="{42E5908D-19A2-46FD-89FA-638B126129EF}"/>
     </a:ext>
   </a:extLst>
 </a:theme>
